--- a/iFood Data Business Analyst Case.pptx
+++ b/iFood Data Business Analyst Case.pptx
@@ -16,10 +16,10 @@
     <p:sldId id="261" r:id="rId7"/>
     <p:sldId id="262" r:id="rId8"/>
     <p:sldId id="263" r:id="rId9"/>
-    <p:sldId id="265" r:id="rId10"/>
+    <p:sldId id="267" r:id="rId10"/>
     <p:sldId id="264" r:id="rId11"/>
     <p:sldId id="266" r:id="rId12"/>
-    <p:sldId id="258" r:id="rId13"/>
+    <p:sldId id="268" r:id="rId13"/>
   </p:sldIdLst>
   <p:sldSz cx="12192000" cy="6858000"/>
   <p:notesSz cx="6858000" cy="9144000"/>
@@ -140,3710 +140,6 @@
 </p:presentation>
 </file>
 
-<file path=ppt/diagrams/colors1.xml><?xml version="1.0" encoding="utf-8"?>
-<dgm:colorsDef xmlns:dgm="http://schemas.openxmlformats.org/drawingml/2006/diagram" xmlns:a="http://schemas.openxmlformats.org/drawingml/2006/main" uniqueId="urn:microsoft.com/office/officeart/2005/8/colors/accent1_3">
-  <dgm:title val=""/>
-  <dgm:desc val=""/>
-  <dgm:catLst>
-    <dgm:cat type="accent1" pri="11300"/>
-  </dgm:catLst>
-  <dgm:styleLbl name="node0">
-    <dgm:fillClrLst meth="repeat">
-      <a:schemeClr val="accent1">
-        <a:shade val="80000"/>
-      </a:schemeClr>
-    </dgm:fillClrLst>
-    <dgm:linClrLst meth="repeat">
-      <a:schemeClr val="lt1"/>
-    </dgm:linClrLst>
-    <dgm:effectClrLst/>
-    <dgm:txLinClrLst/>
-    <dgm:txFillClrLst/>
-    <dgm:txEffectClrLst/>
-  </dgm:styleLbl>
-  <dgm:styleLbl name="alignNode1">
-    <dgm:fillClrLst>
-      <a:schemeClr val="accent1">
-        <a:shade val="80000"/>
-      </a:schemeClr>
-      <a:schemeClr val="accent1">
-        <a:tint val="70000"/>
-      </a:schemeClr>
-    </dgm:fillClrLst>
-    <dgm:linClrLst>
-      <a:schemeClr val="accent1">
-        <a:shade val="80000"/>
-      </a:schemeClr>
-      <a:schemeClr val="accent1">
-        <a:tint val="70000"/>
-      </a:schemeClr>
-    </dgm:linClrLst>
-    <dgm:effectClrLst/>
-    <dgm:txLinClrLst/>
-    <dgm:txFillClrLst/>
-    <dgm:txEffectClrLst/>
-  </dgm:styleLbl>
-  <dgm:styleLbl name="node1">
-    <dgm:fillClrLst>
-      <a:schemeClr val="accent1">
-        <a:shade val="80000"/>
-      </a:schemeClr>
-      <a:schemeClr val="accent1">
-        <a:tint val="70000"/>
-      </a:schemeClr>
-    </dgm:fillClrLst>
-    <dgm:linClrLst meth="repeat">
-      <a:schemeClr val="lt1"/>
-    </dgm:linClrLst>
-    <dgm:effectClrLst/>
-    <dgm:txLinClrLst/>
-    <dgm:txFillClrLst/>
-    <dgm:txEffectClrLst/>
-  </dgm:styleLbl>
-  <dgm:styleLbl name="lnNode1">
-    <dgm:fillClrLst>
-      <a:schemeClr val="accent1">
-        <a:shade val="80000"/>
-      </a:schemeClr>
-      <a:schemeClr val="accent1">
-        <a:tint val="70000"/>
-      </a:schemeClr>
-    </dgm:fillClrLst>
-    <dgm:linClrLst meth="repeat">
-      <a:schemeClr val="lt1"/>
-    </dgm:linClrLst>
-    <dgm:effectClrLst/>
-    <dgm:txLinClrLst/>
-    <dgm:txFillClrLst/>
-    <dgm:txEffectClrLst/>
-  </dgm:styleLbl>
-  <dgm:styleLbl name="vennNode1">
-    <dgm:fillClrLst>
-      <a:schemeClr val="accent1">
-        <a:shade val="80000"/>
-        <a:alpha val="50000"/>
-      </a:schemeClr>
-      <a:schemeClr val="accent1">
-        <a:tint val="70000"/>
-        <a:alpha val="50000"/>
-      </a:schemeClr>
-    </dgm:fillClrLst>
-    <dgm:linClrLst meth="repeat">
-      <a:schemeClr val="lt1"/>
-    </dgm:linClrLst>
-    <dgm:effectClrLst/>
-    <dgm:txLinClrLst/>
-    <dgm:txFillClrLst/>
-    <dgm:txEffectClrLst/>
-  </dgm:styleLbl>
-  <dgm:styleLbl name="node2">
-    <dgm:fillClrLst>
-      <a:schemeClr val="accent1">
-        <a:tint val="99000"/>
-      </a:schemeClr>
-    </dgm:fillClrLst>
-    <dgm:linClrLst meth="repeat">
-      <a:schemeClr val="lt1"/>
-    </dgm:linClrLst>
-    <dgm:effectClrLst/>
-    <dgm:txLinClrLst/>
-    <dgm:txFillClrLst/>
-    <dgm:txEffectClrLst/>
-  </dgm:styleLbl>
-  <dgm:styleLbl name="node3">
-    <dgm:fillClrLst>
-      <a:schemeClr val="accent1">
-        <a:tint val="80000"/>
-      </a:schemeClr>
-    </dgm:fillClrLst>
-    <dgm:linClrLst meth="repeat">
-      <a:schemeClr val="lt1"/>
-    </dgm:linClrLst>
-    <dgm:effectClrLst/>
-    <dgm:txLinClrLst/>
-    <dgm:txFillClrLst/>
-    <dgm:txEffectClrLst/>
-  </dgm:styleLbl>
-  <dgm:styleLbl name="node4">
-    <dgm:fillClrLst>
-      <a:schemeClr val="accent1">
-        <a:tint val="70000"/>
-      </a:schemeClr>
-    </dgm:fillClrLst>
-    <dgm:linClrLst meth="repeat">
-      <a:schemeClr val="lt1"/>
-    </dgm:linClrLst>
-    <dgm:effectClrLst/>
-    <dgm:txLinClrLst/>
-    <dgm:txFillClrLst/>
-    <dgm:txEffectClrLst/>
-  </dgm:styleLbl>
-  <dgm:styleLbl name="fgImgPlace1">
-    <dgm:fillClrLst>
-      <a:schemeClr val="accent1">
-        <a:tint val="50000"/>
-      </a:schemeClr>
-      <a:schemeClr val="accent1">
-        <a:tint val="20000"/>
-      </a:schemeClr>
-    </dgm:fillClrLst>
-    <dgm:linClrLst meth="repeat">
-      <a:schemeClr val="lt1"/>
-    </dgm:linClrLst>
-    <dgm:effectClrLst/>
-    <dgm:txLinClrLst/>
-    <dgm:txFillClrLst meth="repeat">
-      <a:schemeClr val="lt1"/>
-    </dgm:txFillClrLst>
-    <dgm:txEffectClrLst/>
-  </dgm:styleLbl>
-  <dgm:styleLbl name="alignImgPlace1">
-    <dgm:fillClrLst>
-      <a:schemeClr val="accent1">
-        <a:tint val="50000"/>
-      </a:schemeClr>
-      <a:schemeClr val="accent1">
-        <a:tint val="20000"/>
-      </a:schemeClr>
-    </dgm:fillClrLst>
-    <dgm:linClrLst meth="repeat">
-      <a:schemeClr val="lt1"/>
-    </dgm:linClrLst>
-    <dgm:effectClrLst/>
-    <dgm:txLinClrLst/>
-    <dgm:txFillClrLst meth="repeat">
-      <a:schemeClr val="lt1"/>
-    </dgm:txFillClrLst>
-    <dgm:txEffectClrLst/>
-  </dgm:styleLbl>
-  <dgm:styleLbl name="bgImgPlace1">
-    <dgm:fillClrLst>
-      <a:schemeClr val="accent1">
-        <a:tint val="50000"/>
-      </a:schemeClr>
-      <a:schemeClr val="accent1">
-        <a:tint val="20000"/>
-      </a:schemeClr>
-    </dgm:fillClrLst>
-    <dgm:linClrLst meth="repeat">
-      <a:schemeClr val="lt1"/>
-    </dgm:linClrLst>
-    <dgm:effectClrLst/>
-    <dgm:txLinClrLst/>
-    <dgm:txFillClrLst meth="repeat">
-      <a:schemeClr val="lt1"/>
-    </dgm:txFillClrLst>
-    <dgm:txEffectClrLst/>
-  </dgm:styleLbl>
-  <dgm:styleLbl name="sibTrans2D1">
-    <dgm:fillClrLst>
-      <a:schemeClr val="accent1">
-        <a:shade val="90000"/>
-      </a:schemeClr>
-      <a:schemeClr val="accent1">
-        <a:tint val="70000"/>
-      </a:schemeClr>
-    </dgm:fillClrLst>
-    <dgm:linClrLst>
-      <a:schemeClr val="accent1">
-        <a:shade val="90000"/>
-      </a:schemeClr>
-      <a:schemeClr val="accent1">
-        <a:tint val="70000"/>
-      </a:schemeClr>
-    </dgm:linClrLst>
-    <dgm:effectClrLst/>
-    <dgm:txLinClrLst/>
-    <dgm:txFillClrLst/>
-    <dgm:txEffectClrLst/>
-  </dgm:styleLbl>
-  <dgm:styleLbl name="fgSibTrans2D1">
-    <dgm:fillClrLst>
-      <a:schemeClr val="accent1">
-        <a:shade val="90000"/>
-      </a:schemeClr>
-      <a:schemeClr val="accent1">
-        <a:tint val="70000"/>
-      </a:schemeClr>
-    </dgm:fillClrLst>
-    <dgm:linClrLst>
-      <a:schemeClr val="accent1">
-        <a:shade val="90000"/>
-      </a:schemeClr>
-      <a:schemeClr val="accent1">
-        <a:tint val="70000"/>
-      </a:schemeClr>
-    </dgm:linClrLst>
-    <dgm:effectClrLst/>
-    <dgm:txLinClrLst/>
-    <dgm:txFillClrLst meth="repeat">
-      <a:schemeClr val="lt1"/>
-    </dgm:txFillClrLst>
-    <dgm:txEffectClrLst/>
-  </dgm:styleLbl>
-  <dgm:styleLbl name="bgSibTrans2D1">
-    <dgm:fillClrLst>
-      <a:schemeClr val="accent1">
-        <a:shade val="90000"/>
-      </a:schemeClr>
-      <a:schemeClr val="accent1">
-        <a:tint val="70000"/>
-      </a:schemeClr>
-    </dgm:fillClrLst>
-    <dgm:linClrLst>
-      <a:schemeClr val="accent1">
-        <a:shade val="90000"/>
-      </a:schemeClr>
-      <a:schemeClr val="accent1">
-        <a:tint val="70000"/>
-      </a:schemeClr>
-    </dgm:linClrLst>
-    <dgm:effectClrLst/>
-    <dgm:txLinClrLst/>
-    <dgm:txFillClrLst meth="repeat">
-      <a:schemeClr val="lt1"/>
-    </dgm:txFillClrLst>
-    <dgm:txEffectClrLst/>
-  </dgm:styleLbl>
-  <dgm:styleLbl name="sibTrans1D1">
-    <dgm:fillClrLst>
-      <a:schemeClr val="accent1">
-        <a:shade val="90000"/>
-      </a:schemeClr>
-      <a:schemeClr val="accent1">
-        <a:tint val="70000"/>
-      </a:schemeClr>
-    </dgm:fillClrLst>
-    <dgm:linClrLst>
-      <a:schemeClr val="accent1">
-        <a:shade val="90000"/>
-      </a:schemeClr>
-      <a:schemeClr val="accent1">
-        <a:tint val="70000"/>
-      </a:schemeClr>
-    </dgm:linClrLst>
-    <dgm:effectClrLst/>
-    <dgm:txLinClrLst/>
-    <dgm:txFillClrLst meth="repeat">
-      <a:schemeClr val="tx1"/>
-    </dgm:txFillClrLst>
-    <dgm:txEffectClrLst/>
-  </dgm:styleLbl>
-  <dgm:styleLbl name="callout">
-    <dgm:fillClrLst meth="repeat">
-      <a:schemeClr val="accent1"/>
-    </dgm:fillClrLst>
-    <dgm:linClrLst meth="repeat">
-      <a:schemeClr val="accent1"/>
-    </dgm:linClrLst>
-    <dgm:effectClrLst/>
-    <dgm:txLinClrLst/>
-    <dgm:txFillClrLst meth="repeat">
-      <a:schemeClr val="tx1"/>
-    </dgm:txFillClrLst>
-    <dgm:txEffectClrLst/>
-  </dgm:styleLbl>
-  <dgm:styleLbl name="asst0">
-    <dgm:fillClrLst meth="repeat">
-      <a:schemeClr val="accent1">
-        <a:shade val="80000"/>
-      </a:schemeClr>
-    </dgm:fillClrLst>
-    <dgm:linClrLst meth="repeat">
-      <a:schemeClr val="lt1"/>
-    </dgm:linClrLst>
-    <dgm:effectClrLst/>
-    <dgm:txLinClrLst/>
-    <dgm:txFillClrLst/>
-    <dgm:txEffectClrLst/>
-  </dgm:styleLbl>
-  <dgm:styleLbl name="asst1">
-    <dgm:fillClrLst meth="repeat">
-      <a:schemeClr val="accent1">
-        <a:shade val="80000"/>
-      </a:schemeClr>
-    </dgm:fillClrLst>
-    <dgm:linClrLst meth="repeat">
-      <a:schemeClr val="lt1"/>
-    </dgm:linClrLst>
-    <dgm:effectClrLst/>
-    <dgm:txLinClrLst/>
-    <dgm:txFillClrLst/>
-    <dgm:txEffectClrLst/>
-  </dgm:styleLbl>
-  <dgm:styleLbl name="asst2">
-    <dgm:fillClrLst>
-      <a:schemeClr val="accent1">
-        <a:tint val="99000"/>
-      </a:schemeClr>
-    </dgm:fillClrLst>
-    <dgm:linClrLst meth="repeat">
-      <a:schemeClr val="lt1"/>
-    </dgm:linClrLst>
-    <dgm:effectClrLst/>
-    <dgm:txLinClrLst/>
-    <dgm:txFillClrLst/>
-    <dgm:txEffectClrLst/>
-  </dgm:styleLbl>
-  <dgm:styleLbl name="asst3">
-    <dgm:fillClrLst>
-      <a:schemeClr val="accent1">
-        <a:tint val="80000"/>
-      </a:schemeClr>
-    </dgm:fillClrLst>
-    <dgm:linClrLst meth="repeat">
-      <a:schemeClr val="lt1"/>
-    </dgm:linClrLst>
-    <dgm:effectClrLst/>
-    <dgm:txLinClrLst/>
-    <dgm:txFillClrLst/>
-    <dgm:txEffectClrLst/>
-  </dgm:styleLbl>
-  <dgm:styleLbl name="asst4">
-    <dgm:fillClrLst>
-      <a:schemeClr val="accent1">
-        <a:tint val="70000"/>
-      </a:schemeClr>
-    </dgm:fillClrLst>
-    <dgm:linClrLst meth="repeat">
-      <a:schemeClr val="lt1"/>
-    </dgm:linClrLst>
-    <dgm:effectClrLst/>
-    <dgm:txLinClrLst/>
-    <dgm:txFillClrLst/>
-    <dgm:txEffectClrLst/>
-  </dgm:styleLbl>
-  <dgm:styleLbl name="parChTrans2D1">
-    <dgm:fillClrLst meth="repeat">
-      <a:schemeClr val="accent1">
-        <a:tint val="60000"/>
-      </a:schemeClr>
-    </dgm:fillClrLst>
-    <dgm:linClrLst meth="repeat">
-      <a:schemeClr val="accent1">
-        <a:tint val="60000"/>
-      </a:schemeClr>
-    </dgm:linClrLst>
-    <dgm:effectClrLst/>
-    <dgm:txLinClrLst/>
-    <dgm:txFillClrLst meth="repeat">
-      <a:schemeClr val="lt1"/>
-    </dgm:txFillClrLst>
-    <dgm:txEffectClrLst/>
-  </dgm:styleLbl>
-  <dgm:styleLbl name="parChTrans2D2">
-    <dgm:fillClrLst meth="repeat">
-      <a:schemeClr val="accent1">
-        <a:tint val="90000"/>
-      </a:schemeClr>
-    </dgm:fillClrLst>
-    <dgm:linClrLst meth="repeat">
-      <a:schemeClr val="accent1">
-        <a:tint val="90000"/>
-      </a:schemeClr>
-    </dgm:linClrLst>
-    <dgm:effectClrLst/>
-    <dgm:txLinClrLst/>
-    <dgm:txFillClrLst/>
-    <dgm:txEffectClrLst/>
-  </dgm:styleLbl>
-  <dgm:styleLbl name="parChTrans2D3">
-    <dgm:fillClrLst meth="repeat">
-      <a:schemeClr val="accent1">
-        <a:tint val="70000"/>
-      </a:schemeClr>
-    </dgm:fillClrLst>
-    <dgm:linClrLst meth="repeat">
-      <a:schemeClr val="accent1">
-        <a:tint val="70000"/>
-      </a:schemeClr>
-    </dgm:linClrLst>
-    <dgm:effectClrLst/>
-    <dgm:txLinClrLst/>
-    <dgm:txFillClrLst/>
-    <dgm:txEffectClrLst/>
-  </dgm:styleLbl>
-  <dgm:styleLbl name="parChTrans2D4">
-    <dgm:fillClrLst meth="repeat">
-      <a:schemeClr val="accent1">
-        <a:tint val="50000"/>
-      </a:schemeClr>
-    </dgm:fillClrLst>
-    <dgm:linClrLst meth="repeat">
-      <a:schemeClr val="accent1">
-        <a:tint val="50000"/>
-      </a:schemeClr>
-    </dgm:linClrLst>
-    <dgm:effectClrLst/>
-    <dgm:txLinClrLst/>
-    <dgm:txFillClrLst meth="repeat">
-      <a:schemeClr val="lt1"/>
-    </dgm:txFillClrLst>
-    <dgm:txEffectClrLst/>
-  </dgm:styleLbl>
-  <dgm:styleLbl name="parChTrans1D1">
-    <dgm:fillClrLst meth="repeat">
-      <a:schemeClr val="accent1">
-        <a:shade val="80000"/>
-      </a:schemeClr>
-    </dgm:fillClrLst>
-    <dgm:linClrLst meth="repeat">
-      <a:schemeClr val="accent1">
-        <a:shade val="80000"/>
-      </a:schemeClr>
-    </dgm:linClrLst>
-    <dgm:effectClrLst/>
-    <dgm:txLinClrLst/>
-    <dgm:txFillClrLst meth="repeat">
-      <a:schemeClr val="tx1"/>
-    </dgm:txFillClrLst>
-    <dgm:txEffectClrLst/>
-  </dgm:styleLbl>
-  <dgm:styleLbl name="parChTrans1D2">
-    <dgm:fillClrLst meth="repeat">
-      <a:schemeClr val="accent1">
-        <a:tint val="99000"/>
-      </a:schemeClr>
-    </dgm:fillClrLst>
-    <dgm:linClrLst meth="repeat">
-      <a:schemeClr val="accent1">
-        <a:tint val="99000"/>
-      </a:schemeClr>
-    </dgm:linClrLst>
-    <dgm:effectClrLst/>
-    <dgm:txLinClrLst/>
-    <dgm:txFillClrLst meth="repeat">
-      <a:schemeClr val="tx1"/>
-    </dgm:txFillClrLst>
-    <dgm:txEffectClrLst/>
-  </dgm:styleLbl>
-  <dgm:styleLbl name="parChTrans1D3">
-    <dgm:fillClrLst meth="repeat">
-      <a:schemeClr val="accent1">
-        <a:tint val="80000"/>
-      </a:schemeClr>
-    </dgm:fillClrLst>
-    <dgm:linClrLst meth="repeat">
-      <a:schemeClr val="accent1">
-        <a:tint val="80000"/>
-      </a:schemeClr>
-    </dgm:linClrLst>
-    <dgm:effectClrLst/>
-    <dgm:txLinClrLst/>
-    <dgm:txFillClrLst meth="repeat">
-      <a:schemeClr val="tx1"/>
-    </dgm:txFillClrLst>
-    <dgm:txEffectClrLst/>
-  </dgm:styleLbl>
-  <dgm:styleLbl name="parChTrans1D4">
-    <dgm:fillClrLst meth="repeat">
-      <a:schemeClr val="accent1">
-        <a:tint val="70000"/>
-      </a:schemeClr>
-    </dgm:fillClrLst>
-    <dgm:linClrLst meth="repeat">
-      <a:schemeClr val="accent1">
-        <a:tint val="70000"/>
-      </a:schemeClr>
-    </dgm:linClrLst>
-    <dgm:effectClrLst/>
-    <dgm:txLinClrLst/>
-    <dgm:txFillClrLst meth="repeat">
-      <a:schemeClr val="tx1"/>
-    </dgm:txFillClrLst>
-    <dgm:txEffectClrLst/>
-  </dgm:styleLbl>
-  <dgm:styleLbl name="fgAcc1">
-    <dgm:fillClrLst meth="repeat">
-      <a:schemeClr val="lt1">
-        <a:alpha val="90000"/>
-      </a:schemeClr>
-    </dgm:fillClrLst>
-    <dgm:linClrLst>
-      <a:schemeClr val="accent1">
-        <a:shade val="80000"/>
-      </a:schemeClr>
-      <a:schemeClr val="accent1">
-        <a:tint val="70000"/>
-      </a:schemeClr>
-    </dgm:linClrLst>
-    <dgm:effectClrLst/>
-    <dgm:txLinClrLst/>
-    <dgm:txFillClrLst meth="repeat">
-      <a:schemeClr val="dk1"/>
-    </dgm:txFillClrLst>
-    <dgm:txEffectClrLst/>
-  </dgm:styleLbl>
-  <dgm:styleLbl name="conFgAcc1">
-    <dgm:fillClrLst meth="repeat">
-      <a:schemeClr val="lt1">
-        <a:alpha val="90000"/>
-      </a:schemeClr>
-    </dgm:fillClrLst>
-    <dgm:linClrLst>
-      <a:schemeClr val="accent1">
-        <a:shade val="80000"/>
-      </a:schemeClr>
-      <a:schemeClr val="accent1">
-        <a:tint val="70000"/>
-      </a:schemeClr>
-    </dgm:linClrLst>
-    <dgm:effectClrLst/>
-    <dgm:txLinClrLst/>
-    <dgm:txFillClrLst meth="repeat">
-      <a:schemeClr val="dk1"/>
-    </dgm:txFillClrLst>
-    <dgm:txEffectClrLst/>
-  </dgm:styleLbl>
-  <dgm:styleLbl name="alignAcc1">
-    <dgm:fillClrLst meth="repeat">
-      <a:schemeClr val="lt1">
-        <a:alpha val="90000"/>
-      </a:schemeClr>
-    </dgm:fillClrLst>
-    <dgm:linClrLst>
-      <a:schemeClr val="accent1">
-        <a:shade val="80000"/>
-      </a:schemeClr>
-      <a:schemeClr val="accent1">
-        <a:tint val="70000"/>
-      </a:schemeClr>
-    </dgm:linClrLst>
-    <dgm:effectClrLst/>
-    <dgm:txLinClrLst/>
-    <dgm:txFillClrLst meth="repeat">
-      <a:schemeClr val="dk1"/>
-    </dgm:txFillClrLst>
-    <dgm:txEffectClrLst/>
-  </dgm:styleLbl>
-  <dgm:styleLbl name="trAlignAcc1">
-    <dgm:fillClrLst meth="repeat">
-      <a:schemeClr val="lt1">
-        <a:alpha val="40000"/>
-      </a:schemeClr>
-    </dgm:fillClrLst>
-    <dgm:linClrLst meth="repeat">
-      <a:schemeClr val="accent1"/>
-    </dgm:linClrLst>
-    <dgm:effectClrLst/>
-    <dgm:txLinClrLst/>
-    <dgm:txFillClrLst meth="repeat">
-      <a:schemeClr val="dk1"/>
-    </dgm:txFillClrLst>
-    <dgm:txEffectClrLst/>
-  </dgm:styleLbl>
-  <dgm:styleLbl name="bgAcc1">
-    <dgm:fillClrLst meth="repeat">
-      <a:schemeClr val="lt1">
-        <a:alpha val="90000"/>
-      </a:schemeClr>
-    </dgm:fillClrLst>
-    <dgm:linClrLst>
-      <a:schemeClr val="accent1">
-        <a:shade val="80000"/>
-      </a:schemeClr>
-      <a:schemeClr val="accent1">
-        <a:tint val="70000"/>
-      </a:schemeClr>
-    </dgm:linClrLst>
-    <dgm:effectClrLst/>
-    <dgm:txLinClrLst/>
-    <dgm:txFillClrLst meth="repeat">
-      <a:schemeClr val="dk1"/>
-    </dgm:txFillClrLst>
-    <dgm:txEffectClrLst/>
-  </dgm:styleLbl>
-  <dgm:styleLbl name="solidFgAcc1">
-    <dgm:fillClrLst meth="repeat">
-      <a:schemeClr val="lt1"/>
-    </dgm:fillClrLst>
-    <dgm:linClrLst>
-      <a:schemeClr val="accent1">
-        <a:shade val="80000"/>
-      </a:schemeClr>
-      <a:schemeClr val="accent1">
-        <a:tint val="70000"/>
-      </a:schemeClr>
-    </dgm:linClrLst>
-    <dgm:effectClrLst/>
-    <dgm:txLinClrLst/>
-    <dgm:txFillClrLst meth="repeat">
-      <a:schemeClr val="dk1"/>
-    </dgm:txFillClrLst>
-    <dgm:txEffectClrLst/>
-  </dgm:styleLbl>
-  <dgm:styleLbl name="solidAlignAcc1">
-    <dgm:fillClrLst meth="repeat">
-      <a:schemeClr val="lt1"/>
-    </dgm:fillClrLst>
-    <dgm:linClrLst meth="repeat">
-      <a:schemeClr val="accent1"/>
-    </dgm:linClrLst>
-    <dgm:effectClrLst/>
-    <dgm:txLinClrLst/>
-    <dgm:txFillClrLst meth="repeat">
-      <a:schemeClr val="dk1"/>
-    </dgm:txFillClrLst>
-    <dgm:txEffectClrLst/>
-  </dgm:styleLbl>
-  <dgm:styleLbl name="solidBgAcc1">
-    <dgm:fillClrLst meth="repeat">
-      <a:schemeClr val="lt1"/>
-    </dgm:fillClrLst>
-    <dgm:linClrLst meth="repeat">
-      <a:schemeClr val="accent1"/>
-    </dgm:linClrLst>
-    <dgm:effectClrLst/>
-    <dgm:txLinClrLst/>
-    <dgm:txFillClrLst meth="repeat">
-      <a:schemeClr val="dk1"/>
-    </dgm:txFillClrLst>
-    <dgm:txEffectClrLst/>
-  </dgm:styleLbl>
-  <dgm:styleLbl name="fgAccFollowNode1">
-    <dgm:fillClrLst meth="repeat">
-      <a:schemeClr val="accent1">
-        <a:alpha val="90000"/>
-        <a:tint val="40000"/>
-      </a:schemeClr>
-    </dgm:fillClrLst>
-    <dgm:linClrLst meth="repeat">
-      <a:schemeClr val="accent1">
-        <a:alpha val="90000"/>
-        <a:tint val="40000"/>
-      </a:schemeClr>
-    </dgm:linClrLst>
-    <dgm:effectClrLst/>
-    <dgm:txLinClrLst/>
-    <dgm:txFillClrLst meth="repeat">
-      <a:schemeClr val="dk1"/>
-    </dgm:txFillClrLst>
-    <dgm:txEffectClrLst/>
-  </dgm:styleLbl>
-  <dgm:styleLbl name="alignAccFollowNode1">
-    <dgm:fillClrLst meth="repeat">
-      <a:schemeClr val="accent1">
-        <a:alpha val="90000"/>
-        <a:tint val="40000"/>
-      </a:schemeClr>
-    </dgm:fillClrLst>
-    <dgm:linClrLst meth="repeat">
-      <a:schemeClr val="accent1">
-        <a:alpha val="90000"/>
-        <a:tint val="40000"/>
-      </a:schemeClr>
-    </dgm:linClrLst>
-    <dgm:effectClrLst/>
-    <dgm:txLinClrLst/>
-    <dgm:txFillClrLst meth="repeat">
-      <a:schemeClr val="dk1"/>
-    </dgm:txFillClrLst>
-    <dgm:txEffectClrLst/>
-  </dgm:styleLbl>
-  <dgm:styleLbl name="bgAccFollowNode1">
-    <dgm:fillClrLst meth="repeat">
-      <a:schemeClr val="accent1">
-        <a:alpha val="90000"/>
-        <a:tint val="40000"/>
-      </a:schemeClr>
-    </dgm:fillClrLst>
-    <dgm:linClrLst meth="repeat">
-      <a:schemeClr val="lt1"/>
-    </dgm:linClrLst>
-    <dgm:effectClrLst/>
-    <dgm:txLinClrLst/>
-    <dgm:txFillClrLst meth="repeat">
-      <a:schemeClr val="dk1"/>
-    </dgm:txFillClrLst>
-    <dgm:txEffectClrLst/>
-  </dgm:styleLbl>
-  <dgm:styleLbl name="fgAcc0">
-    <dgm:fillClrLst meth="repeat">
-      <a:schemeClr val="lt1">
-        <a:alpha val="90000"/>
-      </a:schemeClr>
-    </dgm:fillClrLst>
-    <dgm:linClrLst meth="repeat">
-      <a:schemeClr val="accent1">
-        <a:shade val="80000"/>
-      </a:schemeClr>
-    </dgm:linClrLst>
-    <dgm:effectClrLst/>
-    <dgm:txLinClrLst/>
-    <dgm:txFillClrLst meth="repeat">
-      <a:schemeClr val="dk1"/>
-    </dgm:txFillClrLst>
-    <dgm:txEffectClrLst/>
-  </dgm:styleLbl>
-  <dgm:styleLbl name="fgAcc2">
-    <dgm:fillClrLst meth="repeat">
-      <a:schemeClr val="lt1">
-        <a:alpha val="90000"/>
-      </a:schemeClr>
-    </dgm:fillClrLst>
-    <dgm:linClrLst meth="repeat">
-      <a:schemeClr val="accent1">
-        <a:tint val="99000"/>
-      </a:schemeClr>
-    </dgm:linClrLst>
-    <dgm:effectClrLst/>
-    <dgm:txLinClrLst/>
-    <dgm:txFillClrLst meth="repeat">
-      <a:schemeClr val="dk1"/>
-    </dgm:txFillClrLst>
-    <dgm:txEffectClrLst/>
-  </dgm:styleLbl>
-  <dgm:styleLbl name="fgAcc3">
-    <dgm:fillClrLst meth="repeat">
-      <a:schemeClr val="lt1">
-        <a:alpha val="90000"/>
-      </a:schemeClr>
-    </dgm:fillClrLst>
-    <dgm:linClrLst meth="repeat">
-      <a:schemeClr val="accent1">
-        <a:tint val="80000"/>
-      </a:schemeClr>
-    </dgm:linClrLst>
-    <dgm:effectClrLst/>
-    <dgm:txLinClrLst/>
-    <dgm:txFillClrLst meth="repeat">
-      <a:schemeClr val="dk1"/>
-    </dgm:txFillClrLst>
-    <dgm:txEffectClrLst/>
-  </dgm:styleLbl>
-  <dgm:styleLbl name="fgAcc4">
-    <dgm:fillClrLst meth="repeat">
-      <a:schemeClr val="lt1">
-        <a:alpha val="90000"/>
-      </a:schemeClr>
-    </dgm:fillClrLst>
-    <dgm:linClrLst meth="repeat">
-      <a:schemeClr val="accent1">
-        <a:tint val="70000"/>
-      </a:schemeClr>
-    </dgm:linClrLst>
-    <dgm:effectClrLst/>
-    <dgm:txLinClrLst/>
-    <dgm:txFillClrLst meth="repeat">
-      <a:schemeClr val="dk1"/>
-    </dgm:txFillClrLst>
-    <dgm:txEffectClrLst/>
-  </dgm:styleLbl>
-  <dgm:styleLbl name="bgShp">
-    <dgm:fillClrLst meth="repeat">
-      <a:schemeClr val="accent1">
-        <a:tint val="40000"/>
-      </a:schemeClr>
-    </dgm:fillClrLst>
-    <dgm:linClrLst meth="repeat">
-      <a:schemeClr val="dk1"/>
-    </dgm:linClrLst>
-    <dgm:effectClrLst/>
-    <dgm:txLinClrLst/>
-    <dgm:txFillClrLst meth="repeat">
-      <a:schemeClr val="dk1"/>
-    </dgm:txFillClrLst>
-    <dgm:txEffectClrLst/>
-  </dgm:styleLbl>
-  <dgm:styleLbl name="dkBgShp">
-    <dgm:fillClrLst meth="repeat">
-      <a:schemeClr val="accent1">
-        <a:shade val="90000"/>
-      </a:schemeClr>
-    </dgm:fillClrLst>
-    <dgm:linClrLst meth="repeat">
-      <a:schemeClr val="dk1"/>
-    </dgm:linClrLst>
-    <dgm:effectClrLst/>
-    <dgm:txLinClrLst/>
-    <dgm:txFillClrLst meth="repeat">
-      <a:schemeClr val="lt1"/>
-    </dgm:txFillClrLst>
-    <dgm:txEffectClrLst/>
-  </dgm:styleLbl>
-  <dgm:styleLbl name="trBgShp">
-    <dgm:fillClrLst meth="repeat">
-      <a:schemeClr val="accent1">
-        <a:tint val="50000"/>
-        <a:alpha val="40000"/>
-      </a:schemeClr>
-    </dgm:fillClrLst>
-    <dgm:linClrLst meth="repeat">
-      <a:schemeClr val="accent1"/>
-    </dgm:linClrLst>
-    <dgm:effectClrLst/>
-    <dgm:txLinClrLst/>
-    <dgm:txFillClrLst meth="repeat">
-      <a:schemeClr val="lt1"/>
-    </dgm:txFillClrLst>
-    <dgm:txEffectClrLst/>
-  </dgm:styleLbl>
-  <dgm:styleLbl name="fgShp">
-    <dgm:fillClrLst meth="repeat">
-      <a:schemeClr val="accent1">
-        <a:tint val="40000"/>
-      </a:schemeClr>
-    </dgm:fillClrLst>
-    <dgm:linClrLst meth="repeat">
-      <a:schemeClr val="lt1"/>
-    </dgm:linClrLst>
-    <dgm:effectClrLst/>
-    <dgm:txLinClrLst/>
-    <dgm:txFillClrLst meth="repeat">
-      <a:schemeClr val="dk1"/>
-    </dgm:txFillClrLst>
-    <dgm:txEffectClrLst/>
-  </dgm:styleLbl>
-  <dgm:styleLbl name="revTx">
-    <dgm:fillClrLst meth="repeat">
-      <a:schemeClr val="lt1">
-        <a:alpha val="0"/>
-      </a:schemeClr>
-    </dgm:fillClrLst>
-    <dgm:linClrLst meth="repeat">
-      <a:schemeClr val="dk1">
-        <a:alpha val="0"/>
-      </a:schemeClr>
-    </dgm:linClrLst>
-    <dgm:effectClrLst/>
-    <dgm:txLinClrLst/>
-    <dgm:txFillClrLst meth="repeat">
-      <a:schemeClr val="tx1"/>
-    </dgm:txFillClrLst>
-    <dgm:txEffectClrLst/>
-  </dgm:styleLbl>
-</dgm:colorsDef>
-</file>
-
-<file path=ppt/diagrams/data1.xml><?xml version="1.0" encoding="utf-8"?>
-<dgm:dataModel xmlns:dgm="http://schemas.openxmlformats.org/drawingml/2006/diagram" xmlns:a="http://schemas.openxmlformats.org/drawingml/2006/main">
-  <dgm:ptLst>
-    <dgm:pt modelId="{6A70FD8F-0050-42E3-8B3A-6ED7CFB9852E}" type="doc">
-      <dgm:prSet loTypeId="urn:microsoft.com/office/officeart/2016/7/layout/RoundedRectangleTimeline" loCatId="process" qsTypeId="urn:microsoft.com/office/officeart/2005/8/quickstyle/simple1" qsCatId="simple" csTypeId="urn:microsoft.com/office/officeart/2005/8/colors/accent1_3" csCatId="accent1" phldr="1"/>
-      <dgm:spPr/>
-      <dgm:t>
-        <a:bodyPr rtlCol="0"/>
-        <a:lstStyle/>
-        <a:p>
-          <a:pPr rtl="0"/>
-          <a:endParaRPr lang="en-US"/>
-        </a:p>
-      </dgm:t>
-    </dgm:pt>
-    <dgm:pt modelId="{8DB5D7D5-6A1C-4ABC-8850-759A9D876047}">
-      <dgm:prSet/>
-      <dgm:spPr/>
-      <dgm:t>
-        <a:bodyPr rtlCol="0"/>
-        <a:lstStyle/>
-        <a:p>
-          <a:pPr rtl="0"/>
-          <a:r>
-            <a:rPr lang="pt-br"/>
-            <a:t>2017</a:t>
-          </a:r>
-        </a:p>
-      </dgm:t>
-    </dgm:pt>
-    <dgm:pt modelId="{D8874F40-D7B0-41DE-BB6F-A6014FEAB2D7}" type="parTrans" cxnId="{C5202EE1-10E9-4076-9D55-9E0CF8B152AF}">
-      <dgm:prSet/>
-      <dgm:spPr/>
-      <dgm:t>
-        <a:bodyPr rtlCol="0"/>
-        <a:lstStyle/>
-        <a:p>
-          <a:pPr rtl="0"/>
-          <a:endParaRPr lang="en-US"/>
-        </a:p>
-      </dgm:t>
-    </dgm:pt>
-    <dgm:pt modelId="{BD6E0A2E-99C8-4F5A-971A-CD211D1099FF}" type="sibTrans" cxnId="{C5202EE1-10E9-4076-9D55-9E0CF8B152AF}">
-      <dgm:prSet/>
-      <dgm:spPr/>
-      <dgm:t>
-        <a:bodyPr rtlCol="0"/>
-        <a:lstStyle/>
-        <a:p>
-          <a:pPr rtl="0"/>
-          <a:endParaRPr lang="en-US"/>
-        </a:p>
-      </dgm:t>
-    </dgm:pt>
-    <dgm:pt modelId="{96262926-A67D-4E4E-9515-5EBC67F0B634}">
-      <dgm:prSet/>
-      <dgm:spPr/>
-      <dgm:t>
-        <a:bodyPr rtlCol="0"/>
-        <a:lstStyle/>
-        <a:p>
-          <a:pPr rtl="0"/>
-          <a:r>
-            <a:rPr lang="pt-br" dirty="0" err="1"/>
-            <a:t>Lorem</a:t>
-          </a:r>
-          <a:r>
-            <a:rPr lang="pt-br" dirty="0"/>
-            <a:t> ipsum </a:t>
-          </a:r>
-          <a:r>
-            <a:rPr lang="pt-br" dirty="0" err="1"/>
-            <a:t>dolor</a:t>
-          </a:r>
-          <a:r>
-            <a:rPr lang="pt-br" dirty="0"/>
-            <a:t> </a:t>
-          </a:r>
-          <a:r>
-            <a:rPr lang="pt-br" dirty="0" err="1"/>
-            <a:t>sit</a:t>
-          </a:r>
-          <a:r>
-            <a:rPr lang="pt-br" dirty="0"/>
-            <a:t> </a:t>
-          </a:r>
-          <a:r>
-            <a:rPr lang="pt-br" dirty="0" err="1"/>
-            <a:t>amet</a:t>
-          </a:r>
-          <a:endParaRPr lang="pt-br" dirty="0"/>
-        </a:p>
-      </dgm:t>
-    </dgm:pt>
-    <dgm:pt modelId="{EC74E552-C501-4B0E-9400-E8B410F53D50}" type="parTrans" cxnId="{8C5B110A-FBC3-4CBF-BED2-413E87D4DAD5}">
-      <dgm:prSet/>
-      <dgm:spPr/>
-      <dgm:t>
-        <a:bodyPr rtlCol="0"/>
-        <a:lstStyle/>
-        <a:p>
-          <a:pPr rtl="0"/>
-          <a:endParaRPr lang="en-US"/>
-        </a:p>
-      </dgm:t>
-    </dgm:pt>
-    <dgm:pt modelId="{1DA7ACEB-F642-43C1-BCB5-F580B9B985B9}" type="sibTrans" cxnId="{8C5B110A-FBC3-4CBF-BED2-413E87D4DAD5}">
-      <dgm:prSet/>
-      <dgm:spPr/>
-      <dgm:t>
-        <a:bodyPr rtlCol="0"/>
-        <a:lstStyle/>
-        <a:p>
-          <a:pPr rtl="0"/>
-          <a:endParaRPr lang="en-US"/>
-        </a:p>
-      </dgm:t>
-    </dgm:pt>
-    <dgm:pt modelId="{C5146535-FD3D-4589-98A3-623B8DA4B8DB}">
-      <dgm:prSet/>
-      <dgm:spPr/>
-      <dgm:t>
-        <a:bodyPr rtlCol="0"/>
-        <a:lstStyle/>
-        <a:p>
-          <a:pPr rtl="0"/>
-          <a:r>
-            <a:rPr lang="pt-br"/>
-            <a:t>2018</a:t>
-          </a:r>
-        </a:p>
-      </dgm:t>
-    </dgm:pt>
-    <dgm:pt modelId="{20848F78-EC70-4162-96CE-CC68006930F0}" type="parTrans" cxnId="{8EBF857E-7408-4941-91E4-293B0F59EEF7}">
-      <dgm:prSet/>
-      <dgm:spPr/>
-      <dgm:t>
-        <a:bodyPr rtlCol="0"/>
-        <a:lstStyle/>
-        <a:p>
-          <a:pPr rtl="0"/>
-          <a:endParaRPr lang="en-US"/>
-        </a:p>
-      </dgm:t>
-    </dgm:pt>
-    <dgm:pt modelId="{7A3CCAF8-AC3A-401E-AEDD-44BBC1AA9C31}" type="sibTrans" cxnId="{8EBF857E-7408-4941-91E4-293B0F59EEF7}">
-      <dgm:prSet/>
-      <dgm:spPr/>
-      <dgm:t>
-        <a:bodyPr rtlCol="0"/>
-        <a:lstStyle/>
-        <a:p>
-          <a:pPr rtl="0"/>
-          <a:endParaRPr lang="en-US"/>
-        </a:p>
-      </dgm:t>
-    </dgm:pt>
-    <dgm:pt modelId="{E80CA270-6C90-4E17-ACEA-46B56AD54DD1}">
-      <dgm:prSet/>
-      <dgm:spPr/>
-      <dgm:t>
-        <a:bodyPr rtlCol="0"/>
-        <a:lstStyle/>
-        <a:p>
-          <a:pPr rtl="0"/>
-          <a:r>
-            <a:rPr lang="pt-br"/>
-            <a:t>Lorem ipsum dolor sit amet</a:t>
-          </a:r>
-        </a:p>
-      </dgm:t>
-    </dgm:pt>
-    <dgm:pt modelId="{7EEC8067-96EF-4BE0-8BE3-BA59ED78A31F}" type="parTrans" cxnId="{2DC28DF8-5C1B-4F53-A4C1-D5B63FB54BAF}">
-      <dgm:prSet/>
-      <dgm:spPr/>
-      <dgm:t>
-        <a:bodyPr rtlCol="0"/>
-        <a:lstStyle/>
-        <a:p>
-          <a:pPr rtl="0"/>
-          <a:endParaRPr lang="en-US"/>
-        </a:p>
-      </dgm:t>
-    </dgm:pt>
-    <dgm:pt modelId="{1AFE46E5-6B07-4894-8ECB-21BD7E7B8AF1}" type="sibTrans" cxnId="{2DC28DF8-5C1B-4F53-A4C1-D5B63FB54BAF}">
-      <dgm:prSet/>
-      <dgm:spPr/>
-      <dgm:t>
-        <a:bodyPr rtlCol="0"/>
-        <a:lstStyle/>
-        <a:p>
-          <a:pPr rtl="0"/>
-          <a:endParaRPr lang="en-US"/>
-        </a:p>
-      </dgm:t>
-    </dgm:pt>
-    <dgm:pt modelId="{09C152DA-7620-4852-8162-A77EC3609F3F}">
-      <dgm:prSet/>
-      <dgm:spPr/>
-      <dgm:t>
-        <a:bodyPr rtlCol="0"/>
-        <a:lstStyle/>
-        <a:p>
-          <a:pPr rtl="0"/>
-          <a:r>
-            <a:rPr lang="pt-br"/>
-            <a:t>2019</a:t>
-          </a:r>
-        </a:p>
-      </dgm:t>
-    </dgm:pt>
-    <dgm:pt modelId="{9F6D14C0-6C82-4CBD-8D6D-B0E117B6F2ED}" type="parTrans" cxnId="{23ECAC8B-17A4-4883-AA0E-06D66B7E788A}">
-      <dgm:prSet/>
-      <dgm:spPr/>
-      <dgm:t>
-        <a:bodyPr rtlCol="0"/>
-        <a:lstStyle/>
-        <a:p>
-          <a:pPr rtl="0"/>
-          <a:endParaRPr lang="en-US"/>
-        </a:p>
-      </dgm:t>
-    </dgm:pt>
-    <dgm:pt modelId="{0AE8D36D-0F0F-4206-AE39-0A2D73987B68}" type="sibTrans" cxnId="{23ECAC8B-17A4-4883-AA0E-06D66B7E788A}">
-      <dgm:prSet/>
-      <dgm:spPr/>
-      <dgm:t>
-        <a:bodyPr rtlCol="0"/>
-        <a:lstStyle/>
-        <a:p>
-          <a:pPr rtl="0"/>
-          <a:endParaRPr lang="en-US"/>
-        </a:p>
-      </dgm:t>
-    </dgm:pt>
-    <dgm:pt modelId="{6C8937BE-93F8-4DED-8538-1C601DAEBA66}">
-      <dgm:prSet/>
-      <dgm:spPr/>
-      <dgm:t>
-        <a:bodyPr rtlCol="0"/>
-        <a:lstStyle/>
-        <a:p>
-          <a:pPr rtl="0"/>
-          <a:r>
-            <a:rPr lang="pt-br"/>
-            <a:t>Lorem ipsum dolor sit amet</a:t>
-          </a:r>
-        </a:p>
-      </dgm:t>
-    </dgm:pt>
-    <dgm:pt modelId="{77D169C6-D77F-456D-B18B-D7BE016AD87A}" type="parTrans" cxnId="{FAA8D3DD-12E8-457D-9144-B037C5678347}">
-      <dgm:prSet/>
-      <dgm:spPr/>
-      <dgm:t>
-        <a:bodyPr rtlCol="0"/>
-        <a:lstStyle/>
-        <a:p>
-          <a:pPr rtl="0"/>
-          <a:endParaRPr lang="en-US"/>
-        </a:p>
-      </dgm:t>
-    </dgm:pt>
-    <dgm:pt modelId="{A97BE953-FA9D-4BA6-A92C-494DB1F3BA59}" type="sibTrans" cxnId="{FAA8D3DD-12E8-457D-9144-B037C5678347}">
-      <dgm:prSet/>
-      <dgm:spPr/>
-      <dgm:t>
-        <a:bodyPr rtlCol="0"/>
-        <a:lstStyle/>
-        <a:p>
-          <a:pPr rtl="0"/>
-          <a:endParaRPr lang="en-US"/>
-        </a:p>
-      </dgm:t>
-    </dgm:pt>
-    <dgm:pt modelId="{AB52B3CC-6563-466D-BFC3-9B6B5AFA0881}" type="pres">
-      <dgm:prSet presAssocID="{6A70FD8F-0050-42E3-8B3A-6ED7CFB9852E}" presName="Name0" presStyleCnt="0">
-        <dgm:presLayoutVars>
-          <dgm:chMax/>
-          <dgm:chPref/>
-          <dgm:animLvl val="lvl"/>
-        </dgm:presLayoutVars>
-      </dgm:prSet>
-      <dgm:spPr/>
-    </dgm:pt>
-    <dgm:pt modelId="{815EDF7B-AC93-4A61-87AA-CAA5D85C31A8}" type="pres">
-      <dgm:prSet presAssocID="{8DB5D7D5-6A1C-4ABC-8850-759A9D876047}" presName="composite1" presStyleCnt="0"/>
-      <dgm:spPr/>
-    </dgm:pt>
-    <dgm:pt modelId="{954381E7-0584-46DD-8108-E9BF4F2B5005}" type="pres">
-      <dgm:prSet presAssocID="{8DB5D7D5-6A1C-4ABC-8850-759A9D876047}" presName="parent1" presStyleLbl="alignNode1" presStyleIdx="0" presStyleCnt="3">
-        <dgm:presLayoutVars>
-          <dgm:chMax val="1"/>
-          <dgm:chPref val="1"/>
-          <dgm:bulletEnabled val="1"/>
-        </dgm:presLayoutVars>
-      </dgm:prSet>
-      <dgm:spPr/>
-    </dgm:pt>
-    <dgm:pt modelId="{5A1B764B-0DC5-47CD-BDEA-9E67799496EC}" type="pres">
-      <dgm:prSet presAssocID="{8DB5D7D5-6A1C-4ABC-8850-759A9D876047}" presName="Childtext1" presStyleLbl="revTx" presStyleIdx="0" presStyleCnt="3">
-        <dgm:presLayoutVars>
-          <dgm:bulletEnabled val="1"/>
-        </dgm:presLayoutVars>
-      </dgm:prSet>
-      <dgm:spPr/>
-    </dgm:pt>
-    <dgm:pt modelId="{122B38A3-0442-4747-820C-1F37877E2B0E}" type="pres">
-      <dgm:prSet presAssocID="{8DB5D7D5-6A1C-4ABC-8850-759A9D876047}" presName="ConnectLine1" presStyleLbl="sibTrans1D1" presStyleIdx="0" presStyleCnt="3"/>
-      <dgm:spPr>
-        <a:noFill/>
-        <a:ln w="12700" cap="rnd" cmpd="sng" algn="ctr">
-          <a:solidFill>
-            <a:schemeClr val="accent1">
-              <a:shade val="90000"/>
-              <a:hueOff val="93466"/>
-              <a:satOff val="1924"/>
-              <a:lumOff val="8231"/>
-              <a:alphaOff val="0"/>
-            </a:schemeClr>
-          </a:solidFill>
-          <a:prstDash val="dash"/>
-        </a:ln>
-        <a:effectLst/>
-      </dgm:spPr>
-    </dgm:pt>
-    <dgm:pt modelId="{A73181F6-69BB-4A47-8277-4671A45AC8C8}" type="pres">
-      <dgm:prSet presAssocID="{8DB5D7D5-6A1C-4ABC-8850-759A9D876047}" presName="ConnectLineEnd1" presStyleLbl="lnNode1" presStyleIdx="0" presStyleCnt="3"/>
-      <dgm:spPr/>
-    </dgm:pt>
-    <dgm:pt modelId="{6E76EADA-5F61-4A59-B2F8-FA10112079FC}" type="pres">
-      <dgm:prSet presAssocID="{8DB5D7D5-6A1C-4ABC-8850-759A9D876047}" presName="EmptyPane1" presStyleCnt="0"/>
-      <dgm:spPr/>
-    </dgm:pt>
-    <dgm:pt modelId="{A8189248-0785-43F1-844C-4DE92841F254}" type="pres">
-      <dgm:prSet presAssocID="{BD6E0A2E-99C8-4F5A-971A-CD211D1099FF}" presName="spaceBetweenRectangles1" presStyleCnt="0"/>
-      <dgm:spPr/>
-    </dgm:pt>
-    <dgm:pt modelId="{218D9CD7-D48D-464C-9A1C-0F322EC540B3}" type="pres">
-      <dgm:prSet presAssocID="{C5146535-FD3D-4589-98A3-623B8DA4B8DB}" presName="composite1" presStyleCnt="0"/>
-      <dgm:spPr/>
-    </dgm:pt>
-    <dgm:pt modelId="{30804A27-188E-4A17-8FFE-97BCCA0597B8}" type="pres">
-      <dgm:prSet presAssocID="{C5146535-FD3D-4589-98A3-623B8DA4B8DB}" presName="parent1" presStyleLbl="alignNode1" presStyleIdx="1" presStyleCnt="3">
-        <dgm:presLayoutVars>
-          <dgm:chMax val="1"/>
-          <dgm:chPref val="1"/>
-          <dgm:bulletEnabled val="1"/>
-        </dgm:presLayoutVars>
-      </dgm:prSet>
-      <dgm:spPr/>
-    </dgm:pt>
-    <dgm:pt modelId="{DF65791B-462E-4589-B98D-F60587330CA8}" type="pres">
-      <dgm:prSet presAssocID="{C5146535-FD3D-4589-98A3-623B8DA4B8DB}" presName="Childtext1" presStyleLbl="revTx" presStyleIdx="1" presStyleCnt="3">
-        <dgm:presLayoutVars>
-          <dgm:bulletEnabled val="1"/>
-        </dgm:presLayoutVars>
-      </dgm:prSet>
-      <dgm:spPr/>
-    </dgm:pt>
-    <dgm:pt modelId="{DBA410EB-5F61-4F46-92D9-C5B0AA59EE15}" type="pres">
-      <dgm:prSet presAssocID="{C5146535-FD3D-4589-98A3-623B8DA4B8DB}" presName="ConnectLine1" presStyleLbl="sibTrans1D1" presStyleIdx="1" presStyleCnt="3"/>
-      <dgm:spPr>
-        <a:noFill/>
-        <a:ln w="12700" cap="rnd" cmpd="sng" algn="ctr">
-          <a:solidFill>
-            <a:schemeClr val="accent1">
-              <a:shade val="90000"/>
-              <a:hueOff val="140199"/>
-              <a:satOff val="2886"/>
-              <a:lumOff val="12346"/>
-              <a:alphaOff val="0"/>
-            </a:schemeClr>
-          </a:solidFill>
-          <a:prstDash val="dash"/>
-        </a:ln>
-        <a:effectLst/>
-      </dgm:spPr>
-    </dgm:pt>
-    <dgm:pt modelId="{E1220EDB-B75C-43A5-B862-97E4C09130A7}" type="pres">
-      <dgm:prSet presAssocID="{C5146535-FD3D-4589-98A3-623B8DA4B8DB}" presName="ConnectLineEnd1" presStyleLbl="lnNode1" presStyleIdx="1" presStyleCnt="3"/>
-      <dgm:spPr/>
-    </dgm:pt>
-    <dgm:pt modelId="{D8849157-215F-4E70-9735-315E97B5AC5C}" type="pres">
-      <dgm:prSet presAssocID="{C5146535-FD3D-4589-98A3-623B8DA4B8DB}" presName="EmptyPane1" presStyleCnt="0"/>
-      <dgm:spPr/>
-    </dgm:pt>
-    <dgm:pt modelId="{7C467054-22FE-4C18-9934-29D7168DFF63}" type="pres">
-      <dgm:prSet presAssocID="{7A3CCAF8-AC3A-401E-AEDD-44BBC1AA9C31}" presName="spaceBetweenRectangles1" presStyleCnt="0"/>
-      <dgm:spPr/>
-    </dgm:pt>
-    <dgm:pt modelId="{3E3E944D-A6EC-4962-9AC1-C585A4F97BDA}" type="pres">
-      <dgm:prSet presAssocID="{09C152DA-7620-4852-8162-A77EC3609F3F}" presName="composite1" presStyleCnt="0"/>
-      <dgm:spPr/>
-    </dgm:pt>
-    <dgm:pt modelId="{566B79CB-1A41-4F5C-BF91-58D94BF93913}" type="pres">
-      <dgm:prSet presAssocID="{09C152DA-7620-4852-8162-A77EC3609F3F}" presName="parent1" presStyleLbl="alignNode1" presStyleIdx="2" presStyleCnt="3">
-        <dgm:presLayoutVars>
-          <dgm:chMax val="1"/>
-          <dgm:chPref val="1"/>
-          <dgm:bulletEnabled val="1"/>
-        </dgm:presLayoutVars>
-      </dgm:prSet>
-      <dgm:spPr/>
-    </dgm:pt>
-    <dgm:pt modelId="{B4723E2A-4FF1-452A-BD25-8EC364F15A6F}" type="pres">
-      <dgm:prSet presAssocID="{09C152DA-7620-4852-8162-A77EC3609F3F}" presName="Childtext1" presStyleLbl="revTx" presStyleIdx="2" presStyleCnt="3">
-        <dgm:presLayoutVars>
-          <dgm:bulletEnabled val="1"/>
-        </dgm:presLayoutVars>
-      </dgm:prSet>
-      <dgm:spPr/>
-    </dgm:pt>
-    <dgm:pt modelId="{440E9361-37D2-4157-AF38-7B49AD23708B}" type="pres">
-      <dgm:prSet presAssocID="{09C152DA-7620-4852-8162-A77EC3609F3F}" presName="ConnectLine1" presStyleLbl="sibTrans1D1" presStyleIdx="2" presStyleCnt="3"/>
-      <dgm:spPr>
-        <a:noFill/>
-        <a:ln w="12700" cap="rnd" cmpd="sng" algn="ctr">
-          <a:solidFill>
-            <a:schemeClr val="accent1">
-              <a:shade val="90000"/>
-              <a:hueOff val="186931"/>
-              <a:satOff val="3848"/>
-              <a:lumOff val="16461"/>
-              <a:alphaOff val="0"/>
-            </a:schemeClr>
-          </a:solidFill>
-          <a:prstDash val="dash"/>
-        </a:ln>
-        <a:effectLst/>
-      </dgm:spPr>
-    </dgm:pt>
-    <dgm:pt modelId="{C45E7B63-1C71-483E-A3A8-705CE86D4D8E}" type="pres">
-      <dgm:prSet presAssocID="{09C152DA-7620-4852-8162-A77EC3609F3F}" presName="ConnectLineEnd1" presStyleLbl="lnNode1" presStyleIdx="2" presStyleCnt="3"/>
-      <dgm:spPr/>
-    </dgm:pt>
-    <dgm:pt modelId="{4174F691-D9D3-451C-9893-D177DC3AED58}" type="pres">
-      <dgm:prSet presAssocID="{09C152DA-7620-4852-8162-A77EC3609F3F}" presName="EmptyPane1" presStyleCnt="0"/>
-      <dgm:spPr/>
-    </dgm:pt>
-  </dgm:ptLst>
-  <dgm:cxnLst>
-    <dgm:cxn modelId="{5C25BB02-FA66-40A4-9DA6-9E1CAE3A8D4E}" type="presOf" srcId="{C5146535-FD3D-4589-98A3-623B8DA4B8DB}" destId="{30804A27-188E-4A17-8FFE-97BCCA0597B8}" srcOrd="0" destOrd="0" presId="urn:microsoft.com/office/officeart/2016/7/layout/RoundedRectangleTimeline"/>
-    <dgm:cxn modelId="{8C5B110A-FBC3-4CBF-BED2-413E87D4DAD5}" srcId="{8DB5D7D5-6A1C-4ABC-8850-759A9D876047}" destId="{96262926-A67D-4E4E-9515-5EBC67F0B634}" srcOrd="0" destOrd="0" parTransId="{EC74E552-C501-4B0E-9400-E8B410F53D50}" sibTransId="{1DA7ACEB-F642-43C1-BCB5-F580B9B985B9}"/>
-    <dgm:cxn modelId="{84C67813-55CE-4EBC-9032-03BD847DC17E}" type="presOf" srcId="{6A70FD8F-0050-42E3-8B3A-6ED7CFB9852E}" destId="{AB52B3CC-6563-466D-BFC3-9B6B5AFA0881}" srcOrd="0" destOrd="0" presId="urn:microsoft.com/office/officeart/2016/7/layout/RoundedRectangleTimeline"/>
-    <dgm:cxn modelId="{22ECA226-C4EA-44F1-BCB5-77F78841DA6F}" type="presOf" srcId="{09C152DA-7620-4852-8162-A77EC3609F3F}" destId="{566B79CB-1A41-4F5C-BF91-58D94BF93913}" srcOrd="0" destOrd="0" presId="urn:microsoft.com/office/officeart/2016/7/layout/RoundedRectangleTimeline"/>
-    <dgm:cxn modelId="{E2BBA750-A5E4-4F50-BE16-016934379F81}" type="presOf" srcId="{6C8937BE-93F8-4DED-8538-1C601DAEBA66}" destId="{B4723E2A-4FF1-452A-BD25-8EC364F15A6F}" srcOrd="0" destOrd="0" presId="urn:microsoft.com/office/officeart/2016/7/layout/RoundedRectangleTimeline"/>
-    <dgm:cxn modelId="{F9B2D375-40BE-4E5D-AA88-61805FBFF819}" type="presOf" srcId="{8DB5D7D5-6A1C-4ABC-8850-759A9D876047}" destId="{954381E7-0584-46DD-8108-E9BF4F2B5005}" srcOrd="0" destOrd="0" presId="urn:microsoft.com/office/officeart/2016/7/layout/RoundedRectangleTimeline"/>
-    <dgm:cxn modelId="{8EBF857E-7408-4941-91E4-293B0F59EEF7}" srcId="{6A70FD8F-0050-42E3-8B3A-6ED7CFB9852E}" destId="{C5146535-FD3D-4589-98A3-623B8DA4B8DB}" srcOrd="1" destOrd="0" parTransId="{20848F78-EC70-4162-96CE-CC68006930F0}" sibTransId="{7A3CCAF8-AC3A-401E-AEDD-44BBC1AA9C31}"/>
-    <dgm:cxn modelId="{23ECAC8B-17A4-4883-AA0E-06D66B7E788A}" srcId="{6A70FD8F-0050-42E3-8B3A-6ED7CFB9852E}" destId="{09C152DA-7620-4852-8162-A77EC3609F3F}" srcOrd="2" destOrd="0" parTransId="{9F6D14C0-6C82-4CBD-8D6D-B0E117B6F2ED}" sibTransId="{0AE8D36D-0F0F-4206-AE39-0A2D73987B68}"/>
-    <dgm:cxn modelId="{F9540599-A193-456C-A9A9-8962E3855B0B}" type="presOf" srcId="{96262926-A67D-4E4E-9515-5EBC67F0B634}" destId="{5A1B764B-0DC5-47CD-BDEA-9E67799496EC}" srcOrd="0" destOrd="0" presId="urn:microsoft.com/office/officeart/2016/7/layout/RoundedRectangleTimeline"/>
-    <dgm:cxn modelId="{E13585A2-54F2-486A-B317-F4D6AF7E83B9}" type="presOf" srcId="{E80CA270-6C90-4E17-ACEA-46B56AD54DD1}" destId="{DF65791B-462E-4589-B98D-F60587330CA8}" srcOrd="0" destOrd="0" presId="urn:microsoft.com/office/officeart/2016/7/layout/RoundedRectangleTimeline"/>
-    <dgm:cxn modelId="{FAA8D3DD-12E8-457D-9144-B037C5678347}" srcId="{09C152DA-7620-4852-8162-A77EC3609F3F}" destId="{6C8937BE-93F8-4DED-8538-1C601DAEBA66}" srcOrd="0" destOrd="0" parTransId="{77D169C6-D77F-456D-B18B-D7BE016AD87A}" sibTransId="{A97BE953-FA9D-4BA6-A92C-494DB1F3BA59}"/>
-    <dgm:cxn modelId="{C5202EE1-10E9-4076-9D55-9E0CF8B152AF}" srcId="{6A70FD8F-0050-42E3-8B3A-6ED7CFB9852E}" destId="{8DB5D7D5-6A1C-4ABC-8850-759A9D876047}" srcOrd="0" destOrd="0" parTransId="{D8874F40-D7B0-41DE-BB6F-A6014FEAB2D7}" sibTransId="{BD6E0A2E-99C8-4F5A-971A-CD211D1099FF}"/>
-    <dgm:cxn modelId="{2DC28DF8-5C1B-4F53-A4C1-D5B63FB54BAF}" srcId="{C5146535-FD3D-4589-98A3-623B8DA4B8DB}" destId="{E80CA270-6C90-4E17-ACEA-46B56AD54DD1}" srcOrd="0" destOrd="0" parTransId="{7EEC8067-96EF-4BE0-8BE3-BA59ED78A31F}" sibTransId="{1AFE46E5-6B07-4894-8ECB-21BD7E7B8AF1}"/>
-    <dgm:cxn modelId="{76459B4A-BC95-4631-A3CC-1410E80D5DFD}" type="presParOf" srcId="{AB52B3CC-6563-466D-BFC3-9B6B5AFA0881}" destId="{815EDF7B-AC93-4A61-87AA-CAA5D85C31A8}" srcOrd="0" destOrd="0" presId="urn:microsoft.com/office/officeart/2016/7/layout/RoundedRectangleTimeline"/>
-    <dgm:cxn modelId="{4238FA88-CE43-4680-BFB0-73DED5612698}" type="presParOf" srcId="{815EDF7B-AC93-4A61-87AA-CAA5D85C31A8}" destId="{954381E7-0584-46DD-8108-E9BF4F2B5005}" srcOrd="0" destOrd="0" presId="urn:microsoft.com/office/officeart/2016/7/layout/RoundedRectangleTimeline"/>
-    <dgm:cxn modelId="{6497CE05-0893-4952-B18A-28D71D90B841}" type="presParOf" srcId="{815EDF7B-AC93-4A61-87AA-CAA5D85C31A8}" destId="{5A1B764B-0DC5-47CD-BDEA-9E67799496EC}" srcOrd="1" destOrd="0" presId="urn:microsoft.com/office/officeart/2016/7/layout/RoundedRectangleTimeline"/>
-    <dgm:cxn modelId="{CB8BA570-C0D4-4400-BED8-C9BC961A6553}" type="presParOf" srcId="{815EDF7B-AC93-4A61-87AA-CAA5D85C31A8}" destId="{122B38A3-0442-4747-820C-1F37877E2B0E}" srcOrd="2" destOrd="0" presId="urn:microsoft.com/office/officeart/2016/7/layout/RoundedRectangleTimeline"/>
-    <dgm:cxn modelId="{82FC1E36-99F3-4E1F-8BD1-229D77A82EB1}" type="presParOf" srcId="{815EDF7B-AC93-4A61-87AA-CAA5D85C31A8}" destId="{A73181F6-69BB-4A47-8277-4671A45AC8C8}" srcOrd="3" destOrd="0" presId="urn:microsoft.com/office/officeart/2016/7/layout/RoundedRectangleTimeline"/>
-    <dgm:cxn modelId="{7EAD7967-836C-4AB6-AAA2-ED2EF3F29E78}" type="presParOf" srcId="{815EDF7B-AC93-4A61-87AA-CAA5D85C31A8}" destId="{6E76EADA-5F61-4A59-B2F8-FA10112079FC}" srcOrd="4" destOrd="0" presId="urn:microsoft.com/office/officeart/2016/7/layout/RoundedRectangleTimeline"/>
-    <dgm:cxn modelId="{3783DE09-7B3D-423E-960C-ED9DB81E314E}" type="presParOf" srcId="{AB52B3CC-6563-466D-BFC3-9B6B5AFA0881}" destId="{A8189248-0785-43F1-844C-4DE92841F254}" srcOrd="1" destOrd="0" presId="urn:microsoft.com/office/officeart/2016/7/layout/RoundedRectangleTimeline"/>
-    <dgm:cxn modelId="{38B07C9C-D21D-4E2B-A78B-C30877B2689A}" type="presParOf" srcId="{AB52B3CC-6563-466D-BFC3-9B6B5AFA0881}" destId="{218D9CD7-D48D-464C-9A1C-0F322EC540B3}" srcOrd="2" destOrd="0" presId="urn:microsoft.com/office/officeart/2016/7/layout/RoundedRectangleTimeline"/>
-    <dgm:cxn modelId="{E6790483-7B9E-44FB-9EAE-A282A4B9AB73}" type="presParOf" srcId="{218D9CD7-D48D-464C-9A1C-0F322EC540B3}" destId="{30804A27-188E-4A17-8FFE-97BCCA0597B8}" srcOrd="0" destOrd="0" presId="urn:microsoft.com/office/officeart/2016/7/layout/RoundedRectangleTimeline"/>
-    <dgm:cxn modelId="{B31BDB48-FB8E-47F4-8F76-B90009D28A96}" type="presParOf" srcId="{218D9CD7-D48D-464C-9A1C-0F322EC540B3}" destId="{DF65791B-462E-4589-B98D-F60587330CA8}" srcOrd="1" destOrd="0" presId="urn:microsoft.com/office/officeart/2016/7/layout/RoundedRectangleTimeline"/>
-    <dgm:cxn modelId="{517AE913-68B2-41AC-BE20-5D4195845D6F}" type="presParOf" srcId="{218D9CD7-D48D-464C-9A1C-0F322EC540B3}" destId="{DBA410EB-5F61-4F46-92D9-C5B0AA59EE15}" srcOrd="2" destOrd="0" presId="urn:microsoft.com/office/officeart/2016/7/layout/RoundedRectangleTimeline"/>
-    <dgm:cxn modelId="{0F089045-7542-47F1-8B17-68354869406A}" type="presParOf" srcId="{218D9CD7-D48D-464C-9A1C-0F322EC540B3}" destId="{E1220EDB-B75C-43A5-B862-97E4C09130A7}" srcOrd="3" destOrd="0" presId="urn:microsoft.com/office/officeart/2016/7/layout/RoundedRectangleTimeline"/>
-    <dgm:cxn modelId="{79B44ECC-99D2-49DD-9DEE-58B1D2AE6C6C}" type="presParOf" srcId="{218D9CD7-D48D-464C-9A1C-0F322EC540B3}" destId="{D8849157-215F-4E70-9735-315E97B5AC5C}" srcOrd="4" destOrd="0" presId="urn:microsoft.com/office/officeart/2016/7/layout/RoundedRectangleTimeline"/>
-    <dgm:cxn modelId="{6930EC12-FB60-44F8-973F-19AC06AA90BB}" type="presParOf" srcId="{AB52B3CC-6563-466D-BFC3-9B6B5AFA0881}" destId="{7C467054-22FE-4C18-9934-29D7168DFF63}" srcOrd="3" destOrd="0" presId="urn:microsoft.com/office/officeart/2016/7/layout/RoundedRectangleTimeline"/>
-    <dgm:cxn modelId="{1F4A4777-E935-453F-A5B9-015C6946FC6A}" type="presParOf" srcId="{AB52B3CC-6563-466D-BFC3-9B6B5AFA0881}" destId="{3E3E944D-A6EC-4962-9AC1-C585A4F97BDA}" srcOrd="4" destOrd="0" presId="urn:microsoft.com/office/officeart/2016/7/layout/RoundedRectangleTimeline"/>
-    <dgm:cxn modelId="{94AC8B5D-A9B9-4EF3-AD1C-6024606B5BF8}" type="presParOf" srcId="{3E3E944D-A6EC-4962-9AC1-C585A4F97BDA}" destId="{566B79CB-1A41-4F5C-BF91-58D94BF93913}" srcOrd="0" destOrd="0" presId="urn:microsoft.com/office/officeart/2016/7/layout/RoundedRectangleTimeline"/>
-    <dgm:cxn modelId="{A151554E-10B3-429A-9E0D-D40262ED6857}" type="presParOf" srcId="{3E3E944D-A6EC-4962-9AC1-C585A4F97BDA}" destId="{B4723E2A-4FF1-452A-BD25-8EC364F15A6F}" srcOrd="1" destOrd="0" presId="urn:microsoft.com/office/officeart/2016/7/layout/RoundedRectangleTimeline"/>
-    <dgm:cxn modelId="{329635D9-081F-4DC9-88AA-E074B7400415}" type="presParOf" srcId="{3E3E944D-A6EC-4962-9AC1-C585A4F97BDA}" destId="{440E9361-37D2-4157-AF38-7B49AD23708B}" srcOrd="2" destOrd="0" presId="urn:microsoft.com/office/officeart/2016/7/layout/RoundedRectangleTimeline"/>
-    <dgm:cxn modelId="{0F0D3AEA-9F0C-400E-A955-6CD1F474B6A4}" type="presParOf" srcId="{3E3E944D-A6EC-4962-9AC1-C585A4F97BDA}" destId="{C45E7B63-1C71-483E-A3A8-705CE86D4D8E}" srcOrd="3" destOrd="0" presId="urn:microsoft.com/office/officeart/2016/7/layout/RoundedRectangleTimeline"/>
-    <dgm:cxn modelId="{91F0BE33-39D4-4457-A5CC-3F1682DB166D}" type="presParOf" srcId="{3E3E944D-A6EC-4962-9AC1-C585A4F97BDA}" destId="{4174F691-D9D3-451C-9893-D177DC3AED58}" srcOrd="4" destOrd="0" presId="urn:microsoft.com/office/officeart/2016/7/layout/RoundedRectangleTimeline"/>
-  </dgm:cxnLst>
-  <dgm:bg/>
-  <dgm:whole/>
-  <dgm:extLst>
-    <a:ext uri="http://schemas.microsoft.com/office/drawing/2008/diagram">
-      <dsp:dataModelExt xmlns:dsp="http://schemas.microsoft.com/office/drawing/2008/diagram" relId="rId6" minVer="http://schemas.openxmlformats.org/drawingml/2006/diagram"/>
-    </a:ext>
-  </dgm:extLst>
-</dgm:dataModel>
-</file>
-
-<file path=ppt/diagrams/drawing1.xml><?xml version="1.0" encoding="utf-8"?>
-<dsp:drawing xmlns:dgm="http://schemas.openxmlformats.org/drawingml/2006/diagram" xmlns:dsp="http://schemas.microsoft.com/office/drawing/2008/diagram" xmlns:a="http://schemas.openxmlformats.org/drawingml/2006/main">
-  <dsp:spTree>
-    <dsp:nvGrpSpPr>
-      <dsp:cNvPr id="0" name=""/>
-      <dsp:cNvGrpSpPr/>
-    </dsp:nvGrpSpPr>
-    <dsp:grpSpPr/>
-    <dsp:sp modelId="{954381E7-0584-46DD-8108-E9BF4F2B5005}">
-      <dsp:nvSpPr>
-        <dsp:cNvPr id="0" name=""/>
-        <dsp:cNvSpPr/>
-      </dsp:nvSpPr>
-      <dsp:spPr>
-        <a:xfrm rot="16200000">
-          <a:off x="2328055" y="314278"/>
-          <a:ext cx="363378" cy="3005230"/>
-        </a:xfrm>
-        <a:prstGeom prst="round2SameRect">
-          <a:avLst/>
-        </a:prstGeom>
-        <a:solidFill>
-          <a:schemeClr val="accent1">
-            <a:shade val="80000"/>
-            <a:hueOff val="0"/>
-            <a:satOff val="0"/>
-            <a:lumOff val="0"/>
-            <a:alphaOff val="0"/>
-          </a:schemeClr>
-        </a:solidFill>
-        <a:ln w="22225" cap="rnd" cmpd="sng" algn="ctr">
-          <a:solidFill>
-            <a:schemeClr val="accent1">
-              <a:shade val="80000"/>
-              <a:hueOff val="0"/>
-              <a:satOff val="0"/>
-              <a:lumOff val="0"/>
-              <a:alphaOff val="0"/>
-            </a:schemeClr>
-          </a:solidFill>
-          <a:prstDash val="solid"/>
-        </a:ln>
-        <a:effectLst/>
-      </dsp:spPr>
-      <dsp:style>
-        <a:lnRef idx="2">
-          <a:scrgbClr r="0" g="0" b="0"/>
-        </a:lnRef>
-        <a:fillRef idx="1">
-          <a:scrgbClr r="0" g="0" b="0"/>
-        </a:fillRef>
-        <a:effectRef idx="0">
-          <a:scrgbClr r="0" g="0" b="0"/>
-        </a:effectRef>
-        <a:fontRef idx="minor">
-          <a:schemeClr val="lt1"/>
-        </a:fontRef>
-      </dsp:style>
-      <dsp:txBody>
-        <a:bodyPr spcFirstLastPara="0" vert="horz" wrap="square" lIns="83820" tIns="83820" rIns="83820" bIns="83820" numCol="1" spcCol="1270" rtlCol="0" anchor="ctr" anchorCtr="1">
-          <a:noAutofit/>
-        </a:bodyPr>
-        <a:lstStyle/>
-        <a:p>
-          <a:pPr marL="0" lvl="0" indent="0" algn="ctr" defTabSz="488950" rtl="0">
-            <a:lnSpc>
-              <a:spcPct val="90000"/>
-            </a:lnSpc>
-            <a:spcBef>
-              <a:spcPct val="0"/>
-            </a:spcBef>
-            <a:spcAft>
-              <a:spcPct val="35000"/>
-            </a:spcAft>
-            <a:buNone/>
-          </a:pPr>
-          <a:r>
-            <a:rPr lang="pt-br" sz="1100" kern="1200"/>
-            <a:t>2017</a:t>
-          </a:r>
-        </a:p>
-      </dsp:txBody>
-      <dsp:txXfrm rot="5400000">
-        <a:off x="1024869" y="1652943"/>
-        <a:ext cx="2987491" cy="327900"/>
-      </dsp:txXfrm>
-    </dsp:sp>
-    <dsp:sp modelId="{5A1B764B-0DC5-47CD-BDEA-9E67799496EC}">
-      <dsp:nvSpPr>
-        <dsp:cNvPr id="0" name=""/>
-        <dsp:cNvSpPr/>
-      </dsp:nvSpPr>
-      <dsp:spPr>
-        <a:xfrm>
-          <a:off x="5385" y="0"/>
-          <a:ext cx="5008717" cy="1271825"/>
-        </a:xfrm>
-        <a:prstGeom prst="rect">
-          <a:avLst/>
-        </a:prstGeom>
-        <a:noFill/>
-        <a:ln>
-          <a:noFill/>
-        </a:ln>
-        <a:effectLst/>
-      </dsp:spPr>
-      <dsp:style>
-        <a:lnRef idx="0">
-          <a:scrgbClr r="0" g="0" b="0"/>
-        </a:lnRef>
-        <a:fillRef idx="0">
-          <a:scrgbClr r="0" g="0" b="0"/>
-        </a:fillRef>
-        <a:effectRef idx="0">
-          <a:scrgbClr r="0" g="0" b="0"/>
-        </a:effectRef>
-        <a:fontRef idx="minor"/>
-      </dsp:style>
-      <dsp:txBody>
-        <a:bodyPr spcFirstLastPara="0" vert="horz" wrap="square" lIns="0" tIns="0" rIns="0" bIns="83820" numCol="1" spcCol="1270" rtlCol="0" anchor="b" anchorCtr="1">
-          <a:noAutofit/>
-        </a:bodyPr>
-        <a:lstStyle/>
-        <a:p>
-          <a:pPr marL="0" lvl="0" indent="0" algn="ctr" defTabSz="488950" rtl="0">
-            <a:lnSpc>
-              <a:spcPct val="90000"/>
-            </a:lnSpc>
-            <a:spcBef>
-              <a:spcPct val="0"/>
-            </a:spcBef>
-            <a:spcAft>
-              <a:spcPct val="35000"/>
-            </a:spcAft>
-            <a:buNone/>
-          </a:pPr>
-          <a:r>
-            <a:rPr lang="pt-br" sz="1100" kern="1200" dirty="0" err="1"/>
-            <a:t>Lorem</a:t>
-          </a:r>
-          <a:r>
-            <a:rPr lang="pt-br" sz="1100" kern="1200" dirty="0"/>
-            <a:t> ipsum </a:t>
-          </a:r>
-          <a:r>
-            <a:rPr lang="pt-br" sz="1100" kern="1200" dirty="0" err="1"/>
-            <a:t>dolor</a:t>
-          </a:r>
-          <a:r>
-            <a:rPr lang="pt-br" sz="1100" kern="1200" dirty="0"/>
-            <a:t> </a:t>
-          </a:r>
-          <a:r>
-            <a:rPr lang="pt-br" sz="1100" kern="1200" dirty="0" err="1"/>
-            <a:t>sit</a:t>
-          </a:r>
-          <a:r>
-            <a:rPr lang="pt-br" sz="1100" kern="1200" dirty="0"/>
-            <a:t> </a:t>
-          </a:r>
-          <a:r>
-            <a:rPr lang="pt-br" sz="1100" kern="1200" dirty="0" err="1"/>
-            <a:t>amet</a:t>
-          </a:r>
-          <a:endParaRPr lang="pt-br" sz="1100" kern="1200" dirty="0"/>
-        </a:p>
-      </dsp:txBody>
-      <dsp:txXfrm>
-        <a:off x="5385" y="0"/>
-        <a:ext cx="5008717" cy="1271825"/>
-      </dsp:txXfrm>
-    </dsp:sp>
-    <dsp:sp modelId="{122B38A3-0442-4747-820C-1F37877E2B0E}">
-      <dsp:nvSpPr>
-        <dsp:cNvPr id="0" name=""/>
-        <dsp:cNvSpPr/>
-      </dsp:nvSpPr>
-      <dsp:spPr>
-        <a:xfrm>
-          <a:off x="2509744" y="1344501"/>
-          <a:ext cx="0" cy="290702"/>
-        </a:xfrm>
-        <a:prstGeom prst="line">
-          <a:avLst/>
-        </a:prstGeom>
-        <a:noFill/>
-        <a:ln w="12700" cap="rnd" cmpd="sng" algn="ctr">
-          <a:solidFill>
-            <a:schemeClr val="accent1">
-              <a:shade val="90000"/>
-              <a:hueOff val="93466"/>
-              <a:satOff val="1924"/>
-              <a:lumOff val="8231"/>
-              <a:alphaOff val="0"/>
-            </a:schemeClr>
-          </a:solidFill>
-          <a:prstDash val="dash"/>
-        </a:ln>
-        <a:effectLst/>
-      </dsp:spPr>
-      <dsp:style>
-        <a:lnRef idx="1">
-          <a:scrgbClr r="0" g="0" b="0"/>
-        </a:lnRef>
-        <a:fillRef idx="0">
-          <a:scrgbClr r="0" g="0" b="0"/>
-        </a:fillRef>
-        <a:effectRef idx="0">
-          <a:scrgbClr r="0" g="0" b="0"/>
-        </a:effectRef>
-        <a:fontRef idx="minor"/>
-      </dsp:style>
-    </dsp:sp>
-    <dsp:sp modelId="{A73181F6-69BB-4A47-8277-4671A45AC8C8}">
-      <dsp:nvSpPr>
-        <dsp:cNvPr id="0" name=""/>
-        <dsp:cNvSpPr/>
-      </dsp:nvSpPr>
-      <dsp:spPr>
-        <a:xfrm>
-          <a:off x="2473406" y="1271825"/>
-          <a:ext cx="72675" cy="72675"/>
-        </a:xfrm>
-        <a:prstGeom prst="ellipse">
-          <a:avLst/>
-        </a:prstGeom>
-        <a:solidFill>
-          <a:schemeClr val="accent1">
-            <a:shade val="80000"/>
-            <a:hueOff val="0"/>
-            <a:satOff val="0"/>
-            <a:lumOff val="0"/>
-            <a:alphaOff val="0"/>
-          </a:schemeClr>
-        </a:solidFill>
-        <a:ln w="22225" cap="rnd" cmpd="sng" algn="ctr">
-          <a:solidFill>
-            <a:schemeClr val="lt1">
-              <a:hueOff val="0"/>
-              <a:satOff val="0"/>
-              <a:lumOff val="0"/>
-              <a:alphaOff val="0"/>
-            </a:schemeClr>
-          </a:solidFill>
-          <a:prstDash val="solid"/>
-        </a:ln>
-        <a:effectLst/>
-      </dsp:spPr>
-      <dsp:style>
-        <a:lnRef idx="2">
-          <a:scrgbClr r="0" g="0" b="0"/>
-        </a:lnRef>
-        <a:fillRef idx="1">
-          <a:scrgbClr r="0" g="0" b="0"/>
-        </a:fillRef>
-        <a:effectRef idx="0">
-          <a:scrgbClr r="0" g="0" b="0"/>
-        </a:effectRef>
-        <a:fontRef idx="minor">
-          <a:schemeClr val="lt1"/>
-        </a:fontRef>
-      </dsp:style>
-    </dsp:sp>
-    <dsp:sp modelId="{30804A27-188E-4A17-8FFE-97BCCA0597B8}">
-      <dsp:nvSpPr>
-        <dsp:cNvPr id="0" name=""/>
-        <dsp:cNvSpPr/>
-      </dsp:nvSpPr>
-      <dsp:spPr>
-        <a:xfrm>
-          <a:off x="4012359" y="1635204"/>
-          <a:ext cx="3005230" cy="363378"/>
-        </a:xfrm>
-        <a:prstGeom prst="rect">
-          <a:avLst/>
-        </a:prstGeom>
-        <a:solidFill>
-          <a:schemeClr val="accent1">
-            <a:shade val="80000"/>
-            <a:hueOff val="223096"/>
-            <a:satOff val="-4529"/>
-            <a:lumOff val="15339"/>
-            <a:alphaOff val="0"/>
-          </a:schemeClr>
-        </a:solidFill>
-        <a:ln w="22225" cap="rnd" cmpd="sng" algn="ctr">
-          <a:solidFill>
-            <a:schemeClr val="accent1">
-              <a:shade val="80000"/>
-              <a:hueOff val="223096"/>
-              <a:satOff val="-4529"/>
-              <a:lumOff val="15339"/>
-              <a:alphaOff val="0"/>
-            </a:schemeClr>
-          </a:solidFill>
-          <a:prstDash val="solid"/>
-        </a:ln>
-        <a:effectLst/>
-      </dsp:spPr>
-      <dsp:style>
-        <a:lnRef idx="2">
-          <a:scrgbClr r="0" g="0" b="0"/>
-        </a:lnRef>
-        <a:fillRef idx="1">
-          <a:scrgbClr r="0" g="0" b="0"/>
-        </a:fillRef>
-        <a:effectRef idx="0">
-          <a:scrgbClr r="0" g="0" b="0"/>
-        </a:effectRef>
-        <a:fontRef idx="minor">
-          <a:schemeClr val="lt1"/>
-        </a:fontRef>
-      </dsp:style>
-      <dsp:txBody>
-        <a:bodyPr spcFirstLastPara="0" vert="horz" wrap="square" lIns="83820" tIns="83820" rIns="83820" bIns="83820" numCol="1" spcCol="1270" rtlCol="0" anchor="ctr" anchorCtr="1">
-          <a:noAutofit/>
-        </a:bodyPr>
-        <a:lstStyle/>
-        <a:p>
-          <a:pPr marL="0" lvl="0" indent="0" algn="ctr" defTabSz="488950" rtl="0">
-            <a:lnSpc>
-              <a:spcPct val="90000"/>
-            </a:lnSpc>
-            <a:spcBef>
-              <a:spcPct val="0"/>
-            </a:spcBef>
-            <a:spcAft>
-              <a:spcPct val="35000"/>
-            </a:spcAft>
-            <a:buNone/>
-          </a:pPr>
-          <a:r>
-            <a:rPr lang="pt-br" sz="1100" kern="1200"/>
-            <a:t>2018</a:t>
-          </a:r>
-        </a:p>
-      </dsp:txBody>
-      <dsp:txXfrm>
-        <a:off x="4012359" y="1635204"/>
-        <a:ext cx="3005230" cy="363378"/>
-      </dsp:txXfrm>
-    </dsp:sp>
-    <dsp:sp modelId="{DF65791B-462E-4589-B98D-F60587330CA8}">
-      <dsp:nvSpPr>
-        <dsp:cNvPr id="0" name=""/>
-        <dsp:cNvSpPr/>
-      </dsp:nvSpPr>
-      <dsp:spPr>
-        <a:xfrm>
-          <a:off x="3010616" y="2361961"/>
-          <a:ext cx="5008717" cy="1271825"/>
-        </a:xfrm>
-        <a:prstGeom prst="rect">
-          <a:avLst/>
-        </a:prstGeom>
-        <a:noFill/>
-        <a:ln>
-          <a:noFill/>
-        </a:ln>
-        <a:effectLst/>
-      </dsp:spPr>
-      <dsp:style>
-        <a:lnRef idx="0">
-          <a:scrgbClr r="0" g="0" b="0"/>
-        </a:lnRef>
-        <a:fillRef idx="0">
-          <a:scrgbClr r="0" g="0" b="0"/>
-        </a:fillRef>
-        <a:effectRef idx="0">
-          <a:scrgbClr r="0" g="0" b="0"/>
-        </a:effectRef>
-        <a:fontRef idx="minor"/>
-      </dsp:style>
-      <dsp:txBody>
-        <a:bodyPr spcFirstLastPara="0" vert="horz" wrap="square" lIns="0" tIns="83820" rIns="0" bIns="0" numCol="1" spcCol="1270" rtlCol="0" anchor="t" anchorCtr="1">
-          <a:noAutofit/>
-        </a:bodyPr>
-        <a:lstStyle/>
-        <a:p>
-          <a:pPr marL="0" lvl="0" indent="0" algn="ctr" defTabSz="488950" rtl="0">
-            <a:lnSpc>
-              <a:spcPct val="90000"/>
-            </a:lnSpc>
-            <a:spcBef>
-              <a:spcPct val="0"/>
-            </a:spcBef>
-            <a:spcAft>
-              <a:spcPct val="35000"/>
-            </a:spcAft>
-            <a:buNone/>
-          </a:pPr>
-          <a:r>
-            <a:rPr lang="pt-br" sz="1100" kern="1200"/>
-            <a:t>Lorem ipsum dolor sit amet</a:t>
-          </a:r>
-        </a:p>
-      </dsp:txBody>
-      <dsp:txXfrm>
-        <a:off x="3010616" y="2361961"/>
-        <a:ext cx="5008717" cy="1271825"/>
-      </dsp:txXfrm>
-    </dsp:sp>
-    <dsp:sp modelId="{DBA410EB-5F61-4F46-92D9-C5B0AA59EE15}">
-      <dsp:nvSpPr>
-        <dsp:cNvPr id="0" name=""/>
-        <dsp:cNvSpPr/>
-      </dsp:nvSpPr>
-      <dsp:spPr>
-        <a:xfrm>
-          <a:off x="5514975" y="1998582"/>
-          <a:ext cx="0" cy="290702"/>
-        </a:xfrm>
-        <a:prstGeom prst="line">
-          <a:avLst/>
-        </a:prstGeom>
-        <a:noFill/>
-        <a:ln w="12700" cap="rnd" cmpd="sng" algn="ctr">
-          <a:solidFill>
-            <a:schemeClr val="accent1">
-              <a:shade val="90000"/>
-              <a:hueOff val="140199"/>
-              <a:satOff val="2886"/>
-              <a:lumOff val="12346"/>
-              <a:alphaOff val="0"/>
-            </a:schemeClr>
-          </a:solidFill>
-          <a:prstDash val="dash"/>
-        </a:ln>
-        <a:effectLst/>
-      </dsp:spPr>
-      <dsp:style>
-        <a:lnRef idx="1">
-          <a:scrgbClr r="0" g="0" b="0"/>
-        </a:lnRef>
-        <a:fillRef idx="0">
-          <a:scrgbClr r="0" g="0" b="0"/>
-        </a:fillRef>
-        <a:effectRef idx="0">
-          <a:scrgbClr r="0" g="0" b="0"/>
-        </a:effectRef>
-        <a:fontRef idx="minor"/>
-      </dsp:style>
-    </dsp:sp>
-    <dsp:sp modelId="{E1220EDB-B75C-43A5-B862-97E4C09130A7}">
-      <dsp:nvSpPr>
-        <dsp:cNvPr id="0" name=""/>
-        <dsp:cNvSpPr/>
-      </dsp:nvSpPr>
-      <dsp:spPr>
-        <a:xfrm>
-          <a:off x="5478637" y="2289285"/>
-          <a:ext cx="72675" cy="72675"/>
-        </a:xfrm>
-        <a:prstGeom prst="ellipse">
-          <a:avLst/>
-        </a:prstGeom>
-        <a:solidFill>
-          <a:schemeClr val="accent1">
-            <a:shade val="80000"/>
-            <a:hueOff val="223096"/>
-            <a:satOff val="-4529"/>
-            <a:lumOff val="15339"/>
-            <a:alphaOff val="0"/>
-          </a:schemeClr>
-        </a:solidFill>
-        <a:ln w="22225" cap="rnd" cmpd="sng" algn="ctr">
-          <a:solidFill>
-            <a:schemeClr val="lt1">
-              <a:hueOff val="0"/>
-              <a:satOff val="0"/>
-              <a:lumOff val="0"/>
-              <a:alphaOff val="0"/>
-            </a:schemeClr>
-          </a:solidFill>
-          <a:prstDash val="solid"/>
-        </a:ln>
-        <a:effectLst/>
-      </dsp:spPr>
-      <dsp:style>
-        <a:lnRef idx="2">
-          <a:scrgbClr r="0" g="0" b="0"/>
-        </a:lnRef>
-        <a:fillRef idx="1">
-          <a:scrgbClr r="0" g="0" b="0"/>
-        </a:fillRef>
-        <a:effectRef idx="0">
-          <a:scrgbClr r="0" g="0" b="0"/>
-        </a:effectRef>
-        <a:fontRef idx="minor">
-          <a:schemeClr val="lt1"/>
-        </a:fontRef>
-      </dsp:style>
-    </dsp:sp>
-    <dsp:sp modelId="{566B79CB-1A41-4F5C-BF91-58D94BF93913}">
-      <dsp:nvSpPr>
-        <dsp:cNvPr id="0" name=""/>
-        <dsp:cNvSpPr/>
-      </dsp:nvSpPr>
-      <dsp:spPr>
-        <a:xfrm rot="5400000">
-          <a:off x="8338516" y="314278"/>
-          <a:ext cx="363378" cy="3005230"/>
-        </a:xfrm>
-        <a:prstGeom prst="round2SameRect">
-          <a:avLst/>
-        </a:prstGeom>
-        <a:solidFill>
-          <a:schemeClr val="accent1">
-            <a:shade val="80000"/>
-            <a:hueOff val="446191"/>
-            <a:satOff val="-9058"/>
-            <a:lumOff val="30677"/>
-            <a:alphaOff val="0"/>
-          </a:schemeClr>
-        </a:solidFill>
-        <a:ln w="22225" cap="rnd" cmpd="sng" algn="ctr">
-          <a:solidFill>
-            <a:schemeClr val="accent1">
-              <a:shade val="80000"/>
-              <a:hueOff val="446191"/>
-              <a:satOff val="-9058"/>
-              <a:lumOff val="30677"/>
-              <a:alphaOff val="0"/>
-            </a:schemeClr>
-          </a:solidFill>
-          <a:prstDash val="solid"/>
-        </a:ln>
-        <a:effectLst/>
-      </dsp:spPr>
-      <dsp:style>
-        <a:lnRef idx="2">
-          <a:scrgbClr r="0" g="0" b="0"/>
-        </a:lnRef>
-        <a:fillRef idx="1">
-          <a:scrgbClr r="0" g="0" b="0"/>
-        </a:fillRef>
-        <a:effectRef idx="0">
-          <a:scrgbClr r="0" g="0" b="0"/>
-        </a:effectRef>
-        <a:fontRef idx="minor">
-          <a:schemeClr val="lt1"/>
-        </a:fontRef>
-      </dsp:style>
-      <dsp:txBody>
-        <a:bodyPr spcFirstLastPara="0" vert="horz" wrap="square" lIns="83820" tIns="83820" rIns="83820" bIns="83820" numCol="1" spcCol="1270" rtlCol="0" anchor="ctr" anchorCtr="1">
-          <a:noAutofit/>
-        </a:bodyPr>
-        <a:lstStyle/>
-        <a:p>
-          <a:pPr marL="0" lvl="0" indent="0" algn="ctr" defTabSz="488950" rtl="0">
-            <a:lnSpc>
-              <a:spcPct val="90000"/>
-            </a:lnSpc>
-            <a:spcBef>
-              <a:spcPct val="0"/>
-            </a:spcBef>
-            <a:spcAft>
-              <a:spcPct val="35000"/>
-            </a:spcAft>
-            <a:buNone/>
-          </a:pPr>
-          <a:r>
-            <a:rPr lang="pt-br" sz="1100" kern="1200"/>
-            <a:t>2019</a:t>
-          </a:r>
-        </a:p>
-      </dsp:txBody>
-      <dsp:txXfrm rot="-5400000">
-        <a:off x="7017591" y="1652943"/>
-        <a:ext cx="2987491" cy="327900"/>
-      </dsp:txXfrm>
-    </dsp:sp>
-    <dsp:sp modelId="{B4723E2A-4FF1-452A-BD25-8EC364F15A6F}">
-      <dsp:nvSpPr>
-        <dsp:cNvPr id="0" name=""/>
-        <dsp:cNvSpPr/>
-      </dsp:nvSpPr>
-      <dsp:spPr>
-        <a:xfrm>
-          <a:off x="6015846" y="0"/>
-          <a:ext cx="5008717" cy="1271825"/>
-        </a:xfrm>
-        <a:prstGeom prst="rect">
-          <a:avLst/>
-        </a:prstGeom>
-        <a:noFill/>
-        <a:ln>
-          <a:noFill/>
-        </a:ln>
-        <a:effectLst/>
-      </dsp:spPr>
-      <dsp:style>
-        <a:lnRef idx="0">
-          <a:scrgbClr r="0" g="0" b="0"/>
-        </a:lnRef>
-        <a:fillRef idx="0">
-          <a:scrgbClr r="0" g="0" b="0"/>
-        </a:fillRef>
-        <a:effectRef idx="0">
-          <a:scrgbClr r="0" g="0" b="0"/>
-        </a:effectRef>
-        <a:fontRef idx="minor"/>
-      </dsp:style>
-      <dsp:txBody>
-        <a:bodyPr spcFirstLastPara="0" vert="horz" wrap="square" lIns="0" tIns="0" rIns="0" bIns="83820" numCol="1" spcCol="1270" rtlCol="0" anchor="b" anchorCtr="1">
-          <a:noAutofit/>
-        </a:bodyPr>
-        <a:lstStyle/>
-        <a:p>
-          <a:pPr marL="0" lvl="0" indent="0" algn="ctr" defTabSz="488950" rtl="0">
-            <a:lnSpc>
-              <a:spcPct val="90000"/>
-            </a:lnSpc>
-            <a:spcBef>
-              <a:spcPct val="0"/>
-            </a:spcBef>
-            <a:spcAft>
-              <a:spcPct val="35000"/>
-            </a:spcAft>
-            <a:buNone/>
-          </a:pPr>
-          <a:r>
-            <a:rPr lang="pt-br" sz="1100" kern="1200"/>
-            <a:t>Lorem ipsum dolor sit amet</a:t>
-          </a:r>
-        </a:p>
-      </dsp:txBody>
-      <dsp:txXfrm>
-        <a:off x="6015846" y="0"/>
-        <a:ext cx="5008717" cy="1271825"/>
-      </dsp:txXfrm>
-    </dsp:sp>
-    <dsp:sp modelId="{440E9361-37D2-4157-AF38-7B49AD23708B}">
-      <dsp:nvSpPr>
-        <dsp:cNvPr id="0" name=""/>
-        <dsp:cNvSpPr/>
-      </dsp:nvSpPr>
-      <dsp:spPr>
-        <a:xfrm>
-          <a:off x="8520205" y="1344501"/>
-          <a:ext cx="0" cy="290702"/>
-        </a:xfrm>
-        <a:prstGeom prst="line">
-          <a:avLst/>
-        </a:prstGeom>
-        <a:noFill/>
-        <a:ln w="12700" cap="rnd" cmpd="sng" algn="ctr">
-          <a:solidFill>
-            <a:schemeClr val="accent1">
-              <a:shade val="90000"/>
-              <a:hueOff val="186931"/>
-              <a:satOff val="3848"/>
-              <a:lumOff val="16461"/>
-              <a:alphaOff val="0"/>
-            </a:schemeClr>
-          </a:solidFill>
-          <a:prstDash val="dash"/>
-        </a:ln>
-        <a:effectLst/>
-      </dsp:spPr>
-      <dsp:style>
-        <a:lnRef idx="1">
-          <a:scrgbClr r="0" g="0" b="0"/>
-        </a:lnRef>
-        <a:fillRef idx="0">
-          <a:scrgbClr r="0" g="0" b="0"/>
-        </a:fillRef>
-        <a:effectRef idx="0">
-          <a:scrgbClr r="0" g="0" b="0"/>
-        </a:effectRef>
-        <a:fontRef idx="minor"/>
-      </dsp:style>
-    </dsp:sp>
-    <dsp:sp modelId="{C45E7B63-1C71-483E-A3A8-705CE86D4D8E}">
-      <dsp:nvSpPr>
-        <dsp:cNvPr id="0" name=""/>
-        <dsp:cNvSpPr/>
-      </dsp:nvSpPr>
-      <dsp:spPr>
-        <a:xfrm>
-          <a:off x="8483867" y="1271825"/>
-          <a:ext cx="72675" cy="72675"/>
-        </a:xfrm>
-        <a:prstGeom prst="ellipse">
-          <a:avLst/>
-        </a:prstGeom>
-        <a:solidFill>
-          <a:schemeClr val="accent1">
-            <a:shade val="80000"/>
-            <a:hueOff val="446191"/>
-            <a:satOff val="-9058"/>
-            <a:lumOff val="30677"/>
-            <a:alphaOff val="0"/>
-          </a:schemeClr>
-        </a:solidFill>
-        <a:ln w="22225" cap="rnd" cmpd="sng" algn="ctr">
-          <a:solidFill>
-            <a:schemeClr val="lt1">
-              <a:hueOff val="0"/>
-              <a:satOff val="0"/>
-              <a:lumOff val="0"/>
-              <a:alphaOff val="0"/>
-            </a:schemeClr>
-          </a:solidFill>
-          <a:prstDash val="solid"/>
-        </a:ln>
-        <a:effectLst/>
-      </dsp:spPr>
-      <dsp:style>
-        <a:lnRef idx="2">
-          <a:scrgbClr r="0" g="0" b="0"/>
-        </a:lnRef>
-        <a:fillRef idx="1">
-          <a:scrgbClr r="0" g="0" b="0"/>
-        </a:fillRef>
-        <a:effectRef idx="0">
-          <a:scrgbClr r="0" g="0" b="0"/>
-        </a:effectRef>
-        <a:fontRef idx="minor">
-          <a:schemeClr val="lt1"/>
-        </a:fontRef>
-      </dsp:style>
-    </dsp:sp>
-  </dsp:spTree>
-</dsp:drawing>
-</file>
-
-<file path=ppt/diagrams/layout1.xml><?xml version="1.0" encoding="utf-8"?>
-<dgm:layoutDef xmlns:dgm="http://schemas.openxmlformats.org/drawingml/2006/diagram" xmlns:a="http://schemas.openxmlformats.org/drawingml/2006/main" uniqueId="urn:microsoft.com/office/officeart/2016/7/layout/RoundedRectangleTimeline">
-  <dgm:title val="Rounded Rectangle Timeline"/>
-  <dgm:desc val="Use to show a list of events in chronological order. An invisible box contains the description while the date is shown in rectangles, except for the first and last node where the corners of the rectangle are rounded. It can display large amount of text and long descriptive date format."/>
-  <dgm:catLst>
-    <dgm:cat type="timeline" pri="500"/>
-    <dgm:cat type="process" pri="600"/>
-  </dgm:catLst>
-  <dgm:sampData>
-    <dgm:dataModel>
-      <dgm:ptLst>
-        <dgm:pt modelId="0" type="doc"/>
-        <dgm:pt modelId="10">
-          <dgm:prSet phldr="1"/>
-        </dgm:pt>
-        <dgm:pt modelId="11">
-          <dgm:prSet phldr="1"/>
-        </dgm:pt>
-        <dgm:pt modelId="20">
-          <dgm:prSet phldr="1"/>
-        </dgm:pt>
-        <dgm:pt modelId="21">
-          <dgm:prSet phldr="1"/>
-        </dgm:pt>
-        <dgm:pt modelId="30">
-          <dgm:prSet phldr="1"/>
-        </dgm:pt>
-        <dgm:pt modelId="31">
-          <dgm:prSet phldr="1"/>
-        </dgm:pt>
-      </dgm:ptLst>
-      <dgm:cxnLst>
-        <dgm:cxn modelId="40" srcId="0" destId="10" srcOrd="0" destOrd="0"/>
-        <dgm:cxn modelId="12" srcId="10" destId="11" srcOrd="0" destOrd="0"/>
-        <dgm:cxn modelId="50" srcId="0" destId="20" srcOrd="1" destOrd="0"/>
-        <dgm:cxn modelId="22" srcId="20" destId="21" srcOrd="0" destOrd="0"/>
-        <dgm:cxn modelId="60" srcId="0" destId="30" srcOrd="1" destOrd="0"/>
-        <dgm:cxn modelId="32" srcId="30" destId="31" srcOrd="0" destOrd="0"/>
-      </dgm:cxnLst>
-      <dgm:bg/>
-      <dgm:whole/>
-    </dgm:dataModel>
-  </dgm:sampData>
-  <dgm:styleData>
-    <dgm:dataModel>
-      <dgm:ptLst>
-        <dgm:pt modelId="0" type="doc"/>
-        <dgm:pt modelId="10">
-          <dgm:prSet phldr="1"/>
-        </dgm:pt>
-        <dgm:pt modelId="20">
-          <dgm:prSet phldr="1"/>
-        </dgm:pt>
-      </dgm:ptLst>
-      <dgm:cxnLst>
-        <dgm:cxn modelId="60" srcId="0" destId="10" srcOrd="0" destOrd="0"/>
-        <dgm:cxn modelId="70" srcId="0" destId="20" srcOrd="1" destOrd="0"/>
-      </dgm:cxnLst>
-      <dgm:bg/>
-      <dgm:whole/>
-    </dgm:dataModel>
-  </dgm:styleData>
-  <dgm:clrData>
-    <dgm:dataModel>
-      <dgm:ptLst>
-        <dgm:pt modelId="0" type="doc"/>
-        <dgm:pt modelId="10">
-          <dgm:prSet phldr="1"/>
-        </dgm:pt>
-        <dgm:pt modelId="20">
-          <dgm:prSet phldr="1"/>
-        </dgm:pt>
-        <dgm:pt modelId="30">
-          <dgm:prSet phldr="1"/>
-        </dgm:pt>
-        <dgm:pt modelId="40">
-          <dgm:prSet phldr="1"/>
-        </dgm:pt>
-      </dgm:ptLst>
-      <dgm:cxnLst>
-        <dgm:cxn modelId="60" srcId="0" destId="10" srcOrd="0" destOrd="0"/>
-        <dgm:cxn modelId="70" srcId="0" destId="20" srcOrd="1" destOrd="0"/>
-        <dgm:cxn modelId="80" srcId="0" destId="30" srcOrd="2" destOrd="0"/>
-        <dgm:cxn modelId="90" srcId="0" destId="40" srcOrd="3" destOrd="0"/>
-      </dgm:cxnLst>
-      <dgm:bg/>
-      <dgm:whole/>
-    </dgm:dataModel>
-  </dgm:clrData>
-  <dgm:layoutNode name="Name0">
-    <dgm:varLst>
-      <dgm:chMax/>
-      <dgm:chPref/>
-      <dgm:animLvl val="lvl"/>
-    </dgm:varLst>
-    <dgm:choose name="Name1">
-      <dgm:if name="Name2" func="var" arg="dir" op="equ" val="norm">
-        <dgm:alg type="lin"/>
-      </dgm:if>
-      <dgm:else name="Name3">
-        <dgm:alg type="lin">
-          <dgm:param type="linDir" val="fromR"/>
-        </dgm:alg>
-      </dgm:else>
-    </dgm:choose>
-    <dgm:shape xmlns:r="http://schemas.openxmlformats.org/officeDocument/2006/relationships" r:blip="">
-      <dgm:adjLst/>
-    </dgm:shape>
-    <dgm:constrLst>
-      <dgm:constr type="primFontSz" for="des" forName="parent" val="18"/>
-      <dgm:constr type="primFontSz" for="des" forName="Childtext" val="18"/>
-      <dgm:constr type="primFontSz" for="des" forName="Childtext" refType="primFontSz" refFor="des" refForName="parent" op="lte"/>
-      <dgm:constr type="w" for="ch" forName="composite" refType="w"/>
-      <dgm:constr type="h" for="ch" forName="composite" refType="h"/>
-      <dgm:constr type="w" for="ch" forName="spaceBetweenRectangles" refType="w" refFor="ch" refForName="composite" fact="-0.4"/>
-      <dgm:constr type="w" for="ch" ptType="sibTrans" op="equ"/>
-      <dgm:constr type="primFontSz" for="des" forName="parent" op="equ"/>
-      <dgm:constr type="primFontSz" for="des" forName="Childtext" op="equ"/>
-      <dgm:constr type="primFontSz" for="des" forName="parent1" val="18"/>
-      <dgm:constr type="primFontSz" for="des" forName="Childtext1" val="18"/>
-      <dgm:constr type="primFontSz" for="des" forName="Childtext1" refType="primFontSz" refFor="des" refForName="parent1" op="lte"/>
-      <dgm:constr type="w" for="ch" forName="composite1" refType="w"/>
-      <dgm:constr type="h" for="ch" forName="composite1" refType="h"/>
-      <dgm:constr type="w" for="ch" forName="spaceBetweenRectangles1" refType="w" refFor="ch" refForName="composite1" fact="-0.4"/>
-      <dgm:constr type="primFontSz" for="des" forName="parent1" op="equ"/>
-      <dgm:constr type="primFontSz" for="des" forName="Childtext1" op="equ"/>
-    </dgm:constrLst>
-    <dgm:choose name="layoutByNodeCnt">
-      <dgm:if name="twoOrLessNodes" axis="ch" ptType="node" func="cnt" op="lte" val="2">
-        <dgm:forEach name="nodesForEach" axis="ch" ptType="node">
-          <dgm:layoutNode name="composite">
-            <dgm:alg type="composite"/>
-            <dgm:shape xmlns:r="http://schemas.openxmlformats.org/officeDocument/2006/relationships" r:blip="">
-              <dgm:adjLst/>
-            </dgm:shape>
-            <dgm:choose name="casesForFirstAndLastNode1">
-              <dgm:if name="startNode1" axis="self" ptType="node" func="pos" op="equ" val="1">
-                <dgm:choose name="removeLineWhenOnlyOneNode1">
-                  <dgm:if name="ifOnlyOneNode1" axis="followSib" ptType="node" func="cnt" op="equ" val="0">
-                    <dgm:constrLst>
-                      <dgm:constr type="w" for="ch" forName="parent" refType="w" fact="0.95"/>
-                      <dgm:constr type="l" for="ch" forName="parent" refType="w" fact="0.025"/>
-                      <dgm:constr type="t" for="ch" forName="parent" refType="h" fact="0.45"/>
-                      <dgm:constr type="h" for="ch" forName="parent" refType="h" fact="0.1"/>
-                      <dgm:constr type="l" for="ch" forName="Childtext" refType="w" fact="0.025"/>
-                      <dgm:constr type="w" for="ch" forName="Childtext" refType="w" fact="0.95"/>
-                      <dgm:constr type="h" for="ch" forName="Childtext" refType="h" fact="0.35"/>
-                      <dgm:constr type="w" for="ch" forName="ConnectLine"/>
-                      <dgm:constr type="h" for="ch" forName="ConnectLine" refType="h" fact="0.08"/>
-                      <dgm:constr type="t" for="ch" forName="ConnectLine" refType="h" fact="0.37"/>
-                      <dgm:constr type="ctrX" for="ch" forName="ConnectLine" refType="w" fact="0.5"/>
-                      <dgm:constr type="w" for="ch" forName="ConnectLineEnd" refType="h" fact="0.02"/>
-                      <dgm:constr type="h" for="ch" forName="ConnectLineEnd" refType="h" fact="0.02"/>
-                      <dgm:constr type="t" for="ch" forName="ConnectLineEnd" refType="h" fact="0.35"/>
-                      <dgm:constr type="ctrX" for="ch" forName="ConnectLineEnd" refType="w" fact="0.5"/>
-                      <dgm:constr type="w" for="ch" forName="EmptyPane" refType="w"/>
-                      <dgm:constr type="t" for="ch" forName="EmptyPane" refType="h" fact="0.55"/>
-                      <dgm:constr type="h" for="ch" forName="EmptyPane" refType="h" fact="0.45"/>
-                    </dgm:constrLst>
-                  </dgm:if>
-                  <dgm:else name="ifMoreThanOneNode1">
-                    <dgm:constrLst>
-                      <dgm:constr type="w" for="ch" forName="parent" refType="w" fact="0.6"/>
-                      <dgm:constr type="l" for="ch" forName="parent" refType="w" fact="0.2"/>
-                      <dgm:constr type="t" for="ch" forName="parent" refType="h" fact="0.45"/>
-                      <dgm:constr type="h" for="ch" forName="parent" refType="h" fact="0.1"/>
-                      <dgm:constr type="l" for="ch" forName="Childtext" refType="w" fact="0.2"/>
-                      <dgm:constr type="w" for="ch" forName="Childtext" refType="w" fact="0.6"/>
-                      <dgm:constr type="h" for="ch" forName="Childtext" refType="h" fact="0.35"/>
-                      <dgm:constr type="w" for="ch" forName="ConnectLine"/>
-                      <dgm:constr type="h" for="ch" forName="ConnectLine" refType="h" fact="0.08"/>
-                      <dgm:constr type="t" for="ch" forName="ConnectLine" refType="h" fact="0.37"/>
-                      <dgm:constr type="ctrX" for="ch" forName="ConnectLine" refType="w" fact="0.5"/>
-                      <dgm:constr type="w" for="ch" forName="ConnectLineEnd" refType="h" fact="0.02"/>
-                      <dgm:constr type="h" for="ch" forName="ConnectLineEnd" refType="h" fact="0.02"/>
-                      <dgm:constr type="t" for="ch" forName="ConnectLineEnd" refType="h" fact="0.35"/>
-                      <dgm:constr type="ctrX" for="ch" forName="ConnectLineEnd" refType="w" fact="0.5"/>
-                      <dgm:constr type="w" for="ch" forName="EmptyPane" refType="w"/>
-                      <dgm:constr type="t" for="ch" forName="EmptyPane" refType="h" fact="0.55"/>
-                      <dgm:constr type="h" for="ch" forName="EmptyPane" refType="h" fact="0.45"/>
-                    </dgm:constrLst>
-                  </dgm:else>
-                </dgm:choose>
-              </dgm:if>
-              <dgm:else name="notStartNode1">
-                <dgm:constrLst>
-                  <dgm:constr type="w" for="ch" forName="parent" refType="w" fact="0.6"/>
-                  <dgm:constr type="l" for="ch" forName="parent" refType="w" fact="0.2"/>
-                  <dgm:constr type="t" for="ch" forName="parent" refType="h" fact="0.45"/>
-                  <dgm:constr type="h" for="ch" forName="parent" refType="h" fact="0.1"/>
-                  <dgm:constr type="l" for="ch" forName="Childtext" refType="w" fact="0.2"/>
-                  <dgm:constr type="w" for="ch" forName="Childtext" refType="w" fact="0.6"/>
-                  <dgm:constr type="h" for="ch" forName="Childtext" refType="h" fact="0.35"/>
-                  <dgm:constr type="t" for="ch" forName="Childtext" refType="h" fact="0.65"/>
-                  <dgm:constr type="w" for="ch" forName="ConnectLine"/>
-                  <dgm:constr type="h" for="ch" forName="ConnectLine" refType="h" fact="0.08"/>
-                  <dgm:constr type="t" for="ch" forName="ConnectLine" refType="h" fact="0.55"/>
-                  <dgm:constr type="ctrX" for="ch" forName="ConnectLine" refType="w" fact="0.5"/>
-                  <dgm:constr type="w" for="ch" forName="ConnectLineEnd" refType="h" fact="0.02"/>
-                  <dgm:constr type="h" for="ch" forName="ConnectLineEnd" refType="h" fact="0.02"/>
-                  <dgm:constr type="b" for="ch" forName="ConnectLineEnd" refType="h" fact="0.65"/>
-                  <dgm:constr type="ctrX" for="ch" forName="ConnectLineEnd" refType="w" fact="0.5"/>
-                  <dgm:constr type="w" for="ch" forName="EmptyPane" refType="w"/>
-                  <dgm:constr type="h" for="ch" forName="EmptyPane" refType="h" fact="0.45"/>
-                </dgm:constrLst>
-              </dgm:else>
-            </dgm:choose>
-            <dgm:layoutNode name="parent" styleLbl="alignNode1">
-              <dgm:varLst>
-                <dgm:chMax val="1"/>
-                <dgm:chPref val="1"/>
-                <dgm:bulletEnabled val="1"/>
-              </dgm:varLst>
-              <dgm:alg type="tx">
-                <dgm:param type="txAnchorHorz" val="ctr"/>
-                <dgm:param type="txAnchorVert" val="mid"/>
-                <dgm:param type="parTxLTRAlign" val="ctr"/>
-                <dgm:param type="parTxRTLAlign" val="ctr"/>
-              </dgm:alg>
-              <dgm:choose name="casesForFirstAndLastNode">
-                <dgm:if name="startNode" axis="self" ptType="node" func="pos" op="equ" val="1">
-                  <dgm:choose name="removeLineWhenOnlyOneNode">
-                    <dgm:if name="ifOnlyOneNode" axis="followSib" ptType="node" func="cnt" op="equ" val="0">
-                      <dgm:shape xmlns:r="http://schemas.openxmlformats.org/officeDocument/2006/relationships" type="roundRect" r:blip="">
-                        <dgm:adjLst/>
-                      </dgm:shape>
-                    </dgm:if>
-                    <dgm:else name="ifMoreThanOneNode">
-                      <dgm:choose name="Name18">
-                        <dgm:if name="Name19" func="var" arg="dir" op="equ" val="norm">
-                          <dgm:shape xmlns:r="http://schemas.openxmlformats.org/officeDocument/2006/relationships" rot="-90" type="round2SameRect" r:blip="">
-                            <dgm:adjLst/>
-                          </dgm:shape>
-                        </dgm:if>
-                        <dgm:else name="Name20">
-                          <dgm:shape xmlns:r="http://schemas.openxmlformats.org/officeDocument/2006/relationships" rot="90" type="round2SameRect" r:blip="">
-                            <dgm:adjLst/>
-                          </dgm:shape>
-                        </dgm:else>
-                      </dgm:choose>
-                    </dgm:else>
-                  </dgm:choose>
-                </dgm:if>
-                <dgm:else name="notStartNode">
-                  <dgm:choose name="Name22">
-                    <dgm:if name="Name23" axis="self" ptType="node" func="revPos" op="equ" val="1">
-                      <dgm:choose name="Name24">
-                        <dgm:if name="Name25" func="var" arg="dir" op="equ" val="norm">
-                          <dgm:shape xmlns:r="http://schemas.openxmlformats.org/officeDocument/2006/relationships" rot="90" type="round2SameRect" r:blip="">
-                            <dgm:adjLst/>
-                          </dgm:shape>
-                        </dgm:if>
-                        <dgm:else name="Name26">
-                          <dgm:shape xmlns:r="http://schemas.openxmlformats.org/officeDocument/2006/relationships" rot="-90" type="round2SameRect" r:blip="">
-                            <dgm:adjLst/>
-                          </dgm:shape>
-                        </dgm:else>
-                      </dgm:choose>
-                    </dgm:if>
-                    <dgm:else name="Name27">
-                      <dgm:shape xmlns:r="http://schemas.openxmlformats.org/officeDocument/2006/relationships" type="rect" r:blip="">
-                        <dgm:adjLst/>
-                      </dgm:shape>
-                    </dgm:else>
-                  </dgm:choose>
-                </dgm:else>
-              </dgm:choose>
-              <dgm:presOf axis="self" ptType="node"/>
-              <dgm:constrLst>
-                <dgm:constr type="lMarg" refType="primFontSz" fact="0.6"/>
-                <dgm:constr type="rMarg" refType="primFontSz" fact="0.6"/>
-                <dgm:constr type="tMarg" refType="primFontSz" fact="0.6"/>
-                <dgm:constr type="bMarg" refType="primFontSz" fact="0.6"/>
-              </dgm:constrLst>
-              <dgm:ruleLst>
-                <dgm:rule type="primFontSz" val="11" fact="NaN" max="NaN"/>
-              </dgm:ruleLst>
-            </dgm:layoutNode>
-            <dgm:layoutNode name="Childtext" styleLbl="revTx">
-              <dgm:varLst>
-                <dgm:bulletEnabled val="1"/>
-              </dgm:varLst>
-              <dgm:choose name="casesForTxtDirLogic">
-                <dgm:if name="Name77" axis="self" ptType="node" func="posOdd" op="equ" val="1">
-                  <dgm:alg type="tx">
-                    <dgm:param type="txAnchorVert" val="b"/>
-                    <dgm:param type="txAnchorHorz" val="ctr"/>
-                    <dgm:param type="parTxLTRAlign" val="ctr"/>
-                    <dgm:param type="parTxRTLAlign" val="ctr"/>
-                  </dgm:alg>
-                  <dgm:constrLst>
-                    <dgm:constr type="lMarg"/>
-                    <dgm:constr type="rMarg"/>
-                    <dgm:constr type="tMarg"/>
-                    <dgm:constr type="bMarg" refType="primFontSz" fact="0.6"/>
-                  </dgm:constrLst>
-                </dgm:if>
-                <dgm:else name="Name88">
-                  <dgm:alg type="tx">
-                    <dgm:param type="txAnchorVert" val="t"/>
-                    <dgm:param type="txAnchorHorz" val="ctr"/>
-                    <dgm:param type="parTxLTRAlign" val="ctr"/>
-                    <dgm:param type="parTxRTLAlign" val="ctr"/>
-                  </dgm:alg>
-                  <dgm:constrLst>
-                    <dgm:constr type="lMarg"/>
-                    <dgm:constr type="rMarg"/>
-                    <dgm:constr type="tMarg" refType="primFontSz" fact="0.6"/>
-                    <dgm:constr type="bMarg"/>
-                  </dgm:constrLst>
-                </dgm:else>
-              </dgm:choose>
-              <dgm:shape xmlns:r="http://schemas.openxmlformats.org/officeDocument/2006/relationships" type="rect" r:blip="">
-                <dgm:adjLst/>
-              </dgm:shape>
-              <dgm:presOf axis="ch" ptType="node"/>
-              <dgm:ruleLst>
-                <dgm:rule type="primFontSz" val="11" fact="NaN" max="NaN"/>
-              </dgm:ruleLst>
-            </dgm:layoutNode>
-            <dgm:layoutNode name="ConnectLine" styleLbl="sibTrans1D1">
-              <dgm:alg type="sp"/>
-              <dgm:shape xmlns:r="http://schemas.openxmlformats.org/officeDocument/2006/relationships" type="line" r:blip="">
-                <dgm:adjLst/>
-                <dgm:extLst>
-                  <a:ext uri="{B698B0E9-8C71-41B9-8309-B3DCBF30829C}">
-                    <dgm1612:spPr xmlns:dgm1612="http://schemas.microsoft.com/office/drawing/2016/12/diagram">
-                      <a:ln>
-                        <a:prstDash val="dash"/>
-                      </a:ln>
-                    </dgm1612:spPr>
-                  </a:ext>
-                </dgm:extLst>
-              </dgm:shape>
-              <dgm:presOf/>
-              <dgm:constrLst/>
-            </dgm:layoutNode>
-            <dgm:layoutNode name="ConnectLineEnd" styleLbl="lnNode1">
-              <dgm:alg type="sp"/>
-              <dgm:shape xmlns:r="http://schemas.openxmlformats.org/officeDocument/2006/relationships" type="ellipse" r:blip="">
-                <dgm:adjLst/>
-              </dgm:shape>
-              <dgm:presOf/>
-              <dgm:constrLst/>
-            </dgm:layoutNode>
-            <dgm:layoutNode name="EmptyPane">
-              <dgm:alg type="sp"/>
-              <dgm:shape xmlns:r="http://schemas.openxmlformats.org/officeDocument/2006/relationships" r:blip="">
-                <dgm:adjLst/>
-              </dgm:shape>
-              <dgm:presOf/>
-              <dgm:constrLst/>
-            </dgm:layoutNode>
-          </dgm:layoutNode>
-          <dgm:forEach name="Name28" axis="followSib" ptType="sibTrans" cnt="1">
-            <dgm:layoutNode name="spaceBetweenRectangles">
-              <dgm:alg type="sp"/>
-              <dgm:shape xmlns:r="http://schemas.openxmlformats.org/officeDocument/2006/relationships" r:blip="">
-                <dgm:adjLst/>
-              </dgm:shape>
-              <dgm:presOf/>
-              <dgm:constrLst/>
-              <dgm:ruleLst/>
-            </dgm:layoutNode>
-          </dgm:forEach>
-        </dgm:forEach>
-      </dgm:if>
-      <dgm:else name="moreThanTwoNodes">
-        <dgm:forEach name="nodesForEach1" axis="ch" ptType="node">
-          <dgm:layoutNode name="composite1">
-            <dgm:alg type="composite"/>
-            <dgm:shape xmlns:r="http://schemas.openxmlformats.org/officeDocument/2006/relationships" r:blip="">
-              <dgm:adjLst/>
-            </dgm:shape>
-            <dgm:choose name="casesForSnakingLogic21">
-              <dgm:if name="oddNode21" axis="self" ptType="node" func="posOdd" op="equ" val="1">
-                <dgm:constrLst>
-                  <dgm:constr type="w" for="ch" forName="parent1" refType="w" fact="0.6"/>
-                  <dgm:constr type="l" for="ch" forName="parent1" refType="w" fact="0.2"/>
-                  <dgm:constr type="t" for="ch" forName="parent1" refType="h" fact="0.45"/>
-                  <dgm:constr type="h" for="ch" forName="parent1" refType="h" fact="0.1"/>
-                  <dgm:constr type="w" for="ch" forName="Childtext1" refType="w"/>
-                  <dgm:constr type="h" for="ch" forName="Childtext1" refType="h" fact="0.35"/>
-                  <dgm:constr type="w" for="ch" forName="ConnectLine1"/>
-                  <dgm:constr type="h" for="ch" forName="ConnectLine1" refType="h" fact="0.08"/>
-                  <dgm:constr type="t" for="ch" forName="ConnectLine1" refType="h" fact="0.37"/>
-                  <dgm:constr type="ctrX" for="ch" forName="ConnectLine1" refType="w" fact="0.5"/>
-                  <dgm:constr type="w" for="ch" forName="ConnectLineEnd1" refType="h" fact="0.02"/>
-                  <dgm:constr type="h" for="ch" forName="ConnectLineEnd1" refType="h" fact="0.02"/>
-                  <dgm:constr type="t" for="ch" forName="ConnectLineEnd1" refType="h" fact="0.35"/>
-                  <dgm:constr type="ctrX" for="ch" forName="ConnectLineEnd1" refType="w" fact="0.5"/>
-                  <dgm:constr type="w" for="ch" forName="EmptyPane1" refType="w"/>
-                  <dgm:constr type="t" for="ch" forName="EmptyPane1" refType="h" fact="0.55"/>
-                  <dgm:constr type="h" for="ch" forName="EmptyPane1" refType="h" fact="0.45"/>
-                </dgm:constrLst>
-              </dgm:if>
-              <dgm:else name="evenNode2">
-                <dgm:constrLst>
-                  <dgm:constr type="w" for="ch" forName="parent1" refType="w" fact="0.6"/>
-                  <dgm:constr type="l" for="ch" forName="parent1" refType="w" fact="0.2"/>
-                  <dgm:constr type="t" for="ch" forName="parent1" refType="h" fact="0.45"/>
-                  <dgm:constr type="h" for="ch" forName="parent1" refType="h" fact="0.1"/>
-                  <dgm:constr type="w" for="ch" forName="Childtext1" refType="w"/>
-                  <dgm:constr type="h" for="ch" forName="Childtext1" refType="h" fact="0.35"/>
-                  <dgm:constr type="t" for="ch" forName="Childtext1" refType="h" fact="0.65"/>
-                  <dgm:constr type="w" for="ch" forName="ConnectLine1"/>
-                  <dgm:constr type="h" for="ch" forName="ConnectLine1" refType="h" fact="0.08"/>
-                  <dgm:constr type="t" for="ch" forName="ConnectLine1" refType="h" fact="0.55"/>
-                  <dgm:constr type="ctrX" for="ch" forName="ConnectLine1" refType="w" fact="0.5"/>
-                  <dgm:constr type="w" for="ch" forName="ConnectLineEnd1" refType="h" fact="0.02"/>
-                  <dgm:constr type="h" for="ch" forName="ConnectLineEnd1" refType="h" fact="0.02"/>
-                  <dgm:constr type="b" for="ch" forName="ConnectLineEnd1" refType="h" fact="0.65"/>
-                  <dgm:constr type="ctrX" for="ch" forName="ConnectLineEnd1" refType="w" fact="0.5"/>
-                  <dgm:constr type="w" for="ch" forName="EmptyPane1" refType="w"/>
-                  <dgm:constr type="h" for="ch" forName="EmptyPane1" refType="h" fact="0.45"/>
-                </dgm:constrLst>
-              </dgm:else>
-            </dgm:choose>
-            <dgm:layoutNode name="parent1" styleLbl="alignNode1">
-              <dgm:varLst>
-                <dgm:chMax val="1"/>
-                <dgm:chPref val="1"/>
-                <dgm:bulletEnabled val="1"/>
-              </dgm:varLst>
-              <dgm:alg type="tx">
-                <dgm:param type="txAnchorHorz" val="ctr"/>
-                <dgm:param type="txAnchorVert" val="mid"/>
-                <dgm:param type="parTxLTRAlign" val="ctr"/>
-                <dgm:param type="parTxRTLAlign" val="ctr"/>
-              </dgm:alg>
-              <dgm:choose name="casesForFirstAndLastNode12">
-                <dgm:if name="startNode12" axis="self" ptType="node" func="pos" op="equ" val="1">
-                  <dgm:choose name="removeLineWhenOnlyOneNode12">
-                    <dgm:if name="ifOnlyOneNode12" axis="followSib" ptType="node" func="cnt" op="equ" val="0">
-                      <dgm:shape xmlns:r="http://schemas.openxmlformats.org/officeDocument/2006/relationships" type="roundRect" r:blip="">
-                        <dgm:adjLst/>
-                      </dgm:shape>
-                    </dgm:if>
-                    <dgm:else name="ifMoreThanOneNode12">
-                      <dgm:choose name="Name181">
-                        <dgm:if name="Name191" func="var" arg="dir" op="equ" val="norm">
-                          <dgm:shape xmlns:r="http://schemas.openxmlformats.org/officeDocument/2006/relationships" rot="-90" type="round2SameRect" r:blip="">
-                            <dgm:adjLst/>
-                          </dgm:shape>
-                        </dgm:if>
-                        <dgm:else name="Name201">
-                          <dgm:shape xmlns:r="http://schemas.openxmlformats.org/officeDocument/2006/relationships" rot="90" type="round2SameRect" r:blip="">
-                            <dgm:adjLst/>
-                          </dgm:shape>
-                        </dgm:else>
-                      </dgm:choose>
-                    </dgm:else>
-                  </dgm:choose>
-                </dgm:if>
-                <dgm:else name="notStartNode12">
-                  <dgm:choose name="Name221">
-                    <dgm:if name="Name231" axis="self" ptType="node" func="revPos" op="equ" val="1">
-                      <dgm:choose name="Name241">
-                        <dgm:if name="Name251" func="var" arg="dir" op="equ" val="norm">
-                          <dgm:shape xmlns:r="http://schemas.openxmlformats.org/officeDocument/2006/relationships" rot="90" type="round2SameRect" r:blip="">
-                            <dgm:adjLst/>
-                          </dgm:shape>
-                        </dgm:if>
-                        <dgm:else name="Name261">
-                          <dgm:shape xmlns:r="http://schemas.openxmlformats.org/officeDocument/2006/relationships" rot="-90" type="round2SameRect" r:blip="">
-                            <dgm:adjLst/>
-                          </dgm:shape>
-                        </dgm:else>
-                      </dgm:choose>
-                    </dgm:if>
-                    <dgm:else name="Name271">
-                      <dgm:shape xmlns:r="http://schemas.openxmlformats.org/officeDocument/2006/relationships" type="rect" r:blip="">
-                        <dgm:adjLst/>
-                      </dgm:shape>
-                    </dgm:else>
-                  </dgm:choose>
-                </dgm:else>
-              </dgm:choose>
-              <dgm:presOf axis="self" ptType="node"/>
-              <dgm:constrLst>
-                <dgm:constr type="lMarg" refType="primFontSz" fact="0.6"/>
-                <dgm:constr type="rMarg" refType="primFontSz" fact="0.6"/>
-                <dgm:constr type="tMarg" refType="primFontSz" fact="0.6"/>
-                <dgm:constr type="bMarg" refType="primFontSz" fact="0.6"/>
-              </dgm:constrLst>
-              <dgm:ruleLst>
-                <dgm:rule type="primFontSz" val="11" fact="NaN" max="NaN"/>
-              </dgm:ruleLst>
-            </dgm:layoutNode>
-            <dgm:layoutNode name="Childtext1" styleLbl="revTx">
-              <dgm:varLst>
-                <dgm:bulletEnabled val="1"/>
-              </dgm:varLst>
-              <dgm:choose name="casesForTxtDirLogic1">
-                <dgm:if name="Name771" axis="self" ptType="node" func="posOdd" op="equ" val="1">
-                  <dgm:alg type="tx">
-                    <dgm:param type="txAnchorVert" val="b"/>
-                    <dgm:param type="txAnchorHorz" val="ctr"/>
-                    <dgm:param type="parTxLTRAlign" val="ctr"/>
-                    <dgm:param type="parTxRTLAlign" val="ctr"/>
-                  </dgm:alg>
-                  <dgm:constrLst>
-                    <dgm:constr type="lMarg"/>
-                    <dgm:constr type="rMarg"/>
-                    <dgm:constr type="tMarg"/>
-                    <dgm:constr type="bMarg" refType="primFontSz" fact="0.6"/>
-                  </dgm:constrLst>
-                </dgm:if>
-                <dgm:else name="Name881">
-                  <dgm:alg type="tx">
-                    <dgm:param type="txAnchorVert" val="t"/>
-                    <dgm:param type="txAnchorHorz" val="ctr"/>
-                    <dgm:param type="parTxLTRAlign" val="ctr"/>
-                    <dgm:param type="parTxRTLAlign" val="ctr"/>
-                  </dgm:alg>
-                  <dgm:constrLst>
-                    <dgm:constr type="lMarg"/>
-                    <dgm:constr type="rMarg"/>
-                    <dgm:constr type="tMarg" refType="primFontSz" fact="0.6"/>
-                    <dgm:constr type="bMarg"/>
-                  </dgm:constrLst>
-                </dgm:else>
-              </dgm:choose>
-              <dgm:shape xmlns:r="http://schemas.openxmlformats.org/officeDocument/2006/relationships" type="rect" r:blip="">
-                <dgm:adjLst/>
-              </dgm:shape>
-              <dgm:presOf axis="ch" ptType="node"/>
-              <dgm:ruleLst>
-                <dgm:rule type="primFontSz" val="11" fact="NaN" max="NaN"/>
-              </dgm:ruleLst>
-            </dgm:layoutNode>
-            <dgm:layoutNode name="ConnectLine1" styleLbl="sibTrans1D1">
-              <dgm:alg type="sp"/>
-              <dgm:shape xmlns:r="http://schemas.openxmlformats.org/officeDocument/2006/relationships" type="line" r:blip="">
-                <dgm:adjLst/>
-                <dgm:extLst>
-                  <a:ext uri="{B698B0E9-8C71-41B9-8309-B3DCBF30829C}">
-                    <dgm1612:spPr xmlns:dgm1612="http://schemas.microsoft.com/office/drawing/2016/12/diagram">
-                      <a:ln>
-                        <a:prstDash val="dash"/>
-                      </a:ln>
-                    </dgm1612:spPr>
-                  </a:ext>
-                </dgm:extLst>
-              </dgm:shape>
-              <dgm:presOf/>
-              <dgm:constrLst/>
-            </dgm:layoutNode>
-            <dgm:layoutNode name="ConnectLineEnd1" styleLbl="lnNode1">
-              <dgm:alg type="sp"/>
-              <dgm:shape xmlns:r="http://schemas.openxmlformats.org/officeDocument/2006/relationships" type="ellipse" r:blip="">
-                <dgm:adjLst/>
-              </dgm:shape>
-              <dgm:presOf/>
-              <dgm:constrLst/>
-            </dgm:layoutNode>
-            <dgm:layoutNode name="EmptyPane1">
-              <dgm:alg type="sp"/>
-              <dgm:shape xmlns:r="http://schemas.openxmlformats.org/officeDocument/2006/relationships" r:blip="">
-                <dgm:adjLst/>
-              </dgm:shape>
-              <dgm:presOf/>
-              <dgm:constrLst/>
-            </dgm:layoutNode>
-          </dgm:layoutNode>
-          <dgm:forEach name="Name281" axis="followSib" ptType="sibTrans" cnt="1">
-            <dgm:layoutNode name="spaceBetweenRectangles1">
-              <dgm:alg type="sp"/>
-              <dgm:shape xmlns:r="http://schemas.openxmlformats.org/officeDocument/2006/relationships" r:blip="">
-                <dgm:adjLst/>
-              </dgm:shape>
-              <dgm:presOf/>
-              <dgm:constrLst/>
-              <dgm:ruleLst/>
-            </dgm:layoutNode>
-          </dgm:forEach>
-        </dgm:forEach>
-      </dgm:else>
-    </dgm:choose>
-  </dgm:layoutNode>
-</dgm:layoutDef>
-</file>
-
-<file path=ppt/diagrams/quickStyle1.xml><?xml version="1.0" encoding="utf-8"?>
-<dgm:styleDef xmlns:dgm="http://schemas.openxmlformats.org/drawingml/2006/diagram" xmlns:a="http://schemas.openxmlformats.org/drawingml/2006/main" uniqueId="urn:microsoft.com/office/officeart/2005/8/quickstyle/simple1">
-  <dgm:title val=""/>
-  <dgm:desc val=""/>
-  <dgm:catLst>
-    <dgm:cat type="simple" pri="10100"/>
-  </dgm:catLst>
-  <dgm:scene3d>
-    <a:camera prst="orthographicFront"/>
-    <a:lightRig rig="threePt" dir="t"/>
-  </dgm:scene3d>
-  <dgm:styleLbl name="node0">
-    <dgm:scene3d>
-      <a:camera prst="orthographicFront"/>
-      <a:lightRig rig="threePt" dir="t"/>
-    </dgm:scene3d>
-    <dgm:sp3d/>
-    <dgm:txPr/>
-    <dgm:style>
-      <a:lnRef idx="2">
-        <a:scrgbClr r="0" g="0" b="0"/>
-      </a:lnRef>
-      <a:fillRef idx="1">
-        <a:scrgbClr r="0" g="0" b="0"/>
-      </a:fillRef>
-      <a:effectRef idx="0">
-        <a:scrgbClr r="0" g="0" b="0"/>
-      </a:effectRef>
-      <a:fontRef idx="minor">
-        <a:schemeClr val="lt1"/>
-      </a:fontRef>
-    </dgm:style>
-  </dgm:styleLbl>
-  <dgm:styleLbl name="lnNode1">
-    <dgm:scene3d>
-      <a:camera prst="orthographicFront"/>
-      <a:lightRig rig="threePt" dir="t"/>
-    </dgm:scene3d>
-    <dgm:sp3d/>
-    <dgm:txPr/>
-    <dgm:style>
-      <a:lnRef idx="2">
-        <a:scrgbClr r="0" g="0" b="0"/>
-      </a:lnRef>
-      <a:fillRef idx="1">
-        <a:scrgbClr r="0" g="0" b="0"/>
-      </a:fillRef>
-      <a:effectRef idx="0">
-        <a:scrgbClr r="0" g="0" b="0"/>
-      </a:effectRef>
-      <a:fontRef idx="minor">
-        <a:schemeClr val="lt1"/>
-      </a:fontRef>
-    </dgm:style>
-  </dgm:styleLbl>
-  <dgm:styleLbl name="vennNode1">
-    <dgm:scene3d>
-      <a:camera prst="orthographicFront"/>
-      <a:lightRig rig="threePt" dir="t"/>
-    </dgm:scene3d>
-    <dgm:sp3d/>
-    <dgm:txPr/>
-    <dgm:style>
-      <a:lnRef idx="2">
-        <a:scrgbClr r="0" g="0" b="0"/>
-      </a:lnRef>
-      <a:fillRef idx="1">
-        <a:scrgbClr r="0" g="0" b="0"/>
-      </a:fillRef>
-      <a:effectRef idx="0">
-        <a:scrgbClr r="0" g="0" b="0"/>
-      </a:effectRef>
-      <a:fontRef idx="minor">
-        <a:schemeClr val="tx1"/>
-      </a:fontRef>
-    </dgm:style>
-  </dgm:styleLbl>
-  <dgm:styleLbl name="alignNode1">
-    <dgm:scene3d>
-      <a:camera prst="orthographicFront"/>
-      <a:lightRig rig="threePt" dir="t"/>
-    </dgm:scene3d>
-    <dgm:sp3d/>
-    <dgm:txPr/>
-    <dgm:style>
-      <a:lnRef idx="2">
-        <a:scrgbClr r="0" g="0" b="0"/>
-      </a:lnRef>
-      <a:fillRef idx="1">
-        <a:scrgbClr r="0" g="0" b="0"/>
-      </a:fillRef>
-      <a:effectRef idx="0">
-        <a:scrgbClr r="0" g="0" b="0"/>
-      </a:effectRef>
-      <a:fontRef idx="minor">
-        <a:schemeClr val="lt1"/>
-      </a:fontRef>
-    </dgm:style>
-  </dgm:styleLbl>
-  <dgm:styleLbl name="node1">
-    <dgm:scene3d>
-      <a:camera prst="orthographicFront"/>
-      <a:lightRig rig="threePt" dir="t"/>
-    </dgm:scene3d>
-    <dgm:sp3d/>
-    <dgm:txPr/>
-    <dgm:style>
-      <a:lnRef idx="2">
-        <a:scrgbClr r="0" g="0" b="0"/>
-      </a:lnRef>
-      <a:fillRef idx="1">
-        <a:scrgbClr r="0" g="0" b="0"/>
-      </a:fillRef>
-      <a:effectRef idx="0">
-        <a:scrgbClr r="0" g="0" b="0"/>
-      </a:effectRef>
-      <a:fontRef idx="minor">
-        <a:schemeClr val="lt1"/>
-      </a:fontRef>
-    </dgm:style>
-  </dgm:styleLbl>
-  <dgm:styleLbl name="node2">
-    <dgm:scene3d>
-      <a:camera prst="orthographicFront"/>
-      <a:lightRig rig="threePt" dir="t"/>
-    </dgm:scene3d>
-    <dgm:sp3d/>
-    <dgm:txPr/>
-    <dgm:style>
-      <a:lnRef idx="2">
-        <a:scrgbClr r="0" g="0" b="0"/>
-      </a:lnRef>
-      <a:fillRef idx="1">
-        <a:scrgbClr r="0" g="0" b="0"/>
-      </a:fillRef>
-      <a:effectRef idx="0">
-        <a:scrgbClr r="0" g="0" b="0"/>
-      </a:effectRef>
-      <a:fontRef idx="minor">
-        <a:schemeClr val="lt1"/>
-      </a:fontRef>
-    </dgm:style>
-  </dgm:styleLbl>
-  <dgm:styleLbl name="node3">
-    <dgm:scene3d>
-      <a:camera prst="orthographicFront"/>
-      <a:lightRig rig="threePt" dir="t"/>
-    </dgm:scene3d>
-    <dgm:sp3d/>
-    <dgm:txPr/>
-    <dgm:style>
-      <a:lnRef idx="2">
-        <a:scrgbClr r="0" g="0" b="0"/>
-      </a:lnRef>
-      <a:fillRef idx="1">
-        <a:scrgbClr r="0" g="0" b="0"/>
-      </a:fillRef>
-      <a:effectRef idx="0">
-        <a:scrgbClr r="0" g="0" b="0"/>
-      </a:effectRef>
-      <a:fontRef idx="minor">
-        <a:schemeClr val="lt1"/>
-      </a:fontRef>
-    </dgm:style>
-  </dgm:styleLbl>
-  <dgm:styleLbl name="node4">
-    <dgm:scene3d>
-      <a:camera prst="orthographicFront"/>
-      <a:lightRig rig="threePt" dir="t"/>
-    </dgm:scene3d>
-    <dgm:sp3d/>
-    <dgm:txPr/>
-    <dgm:style>
-      <a:lnRef idx="2">
-        <a:scrgbClr r="0" g="0" b="0"/>
-      </a:lnRef>
-      <a:fillRef idx="1">
-        <a:scrgbClr r="0" g="0" b="0"/>
-      </a:fillRef>
-      <a:effectRef idx="0">
-        <a:scrgbClr r="0" g="0" b="0"/>
-      </a:effectRef>
-      <a:fontRef idx="minor">
-        <a:schemeClr val="lt1"/>
-      </a:fontRef>
-    </dgm:style>
-  </dgm:styleLbl>
-  <dgm:styleLbl name="fgImgPlace1">
-    <dgm:scene3d>
-      <a:camera prst="orthographicFront"/>
-      <a:lightRig rig="threePt" dir="t"/>
-    </dgm:scene3d>
-    <dgm:sp3d/>
-    <dgm:txPr/>
-    <dgm:style>
-      <a:lnRef idx="2">
-        <a:scrgbClr r="0" g="0" b="0"/>
-      </a:lnRef>
-      <a:fillRef idx="1">
-        <a:scrgbClr r="0" g="0" b="0"/>
-      </a:fillRef>
-      <a:effectRef idx="0">
-        <a:scrgbClr r="0" g="0" b="0"/>
-      </a:effectRef>
-      <a:fontRef idx="minor"/>
-    </dgm:style>
-  </dgm:styleLbl>
-  <dgm:styleLbl name="alignImgPlace1">
-    <dgm:scene3d>
-      <a:camera prst="orthographicFront"/>
-      <a:lightRig rig="threePt" dir="t"/>
-    </dgm:scene3d>
-    <dgm:sp3d/>
-    <dgm:txPr/>
-    <dgm:style>
-      <a:lnRef idx="2">
-        <a:scrgbClr r="0" g="0" b="0"/>
-      </a:lnRef>
-      <a:fillRef idx="1">
-        <a:scrgbClr r="0" g="0" b="0"/>
-      </a:fillRef>
-      <a:effectRef idx="0">
-        <a:scrgbClr r="0" g="0" b="0"/>
-      </a:effectRef>
-      <a:fontRef idx="minor"/>
-    </dgm:style>
-  </dgm:styleLbl>
-  <dgm:styleLbl name="bgImgPlace1">
-    <dgm:scene3d>
-      <a:camera prst="orthographicFront"/>
-      <a:lightRig rig="threePt" dir="t"/>
-    </dgm:scene3d>
-    <dgm:sp3d/>
-    <dgm:txPr/>
-    <dgm:style>
-      <a:lnRef idx="2">
-        <a:scrgbClr r="0" g="0" b="0"/>
-      </a:lnRef>
-      <a:fillRef idx="1">
-        <a:scrgbClr r="0" g="0" b="0"/>
-      </a:fillRef>
-      <a:effectRef idx="0">
-        <a:scrgbClr r="0" g="0" b="0"/>
-      </a:effectRef>
-      <a:fontRef idx="minor"/>
-    </dgm:style>
-  </dgm:styleLbl>
-  <dgm:styleLbl name="sibTrans2D1">
-    <dgm:scene3d>
-      <a:camera prst="orthographicFront"/>
-      <a:lightRig rig="threePt" dir="t"/>
-    </dgm:scene3d>
-    <dgm:sp3d/>
-    <dgm:txPr/>
-    <dgm:style>
-      <a:lnRef idx="0">
-        <a:scrgbClr r="0" g="0" b="0"/>
-      </a:lnRef>
-      <a:fillRef idx="1">
-        <a:scrgbClr r="0" g="0" b="0"/>
-      </a:fillRef>
-      <a:effectRef idx="0">
-        <a:scrgbClr r="0" g="0" b="0"/>
-      </a:effectRef>
-      <a:fontRef idx="minor">
-        <a:schemeClr val="lt1"/>
-      </a:fontRef>
-    </dgm:style>
-  </dgm:styleLbl>
-  <dgm:styleLbl name="fgSibTrans2D1">
-    <dgm:scene3d>
-      <a:camera prst="orthographicFront"/>
-      <a:lightRig rig="threePt" dir="t"/>
-    </dgm:scene3d>
-    <dgm:sp3d/>
-    <dgm:txPr/>
-    <dgm:style>
-      <a:lnRef idx="0">
-        <a:scrgbClr r="0" g="0" b="0"/>
-      </a:lnRef>
-      <a:fillRef idx="1">
-        <a:scrgbClr r="0" g="0" b="0"/>
-      </a:fillRef>
-      <a:effectRef idx="0">
-        <a:scrgbClr r="0" g="0" b="0"/>
-      </a:effectRef>
-      <a:fontRef idx="minor">
-        <a:schemeClr val="lt1"/>
-      </a:fontRef>
-    </dgm:style>
-  </dgm:styleLbl>
-  <dgm:styleLbl name="bgSibTrans2D1">
-    <dgm:scene3d>
-      <a:camera prst="orthographicFront"/>
-      <a:lightRig rig="threePt" dir="t"/>
-    </dgm:scene3d>
-    <dgm:sp3d/>
-    <dgm:txPr/>
-    <dgm:style>
-      <a:lnRef idx="0">
-        <a:scrgbClr r="0" g="0" b="0"/>
-      </a:lnRef>
-      <a:fillRef idx="1">
-        <a:scrgbClr r="0" g="0" b="0"/>
-      </a:fillRef>
-      <a:effectRef idx="0">
-        <a:scrgbClr r="0" g="0" b="0"/>
-      </a:effectRef>
-      <a:fontRef idx="minor">
-        <a:schemeClr val="lt1"/>
-      </a:fontRef>
-    </dgm:style>
-  </dgm:styleLbl>
-  <dgm:styleLbl name="sibTrans1D1">
-    <dgm:scene3d>
-      <a:camera prst="orthographicFront"/>
-      <a:lightRig rig="threePt" dir="t"/>
-    </dgm:scene3d>
-    <dgm:sp3d/>
-    <dgm:txPr/>
-    <dgm:style>
-      <a:lnRef idx="1">
-        <a:scrgbClr r="0" g="0" b="0"/>
-      </a:lnRef>
-      <a:fillRef idx="0">
-        <a:scrgbClr r="0" g="0" b="0"/>
-      </a:fillRef>
-      <a:effectRef idx="0">
-        <a:scrgbClr r="0" g="0" b="0"/>
-      </a:effectRef>
-      <a:fontRef idx="minor"/>
-    </dgm:style>
-  </dgm:styleLbl>
-  <dgm:styleLbl name="callout">
-    <dgm:scene3d>
-      <a:camera prst="orthographicFront"/>
-      <a:lightRig rig="threePt" dir="t"/>
-    </dgm:scene3d>
-    <dgm:sp3d/>
-    <dgm:txPr/>
-    <dgm:style>
-      <a:lnRef idx="2">
-        <a:scrgbClr r="0" g="0" b="0"/>
-      </a:lnRef>
-      <a:fillRef idx="1">
-        <a:scrgbClr r="0" g="0" b="0"/>
-      </a:fillRef>
-      <a:effectRef idx="0">
-        <a:scrgbClr r="0" g="0" b="0"/>
-      </a:effectRef>
-      <a:fontRef idx="minor"/>
-    </dgm:style>
-  </dgm:styleLbl>
-  <dgm:styleLbl name="asst0">
-    <dgm:scene3d>
-      <a:camera prst="orthographicFront"/>
-      <a:lightRig rig="threePt" dir="t"/>
-    </dgm:scene3d>
-    <dgm:sp3d/>
-    <dgm:txPr/>
-    <dgm:style>
-      <a:lnRef idx="2">
-        <a:scrgbClr r="0" g="0" b="0"/>
-      </a:lnRef>
-      <a:fillRef idx="1">
-        <a:scrgbClr r="0" g="0" b="0"/>
-      </a:fillRef>
-      <a:effectRef idx="0">
-        <a:scrgbClr r="0" g="0" b="0"/>
-      </a:effectRef>
-      <a:fontRef idx="minor">
-        <a:schemeClr val="lt1"/>
-      </a:fontRef>
-    </dgm:style>
-  </dgm:styleLbl>
-  <dgm:styleLbl name="asst1">
-    <dgm:scene3d>
-      <a:camera prst="orthographicFront"/>
-      <a:lightRig rig="threePt" dir="t"/>
-    </dgm:scene3d>
-    <dgm:sp3d/>
-    <dgm:txPr/>
-    <dgm:style>
-      <a:lnRef idx="2">
-        <a:scrgbClr r="0" g="0" b="0"/>
-      </a:lnRef>
-      <a:fillRef idx="1">
-        <a:scrgbClr r="0" g="0" b="0"/>
-      </a:fillRef>
-      <a:effectRef idx="0">
-        <a:scrgbClr r="0" g="0" b="0"/>
-      </a:effectRef>
-      <a:fontRef idx="minor">
-        <a:schemeClr val="lt1"/>
-      </a:fontRef>
-    </dgm:style>
-  </dgm:styleLbl>
-  <dgm:styleLbl name="asst2">
-    <dgm:scene3d>
-      <a:camera prst="orthographicFront"/>
-      <a:lightRig rig="threePt" dir="t"/>
-    </dgm:scene3d>
-    <dgm:sp3d/>
-    <dgm:txPr/>
-    <dgm:style>
-      <a:lnRef idx="2">
-        <a:scrgbClr r="0" g="0" b="0"/>
-      </a:lnRef>
-      <a:fillRef idx="1">
-        <a:scrgbClr r="0" g="0" b="0"/>
-      </a:fillRef>
-      <a:effectRef idx="0">
-        <a:scrgbClr r="0" g="0" b="0"/>
-      </a:effectRef>
-      <a:fontRef idx="minor">
-        <a:schemeClr val="lt1"/>
-      </a:fontRef>
-    </dgm:style>
-  </dgm:styleLbl>
-  <dgm:styleLbl name="asst3">
-    <dgm:scene3d>
-      <a:camera prst="orthographicFront"/>
-      <a:lightRig rig="threePt" dir="t"/>
-    </dgm:scene3d>
-    <dgm:sp3d/>
-    <dgm:txPr/>
-    <dgm:style>
-      <a:lnRef idx="2">
-        <a:scrgbClr r="0" g="0" b="0"/>
-      </a:lnRef>
-      <a:fillRef idx="1">
-        <a:scrgbClr r="0" g="0" b="0"/>
-      </a:fillRef>
-      <a:effectRef idx="0">
-        <a:scrgbClr r="0" g="0" b="0"/>
-      </a:effectRef>
-      <a:fontRef idx="minor">
-        <a:schemeClr val="lt1"/>
-      </a:fontRef>
-    </dgm:style>
-  </dgm:styleLbl>
-  <dgm:styleLbl name="asst4">
-    <dgm:scene3d>
-      <a:camera prst="orthographicFront"/>
-      <a:lightRig rig="threePt" dir="t"/>
-    </dgm:scene3d>
-    <dgm:sp3d/>
-    <dgm:txPr/>
-    <dgm:style>
-      <a:lnRef idx="2">
-        <a:scrgbClr r="0" g="0" b="0"/>
-      </a:lnRef>
-      <a:fillRef idx="1">
-        <a:scrgbClr r="0" g="0" b="0"/>
-      </a:fillRef>
-      <a:effectRef idx="0">
-        <a:scrgbClr r="0" g="0" b="0"/>
-      </a:effectRef>
-      <a:fontRef idx="minor">
-        <a:schemeClr val="lt1"/>
-      </a:fontRef>
-    </dgm:style>
-  </dgm:styleLbl>
-  <dgm:styleLbl name="parChTrans2D1">
-    <dgm:scene3d>
-      <a:camera prst="orthographicFront"/>
-      <a:lightRig rig="threePt" dir="t"/>
-    </dgm:scene3d>
-    <dgm:sp3d/>
-    <dgm:txPr/>
-    <dgm:style>
-      <a:lnRef idx="2">
-        <a:scrgbClr r="0" g="0" b="0"/>
-      </a:lnRef>
-      <a:fillRef idx="1">
-        <a:scrgbClr r="0" g="0" b="0"/>
-      </a:fillRef>
-      <a:effectRef idx="0">
-        <a:scrgbClr r="0" g="0" b="0"/>
-      </a:effectRef>
-      <a:fontRef idx="minor">
-        <a:schemeClr val="lt1"/>
-      </a:fontRef>
-    </dgm:style>
-  </dgm:styleLbl>
-  <dgm:styleLbl name="parChTrans2D2">
-    <dgm:scene3d>
-      <a:camera prst="orthographicFront"/>
-      <a:lightRig rig="threePt" dir="t"/>
-    </dgm:scene3d>
-    <dgm:sp3d/>
-    <dgm:txPr/>
-    <dgm:style>
-      <a:lnRef idx="2">
-        <a:scrgbClr r="0" g="0" b="0"/>
-      </a:lnRef>
-      <a:fillRef idx="1">
-        <a:scrgbClr r="0" g="0" b="0"/>
-      </a:fillRef>
-      <a:effectRef idx="0">
-        <a:scrgbClr r="0" g="0" b="0"/>
-      </a:effectRef>
-      <a:fontRef idx="minor">
-        <a:schemeClr val="lt1"/>
-      </a:fontRef>
-    </dgm:style>
-  </dgm:styleLbl>
-  <dgm:styleLbl name="parChTrans2D3">
-    <dgm:scene3d>
-      <a:camera prst="orthographicFront"/>
-      <a:lightRig rig="threePt" dir="t"/>
-    </dgm:scene3d>
-    <dgm:sp3d/>
-    <dgm:txPr/>
-    <dgm:style>
-      <a:lnRef idx="2">
-        <a:scrgbClr r="0" g="0" b="0"/>
-      </a:lnRef>
-      <a:fillRef idx="1">
-        <a:scrgbClr r="0" g="0" b="0"/>
-      </a:fillRef>
-      <a:effectRef idx="0">
-        <a:scrgbClr r="0" g="0" b="0"/>
-      </a:effectRef>
-      <a:fontRef idx="minor">
-        <a:schemeClr val="lt1"/>
-      </a:fontRef>
-    </dgm:style>
-  </dgm:styleLbl>
-  <dgm:styleLbl name="parChTrans2D4">
-    <dgm:scene3d>
-      <a:camera prst="orthographicFront"/>
-      <a:lightRig rig="threePt" dir="t"/>
-    </dgm:scene3d>
-    <dgm:sp3d/>
-    <dgm:txPr/>
-    <dgm:style>
-      <a:lnRef idx="2">
-        <a:scrgbClr r="0" g="0" b="0"/>
-      </a:lnRef>
-      <a:fillRef idx="1">
-        <a:scrgbClr r="0" g="0" b="0"/>
-      </a:fillRef>
-      <a:effectRef idx="0">
-        <a:scrgbClr r="0" g="0" b="0"/>
-      </a:effectRef>
-      <a:fontRef idx="minor">
-        <a:schemeClr val="lt1"/>
-      </a:fontRef>
-    </dgm:style>
-  </dgm:styleLbl>
-  <dgm:styleLbl name="parChTrans1D1">
-    <dgm:scene3d>
-      <a:camera prst="orthographicFront"/>
-      <a:lightRig rig="threePt" dir="t"/>
-    </dgm:scene3d>
-    <dgm:sp3d/>
-    <dgm:txPr/>
-    <dgm:style>
-      <a:lnRef idx="2">
-        <a:scrgbClr r="0" g="0" b="0"/>
-      </a:lnRef>
-      <a:fillRef idx="0">
-        <a:scrgbClr r="0" g="0" b="0"/>
-      </a:fillRef>
-      <a:effectRef idx="0">
-        <a:scrgbClr r="0" g="0" b="0"/>
-      </a:effectRef>
-      <a:fontRef idx="minor"/>
-    </dgm:style>
-  </dgm:styleLbl>
-  <dgm:styleLbl name="parChTrans1D2">
-    <dgm:scene3d>
-      <a:camera prst="orthographicFront"/>
-      <a:lightRig rig="threePt" dir="t"/>
-    </dgm:scene3d>
-    <dgm:sp3d/>
-    <dgm:txPr/>
-    <dgm:style>
-      <a:lnRef idx="2">
-        <a:scrgbClr r="0" g="0" b="0"/>
-      </a:lnRef>
-      <a:fillRef idx="0">
-        <a:scrgbClr r="0" g="0" b="0"/>
-      </a:fillRef>
-      <a:effectRef idx="0">
-        <a:scrgbClr r="0" g="0" b="0"/>
-      </a:effectRef>
-      <a:fontRef idx="minor"/>
-    </dgm:style>
-  </dgm:styleLbl>
-  <dgm:styleLbl name="parChTrans1D3">
-    <dgm:scene3d>
-      <a:camera prst="orthographicFront"/>
-      <a:lightRig rig="threePt" dir="t"/>
-    </dgm:scene3d>
-    <dgm:sp3d/>
-    <dgm:txPr/>
-    <dgm:style>
-      <a:lnRef idx="2">
-        <a:scrgbClr r="0" g="0" b="0"/>
-      </a:lnRef>
-      <a:fillRef idx="0">
-        <a:scrgbClr r="0" g="0" b="0"/>
-      </a:fillRef>
-      <a:effectRef idx="0">
-        <a:scrgbClr r="0" g="0" b="0"/>
-      </a:effectRef>
-      <a:fontRef idx="minor"/>
-    </dgm:style>
-  </dgm:styleLbl>
-  <dgm:styleLbl name="parChTrans1D4">
-    <dgm:scene3d>
-      <a:camera prst="orthographicFront"/>
-      <a:lightRig rig="threePt" dir="t"/>
-    </dgm:scene3d>
-    <dgm:sp3d/>
-    <dgm:txPr/>
-    <dgm:style>
-      <a:lnRef idx="2">
-        <a:scrgbClr r="0" g="0" b="0"/>
-      </a:lnRef>
-      <a:fillRef idx="0">
-        <a:scrgbClr r="0" g="0" b="0"/>
-      </a:fillRef>
-      <a:effectRef idx="0">
-        <a:scrgbClr r="0" g="0" b="0"/>
-      </a:effectRef>
-      <a:fontRef idx="minor"/>
-    </dgm:style>
-  </dgm:styleLbl>
-  <dgm:styleLbl name="fgAcc1">
-    <dgm:scene3d>
-      <a:camera prst="orthographicFront"/>
-      <a:lightRig rig="threePt" dir="t"/>
-    </dgm:scene3d>
-    <dgm:sp3d/>
-    <dgm:txPr/>
-    <dgm:style>
-      <a:lnRef idx="2">
-        <a:scrgbClr r="0" g="0" b="0"/>
-      </a:lnRef>
-      <a:fillRef idx="1">
-        <a:scrgbClr r="0" g="0" b="0"/>
-      </a:fillRef>
-      <a:effectRef idx="0">
-        <a:scrgbClr r="0" g="0" b="0"/>
-      </a:effectRef>
-      <a:fontRef idx="minor"/>
-    </dgm:style>
-  </dgm:styleLbl>
-  <dgm:styleLbl name="conFgAcc1">
-    <dgm:scene3d>
-      <a:camera prst="orthographicFront"/>
-      <a:lightRig rig="threePt" dir="t"/>
-    </dgm:scene3d>
-    <dgm:sp3d/>
-    <dgm:txPr/>
-    <dgm:style>
-      <a:lnRef idx="2">
-        <a:scrgbClr r="0" g="0" b="0"/>
-      </a:lnRef>
-      <a:fillRef idx="1">
-        <a:scrgbClr r="0" g="0" b="0"/>
-      </a:fillRef>
-      <a:effectRef idx="0">
-        <a:scrgbClr r="0" g="0" b="0"/>
-      </a:effectRef>
-      <a:fontRef idx="minor"/>
-    </dgm:style>
-  </dgm:styleLbl>
-  <dgm:styleLbl name="alignAcc1">
-    <dgm:scene3d>
-      <a:camera prst="orthographicFront"/>
-      <a:lightRig rig="threePt" dir="t"/>
-    </dgm:scene3d>
-    <dgm:sp3d/>
-    <dgm:txPr/>
-    <dgm:style>
-      <a:lnRef idx="2">
-        <a:scrgbClr r="0" g="0" b="0"/>
-      </a:lnRef>
-      <a:fillRef idx="1">
-        <a:scrgbClr r="0" g="0" b="0"/>
-      </a:fillRef>
-      <a:effectRef idx="0">
-        <a:scrgbClr r="0" g="0" b="0"/>
-      </a:effectRef>
-      <a:fontRef idx="minor"/>
-    </dgm:style>
-  </dgm:styleLbl>
-  <dgm:styleLbl name="trAlignAcc1">
-    <dgm:scene3d>
-      <a:camera prst="orthographicFront"/>
-      <a:lightRig rig="threePt" dir="t"/>
-    </dgm:scene3d>
-    <dgm:sp3d/>
-    <dgm:txPr/>
-    <dgm:style>
-      <a:lnRef idx="1">
-        <a:scrgbClr r="0" g="0" b="0"/>
-      </a:lnRef>
-      <a:fillRef idx="1">
-        <a:scrgbClr r="0" g="0" b="0"/>
-      </a:fillRef>
-      <a:effectRef idx="0">
-        <a:scrgbClr r="0" g="0" b="0"/>
-      </a:effectRef>
-      <a:fontRef idx="minor"/>
-    </dgm:style>
-  </dgm:styleLbl>
-  <dgm:styleLbl name="bgAcc1">
-    <dgm:scene3d>
-      <a:camera prst="orthographicFront"/>
-      <a:lightRig rig="threePt" dir="t"/>
-    </dgm:scene3d>
-    <dgm:sp3d/>
-    <dgm:txPr/>
-    <dgm:style>
-      <a:lnRef idx="2">
-        <a:scrgbClr r="0" g="0" b="0"/>
-      </a:lnRef>
-      <a:fillRef idx="1">
-        <a:scrgbClr r="0" g="0" b="0"/>
-      </a:fillRef>
-      <a:effectRef idx="0">
-        <a:scrgbClr r="0" g="0" b="0"/>
-      </a:effectRef>
-      <a:fontRef idx="minor"/>
-    </dgm:style>
-  </dgm:styleLbl>
-  <dgm:styleLbl name="solidFgAcc1">
-    <dgm:scene3d>
-      <a:camera prst="orthographicFront"/>
-      <a:lightRig rig="threePt" dir="t"/>
-    </dgm:scene3d>
-    <dgm:sp3d/>
-    <dgm:txPr/>
-    <dgm:style>
-      <a:lnRef idx="2">
-        <a:scrgbClr r="0" g="0" b="0"/>
-      </a:lnRef>
-      <a:fillRef idx="1">
-        <a:scrgbClr r="0" g="0" b="0"/>
-      </a:fillRef>
-      <a:effectRef idx="0">
-        <a:scrgbClr r="0" g="0" b="0"/>
-      </a:effectRef>
-      <a:fontRef idx="minor"/>
-    </dgm:style>
-  </dgm:styleLbl>
-  <dgm:styleLbl name="solidAlignAcc1">
-    <dgm:scene3d>
-      <a:camera prst="orthographicFront"/>
-      <a:lightRig rig="threePt" dir="t"/>
-    </dgm:scene3d>
-    <dgm:sp3d/>
-    <dgm:txPr/>
-    <dgm:style>
-      <a:lnRef idx="2">
-        <a:scrgbClr r="0" g="0" b="0"/>
-      </a:lnRef>
-      <a:fillRef idx="1">
-        <a:scrgbClr r="0" g="0" b="0"/>
-      </a:fillRef>
-      <a:effectRef idx="0">
-        <a:scrgbClr r="0" g="0" b="0"/>
-      </a:effectRef>
-      <a:fontRef idx="minor"/>
-    </dgm:style>
-  </dgm:styleLbl>
-  <dgm:styleLbl name="solidBgAcc1">
-    <dgm:scene3d>
-      <a:camera prst="orthographicFront"/>
-      <a:lightRig rig="threePt" dir="t"/>
-    </dgm:scene3d>
-    <dgm:sp3d/>
-    <dgm:txPr/>
-    <dgm:style>
-      <a:lnRef idx="2">
-        <a:scrgbClr r="0" g="0" b="0"/>
-      </a:lnRef>
-      <a:fillRef idx="1">
-        <a:scrgbClr r="0" g="0" b="0"/>
-      </a:fillRef>
-      <a:effectRef idx="0">
-        <a:scrgbClr r="0" g="0" b="0"/>
-      </a:effectRef>
-      <a:fontRef idx="minor"/>
-    </dgm:style>
-  </dgm:styleLbl>
-  <dgm:styleLbl name="fgAccFollowNode1">
-    <dgm:scene3d>
-      <a:camera prst="orthographicFront"/>
-      <a:lightRig rig="threePt" dir="t"/>
-    </dgm:scene3d>
-    <dgm:sp3d/>
-    <dgm:txPr/>
-    <dgm:style>
-      <a:lnRef idx="2">
-        <a:scrgbClr r="0" g="0" b="0"/>
-      </a:lnRef>
-      <a:fillRef idx="1">
-        <a:scrgbClr r="0" g="0" b="0"/>
-      </a:fillRef>
-      <a:effectRef idx="0">
-        <a:scrgbClr r="0" g="0" b="0"/>
-      </a:effectRef>
-      <a:fontRef idx="minor"/>
-    </dgm:style>
-  </dgm:styleLbl>
-  <dgm:styleLbl name="alignAccFollowNode1">
-    <dgm:scene3d>
-      <a:camera prst="orthographicFront"/>
-      <a:lightRig rig="threePt" dir="t"/>
-    </dgm:scene3d>
-    <dgm:sp3d/>
-    <dgm:txPr/>
-    <dgm:style>
-      <a:lnRef idx="2">
-        <a:scrgbClr r="0" g="0" b="0"/>
-      </a:lnRef>
-      <a:fillRef idx="1">
-        <a:scrgbClr r="0" g="0" b="0"/>
-      </a:fillRef>
-      <a:effectRef idx="0">
-        <a:scrgbClr r="0" g="0" b="0"/>
-      </a:effectRef>
-      <a:fontRef idx="minor"/>
-    </dgm:style>
-  </dgm:styleLbl>
-  <dgm:styleLbl name="bgAccFollowNode1">
-    <dgm:scene3d>
-      <a:camera prst="orthographicFront"/>
-      <a:lightRig rig="threePt" dir="t"/>
-    </dgm:scene3d>
-    <dgm:sp3d/>
-    <dgm:txPr/>
-    <dgm:style>
-      <a:lnRef idx="2">
-        <a:scrgbClr r="0" g="0" b="0"/>
-      </a:lnRef>
-      <a:fillRef idx="1">
-        <a:scrgbClr r="0" g="0" b="0"/>
-      </a:fillRef>
-      <a:effectRef idx="0">
-        <a:scrgbClr r="0" g="0" b="0"/>
-      </a:effectRef>
-      <a:fontRef idx="minor"/>
-    </dgm:style>
-  </dgm:styleLbl>
-  <dgm:styleLbl name="fgAcc0">
-    <dgm:scene3d>
-      <a:camera prst="orthographicFront"/>
-      <a:lightRig rig="threePt" dir="t"/>
-    </dgm:scene3d>
-    <dgm:sp3d/>
-    <dgm:txPr/>
-    <dgm:style>
-      <a:lnRef idx="2">
-        <a:scrgbClr r="0" g="0" b="0"/>
-      </a:lnRef>
-      <a:fillRef idx="1">
-        <a:scrgbClr r="0" g="0" b="0"/>
-      </a:fillRef>
-      <a:effectRef idx="0">
-        <a:scrgbClr r="0" g="0" b="0"/>
-      </a:effectRef>
-      <a:fontRef idx="minor"/>
-    </dgm:style>
-  </dgm:styleLbl>
-  <dgm:styleLbl name="fgAcc2">
-    <dgm:scene3d>
-      <a:camera prst="orthographicFront"/>
-      <a:lightRig rig="threePt" dir="t"/>
-    </dgm:scene3d>
-    <dgm:sp3d/>
-    <dgm:txPr/>
-    <dgm:style>
-      <a:lnRef idx="2">
-        <a:scrgbClr r="0" g="0" b="0"/>
-      </a:lnRef>
-      <a:fillRef idx="1">
-        <a:scrgbClr r="0" g="0" b="0"/>
-      </a:fillRef>
-      <a:effectRef idx="0">
-        <a:scrgbClr r="0" g="0" b="0"/>
-      </a:effectRef>
-      <a:fontRef idx="minor"/>
-    </dgm:style>
-  </dgm:styleLbl>
-  <dgm:styleLbl name="fgAcc3">
-    <dgm:scene3d>
-      <a:camera prst="orthographicFront"/>
-      <a:lightRig rig="threePt" dir="t"/>
-    </dgm:scene3d>
-    <dgm:sp3d/>
-    <dgm:txPr/>
-    <dgm:style>
-      <a:lnRef idx="2">
-        <a:scrgbClr r="0" g="0" b="0"/>
-      </a:lnRef>
-      <a:fillRef idx="1">
-        <a:scrgbClr r="0" g="0" b="0"/>
-      </a:fillRef>
-      <a:effectRef idx="0">
-        <a:scrgbClr r="0" g="0" b="0"/>
-      </a:effectRef>
-      <a:fontRef idx="minor"/>
-    </dgm:style>
-  </dgm:styleLbl>
-  <dgm:styleLbl name="fgAcc4">
-    <dgm:scene3d>
-      <a:camera prst="orthographicFront"/>
-      <a:lightRig rig="threePt" dir="t"/>
-    </dgm:scene3d>
-    <dgm:sp3d/>
-    <dgm:txPr/>
-    <dgm:style>
-      <a:lnRef idx="2">
-        <a:scrgbClr r="0" g="0" b="0"/>
-      </a:lnRef>
-      <a:fillRef idx="1">
-        <a:scrgbClr r="0" g="0" b="0"/>
-      </a:fillRef>
-      <a:effectRef idx="0">
-        <a:scrgbClr r="0" g="0" b="0"/>
-      </a:effectRef>
-      <a:fontRef idx="minor"/>
-    </dgm:style>
-  </dgm:styleLbl>
-  <dgm:styleLbl name="bgShp">
-    <dgm:scene3d>
-      <a:camera prst="orthographicFront"/>
-      <a:lightRig rig="threePt" dir="t"/>
-    </dgm:scene3d>
-    <dgm:sp3d/>
-    <dgm:txPr/>
-    <dgm:style>
-      <a:lnRef idx="0">
-        <a:scrgbClr r="0" g="0" b="0"/>
-      </a:lnRef>
-      <a:fillRef idx="1">
-        <a:scrgbClr r="0" g="0" b="0"/>
-      </a:fillRef>
-      <a:effectRef idx="0">
-        <a:scrgbClr r="0" g="0" b="0"/>
-      </a:effectRef>
-      <a:fontRef idx="minor"/>
-    </dgm:style>
-  </dgm:styleLbl>
-  <dgm:styleLbl name="dkBgShp">
-    <dgm:scene3d>
-      <a:camera prst="orthographicFront"/>
-      <a:lightRig rig="threePt" dir="t"/>
-    </dgm:scene3d>
-    <dgm:sp3d/>
-    <dgm:txPr/>
-    <dgm:style>
-      <a:lnRef idx="0">
-        <a:scrgbClr r="0" g="0" b="0"/>
-      </a:lnRef>
-      <a:fillRef idx="1">
-        <a:scrgbClr r="0" g="0" b="0"/>
-      </a:fillRef>
-      <a:effectRef idx="0">
-        <a:scrgbClr r="0" g="0" b="0"/>
-      </a:effectRef>
-      <a:fontRef idx="minor"/>
-    </dgm:style>
-  </dgm:styleLbl>
-  <dgm:styleLbl name="trBgShp">
-    <dgm:scene3d>
-      <a:camera prst="orthographicFront"/>
-      <a:lightRig rig="threePt" dir="t"/>
-    </dgm:scene3d>
-    <dgm:sp3d/>
-    <dgm:txPr/>
-    <dgm:style>
-      <a:lnRef idx="0">
-        <a:scrgbClr r="0" g="0" b="0"/>
-      </a:lnRef>
-      <a:fillRef idx="1">
-        <a:scrgbClr r="0" g="0" b="0"/>
-      </a:fillRef>
-      <a:effectRef idx="0">
-        <a:scrgbClr r="0" g="0" b="0"/>
-      </a:effectRef>
-      <a:fontRef idx="minor"/>
-    </dgm:style>
-  </dgm:styleLbl>
-  <dgm:styleLbl name="fgShp">
-    <dgm:scene3d>
-      <a:camera prst="orthographicFront"/>
-      <a:lightRig rig="threePt" dir="t"/>
-    </dgm:scene3d>
-    <dgm:sp3d/>
-    <dgm:txPr/>
-    <dgm:style>
-      <a:lnRef idx="2">
-        <a:scrgbClr r="0" g="0" b="0"/>
-      </a:lnRef>
-      <a:fillRef idx="1">
-        <a:scrgbClr r="0" g="0" b="0"/>
-      </a:fillRef>
-      <a:effectRef idx="0">
-        <a:scrgbClr r="0" g="0" b="0"/>
-      </a:effectRef>
-      <a:fontRef idx="minor"/>
-    </dgm:style>
-  </dgm:styleLbl>
-  <dgm:styleLbl name="revTx">
-    <dgm:scene3d>
-      <a:camera prst="orthographicFront"/>
-      <a:lightRig rig="threePt" dir="t"/>
-    </dgm:scene3d>
-    <dgm:sp3d/>
-    <dgm:txPr/>
-    <dgm:style>
-      <a:lnRef idx="0">
-        <a:scrgbClr r="0" g="0" b="0"/>
-      </a:lnRef>
-      <a:fillRef idx="0">
-        <a:scrgbClr r="0" g="0" b="0"/>
-      </a:fillRef>
-      <a:effectRef idx="0">
-        <a:scrgbClr r="0" g="0" b="0"/>
-      </a:effectRef>
-      <a:fontRef idx="minor"/>
-    </dgm:style>
-  </dgm:styleLbl>
-</dgm:styleDef>
-</file>
-
 <file path=ppt/handoutMasters/handoutMaster1.xml><?xml version="1.0" encoding="utf-8"?>
 <p:handoutMaster xmlns:a="http://schemas.openxmlformats.org/drawingml/2006/main" xmlns:r="http://schemas.openxmlformats.org/officeDocument/2006/relationships" xmlns:p="http://schemas.openxmlformats.org/presentationml/2006/main">
   <p:cSld>
@@ -3928,7 +224,7 @@
             <a:pPr rtl="0"/>
             <a:fld id="{0ECB700D-7E1A-49E2-ABAD-092ACBACD43B}" type="datetime1">
               <a:rPr lang="pt-BR" smtClean="0"/>
-              <a:t>26/01/2022</a:t>
+              <a:t>27/01/2022</a:t>
             </a:fld>
             <a:endParaRPr lang="en-US" dirty="0"/>
           </a:p>
@@ -4098,7 +394,7 @@
             <a:pPr rtl="0"/>
             <a:fld id="{F3E3353A-A592-44BD-B6AB-B98E47E0DF51}" type="datetime1">
               <a:rPr lang="pt-BR" smtClean="0"/>
-              <a:t>26/01/2022</a:t>
+              <a:t>27/01/2022</a:t>
             </a:fld>
             <a:endParaRPr lang="en-US"/>
           </a:p>
@@ -4612,7 +908,7 @@
             <a:pPr rtl="0"/>
             <a:fld id="{00472D23-6933-4398-B088-86D87D4569A8}" type="datetime1">
               <a:rPr lang="pt-BR" smtClean="0"/>
-              <a:t>26/01/2022</a:t>
+              <a:t>27/01/2022</a:t>
             </a:fld>
             <a:endParaRPr lang="en-US" dirty="0"/>
           </a:p>
@@ -4819,7 +1115,7 @@
             <a:pPr rtl="0"/>
             <a:fld id="{C28CAC3A-C360-423D-8EE7-1FC8754818CB}" type="datetime1">
               <a:rPr lang="pt-BR" smtClean="0"/>
-              <a:t>26/01/2022</a:t>
+              <a:t>27/01/2022</a:t>
             </a:fld>
             <a:endParaRPr lang="en-US" dirty="0"/>
           </a:p>
@@ -5185,7 +1481,7 @@
             <a:pPr rtl="0"/>
             <a:fld id="{8BBA3C67-7F45-4D7A-B048-0542E838373B}" type="datetime1">
               <a:rPr lang="pt-BR" smtClean="0"/>
-              <a:t>26/01/2022</a:t>
+              <a:t>27/01/2022</a:t>
             </a:fld>
             <a:endParaRPr lang="en-US" dirty="0"/>
           </a:p>
@@ -5387,7 +1683,7 @@
             <a:pPr rtl="0"/>
             <a:fld id="{D6866A0C-EEE8-4DE1-9ECF-51EC9C0B8BE2}" type="datetime1">
               <a:rPr lang="pt-BR" smtClean="0"/>
-              <a:t>26/01/2022</a:t>
+              <a:t>27/01/2022</a:t>
             </a:fld>
             <a:endParaRPr lang="en-US" dirty="0"/>
           </a:p>
@@ -5703,7 +1999,7 @@
             <a:pPr rtl="0"/>
             <a:fld id="{C9F9B11C-AD18-4A04-821E-C5366FCA14C8}" type="datetime1">
               <a:rPr lang="pt-BR" smtClean="0"/>
-              <a:t>26/01/2022</a:t>
+              <a:t>27/01/2022</a:t>
             </a:fld>
             <a:endParaRPr lang="en-US" dirty="0"/>
           </a:p>
@@ -5960,7 +2256,7 @@
             <a:pPr rtl="0"/>
             <a:fld id="{B34586AC-0217-4567-B29B-23EE9A9222A5}" type="datetime1">
               <a:rPr lang="pt-BR" smtClean="0"/>
-              <a:t>26/01/2022</a:t>
+              <a:t>27/01/2022</a:t>
             </a:fld>
             <a:endParaRPr lang="en-US" dirty="0"/>
           </a:p>
@@ -6386,7 +2682,7 @@
             <a:pPr rtl="0"/>
             <a:fld id="{05EA9A4D-5B4A-4536-B4F3-3781F06B7402}" type="datetime1">
               <a:rPr lang="pt-BR" smtClean="0"/>
-              <a:t>26/01/2022</a:t>
+              <a:t>27/01/2022</a:t>
             </a:fld>
             <a:endParaRPr lang="en-US" dirty="0"/>
           </a:p>
@@ -6513,7 +2809,7 @@
             <a:pPr rtl="0"/>
             <a:fld id="{45D2EFA0-DD31-4334-BD97-CA68CA1EAF7D}" type="datetime1">
               <a:rPr lang="pt-BR" smtClean="0"/>
-              <a:t>26/01/2022</a:t>
+              <a:t>27/01/2022</a:t>
             </a:fld>
             <a:endParaRPr lang="en-US" dirty="0"/>
           </a:p>
@@ -6611,7 +2907,7 @@
             <a:pPr rtl="0"/>
             <a:fld id="{3422C804-0B7D-49A4-9AA4-17093ACFAE26}" type="datetime1">
               <a:rPr lang="pt-BR" smtClean="0"/>
-              <a:t>26/01/2022</a:t>
+              <a:t>27/01/2022</a:t>
             </a:fld>
             <a:endParaRPr lang="en-US" dirty="0"/>
           </a:p>
@@ -6992,7 +3288,7 @@
             <a:pPr rtl="0"/>
             <a:fld id="{F26C5998-667C-4083-8EAC-8B78C6E30EC5}" type="datetime1">
               <a:rPr lang="pt-BR" smtClean="0"/>
-              <a:t>26/01/2022</a:t>
+              <a:t>27/01/2022</a:t>
             </a:fld>
             <a:endParaRPr lang="en-US" dirty="0"/>
           </a:p>
@@ -7290,7 +3586,7 @@
             <a:pPr rtl="0"/>
             <a:fld id="{9CBC8F94-10C4-4E0E-B702-FA76FB225505}" type="datetime1">
               <a:rPr lang="pt-BR" smtClean="0"/>
-              <a:t>26/01/2022</a:t>
+              <a:t>27/01/2022</a:t>
             </a:fld>
             <a:endParaRPr lang="en-US" dirty="0"/>
           </a:p>
@@ -7508,7 +3804,7 @@
             <a:pPr rtl="0"/>
             <a:fld id="{ACCDFDDD-D174-442B-974C-2E7F8D4F71ED}" type="datetime1">
               <a:rPr lang="pt-BR" smtClean="0"/>
-              <a:t>26/01/2022</a:t>
+              <a:t>27/01/2022</a:t>
             </a:fld>
             <a:endParaRPr lang="en-US" dirty="0"/>
           </a:p>
@@ -8609,22 +4905,40 @@
             <a:pPr algn="just"/>
             <a:r>
               <a:rPr lang="en-US" dirty="0"/>
-              <a:t>Past campaigns overview</a:t>
+              <a:t>Past campaigns overview;</a:t>
             </a:r>
           </a:p>
           <a:p>
             <a:pPr algn="just"/>
             <a:r>
               <a:rPr lang="en-US" dirty="0"/>
-              <a:t>Customer’s profile</a:t>
+              <a:t>Customer’s profile;</a:t>
             </a:r>
           </a:p>
           <a:p>
             <a:pPr algn="just"/>
             <a:r>
               <a:rPr lang="en-US" dirty="0"/>
-              <a:t>Customer segmentation</a:t>
-            </a:r>
+              <a:t>Customer’s segmentation – RFM;</a:t>
+            </a:r>
+          </a:p>
+          <a:p>
+            <a:pPr algn="just"/>
+            <a:r>
+              <a:rPr lang="en-US" dirty="0"/>
+              <a:t>Customer’s segmentation – Kmeans;</a:t>
+            </a:r>
+          </a:p>
+          <a:p>
+            <a:pPr algn="just"/>
+            <a:r>
+              <a:rPr lang="en-US" dirty="0"/>
+              <a:t>Predictive model to improve de campaign’s profit.</a:t>
+            </a:r>
+          </a:p>
+          <a:p>
+            <a:pPr algn="just"/>
+            <a:endParaRPr lang="en-US" dirty="0"/>
           </a:p>
           <a:p>
             <a:pPr algn="just"/>
@@ -9639,10 +5953,10 @@
       </p:sp>
       <p:pic>
         <p:nvPicPr>
-          <p:cNvPr id="37" name="Imagem 36">
+          <p:cNvPr id="39" name="Imagem 38">
             <a:extLst>
               <a:ext uri="{FF2B5EF4-FFF2-40B4-BE49-F238E27FC236}">
-                <a16:creationId xmlns:a16="http://schemas.microsoft.com/office/drawing/2014/main" id="{46870C30-D18D-4C74-8D46-6D8279ED0AE8}"/>
+                <a16:creationId xmlns:a16="http://schemas.microsoft.com/office/drawing/2014/main" id="{59923D5D-A83E-471B-AD85-C10ED42084E3}"/>
               </a:ext>
             </a:extLst>
           </p:cNvPr>
@@ -9659,8 +5973,8 @@
         </p:blipFill>
         <p:spPr>
           <a:xfrm>
-            <a:off x="1029729" y="2030187"/>
-            <a:ext cx="4448433" cy="3543431"/>
+            <a:off x="6541314" y="2032267"/>
+            <a:ext cx="4451184" cy="3541351"/>
           </a:xfrm>
           <a:prstGeom prst="rect">
             <a:avLst/>
@@ -9669,10 +5983,10 @@
       </p:pic>
       <p:pic>
         <p:nvPicPr>
-          <p:cNvPr id="39" name="Imagem 38">
+          <p:cNvPr id="5" name="Imagem 4">
             <a:extLst>
               <a:ext uri="{FF2B5EF4-FFF2-40B4-BE49-F238E27FC236}">
-                <a16:creationId xmlns:a16="http://schemas.microsoft.com/office/drawing/2014/main" id="{59923D5D-A83E-471B-AD85-C10ED42084E3}"/>
+                <a16:creationId xmlns:a16="http://schemas.microsoft.com/office/drawing/2014/main" id="{D07BE3F4-B054-4DDA-98EF-38610D9E46F6}"/>
               </a:ext>
             </a:extLst>
           </p:cNvPr>
@@ -9689,8 +6003,8 @@
         </p:blipFill>
         <p:spPr>
           <a:xfrm>
-            <a:off x="6277703" y="2032267"/>
-            <a:ext cx="4451184" cy="3541351"/>
+            <a:off x="856734" y="2032267"/>
+            <a:ext cx="4539049" cy="3541992"/>
           </a:xfrm>
           <a:prstGeom prst="rect">
             <a:avLst/>
@@ -9943,7 +6257,7 @@
           <a:p>
             <a:r>
               <a:rPr lang="en-US" dirty="0"/>
-              <a:t>CUSTOMER’s SEGMENTATION</a:t>
+              <a:t>CUSTOMER’s SEGMENTATION - RFM</a:t>
             </a:r>
             <a:endParaRPr lang="pt-BR" dirty="0"/>
           </a:p>
@@ -9983,7 +6297,7 @@
             </a:pPr>
             <a:r>
               <a:rPr lang="en-US" dirty="0"/>
-              <a:t>	In customer segmentation, we used the RFM method (Recency, Frequency, Monetary) which is based on how recently, how often and how much a customer has purchased, from these three variables the customer receives a score that will define which group he will be allocated to. Where 3 is the score of the best customers group who have purchased more recently, spent more on purchases and bought more often, and 12 the score of the worst customers group who spend less, less frequently and have not purchased for the longest time.</a:t>
+              <a:t>	In customer segmentation, one of the used methods was the RFM (Recency, Frequency, Monetary) which is based on how recently, how often and how much a customer has purchased, from these three variables the customer receives a score that will define which group he will be allocated to. Where 3 is the score of the best customers group who have purchased more recently, spent more on purchases and bought more often, and 12 the score of the worst customers group who spend less, less frequently and have not purchased for the longest time.</a:t>
             </a:r>
             <a:endParaRPr lang="pt-BR" dirty="0"/>
           </a:p>
@@ -10001,13 +6315,7 @@
           <p:cNvGraphicFramePr>
             <a:graphicFrameLocks noGrp="1"/>
           </p:cNvGraphicFramePr>
-          <p:nvPr>
-            <p:extLst>
-              <p:ext uri="{D42A27DB-BD31-4B8C-83A1-F6EECF244321}">
-                <p14:modId xmlns:p14="http://schemas.microsoft.com/office/powerpoint/2010/main" val="448423849"/>
-              </p:ext>
-            </p:extLst>
-          </p:nvPr>
+          <p:nvPr/>
         </p:nvGraphicFramePr>
         <p:xfrm>
           <a:off x="1688756" y="3429000"/>
@@ -10575,7 +6883,7 @@
     </p:spTree>
     <p:extLst>
       <p:ext uri="{BB962C8B-B14F-4D97-AF65-F5344CB8AC3E}">
-        <p14:creationId xmlns:p14="http://schemas.microsoft.com/office/powerpoint/2010/main" val="78170764"/>
+        <p14:creationId xmlns:p14="http://schemas.microsoft.com/office/powerpoint/2010/main" val="2662191369"/>
       </p:ext>
     </p:extLst>
   </p:cSld>
@@ -10630,7 +6938,7 @@
           <a:p>
             <a:r>
               <a:rPr lang="en-US" dirty="0"/>
-              <a:t>CUSTOMER’s SEGMENTATION</a:t>
+              <a:t>CUSTOMER’s SEGMENTATION - RFM</a:t>
             </a:r>
             <a:endParaRPr lang="pt-BR" dirty="0"/>
           </a:p>
@@ -11144,7 +7452,7 @@
           <a:p>
             <a:r>
               <a:rPr lang="en-US" dirty="0"/>
-              <a:t>CUSTOMER’s SEGMENTATION</a:t>
+              <a:t>CUSTOMER’s SEGMENTATION - RFM</a:t>
             </a:r>
             <a:endParaRPr lang="pt-BR" dirty="0"/>
           </a:p>
@@ -11184,7 +7492,7 @@
             </a:pPr>
             <a:r>
               <a:rPr lang="en-US" dirty="0"/>
-              <a:t>	In customer segmentation, we use the RFM method (Recency, Frequency, Monetary) which is based on how recently, how often and how much a customer has purchased, from these three variables the customer receives a score that will define which group he will be allocated to. Where 3 is the score of the best customers group who have purchased more recently, spent more on purchases and bought more often, and 12 the score of the worst customers group who spend less, less frequently and have not purchased for the longest time.</a:t>
+              <a:t>	Bellow we can see the table with all the data including campaign costs, sold gadgets and revenue.</a:t>
             </a:r>
             <a:endParaRPr lang="pt-BR" dirty="0"/>
           </a:p>
@@ -11202,11 +7510,17 @@
           <p:cNvGraphicFramePr>
             <a:graphicFrameLocks noGrp="1"/>
           </p:cNvGraphicFramePr>
-          <p:nvPr/>
+          <p:nvPr>
+            <p:extLst>
+              <p:ext uri="{D42A27DB-BD31-4B8C-83A1-F6EECF244321}">
+                <p14:modId xmlns:p14="http://schemas.microsoft.com/office/powerpoint/2010/main" val="1085966707"/>
+              </p:ext>
+            </p:extLst>
+          </p:nvPr>
         </p:nvGraphicFramePr>
         <p:xfrm>
-          <a:off x="2027999" y="2805092"/>
-          <a:ext cx="8136000" cy="3505330"/>
+          <a:off x="1786065" y="2041301"/>
+          <a:ext cx="8619867" cy="3505330"/>
         </p:xfrm>
         <a:graphic>
           <a:graphicData uri="http://schemas.openxmlformats.org/drawingml/2006/table">
@@ -11215,56 +7529,63 @@
                 <a:tableStyleId>{5C22544A-7EE6-4342-B048-85BDC9FD1C3A}</a:tableStyleId>
               </a:tblPr>
               <a:tblGrid>
-                <a:gridCol w="1017000">
+                <a:gridCol w="957763">
                   <a:extLst>
                     <a:ext uri="{9D8B030D-6E8A-4147-A177-3AD203B41FA5}">
                       <a16:colId xmlns:a16="http://schemas.microsoft.com/office/drawing/2014/main" val="114632110"/>
                     </a:ext>
                   </a:extLst>
                 </a:gridCol>
-                <a:gridCol w="1017000">
+                <a:gridCol w="957763">
                   <a:extLst>
                     <a:ext uri="{9D8B030D-6E8A-4147-A177-3AD203B41FA5}">
                       <a16:colId xmlns:a16="http://schemas.microsoft.com/office/drawing/2014/main" val="1255091777"/>
                     </a:ext>
                   </a:extLst>
                 </a:gridCol>
-                <a:gridCol w="1017000">
+                <a:gridCol w="957763">
                   <a:extLst>
                     <a:ext uri="{9D8B030D-6E8A-4147-A177-3AD203B41FA5}">
                       <a16:colId xmlns:a16="http://schemas.microsoft.com/office/drawing/2014/main" val="1285048858"/>
                     </a:ext>
                   </a:extLst>
                 </a:gridCol>
-                <a:gridCol w="1017000">
+                <a:gridCol w="957763">
                   <a:extLst>
                     <a:ext uri="{9D8B030D-6E8A-4147-A177-3AD203B41FA5}">
                       <a16:colId xmlns:a16="http://schemas.microsoft.com/office/drawing/2014/main" val="703868818"/>
                     </a:ext>
                   </a:extLst>
                 </a:gridCol>
-                <a:gridCol w="1017000">
+                <a:gridCol w="957763">
                   <a:extLst>
                     <a:ext uri="{9D8B030D-6E8A-4147-A177-3AD203B41FA5}">
                       <a16:colId xmlns:a16="http://schemas.microsoft.com/office/drawing/2014/main" val="2865480466"/>
                     </a:ext>
                   </a:extLst>
                 </a:gridCol>
-                <a:gridCol w="1017000">
+                <a:gridCol w="957763">
                   <a:extLst>
                     <a:ext uri="{9D8B030D-6E8A-4147-A177-3AD203B41FA5}">
                       <a16:colId xmlns:a16="http://schemas.microsoft.com/office/drawing/2014/main" val="3654702531"/>
                     </a:ext>
                   </a:extLst>
                 </a:gridCol>
-                <a:gridCol w="1017000">
+                <a:gridCol w="957763">
+                  <a:extLst>
+                    <a:ext uri="{9D8B030D-6E8A-4147-A177-3AD203B41FA5}">
+                      <a16:colId xmlns:a16="http://schemas.microsoft.com/office/drawing/2014/main" val="2451266449"/>
+                    </a:ext>
+                  </a:extLst>
+                </a:gridCol>
+                <a:gridCol w="957763">
                   <a:extLst>
                     <a:ext uri="{9D8B030D-6E8A-4147-A177-3AD203B41FA5}">
                       <a16:colId xmlns:a16="http://schemas.microsoft.com/office/drawing/2014/main" val="3639110286"/>
                     </a:ext>
                   </a:extLst>
                 </a:gridCol>
-                <a:gridCol w="1017000">
+                <a:gridCol w="957763">
                   <a:extLst>
                     <a:ext uri="{9D8B030D-6E8A-4147-A177-3AD203B41FA5}">
                       <a16:colId xmlns:a16="http://schemas.microsoft.com/office/drawing/2014/main" val="4028796748"/>
@@ -11371,6 +7692,21 @@
                       <a:pPr algn="ctr"/>
                       <a:r>
                         <a:rPr lang="en-US" sz="1000" dirty="0"/>
+                        <a:t>Group Profit</a:t>
+                      </a:r>
+                      <a:endParaRPr lang="pt-BR" sz="1000" dirty="0"/>
+                    </a:p>
+                  </a:txBody>
+                  <a:tcPr/>
+                </a:tc>
+                <a:tc>
+                  <a:txBody>
+                    <a:bodyPr/>
+                    <a:lstStyle/>
+                    <a:p>
+                      <a:pPr algn="ctr"/>
+                      <a:r>
+                        <a:rPr lang="en-US" sz="1000" dirty="0"/>
                         <a:t>Profit (MU)</a:t>
                       </a:r>
                       <a:endParaRPr lang="pt-BR" sz="1000" dirty="0"/>
@@ -11513,6 +7849,21 @@
                       <a:pPr algn="ctr"/>
                       <a:r>
                         <a:rPr lang="en-US" sz="1000" dirty="0"/>
+                        <a:t>119</a:t>
+                      </a:r>
+                      <a:endParaRPr lang="pt-BR" sz="1000" dirty="0"/>
+                    </a:p>
+                  </a:txBody>
+                  <a:tcPr/>
+                </a:tc>
+                <a:tc>
+                  <a:txBody>
+                    <a:bodyPr/>
+                    <a:lstStyle/>
+                    <a:p>
+                      <a:pPr algn="ctr"/>
+                      <a:r>
+                        <a:rPr lang="en-US" sz="1000" dirty="0"/>
                         <a:t>53,6</a:t>
                       </a:r>
                       <a:endParaRPr lang="pt-BR" sz="1000" dirty="0"/>
@@ -11625,6 +7976,21 @@
                       <a:pPr algn="ctr"/>
                       <a:r>
                         <a:rPr lang="en-US" sz="1000" dirty="0"/>
+                        <a:t>105</a:t>
+                      </a:r>
+                      <a:endParaRPr lang="pt-BR" sz="1000" dirty="0"/>
+                    </a:p>
+                  </a:txBody>
+                  <a:tcPr/>
+                </a:tc>
+                <a:tc>
+                  <a:txBody>
+                    <a:bodyPr/>
+                    <a:lstStyle/>
+                    <a:p>
+                      <a:pPr algn="ctr"/>
+                      <a:r>
+                        <a:rPr lang="en-US" sz="1000" dirty="0"/>
                         <a:t>224</a:t>
                       </a:r>
                       <a:endParaRPr lang="pt-BR" sz="1000" dirty="0"/>
@@ -11751,6 +8117,29 @@
                     <a:p>
                       <a:pPr algn="ctr"/>
                       <a:r>
+                        <a:rPr lang="en-US" sz="1000" dirty="0">
+                          <a:solidFill>
+                            <a:srgbClr val="FF0000"/>
+                          </a:solidFill>
+                        </a:rPr>
+                        <a:t>-111</a:t>
+                      </a:r>
+                      <a:endParaRPr lang="pt-BR" sz="1000" dirty="0">
+                        <a:solidFill>
+                          <a:srgbClr val="FF0000"/>
+                        </a:solidFill>
+                      </a:endParaRPr>
+                    </a:p>
+                  </a:txBody>
+                  <a:tcPr/>
+                </a:tc>
+                <a:tc>
+                  <a:txBody>
+                    <a:bodyPr/>
+                    <a:lstStyle/>
+                    <a:p>
+                      <a:pPr algn="ctr"/>
+                      <a:r>
                         <a:rPr lang="en-US" sz="1000" dirty="0"/>
                         <a:t>113</a:t>
                       </a:r>
@@ -11883,6 +8272,29 @@
                             <a:srgbClr val="FF0000"/>
                           </a:solidFill>
                         </a:rPr>
+                        <a:t>-356</a:t>
+                      </a:r>
+                      <a:endParaRPr lang="pt-BR" sz="1000" dirty="0">
+                        <a:solidFill>
+                          <a:srgbClr val="FF0000"/>
+                        </a:solidFill>
+                      </a:endParaRPr>
+                    </a:p>
+                  </a:txBody>
+                  <a:tcPr/>
+                </a:tc>
+                <a:tc>
+                  <a:txBody>
+                    <a:bodyPr/>
+                    <a:lstStyle/>
+                    <a:p>
+                      <a:pPr algn="ctr"/>
+                      <a:r>
+                        <a:rPr lang="en-US" sz="1000" dirty="0">
+                          <a:solidFill>
+                            <a:srgbClr val="FF0000"/>
+                          </a:solidFill>
+                        </a:rPr>
                         <a:t>-243</a:t>
                       </a:r>
                       <a:endParaRPr lang="pt-BR" sz="1000" dirty="0">
@@ -12026,6 +8438,29 @@
                             <a:srgbClr val="FF0000"/>
                           </a:solidFill>
                         </a:rPr>
+                        <a:t>-420</a:t>
+                      </a:r>
+                      <a:endParaRPr lang="pt-BR" sz="1000" dirty="0">
+                        <a:solidFill>
+                          <a:srgbClr val="FF0000"/>
+                        </a:solidFill>
+                      </a:endParaRPr>
+                    </a:p>
+                  </a:txBody>
+                  <a:tcPr/>
+                </a:tc>
+                <a:tc>
+                  <a:txBody>
+                    <a:bodyPr/>
+                    <a:lstStyle/>
+                    <a:p>
+                      <a:pPr algn="ctr"/>
+                      <a:r>
+                        <a:rPr lang="en-US" sz="1000" dirty="0">
+                          <a:solidFill>
+                            <a:srgbClr val="FF0000"/>
+                          </a:solidFill>
+                        </a:rPr>
                         <a:t>-663</a:t>
                       </a:r>
                       <a:endParaRPr lang="pt-BR" sz="1000" dirty="0">
@@ -12169,6 +8604,29 @@
                             <a:srgbClr val="FF0000"/>
                           </a:solidFill>
                         </a:rPr>
+                        <a:t>-306</a:t>
+                      </a:r>
+                      <a:endParaRPr lang="pt-BR" sz="1000" dirty="0">
+                        <a:solidFill>
+                          <a:srgbClr val="FF0000"/>
+                        </a:solidFill>
+                      </a:endParaRPr>
+                    </a:p>
+                  </a:txBody>
+                  <a:tcPr/>
+                </a:tc>
+                <a:tc>
+                  <a:txBody>
+                    <a:bodyPr/>
+                    <a:lstStyle/>
+                    <a:p>
+                      <a:pPr algn="ctr"/>
+                      <a:r>
+                        <a:rPr lang="en-US" sz="1000" dirty="0">
+                          <a:solidFill>
+                            <a:srgbClr val="FF0000"/>
+                          </a:solidFill>
+                        </a:rPr>
                         <a:t>-969</a:t>
                       </a:r>
                       <a:endParaRPr lang="pt-BR" sz="1000" dirty="0">
@@ -12312,6 +8770,29 @@
                             <a:srgbClr val="FF0000"/>
                           </a:solidFill>
                         </a:rPr>
+                        <a:t>-513</a:t>
+                      </a:r>
+                      <a:endParaRPr lang="pt-BR" sz="1000" dirty="0">
+                        <a:solidFill>
+                          <a:srgbClr val="FF0000"/>
+                        </a:solidFill>
+                      </a:endParaRPr>
+                    </a:p>
+                  </a:txBody>
+                  <a:tcPr/>
+                </a:tc>
+                <a:tc>
+                  <a:txBody>
+                    <a:bodyPr/>
+                    <a:lstStyle/>
+                    <a:p>
+                      <a:pPr algn="ctr"/>
+                      <a:r>
+                        <a:rPr lang="en-US" sz="1000" dirty="0">
+                          <a:solidFill>
+                            <a:srgbClr val="FF0000"/>
+                          </a:solidFill>
+                        </a:rPr>
                         <a:t>-1482</a:t>
                       </a:r>
                       <a:endParaRPr lang="pt-BR" sz="1000" dirty="0">
@@ -12455,6 +8936,29 @@
                             <a:srgbClr val="FF0000"/>
                           </a:solidFill>
                         </a:rPr>
+                        <a:t>-717</a:t>
+                      </a:r>
+                      <a:endParaRPr lang="pt-BR" sz="1000" dirty="0">
+                        <a:solidFill>
+                          <a:srgbClr val="FF0000"/>
+                        </a:solidFill>
+                      </a:endParaRPr>
+                    </a:p>
+                  </a:txBody>
+                  <a:tcPr/>
+                </a:tc>
+                <a:tc>
+                  <a:txBody>
+                    <a:bodyPr/>
+                    <a:lstStyle/>
+                    <a:p>
+                      <a:pPr algn="ctr"/>
+                      <a:r>
+                        <a:rPr lang="en-US" sz="1000" dirty="0">
+                          <a:solidFill>
+                            <a:srgbClr val="FF0000"/>
+                          </a:solidFill>
+                        </a:rPr>
                         <a:t>-2199</a:t>
                       </a:r>
                       <a:endParaRPr lang="pt-BR" sz="1000" dirty="0">
@@ -12598,6 +9102,29 @@
                             <a:srgbClr val="FF0000"/>
                           </a:solidFill>
                         </a:rPr>
+                        <a:t>-434</a:t>
+                      </a:r>
+                      <a:endParaRPr lang="pt-BR" sz="1000" dirty="0">
+                        <a:solidFill>
+                          <a:srgbClr val="FF0000"/>
+                        </a:solidFill>
+                      </a:endParaRPr>
+                    </a:p>
+                  </a:txBody>
+                  <a:tcPr/>
+                </a:tc>
+                <a:tc>
+                  <a:txBody>
+                    <a:bodyPr/>
+                    <a:lstStyle/>
+                    <a:p>
+                      <a:pPr algn="ctr"/>
+                      <a:r>
+                        <a:rPr lang="en-US" sz="1000" dirty="0">
+                          <a:solidFill>
+                            <a:srgbClr val="FF0000"/>
+                          </a:solidFill>
+                        </a:rPr>
                         <a:t>-2633</a:t>
                       </a:r>
                       <a:endParaRPr lang="pt-BR" sz="1000" dirty="0">
@@ -12725,6 +9252,29 @@
                         <a:t>3674</a:t>
                       </a:r>
                       <a:endParaRPr lang="pt-BR" sz="1000" dirty="0"/>
+                    </a:p>
+                  </a:txBody>
+                  <a:tcPr/>
+                </a:tc>
+                <a:tc>
+                  <a:txBody>
+                    <a:bodyPr/>
+                    <a:lstStyle/>
+                    <a:p>
+                      <a:pPr algn="ctr"/>
+                      <a:r>
+                        <a:rPr lang="en-US" sz="1000" dirty="0">
+                          <a:solidFill>
+                            <a:srgbClr val="FF0000"/>
+                          </a:solidFill>
+                        </a:rPr>
+                        <a:t>-410</a:t>
+                      </a:r>
+                      <a:endParaRPr lang="pt-BR" sz="1000" dirty="0">
+                        <a:solidFill>
+                          <a:srgbClr val="FF0000"/>
+                        </a:solidFill>
+                      </a:endParaRPr>
                     </a:p>
                   </a:txBody>
                   <a:tcPr/>
@@ -12820,7 +9370,7 @@
           <p:cNvPr id="2" name="Título 1">
             <a:extLst>
               <a:ext uri="{FF2B5EF4-FFF2-40B4-BE49-F238E27FC236}">
-                <a16:creationId xmlns:a16="http://schemas.microsoft.com/office/drawing/2014/main" id="{5E562972-3449-42D1-8185-B4BEFD52AB44}"/>
+                <a16:creationId xmlns:a16="http://schemas.microsoft.com/office/drawing/2014/main" id="{F012136E-8FED-438A-8CCB-512AFF3ACFA6}"/>
               </a:ext>
             </a:extLst>
           </p:cNvPr>
@@ -12831,25 +9381,70 @@
             <p:ph type="title"/>
           </p:nvPr>
         </p:nvSpPr>
-        <p:spPr/>
+        <p:spPr>
+          <a:xfrm>
+            <a:off x="581192" y="627276"/>
+            <a:ext cx="11029616" cy="574709"/>
+          </a:xfrm>
+        </p:spPr>
         <p:txBody>
-          <a:bodyPr rtlCol="0"/>
+          <a:bodyPr/>
           <a:lstStyle/>
           <a:p>
-            <a:pPr rtl="0"/>
-            <a:r>
-              <a:rPr lang="pt-br"/>
-              <a:t>Title Lorem Ipsum Dolor Sit Amet</a:t>
-            </a:r>
+            <a:r>
+              <a:rPr lang="en-US" dirty="0"/>
+              <a:t>CUSTOMER’s SEGMENTATION - KMEANS</a:t>
+            </a:r>
+            <a:endParaRPr lang="pt-BR" dirty="0"/>
+          </a:p>
+        </p:txBody>
+      </p:sp>
+      <p:sp>
+        <p:nvSpPr>
+          <p:cNvPr id="3" name="Espaço Reservado para Conteúdo 2">
+            <a:extLst>
+              <a:ext uri="{FF2B5EF4-FFF2-40B4-BE49-F238E27FC236}">
+                <a16:creationId xmlns:a16="http://schemas.microsoft.com/office/drawing/2014/main" id="{59DC1503-7258-49D9-8EED-3C1458E3B31B}"/>
+              </a:ext>
+            </a:extLst>
+          </p:cNvPr>
+          <p:cNvSpPr>
+            <a:spLocks noGrp="1"/>
+          </p:cNvSpPr>
+          <p:nvPr>
+            <p:ph idx="1"/>
+          </p:nvPr>
+        </p:nvSpPr>
+        <p:spPr>
+          <a:xfrm>
+            <a:off x="581192" y="1201985"/>
+            <a:ext cx="11029615" cy="993893"/>
+          </a:xfrm>
+        </p:spPr>
+        <p:txBody>
+          <a:bodyPr anchor="t"/>
+          <a:lstStyle/>
+          <a:p>
+            <a:pPr marL="0" indent="0" algn="just">
+              <a:lnSpc>
+                <a:spcPct val="100000"/>
+              </a:lnSpc>
+              <a:buNone/>
+            </a:pPr>
+            <a:r>
+              <a:rPr lang="en-US" dirty="0"/>
+              <a:t>	Another method we used to segment customers was Kmeans, which is able to assess the proximity of respondent’s characteristics and group them based on that. According to the method used, the best number of groups to segment customers is four.</a:t>
+            </a:r>
+            <a:endParaRPr lang="pt-BR" dirty="0"/>
           </a:p>
         </p:txBody>
       </p:sp>
       <p:graphicFrame>
         <p:nvGraphicFramePr>
-          <p:cNvPr id="4" name="Espaço Reservado para Conteúdo 2">
+          <p:cNvPr id="9" name="Tabela 4">
             <a:extLst>
               <a:ext uri="{FF2B5EF4-FFF2-40B4-BE49-F238E27FC236}">
-                <a16:creationId xmlns:a16="http://schemas.microsoft.com/office/drawing/2014/main" id="{FF3F0D82-0AA6-45C3-8367-955CBFA02ED6}"/>
+                <a16:creationId xmlns:a16="http://schemas.microsoft.com/office/drawing/2014/main" id="{65BB3B53-4CC2-424E-A87F-4223BE509A38}"/>
               </a:ext>
             </a:extLst>
           </p:cNvPr>
@@ -12857,28 +9452,1029 @@
             <a:graphicFrameLocks noGrp="1"/>
           </p:cNvGraphicFramePr>
           <p:nvPr>
-            <p:ph idx="1"/>
             <p:extLst>
               <p:ext uri="{D42A27DB-BD31-4B8C-83A1-F6EECF244321}">
-                <p14:modId xmlns:p14="http://schemas.microsoft.com/office/powerpoint/2010/main" val="3086745933"/>
+                <p14:modId xmlns:p14="http://schemas.microsoft.com/office/powerpoint/2010/main" val="2577318447"/>
               </p:ext>
             </p:extLst>
           </p:nvPr>
         </p:nvGraphicFramePr>
         <p:xfrm>
-          <a:off x="581025" y="2341563"/>
-          <a:ext cx="11029950" cy="3633787"/>
+          <a:off x="252862" y="2770587"/>
+          <a:ext cx="7119000" cy="1639876"/>
         </p:xfrm>
         <a:graphic>
-          <a:graphicData uri="http://schemas.openxmlformats.org/drawingml/2006/diagram">
-            <dgm:relIds xmlns:dgm="http://schemas.openxmlformats.org/drawingml/2006/diagram" xmlns:r="http://schemas.openxmlformats.org/officeDocument/2006/relationships" r:dm="rId2" r:lo="rId3" r:qs="rId4" r:cs="rId5"/>
+          <a:graphicData uri="http://schemas.openxmlformats.org/drawingml/2006/table">
+            <a:tbl>
+              <a:tblPr firstRow="1" bandRow="1">
+                <a:tableStyleId>{5C22544A-7EE6-4342-B048-85BDC9FD1C3A}</a:tableStyleId>
+              </a:tblPr>
+              <a:tblGrid>
+                <a:gridCol w="1017000">
+                  <a:extLst>
+                    <a:ext uri="{9D8B030D-6E8A-4147-A177-3AD203B41FA5}">
+                      <a16:colId xmlns:a16="http://schemas.microsoft.com/office/drawing/2014/main" val="114632110"/>
+                    </a:ext>
+                  </a:extLst>
+                </a:gridCol>
+                <a:gridCol w="1017000">
+                  <a:extLst>
+                    <a:ext uri="{9D8B030D-6E8A-4147-A177-3AD203B41FA5}">
+                      <a16:colId xmlns:a16="http://schemas.microsoft.com/office/drawing/2014/main" val="1255091777"/>
+                    </a:ext>
+                  </a:extLst>
+                </a:gridCol>
+                <a:gridCol w="1017000">
+                  <a:extLst>
+                    <a:ext uri="{9D8B030D-6E8A-4147-A177-3AD203B41FA5}">
+                      <a16:colId xmlns:a16="http://schemas.microsoft.com/office/drawing/2014/main" val="703868818"/>
+                    </a:ext>
+                  </a:extLst>
+                </a:gridCol>
+                <a:gridCol w="1017000">
+                  <a:extLst>
+                    <a:ext uri="{9D8B030D-6E8A-4147-A177-3AD203B41FA5}">
+                      <a16:colId xmlns:a16="http://schemas.microsoft.com/office/drawing/2014/main" val="2865480466"/>
+                    </a:ext>
+                  </a:extLst>
+                </a:gridCol>
+                <a:gridCol w="1017000">
+                  <a:extLst>
+                    <a:ext uri="{9D8B030D-6E8A-4147-A177-3AD203B41FA5}">
+                      <a16:colId xmlns:a16="http://schemas.microsoft.com/office/drawing/2014/main" val="3654702531"/>
+                    </a:ext>
+                  </a:extLst>
+                </a:gridCol>
+                <a:gridCol w="1017000">
+                  <a:extLst>
+                    <a:ext uri="{9D8B030D-6E8A-4147-A177-3AD203B41FA5}">
+                      <a16:colId xmlns:a16="http://schemas.microsoft.com/office/drawing/2014/main" val="3639110286"/>
+                    </a:ext>
+                  </a:extLst>
+                </a:gridCol>
+                <a:gridCol w="1017000">
+                  <a:extLst>
+                    <a:ext uri="{9D8B030D-6E8A-4147-A177-3AD203B41FA5}">
+                      <a16:colId xmlns:a16="http://schemas.microsoft.com/office/drawing/2014/main" val="4028796748"/>
+                    </a:ext>
+                  </a:extLst>
+                </a:gridCol>
+              </a:tblGrid>
+              <a:tr h="310909">
+                <a:tc>
+                  <a:txBody>
+                    <a:bodyPr/>
+                    <a:lstStyle/>
+                    <a:p>
+                      <a:pPr algn="ctr"/>
+                      <a:r>
+                        <a:rPr lang="en-US" sz="1000" dirty="0"/>
+                        <a:t>Group number</a:t>
+                      </a:r>
+                      <a:endParaRPr lang="pt-BR" sz="1000" dirty="0"/>
+                    </a:p>
+                  </a:txBody>
+                  <a:tcPr/>
+                </a:tc>
+                <a:tc>
+                  <a:txBody>
+                    <a:bodyPr/>
+                    <a:lstStyle/>
+                    <a:p>
+                      <a:pPr algn="ctr"/>
+                      <a:r>
+                        <a:rPr lang="en-US" sz="1000" dirty="0"/>
+                        <a:t>Customers in the group</a:t>
+                      </a:r>
+                      <a:endParaRPr lang="pt-BR" sz="1000" dirty="0"/>
+                    </a:p>
+                  </a:txBody>
+                  <a:tcPr/>
+                </a:tc>
+                <a:tc>
+                  <a:txBody>
+                    <a:bodyPr/>
+                    <a:lstStyle/>
+                    <a:p>
+                      <a:pPr algn="ctr"/>
+                      <a:r>
+                        <a:rPr lang="en-US" sz="1000" dirty="0"/>
+                        <a:t>Campaign cost (MU)</a:t>
+                      </a:r>
+                      <a:endParaRPr lang="pt-BR" sz="1000" dirty="0"/>
+                    </a:p>
+                  </a:txBody>
+                  <a:tcPr/>
+                </a:tc>
+                <a:tc>
+                  <a:txBody>
+                    <a:bodyPr/>
+                    <a:lstStyle/>
+                    <a:p>
+                      <a:pPr algn="ctr"/>
+                      <a:r>
+                        <a:rPr lang="en-US" sz="1000" dirty="0"/>
+                        <a:t>Sold gadgets</a:t>
+                      </a:r>
+                      <a:endParaRPr lang="pt-BR" sz="1000" dirty="0"/>
+                    </a:p>
+                  </a:txBody>
+                  <a:tcPr/>
+                </a:tc>
+                <a:tc>
+                  <a:txBody>
+                    <a:bodyPr/>
+                    <a:lstStyle/>
+                    <a:p>
+                      <a:pPr algn="ctr"/>
+                      <a:r>
+                        <a:rPr lang="en-US" sz="1000" dirty="0"/>
+                        <a:t>Campaign revenue (MU)</a:t>
+                      </a:r>
+                      <a:endParaRPr lang="pt-BR" sz="1000" dirty="0"/>
+                    </a:p>
+                  </a:txBody>
+                  <a:tcPr/>
+                </a:tc>
+                <a:tc>
+                  <a:txBody>
+                    <a:bodyPr/>
+                    <a:lstStyle/>
+                    <a:p>
+                      <a:pPr algn="ctr"/>
+                      <a:r>
+                        <a:rPr lang="en-US" sz="1000" dirty="0"/>
+                        <a:t>Profit (MU)</a:t>
+                      </a:r>
+                      <a:endParaRPr lang="pt-BR" sz="1000" dirty="0"/>
+                    </a:p>
+                  </a:txBody>
+                  <a:tcPr/>
+                </a:tc>
+                <a:tc>
+                  <a:txBody>
+                    <a:bodyPr/>
+                    <a:lstStyle/>
+                    <a:p>
+                      <a:pPr algn="ctr"/>
+                      <a:r>
+                        <a:rPr lang="en-US" sz="1000" dirty="0"/>
+                        <a:t>ROI(%)</a:t>
+                      </a:r>
+                      <a:endParaRPr lang="pt-BR" sz="1000" dirty="0"/>
+                    </a:p>
+                  </a:txBody>
+                  <a:tcPr/>
+                </a:tc>
+                <a:extLst>
+                  <a:ext uri="{0D108BD9-81ED-4DB2-BD59-A6C34878D82A}">
+                    <a16:rowId xmlns:a16="http://schemas.microsoft.com/office/drawing/2014/main" val="2221233524"/>
+                  </a:ext>
+                </a:extLst>
+              </a:tr>
+              <a:tr h="310909">
+                <a:tc>
+                  <a:txBody>
+                    <a:bodyPr/>
+                    <a:lstStyle/>
+                    <a:p>
+                      <a:pPr algn="ctr"/>
+                      <a:r>
+                        <a:rPr lang="en-US" sz="1000" dirty="0"/>
+                        <a:t>0</a:t>
+                      </a:r>
+                      <a:endParaRPr lang="pt-BR" sz="1000" dirty="0"/>
+                    </a:p>
+                  </a:txBody>
+                  <a:tcPr/>
+                </a:tc>
+                <a:tc>
+                  <a:txBody>
+                    <a:bodyPr/>
+                    <a:lstStyle/>
+                    <a:p>
+                      <a:pPr algn="ctr"/>
+                      <a:r>
+                        <a:rPr lang="en-US" sz="1000" dirty="0"/>
+                        <a:t>1006</a:t>
+                      </a:r>
+                      <a:endParaRPr lang="pt-BR" sz="1000" dirty="0"/>
+                    </a:p>
+                  </a:txBody>
+                  <a:tcPr/>
+                </a:tc>
+                <a:tc>
+                  <a:txBody>
+                    <a:bodyPr/>
+                    <a:lstStyle/>
+                    <a:p>
+                      <a:pPr algn="ctr"/>
+                      <a:r>
+                        <a:rPr lang="en-US" sz="1000" dirty="0"/>
+                        <a:t>3018</a:t>
+                      </a:r>
+                      <a:endParaRPr lang="pt-BR" sz="1000" dirty="0"/>
+                    </a:p>
+                  </a:txBody>
+                  <a:tcPr/>
+                </a:tc>
+                <a:tc>
+                  <a:txBody>
+                    <a:bodyPr/>
+                    <a:lstStyle/>
+                    <a:p>
+                      <a:pPr algn="ctr"/>
+                      <a:r>
+                        <a:rPr lang="en-US" sz="1000" dirty="0"/>
+                        <a:t>85</a:t>
+                      </a:r>
+                      <a:endParaRPr lang="pt-BR" sz="1000" dirty="0"/>
+                    </a:p>
+                  </a:txBody>
+                  <a:tcPr/>
+                </a:tc>
+                <a:tc>
+                  <a:txBody>
+                    <a:bodyPr/>
+                    <a:lstStyle/>
+                    <a:p>
+                      <a:pPr algn="ctr"/>
+                      <a:r>
+                        <a:rPr lang="en-US" sz="1000" dirty="0"/>
+                        <a:t>935</a:t>
+                      </a:r>
+                      <a:endParaRPr lang="pt-BR" sz="1000" dirty="0"/>
+                    </a:p>
+                  </a:txBody>
+                  <a:tcPr/>
+                </a:tc>
+                <a:tc>
+                  <a:txBody>
+                    <a:bodyPr/>
+                    <a:lstStyle/>
+                    <a:p>
+                      <a:pPr algn="ctr"/>
+                      <a:r>
+                        <a:rPr lang="en-US" sz="1000" dirty="0">
+                          <a:solidFill>
+                            <a:srgbClr val="FF0000"/>
+                          </a:solidFill>
+                        </a:rPr>
+                        <a:t>-2083</a:t>
+                      </a:r>
+                      <a:endParaRPr lang="pt-BR" sz="1000" dirty="0">
+                        <a:solidFill>
+                          <a:srgbClr val="FF0000"/>
+                        </a:solidFill>
+                      </a:endParaRPr>
+                    </a:p>
+                  </a:txBody>
+                  <a:tcPr/>
+                </a:tc>
+                <a:tc>
+                  <a:txBody>
+                    <a:bodyPr/>
+                    <a:lstStyle/>
+                    <a:p>
+                      <a:pPr algn="ctr"/>
+                      <a:r>
+                        <a:rPr lang="en-US" sz="1000" dirty="0">
+                          <a:solidFill>
+                            <a:srgbClr val="FF0000"/>
+                          </a:solidFill>
+                        </a:rPr>
+                        <a:t>-69,02</a:t>
+                      </a:r>
+                      <a:endParaRPr lang="pt-BR" sz="1000" dirty="0">
+                        <a:solidFill>
+                          <a:srgbClr val="FF0000"/>
+                        </a:solidFill>
+                      </a:endParaRPr>
+                    </a:p>
+                  </a:txBody>
+                  <a:tcPr/>
+                </a:tc>
+                <a:extLst>
+                  <a:ext uri="{0D108BD9-81ED-4DB2-BD59-A6C34878D82A}">
+                    <a16:rowId xmlns:a16="http://schemas.microsoft.com/office/drawing/2014/main" val="2884584074"/>
+                  </a:ext>
+                </a:extLst>
+              </a:tr>
+              <a:tr h="310909">
+                <a:tc>
+                  <a:txBody>
+                    <a:bodyPr/>
+                    <a:lstStyle/>
+                    <a:p>
+                      <a:pPr algn="ctr"/>
+                      <a:r>
+                        <a:rPr lang="en-US" sz="1000" dirty="0"/>
+                        <a:t>1</a:t>
+                      </a:r>
+                      <a:endParaRPr lang="pt-BR" sz="1000" dirty="0"/>
+                    </a:p>
+                  </a:txBody>
+                  <a:tcPr/>
+                </a:tc>
+                <a:tc>
+                  <a:txBody>
+                    <a:bodyPr/>
+                    <a:lstStyle/>
+                    <a:p>
+                      <a:pPr algn="ctr"/>
+                      <a:r>
+                        <a:rPr lang="en-US" sz="1000" dirty="0"/>
+                        <a:t>260</a:t>
+                      </a:r>
+                      <a:endParaRPr lang="pt-BR" sz="1000" dirty="0"/>
+                    </a:p>
+                  </a:txBody>
+                  <a:tcPr/>
+                </a:tc>
+                <a:tc>
+                  <a:txBody>
+                    <a:bodyPr/>
+                    <a:lstStyle/>
+                    <a:p>
+                      <a:pPr algn="ctr"/>
+                      <a:r>
+                        <a:rPr lang="en-US" sz="1000" dirty="0"/>
+                        <a:t>780</a:t>
+                      </a:r>
+                      <a:endParaRPr lang="pt-BR" sz="1000" dirty="0"/>
+                    </a:p>
+                  </a:txBody>
+                  <a:tcPr/>
+                </a:tc>
+                <a:tc>
+                  <a:txBody>
+                    <a:bodyPr/>
+                    <a:lstStyle/>
+                    <a:p>
+                      <a:pPr algn="ctr"/>
+                      <a:r>
+                        <a:rPr lang="en-US" sz="1000" dirty="0"/>
+                        <a:t>133</a:t>
+                      </a:r>
+                      <a:endParaRPr lang="pt-BR" sz="1000" dirty="0"/>
+                    </a:p>
+                  </a:txBody>
+                  <a:tcPr/>
+                </a:tc>
+                <a:tc>
+                  <a:txBody>
+                    <a:bodyPr/>
+                    <a:lstStyle/>
+                    <a:p>
+                      <a:pPr algn="ctr"/>
+                      <a:r>
+                        <a:rPr lang="en-US" sz="1000" dirty="0"/>
+                        <a:t>1463</a:t>
+                      </a:r>
+                      <a:endParaRPr lang="pt-BR" sz="1000" dirty="0"/>
+                    </a:p>
+                  </a:txBody>
+                  <a:tcPr/>
+                </a:tc>
+                <a:tc>
+                  <a:txBody>
+                    <a:bodyPr/>
+                    <a:lstStyle/>
+                    <a:p>
+                      <a:pPr algn="ctr"/>
+                      <a:r>
+                        <a:rPr lang="en-US" sz="1000" dirty="0"/>
+                        <a:t>683</a:t>
+                      </a:r>
+                      <a:endParaRPr lang="pt-BR" sz="1000" dirty="0"/>
+                    </a:p>
+                  </a:txBody>
+                  <a:tcPr/>
+                </a:tc>
+                <a:tc>
+                  <a:txBody>
+                    <a:bodyPr/>
+                    <a:lstStyle/>
+                    <a:p>
+                      <a:pPr algn="ctr"/>
+                      <a:r>
+                        <a:rPr lang="en-US" sz="1000" dirty="0"/>
+                        <a:t>87,56</a:t>
+                      </a:r>
+                      <a:endParaRPr lang="pt-BR" sz="1000" dirty="0"/>
+                    </a:p>
+                  </a:txBody>
+                  <a:tcPr/>
+                </a:tc>
+                <a:extLst>
+                  <a:ext uri="{0D108BD9-81ED-4DB2-BD59-A6C34878D82A}">
+                    <a16:rowId xmlns:a16="http://schemas.microsoft.com/office/drawing/2014/main" val="837419484"/>
+                  </a:ext>
+                </a:extLst>
+              </a:tr>
+              <a:tr h="310909">
+                <a:tc>
+                  <a:txBody>
+                    <a:bodyPr/>
+                    <a:lstStyle/>
+                    <a:p>
+                      <a:pPr algn="ctr"/>
+                      <a:r>
+                        <a:rPr lang="en-US" sz="1000" dirty="0"/>
+                        <a:t>2</a:t>
+                      </a:r>
+                      <a:endParaRPr lang="pt-BR" sz="1000" dirty="0"/>
+                    </a:p>
+                  </a:txBody>
+                  <a:tcPr/>
+                </a:tc>
+                <a:tc>
+                  <a:txBody>
+                    <a:bodyPr/>
+                    <a:lstStyle/>
+                    <a:p>
+                      <a:pPr algn="ctr"/>
+                      <a:r>
+                        <a:rPr lang="en-US" sz="1000" dirty="0"/>
+                        <a:t>518</a:t>
+                      </a:r>
+                      <a:endParaRPr lang="pt-BR" sz="1000" dirty="0"/>
+                    </a:p>
+                  </a:txBody>
+                  <a:tcPr/>
+                </a:tc>
+                <a:tc>
+                  <a:txBody>
+                    <a:bodyPr/>
+                    <a:lstStyle/>
+                    <a:p>
+                      <a:pPr algn="ctr"/>
+                      <a:r>
+                        <a:rPr lang="en-US" sz="1000" dirty="0"/>
+                        <a:t>1554</a:t>
+                      </a:r>
+                      <a:endParaRPr lang="pt-BR" sz="1000" dirty="0"/>
+                    </a:p>
+                  </a:txBody>
+                  <a:tcPr/>
+                </a:tc>
+                <a:tc>
+                  <a:txBody>
+                    <a:bodyPr/>
+                    <a:lstStyle/>
+                    <a:p>
+                      <a:pPr algn="ctr"/>
+                      <a:r>
+                        <a:rPr lang="en-US" sz="1000" dirty="0"/>
+                        <a:t>71</a:t>
+                      </a:r>
+                      <a:endParaRPr lang="pt-BR" sz="1000" dirty="0"/>
+                    </a:p>
+                  </a:txBody>
+                  <a:tcPr/>
+                </a:tc>
+                <a:tc>
+                  <a:txBody>
+                    <a:bodyPr/>
+                    <a:lstStyle/>
+                    <a:p>
+                      <a:pPr algn="ctr"/>
+                      <a:r>
+                        <a:rPr lang="en-US" sz="1000" dirty="0"/>
+                        <a:t>781</a:t>
+                      </a:r>
+                      <a:endParaRPr lang="pt-BR" sz="1000" dirty="0"/>
+                    </a:p>
+                  </a:txBody>
+                  <a:tcPr/>
+                </a:tc>
+                <a:tc>
+                  <a:txBody>
+                    <a:bodyPr/>
+                    <a:lstStyle/>
+                    <a:p>
+                      <a:pPr algn="ctr"/>
+                      <a:r>
+                        <a:rPr lang="en-US" sz="1000" dirty="0">
+                          <a:solidFill>
+                            <a:srgbClr val="FF0000"/>
+                          </a:solidFill>
+                        </a:rPr>
+                        <a:t>-773</a:t>
+                      </a:r>
+                      <a:endParaRPr lang="pt-BR" sz="1000" dirty="0">
+                        <a:solidFill>
+                          <a:srgbClr val="FF0000"/>
+                        </a:solidFill>
+                      </a:endParaRPr>
+                    </a:p>
+                  </a:txBody>
+                  <a:tcPr/>
+                </a:tc>
+                <a:tc>
+                  <a:txBody>
+                    <a:bodyPr/>
+                    <a:lstStyle/>
+                    <a:p>
+                      <a:pPr algn="ctr"/>
+                      <a:r>
+                        <a:rPr lang="en-US" sz="1000" dirty="0">
+                          <a:solidFill>
+                            <a:srgbClr val="FF0000"/>
+                          </a:solidFill>
+                        </a:rPr>
+                        <a:t>-49,74</a:t>
+                      </a:r>
+                      <a:endParaRPr lang="pt-BR" sz="1000" dirty="0">
+                        <a:solidFill>
+                          <a:srgbClr val="FF0000"/>
+                        </a:solidFill>
+                      </a:endParaRPr>
+                    </a:p>
+                  </a:txBody>
+                  <a:tcPr/>
+                </a:tc>
+                <a:extLst>
+                  <a:ext uri="{0D108BD9-81ED-4DB2-BD59-A6C34878D82A}">
+                    <a16:rowId xmlns:a16="http://schemas.microsoft.com/office/drawing/2014/main" val="1206114342"/>
+                  </a:ext>
+                </a:extLst>
+              </a:tr>
+              <a:tr h="310909">
+                <a:tc>
+                  <a:txBody>
+                    <a:bodyPr/>
+                    <a:lstStyle/>
+                    <a:p>
+                      <a:pPr algn="ctr"/>
+                      <a:r>
+                        <a:rPr lang="en-US" sz="1000" dirty="0"/>
+                        <a:t>3</a:t>
+                      </a:r>
+                      <a:endParaRPr lang="pt-BR" sz="1000" dirty="0"/>
+                    </a:p>
+                  </a:txBody>
+                  <a:tcPr/>
+                </a:tc>
+                <a:tc>
+                  <a:txBody>
+                    <a:bodyPr/>
+                    <a:lstStyle/>
+                    <a:p>
+                      <a:pPr algn="ctr"/>
+                      <a:r>
+                        <a:rPr lang="en-US" sz="1000" dirty="0"/>
+                        <a:t>455</a:t>
+                      </a:r>
+                      <a:endParaRPr lang="pt-BR" sz="1000" dirty="0"/>
+                    </a:p>
+                  </a:txBody>
+                  <a:tcPr/>
+                </a:tc>
+                <a:tc>
+                  <a:txBody>
+                    <a:bodyPr/>
+                    <a:lstStyle/>
+                    <a:p>
+                      <a:pPr algn="ctr"/>
+                      <a:r>
+                        <a:rPr lang="en-US" sz="1000" dirty="0"/>
+                        <a:t>1365</a:t>
+                      </a:r>
+                      <a:endParaRPr lang="pt-BR" sz="1000" dirty="0"/>
+                    </a:p>
+                  </a:txBody>
+                  <a:tcPr/>
+                </a:tc>
+                <a:tc>
+                  <a:txBody>
+                    <a:bodyPr/>
+                    <a:lstStyle/>
+                    <a:p>
+                      <a:pPr algn="ctr"/>
+                      <a:r>
+                        <a:rPr lang="en-US" sz="1000" dirty="0"/>
+                        <a:t>45</a:t>
+                      </a:r>
+                      <a:endParaRPr lang="pt-BR" sz="1000" dirty="0"/>
+                    </a:p>
+                  </a:txBody>
+                  <a:tcPr/>
+                </a:tc>
+                <a:tc>
+                  <a:txBody>
+                    <a:bodyPr/>
+                    <a:lstStyle/>
+                    <a:p>
+                      <a:pPr algn="ctr"/>
+                      <a:r>
+                        <a:rPr lang="en-US" sz="1000" dirty="0"/>
+                        <a:t>495</a:t>
+                      </a:r>
+                      <a:endParaRPr lang="pt-BR" sz="1000" dirty="0"/>
+                    </a:p>
+                  </a:txBody>
+                  <a:tcPr/>
+                </a:tc>
+                <a:tc>
+                  <a:txBody>
+                    <a:bodyPr/>
+                    <a:lstStyle/>
+                    <a:p>
+                      <a:pPr algn="ctr"/>
+                      <a:r>
+                        <a:rPr lang="en-US" sz="1000" dirty="0">
+                          <a:solidFill>
+                            <a:srgbClr val="FF0000"/>
+                          </a:solidFill>
+                        </a:rPr>
+                        <a:t>-870</a:t>
+                      </a:r>
+                      <a:endParaRPr lang="pt-BR" sz="1000" dirty="0">
+                        <a:solidFill>
+                          <a:srgbClr val="FF0000"/>
+                        </a:solidFill>
+                      </a:endParaRPr>
+                    </a:p>
+                  </a:txBody>
+                  <a:tcPr/>
+                </a:tc>
+                <a:tc>
+                  <a:txBody>
+                    <a:bodyPr/>
+                    <a:lstStyle/>
+                    <a:p>
+                      <a:pPr algn="ctr"/>
+                      <a:r>
+                        <a:rPr lang="en-US" sz="1000" dirty="0">
+                          <a:solidFill>
+                            <a:srgbClr val="FF0000"/>
+                          </a:solidFill>
+                        </a:rPr>
+                        <a:t>-63,74</a:t>
+                      </a:r>
+                      <a:endParaRPr lang="pt-BR" sz="1000" dirty="0">
+                        <a:solidFill>
+                          <a:srgbClr val="FF0000"/>
+                        </a:solidFill>
+                      </a:endParaRPr>
+                    </a:p>
+                  </a:txBody>
+                  <a:tcPr/>
+                </a:tc>
+                <a:extLst>
+                  <a:ext uri="{0D108BD9-81ED-4DB2-BD59-A6C34878D82A}">
+                    <a16:rowId xmlns:a16="http://schemas.microsoft.com/office/drawing/2014/main" val="2063114966"/>
+                  </a:ext>
+                </a:extLst>
+              </a:tr>
+            </a:tbl>
           </a:graphicData>
         </a:graphic>
       </p:graphicFrame>
+      <p:sp>
+        <p:nvSpPr>
+          <p:cNvPr id="11" name="Espaço Reservado para Conteúdo 2">
+            <a:extLst>
+              <a:ext uri="{FF2B5EF4-FFF2-40B4-BE49-F238E27FC236}">
+                <a16:creationId xmlns:a16="http://schemas.microsoft.com/office/drawing/2014/main" id="{761735FC-1778-416D-AAC7-E02B9FA119DD}"/>
+              </a:ext>
+            </a:extLst>
+          </p:cNvPr>
+          <p:cNvSpPr txBox="1">
+            <a:spLocks/>
+          </p:cNvSpPr>
+          <p:nvPr/>
+        </p:nvSpPr>
+        <p:spPr>
+          <a:xfrm>
+            <a:off x="581192" y="5256438"/>
+            <a:ext cx="11029615" cy="1601562"/>
+          </a:xfrm>
+          <a:prstGeom prst="rect">
+            <a:avLst/>
+          </a:prstGeom>
+        </p:spPr>
+        <p:txBody>
+          <a:bodyPr vert="horz" lIns="91440" tIns="45720" rIns="91440" bIns="45720" rtlCol="0" anchor="t">
+            <a:normAutofit/>
+          </a:bodyPr>
+          <a:lstStyle>
+            <a:lvl1pPr marL="306000" indent="-306000" algn="l" defTabSz="457200" rtl="0" eaLnBrk="1" latinLnBrk="0" hangingPunct="1">
+              <a:lnSpc>
+                <a:spcPct val="110000"/>
+              </a:lnSpc>
+              <a:spcBef>
+                <a:spcPct val="20000"/>
+              </a:spcBef>
+              <a:spcAft>
+                <a:spcPts val="600"/>
+              </a:spcAft>
+              <a:buClr>
+                <a:schemeClr val="accent1"/>
+              </a:buClr>
+              <a:buSzPct val="92000"/>
+              <a:buFont typeface="Wingdings 2" panose="05020102010507070707" pitchFamily="18" charset="2"/>
+              <a:buChar char=""/>
+              <a:defRPr sz="1700" kern="1200">
+                <a:solidFill>
+                  <a:schemeClr val="tx1">
+                    <a:lumMod val="75000"/>
+                    <a:lumOff val="25000"/>
+                  </a:schemeClr>
+                </a:solidFill>
+                <a:latin typeface="+mn-lt"/>
+                <a:ea typeface="+mn-ea"/>
+                <a:cs typeface="+mn-cs"/>
+              </a:defRPr>
+            </a:lvl1pPr>
+            <a:lvl2pPr marL="630000" indent="-306000" algn="l" defTabSz="457200" rtl="0" eaLnBrk="1" latinLnBrk="0" hangingPunct="1">
+              <a:spcBef>
+                <a:spcPct val="20000"/>
+              </a:spcBef>
+              <a:spcAft>
+                <a:spcPts val="600"/>
+              </a:spcAft>
+              <a:buClr>
+                <a:schemeClr val="accent1"/>
+              </a:buClr>
+              <a:buSzPct val="92000"/>
+              <a:buFont typeface="Wingdings 2" panose="05020102010507070707" pitchFamily="18" charset="2"/>
+              <a:buChar char=""/>
+              <a:defRPr sz="1400" kern="1200">
+                <a:solidFill>
+                  <a:schemeClr val="tx1">
+                    <a:lumMod val="75000"/>
+                    <a:lumOff val="25000"/>
+                  </a:schemeClr>
+                </a:solidFill>
+                <a:latin typeface="+mn-lt"/>
+                <a:ea typeface="+mn-ea"/>
+                <a:cs typeface="+mn-cs"/>
+              </a:defRPr>
+            </a:lvl2pPr>
+            <a:lvl3pPr marL="900000" indent="-270000" algn="l" defTabSz="457200" rtl="0" eaLnBrk="1" latinLnBrk="0" hangingPunct="1">
+              <a:spcBef>
+                <a:spcPct val="20000"/>
+              </a:spcBef>
+              <a:spcAft>
+                <a:spcPts val="600"/>
+              </a:spcAft>
+              <a:buClr>
+                <a:schemeClr val="accent1"/>
+              </a:buClr>
+              <a:buSzPct val="92000"/>
+              <a:buFont typeface="Wingdings 2" panose="05020102010507070707" pitchFamily="18" charset="2"/>
+              <a:buChar char=""/>
+              <a:defRPr sz="1300" kern="1200">
+                <a:solidFill>
+                  <a:schemeClr val="tx1">
+                    <a:lumMod val="75000"/>
+                    <a:lumOff val="25000"/>
+                  </a:schemeClr>
+                </a:solidFill>
+                <a:latin typeface="+mn-lt"/>
+                <a:ea typeface="+mn-ea"/>
+                <a:cs typeface="+mn-cs"/>
+              </a:defRPr>
+            </a:lvl3pPr>
+            <a:lvl4pPr marL="1242000" indent="-234000" algn="l" defTabSz="457200" rtl="0" eaLnBrk="1" latinLnBrk="0" hangingPunct="1">
+              <a:spcBef>
+                <a:spcPct val="20000"/>
+              </a:spcBef>
+              <a:spcAft>
+                <a:spcPts val="600"/>
+              </a:spcAft>
+              <a:buClr>
+                <a:schemeClr val="accent1"/>
+              </a:buClr>
+              <a:buSzPct val="92000"/>
+              <a:buFont typeface="Wingdings 2" panose="05020102010507070707" pitchFamily="18" charset="2"/>
+              <a:buChar char=""/>
+              <a:defRPr sz="1100" kern="1200">
+                <a:solidFill>
+                  <a:schemeClr val="tx1">
+                    <a:lumMod val="75000"/>
+                    <a:lumOff val="25000"/>
+                  </a:schemeClr>
+                </a:solidFill>
+                <a:latin typeface="+mn-lt"/>
+                <a:ea typeface="+mn-ea"/>
+                <a:cs typeface="+mn-cs"/>
+              </a:defRPr>
+            </a:lvl4pPr>
+            <a:lvl5pPr marL="1602000" indent="-234000" algn="l" defTabSz="457200" rtl="0" eaLnBrk="1" latinLnBrk="0" hangingPunct="1">
+              <a:spcBef>
+                <a:spcPct val="20000"/>
+              </a:spcBef>
+              <a:spcAft>
+                <a:spcPts val="600"/>
+              </a:spcAft>
+              <a:buClr>
+                <a:schemeClr val="accent1"/>
+              </a:buClr>
+              <a:buSzPct val="92000"/>
+              <a:buFont typeface="Wingdings 2" panose="05020102010507070707" pitchFamily="18" charset="2"/>
+              <a:buChar char=""/>
+              <a:defRPr sz="1100" kern="1200">
+                <a:solidFill>
+                  <a:schemeClr val="tx1">
+                    <a:lumMod val="75000"/>
+                    <a:lumOff val="25000"/>
+                  </a:schemeClr>
+                </a:solidFill>
+                <a:latin typeface="+mn-lt"/>
+                <a:ea typeface="+mn-ea"/>
+                <a:cs typeface="+mn-cs"/>
+              </a:defRPr>
+            </a:lvl5pPr>
+            <a:lvl6pPr marL="1900000" indent="-228600" algn="l" defTabSz="457200" rtl="0" eaLnBrk="1" latinLnBrk="0" hangingPunct="1">
+              <a:spcBef>
+                <a:spcPct val="20000"/>
+              </a:spcBef>
+              <a:spcAft>
+                <a:spcPts val="600"/>
+              </a:spcAft>
+              <a:buClr>
+                <a:schemeClr val="accent2"/>
+              </a:buClr>
+              <a:buSzPct val="92000"/>
+              <a:buFont typeface="Wingdings 2" panose="05020102010507070707" pitchFamily="18" charset="2"/>
+              <a:buChar char=""/>
+              <a:defRPr sz="1200" kern="1200">
+                <a:solidFill>
+                  <a:schemeClr val="tx2"/>
+                </a:solidFill>
+                <a:latin typeface="+mn-lt"/>
+                <a:ea typeface="+mn-ea"/>
+                <a:cs typeface="+mn-cs"/>
+              </a:defRPr>
+            </a:lvl6pPr>
+            <a:lvl7pPr marL="2200000" indent="-228600" algn="l" defTabSz="457200" rtl="0" eaLnBrk="1" latinLnBrk="0" hangingPunct="1">
+              <a:spcBef>
+                <a:spcPct val="20000"/>
+              </a:spcBef>
+              <a:spcAft>
+                <a:spcPts val="600"/>
+              </a:spcAft>
+              <a:buClr>
+                <a:schemeClr val="accent2"/>
+              </a:buClr>
+              <a:buSzPct val="92000"/>
+              <a:buFont typeface="Wingdings 2" panose="05020102010507070707" pitchFamily="18" charset="2"/>
+              <a:buChar char=""/>
+              <a:defRPr sz="1200" kern="1200">
+                <a:solidFill>
+                  <a:schemeClr val="tx2"/>
+                </a:solidFill>
+                <a:latin typeface="+mn-lt"/>
+                <a:ea typeface="+mn-ea"/>
+                <a:cs typeface="+mn-cs"/>
+              </a:defRPr>
+            </a:lvl7pPr>
+            <a:lvl8pPr marL="2500000" indent="-228600" algn="l" defTabSz="457200" rtl="0" eaLnBrk="1" latinLnBrk="0" hangingPunct="1">
+              <a:spcBef>
+                <a:spcPct val="20000"/>
+              </a:spcBef>
+              <a:spcAft>
+                <a:spcPts val="600"/>
+              </a:spcAft>
+              <a:buClr>
+                <a:schemeClr val="accent2"/>
+              </a:buClr>
+              <a:buSzPct val="92000"/>
+              <a:buFont typeface="Wingdings 2" panose="05020102010507070707" pitchFamily="18" charset="2"/>
+              <a:buChar char=""/>
+              <a:defRPr sz="1200" kern="1200">
+                <a:solidFill>
+                  <a:schemeClr val="tx2"/>
+                </a:solidFill>
+                <a:latin typeface="+mn-lt"/>
+                <a:ea typeface="+mn-ea"/>
+                <a:cs typeface="+mn-cs"/>
+              </a:defRPr>
+            </a:lvl8pPr>
+            <a:lvl9pPr marL="2800000" indent="-228600" algn="l" defTabSz="457200" rtl="0" eaLnBrk="1" latinLnBrk="0" hangingPunct="1">
+              <a:spcBef>
+                <a:spcPct val="20000"/>
+              </a:spcBef>
+              <a:spcAft>
+                <a:spcPts val="600"/>
+              </a:spcAft>
+              <a:buClr>
+                <a:schemeClr val="accent2"/>
+              </a:buClr>
+              <a:buSzPct val="92000"/>
+              <a:buFont typeface="Wingdings 2" panose="05020102010507070707" pitchFamily="18" charset="2"/>
+              <a:buChar char=""/>
+              <a:defRPr sz="1200" kern="1200">
+                <a:solidFill>
+                  <a:schemeClr val="tx2"/>
+                </a:solidFill>
+                <a:latin typeface="+mn-lt"/>
+                <a:ea typeface="+mn-ea"/>
+                <a:cs typeface="+mn-cs"/>
+              </a:defRPr>
+            </a:lvl9pPr>
+          </a:lstStyle>
+          <a:p>
+            <a:pPr marL="0" indent="0" algn="just">
+              <a:lnSpc>
+                <a:spcPct val="100000"/>
+              </a:lnSpc>
+              <a:buFont typeface="Wingdings 2" panose="05020102010507070707" pitchFamily="18" charset="2"/>
+              <a:buNone/>
+            </a:pPr>
+            <a:r>
+              <a:rPr lang="en-US" dirty="0"/>
+              <a:t>	We can see that among the four groups, only one had a positive return of </a:t>
+            </a:r>
+            <a:r>
+              <a:rPr lang="en-US" b="1" dirty="0">
+                <a:solidFill>
+                  <a:srgbClr val="FF0000"/>
+                </a:solidFill>
+              </a:rPr>
+              <a:t>683MU</a:t>
+            </a:r>
+            <a:r>
+              <a:rPr lang="en-US" dirty="0"/>
+              <a:t>, where </a:t>
+            </a:r>
+            <a:r>
+              <a:rPr lang="en-US" b="1" dirty="0">
+                <a:solidFill>
+                  <a:srgbClr val="FF0000"/>
+                </a:solidFill>
+              </a:rPr>
+              <a:t>260</a:t>
+            </a:r>
+            <a:r>
+              <a:rPr lang="en-US" dirty="0"/>
+              <a:t> customers were contacted and </a:t>
+            </a:r>
+            <a:r>
+              <a:rPr lang="en-US" b="1" dirty="0">
+                <a:solidFill>
+                  <a:srgbClr val="FF0000"/>
+                </a:solidFill>
+              </a:rPr>
+              <a:t>133</a:t>
+            </a:r>
+            <a:r>
+              <a:rPr lang="en-US" dirty="0"/>
+              <a:t> gadgets were sold. If the campaign was made only with users in this group, the ROI would be </a:t>
+            </a:r>
+            <a:r>
+              <a:rPr lang="en-US" b="1" dirty="0">
+                <a:solidFill>
+                  <a:srgbClr val="FF0000"/>
+                </a:solidFill>
+              </a:rPr>
+              <a:t>87.56%</a:t>
+            </a:r>
+            <a:r>
+              <a:rPr lang="en-US" dirty="0"/>
+              <a:t>. Analyzing the characteristics of this group we have an idea of what makes it different from the others this group has higher medians in income, total spend, number of purchases and positive responses in previous marketing campaigns. We noticed that most of the clients in the group don't have children or teenagers at home</a:t>
+            </a:r>
+            <a:endParaRPr lang="pt-BR" dirty="0"/>
+          </a:p>
+        </p:txBody>
+      </p:sp>
+      <p:pic>
+        <p:nvPicPr>
+          <p:cNvPr id="17" name="Imagem 16">
+            <a:extLst>
+              <a:ext uri="{FF2B5EF4-FFF2-40B4-BE49-F238E27FC236}">
+                <a16:creationId xmlns:a16="http://schemas.microsoft.com/office/drawing/2014/main" id="{D7F598F2-F380-4F02-A4B3-8BD0162EACC6}"/>
+              </a:ext>
+            </a:extLst>
+          </p:cNvPr>
+          <p:cNvPicPr>
+            <a:picLocks noChangeAspect="1"/>
+          </p:cNvPicPr>
+          <p:nvPr/>
+        </p:nvPicPr>
+        <p:blipFill>
+          <a:blip r:embed="rId2"/>
+          <a:stretch>
+            <a:fillRect/>
+          </a:stretch>
+        </p:blipFill>
+        <p:spPr>
+          <a:xfrm>
+            <a:off x="7616089" y="1915064"/>
+            <a:ext cx="4202715" cy="3191774"/>
+          </a:xfrm>
+          <a:prstGeom prst="rect">
+            <a:avLst/>
+          </a:prstGeom>
+        </p:spPr>
+      </p:pic>
     </p:spTree>
     <p:extLst>
       <p:ext uri="{BB962C8B-B14F-4D97-AF65-F5344CB8AC3E}">
-        <p14:creationId xmlns:p14="http://schemas.microsoft.com/office/powerpoint/2010/main" val="263784652"/>
+        <p14:creationId xmlns:p14="http://schemas.microsoft.com/office/powerpoint/2010/main" val="2000981065"/>
       </p:ext>
     </p:extLst>
   </p:cSld>
@@ -13680,12 +11276,9 @@
 </file>
 
 <file path=customXml/item1.xml><?xml version="1.0" encoding="utf-8"?>
-<?mso-contentType ?>
-<FormTemplates xmlns="http://schemas.microsoft.com/sharepoint/v3/contenttype/forms">
-  <Display>DocumentLibraryForm</Display>
-  <Edit>DocumentLibraryForm</Edit>
-  <New>DocumentLibraryForm</New>
-</FormTemplates>
+<p:properties xmlns:p="http://schemas.microsoft.com/office/2006/metadata/properties" xmlns:xsi="http://www.w3.org/2001/XMLSchema-instance" xmlns:pc="http://schemas.microsoft.com/office/infopath/2007/PartnerControls">
+  <documentManagement/>
+</p:properties>
 </file>
 
 <file path=customXml/item2.xml><?xml version="1.0" encoding="utf-8"?>
@@ -13904,15 +11497,27 @@
 </file>
 
 <file path=customXml/item3.xml><?xml version="1.0" encoding="utf-8"?>
-<p:properties xmlns:p="http://schemas.microsoft.com/office/2006/metadata/properties" xmlns:xsi="http://www.w3.org/2001/XMLSchema-instance" xmlns:pc="http://schemas.microsoft.com/office/infopath/2007/PartnerControls">
-  <documentManagement/>
-</p:properties>
+<?mso-contentType ?>
+<FormTemplates xmlns="http://schemas.microsoft.com/sharepoint/v3/contenttype/forms">
+  <Display>DocumentLibraryForm</Display>
+  <Edit>DocumentLibraryForm</Edit>
+  <New>DocumentLibraryForm</New>
+</FormTemplates>
 </file>
 
 <file path=customXml/itemProps1.xml><?xml version="1.0" encoding="utf-8"?>
-<ds:datastoreItem xmlns:ds="http://schemas.openxmlformats.org/officeDocument/2006/customXml" ds:itemID="{9E04A035-B2FE-454D-A9B6-E33AF76005FD}">
+<ds:datastoreItem xmlns:ds="http://schemas.openxmlformats.org/officeDocument/2006/customXml" ds:itemID="{AA48C178-0C8C-4D4B-B38E-69BC14B01D0E}">
   <ds:schemaRefs>
-    <ds:schemaRef ds:uri="http://schemas.microsoft.com/sharepoint/v3/contenttype/forms"/>
+    <ds:schemaRef ds:uri="http://purl.org/dc/elements/1.1/"/>
+    <ds:schemaRef ds:uri="http://schemas.microsoft.com/office/2006/metadata/properties"/>
+    <ds:schemaRef ds:uri="http://purl.org/dc/terms/"/>
+    <ds:schemaRef ds:uri="http://schemas.openxmlformats.org/package/2006/metadata/core-properties"/>
+    <ds:schemaRef ds:uri="http://schemas.microsoft.com/office/2006/documentManagement/types"/>
+    <ds:schemaRef ds:uri="60f53fd5-2826-4ec0-b1b7-e5d662d21a63"/>
+    <ds:schemaRef ds:uri="http://schemas.microsoft.com/office/infopath/2007/PartnerControls"/>
+    <ds:schemaRef ds:uri="33b9004d-78d3-449b-a925-5a5d21e9380a"/>
+    <ds:schemaRef ds:uri="http://www.w3.org/XML/1998/namespace"/>
+    <ds:schemaRef ds:uri="http://purl.org/dc/dcmitype/"/>
   </ds:schemaRefs>
 </ds:datastoreItem>
 </file>
@@ -13937,18 +11542,9 @@
 </file>
 
 <file path=customXml/itemProps3.xml><?xml version="1.0" encoding="utf-8"?>
-<ds:datastoreItem xmlns:ds="http://schemas.openxmlformats.org/officeDocument/2006/customXml" ds:itemID="{AA48C178-0C8C-4D4B-B38E-69BC14B01D0E}">
+<ds:datastoreItem xmlns:ds="http://schemas.openxmlformats.org/officeDocument/2006/customXml" ds:itemID="{9E04A035-B2FE-454D-A9B6-E33AF76005FD}">
   <ds:schemaRefs>
-    <ds:schemaRef ds:uri="http://purl.org/dc/elements/1.1/"/>
-    <ds:schemaRef ds:uri="http://schemas.microsoft.com/office/2006/metadata/properties"/>
-    <ds:schemaRef ds:uri="http://purl.org/dc/terms/"/>
-    <ds:schemaRef ds:uri="http://schemas.openxmlformats.org/package/2006/metadata/core-properties"/>
-    <ds:schemaRef ds:uri="http://schemas.microsoft.com/office/2006/documentManagement/types"/>
-    <ds:schemaRef ds:uri="60f53fd5-2826-4ec0-b1b7-e5d662d21a63"/>
-    <ds:schemaRef ds:uri="http://schemas.microsoft.com/office/infopath/2007/PartnerControls"/>
-    <ds:schemaRef ds:uri="33b9004d-78d3-449b-a925-5a5d21e9380a"/>
-    <ds:schemaRef ds:uri="http://www.w3.org/XML/1998/namespace"/>
-    <ds:schemaRef ds:uri="http://purl.org/dc/dcmitype/"/>
+    <ds:schemaRef ds:uri="http://schemas.microsoft.com/sharepoint/v3/contenttype/forms"/>
   </ds:schemaRefs>
 </ds:datastoreItem>
 </file>
--- a/iFood Data Business Analyst Case.pptx
+++ b/iFood Data Business Analyst Case.pptx
@@ -224,7 +224,7 @@
             <a:pPr rtl="0"/>
             <a:fld id="{0ECB700D-7E1A-49E2-ABAD-092ACBACD43B}" type="datetime1">
               <a:rPr lang="pt-BR" smtClean="0"/>
-              <a:t>27/01/2022</a:t>
+              <a:t>28/01/2022</a:t>
             </a:fld>
             <a:endParaRPr lang="en-US" dirty="0"/>
           </a:p>
@@ -394,7 +394,7 @@
             <a:pPr rtl="0"/>
             <a:fld id="{F3E3353A-A592-44BD-B6AB-B98E47E0DF51}" type="datetime1">
               <a:rPr lang="pt-BR" smtClean="0"/>
-              <a:t>27/01/2022</a:t>
+              <a:t>28/01/2022</a:t>
             </a:fld>
             <a:endParaRPr lang="en-US"/>
           </a:p>
@@ -908,7 +908,7 @@
             <a:pPr rtl="0"/>
             <a:fld id="{00472D23-6933-4398-B088-86D87D4569A8}" type="datetime1">
               <a:rPr lang="pt-BR" smtClean="0"/>
-              <a:t>27/01/2022</a:t>
+              <a:t>28/01/2022</a:t>
             </a:fld>
             <a:endParaRPr lang="en-US" dirty="0"/>
           </a:p>
@@ -1115,7 +1115,7 @@
             <a:pPr rtl="0"/>
             <a:fld id="{C28CAC3A-C360-423D-8EE7-1FC8754818CB}" type="datetime1">
               <a:rPr lang="pt-BR" smtClean="0"/>
-              <a:t>27/01/2022</a:t>
+              <a:t>28/01/2022</a:t>
             </a:fld>
             <a:endParaRPr lang="en-US" dirty="0"/>
           </a:p>
@@ -1481,7 +1481,7 @@
             <a:pPr rtl="0"/>
             <a:fld id="{8BBA3C67-7F45-4D7A-B048-0542E838373B}" type="datetime1">
               <a:rPr lang="pt-BR" smtClean="0"/>
-              <a:t>27/01/2022</a:t>
+              <a:t>28/01/2022</a:t>
             </a:fld>
             <a:endParaRPr lang="en-US" dirty="0"/>
           </a:p>
@@ -1683,7 +1683,7 @@
             <a:pPr rtl="0"/>
             <a:fld id="{D6866A0C-EEE8-4DE1-9ECF-51EC9C0B8BE2}" type="datetime1">
               <a:rPr lang="pt-BR" smtClean="0"/>
-              <a:t>27/01/2022</a:t>
+              <a:t>28/01/2022</a:t>
             </a:fld>
             <a:endParaRPr lang="en-US" dirty="0"/>
           </a:p>
@@ -1999,7 +1999,7 @@
             <a:pPr rtl="0"/>
             <a:fld id="{C9F9B11C-AD18-4A04-821E-C5366FCA14C8}" type="datetime1">
               <a:rPr lang="pt-BR" smtClean="0"/>
-              <a:t>27/01/2022</a:t>
+              <a:t>28/01/2022</a:t>
             </a:fld>
             <a:endParaRPr lang="en-US" dirty="0"/>
           </a:p>
@@ -2256,7 +2256,7 @@
             <a:pPr rtl="0"/>
             <a:fld id="{B34586AC-0217-4567-B29B-23EE9A9222A5}" type="datetime1">
               <a:rPr lang="pt-BR" smtClean="0"/>
-              <a:t>27/01/2022</a:t>
+              <a:t>28/01/2022</a:t>
             </a:fld>
             <a:endParaRPr lang="en-US" dirty="0"/>
           </a:p>
@@ -2682,7 +2682,7 @@
             <a:pPr rtl="0"/>
             <a:fld id="{05EA9A4D-5B4A-4536-B4F3-3781F06B7402}" type="datetime1">
               <a:rPr lang="pt-BR" smtClean="0"/>
-              <a:t>27/01/2022</a:t>
+              <a:t>28/01/2022</a:t>
             </a:fld>
             <a:endParaRPr lang="en-US" dirty="0"/>
           </a:p>
@@ -2809,7 +2809,7 @@
             <a:pPr rtl="0"/>
             <a:fld id="{45D2EFA0-DD31-4334-BD97-CA68CA1EAF7D}" type="datetime1">
               <a:rPr lang="pt-BR" smtClean="0"/>
-              <a:t>27/01/2022</a:t>
+              <a:t>28/01/2022</a:t>
             </a:fld>
             <a:endParaRPr lang="en-US" dirty="0"/>
           </a:p>
@@ -2907,7 +2907,7 @@
             <a:pPr rtl="0"/>
             <a:fld id="{3422C804-0B7D-49A4-9AA4-17093ACFAE26}" type="datetime1">
               <a:rPr lang="pt-BR" smtClean="0"/>
-              <a:t>27/01/2022</a:t>
+              <a:t>28/01/2022</a:t>
             </a:fld>
             <a:endParaRPr lang="en-US" dirty="0"/>
           </a:p>
@@ -3288,7 +3288,7 @@
             <a:pPr rtl="0"/>
             <a:fld id="{F26C5998-667C-4083-8EAC-8B78C6E30EC5}" type="datetime1">
               <a:rPr lang="pt-BR" smtClean="0"/>
-              <a:t>27/01/2022</a:t>
+              <a:t>28/01/2022</a:t>
             </a:fld>
             <a:endParaRPr lang="en-US" dirty="0"/>
           </a:p>
@@ -3586,7 +3586,7 @@
             <a:pPr rtl="0"/>
             <a:fld id="{9CBC8F94-10C4-4E0E-B702-FA76FB225505}" type="datetime1">
               <a:rPr lang="pt-BR" smtClean="0"/>
-              <a:t>27/01/2022</a:t>
+              <a:t>28/01/2022</a:t>
             </a:fld>
             <a:endParaRPr lang="en-US" dirty="0"/>
           </a:p>
@@ -3804,7 +3804,7 @@
             <a:pPr rtl="0"/>
             <a:fld id="{ACCDFDDD-D174-442B-974C-2E7F8D4F71ED}" type="datetime1">
               <a:rPr lang="pt-BR" smtClean="0"/>
-              <a:t>27/01/2022</a:t>
+              <a:t>28/01/2022</a:t>
             </a:fld>
             <a:endParaRPr lang="en-US" dirty="0"/>
           </a:p>
@@ -4919,14 +4919,14 @@
             <a:pPr algn="just"/>
             <a:r>
               <a:rPr lang="en-US" dirty="0"/>
-              <a:t>Customer’s segmentation – RFM;</a:t>
+              <a:t>Customer segmentation – RFM;</a:t>
             </a:r>
           </a:p>
           <a:p>
             <a:pPr algn="just"/>
             <a:r>
               <a:rPr lang="en-US" dirty="0"/>
-              <a:t>Customer’s segmentation – Kmeans;</a:t>
+              <a:t>Customer segmentation – Kmeans;</a:t>
             </a:r>
           </a:p>
           <a:p>
@@ -6257,7 +6257,7 @@
           <a:p>
             <a:r>
               <a:rPr lang="en-US" dirty="0"/>
-              <a:t>CUSTOMER’s SEGMENTATION - RFM</a:t>
+              <a:t>CUSTOMER SEGMENTATION - RFM</a:t>
             </a:r>
             <a:endParaRPr lang="pt-BR" dirty="0"/>
           </a:p>
@@ -6315,11 +6315,17 @@
           <p:cNvGraphicFramePr>
             <a:graphicFrameLocks noGrp="1"/>
           </p:cNvGraphicFramePr>
-          <p:nvPr/>
+          <p:nvPr>
+            <p:extLst>
+              <p:ext uri="{D42A27DB-BD31-4B8C-83A1-F6EECF244321}">
+                <p14:modId xmlns:p14="http://schemas.microsoft.com/office/powerpoint/2010/main" val="4293446829"/>
+              </p:ext>
+            </p:extLst>
+          </p:nvPr>
         </p:nvGraphicFramePr>
         <p:xfrm>
-          <a:off x="1688756" y="3429000"/>
-          <a:ext cx="8515219" cy="1752600"/>
+          <a:off x="1035595" y="3468849"/>
+          <a:ext cx="10120807" cy="1752600"/>
         </p:xfrm>
         <a:graphic>
           <a:graphicData uri="http://schemas.openxmlformats.org/drawingml/2006/table">
@@ -6328,49 +6334,56 @@
                 <a:tableStyleId>{5C22544A-7EE6-4342-B048-85BDC9FD1C3A}</a:tableStyleId>
               </a:tblPr>
               <a:tblGrid>
-                <a:gridCol w="1045718">
+                <a:gridCol w="1562803">
+                  <a:extLst>
+                    <a:ext uri="{9D8B030D-6E8A-4147-A177-3AD203B41FA5}">
+                      <a16:colId xmlns:a16="http://schemas.microsoft.com/office/drawing/2014/main" val="2268772107"/>
+                    </a:ext>
+                  </a:extLst>
+                </a:gridCol>
+                <a:gridCol w="1142512">
                   <a:extLst>
                     <a:ext uri="{9D8B030D-6E8A-4147-A177-3AD203B41FA5}">
                       <a16:colId xmlns:a16="http://schemas.microsoft.com/office/drawing/2014/main" val="1184297618"/>
                     </a:ext>
                   </a:extLst>
                 </a:gridCol>
-                <a:gridCol w="1231709">
+                <a:gridCol w="1345719">
                   <a:extLst>
                     <a:ext uri="{9D8B030D-6E8A-4147-A177-3AD203B41FA5}">
                       <a16:colId xmlns:a16="http://schemas.microsoft.com/office/drawing/2014/main" val="2801897963"/>
                     </a:ext>
                   </a:extLst>
                 </a:gridCol>
-                <a:gridCol w="1583055">
+                <a:gridCol w="1333871">
                   <a:extLst>
                     <a:ext uri="{9D8B030D-6E8A-4147-A177-3AD203B41FA5}">
                       <a16:colId xmlns:a16="http://schemas.microsoft.com/office/drawing/2014/main" val="94964479"/>
                     </a:ext>
                   </a:extLst>
                 </a:gridCol>
-                <a:gridCol w="1279929">
+                <a:gridCol w="1328468">
                   <a:extLst>
                     <a:ext uri="{9D8B030D-6E8A-4147-A177-3AD203B41FA5}">
                       <a16:colId xmlns:a16="http://schemas.microsoft.com/office/drawing/2014/main" val="2891793350"/>
                     </a:ext>
                   </a:extLst>
                 </a:gridCol>
-                <a:gridCol w="1243914">
+                <a:gridCol w="1345721">
                   <a:extLst>
                     <a:ext uri="{9D8B030D-6E8A-4147-A177-3AD203B41FA5}">
                       <a16:colId xmlns:a16="http://schemas.microsoft.com/office/drawing/2014/main" val="3396614908"/>
                     </a:ext>
                   </a:extLst>
                 </a:gridCol>
-                <a:gridCol w="1103870">
+                <a:gridCol w="1216324">
                   <a:extLst>
                     <a:ext uri="{9D8B030D-6E8A-4147-A177-3AD203B41FA5}">
                       <a16:colId xmlns:a16="http://schemas.microsoft.com/office/drawing/2014/main" val="971049890"/>
                     </a:ext>
                   </a:extLst>
                 </a:gridCol>
-                <a:gridCol w="1027024">
+                <a:gridCol w="845389">
                   <a:extLst>
                     <a:ext uri="{9D8B030D-6E8A-4147-A177-3AD203B41FA5}">
                       <a16:colId xmlns:a16="http://schemas.microsoft.com/office/drawing/2014/main" val="1931934989"/>
@@ -6387,6 +6400,21 @@
                       <a:pPr algn="ctr"/>
                       <a:r>
                         <a:rPr lang="en-US" dirty="0"/>
+                        <a:t>Customer ID</a:t>
+                      </a:r>
+                      <a:endParaRPr lang="pt-BR" dirty="0"/>
+                    </a:p>
+                  </a:txBody>
+                  <a:tcPr/>
+                </a:tc>
+                <a:tc>
+                  <a:txBody>
+                    <a:bodyPr/>
+                    <a:lstStyle/>
+                    <a:p>
+                      <a:pPr algn="ctr"/>
+                      <a:r>
+                        <a:rPr lang="en-US" dirty="0"/>
                         <a:t>Recency</a:t>
                       </a:r>
                       <a:endParaRPr lang="pt-BR" dirty="0"/>
@@ -6498,6 +6526,20 @@
                     <a:p>
                       <a:pPr algn="ctr"/>
                       <a:r>
+                        <a:rPr lang="pt-BR" dirty="0"/>
+                        <a:t>4141</a:t>
+                      </a:r>
+                    </a:p>
+                  </a:txBody>
+                  <a:tcPr/>
+                </a:tc>
+                <a:tc>
+                  <a:txBody>
+                    <a:bodyPr/>
+                    <a:lstStyle/>
+                    <a:p>
+                      <a:pPr algn="ctr"/>
+                      <a:r>
                         <a:rPr lang="en-US" dirty="0"/>
                         <a:t>26</a:t>
                       </a:r>
@@ -6610,6 +6652,29 @@
                     <a:p>
                       <a:pPr algn="ctr"/>
                       <a:r>
+                        <a:rPr lang="pt-BR" sz="1800" b="0" i="0" kern="1200" dirty="0">
+                          <a:solidFill>
+                            <a:schemeClr val="dk1"/>
+                          </a:solidFill>
+                          <a:effectLst/>
+                          <a:latin typeface="+mn-lt"/>
+                          <a:ea typeface="+mn-ea"/>
+                          <a:cs typeface="+mn-cs"/>
+                        </a:rPr>
+                        <a:t>6182</a:t>
+                      </a:r>
+                      <a:endParaRPr lang="pt-BR" dirty="0"/>
+                    </a:p>
+                  </a:txBody>
+                  <a:tcPr/>
+                </a:tc>
+                <a:tc>
+                  <a:txBody>
+                    <a:bodyPr/>
+                    <a:lstStyle/>
+                    <a:p>
+                      <a:pPr algn="ctr"/>
+                      <a:r>
                         <a:rPr lang="en-US" dirty="0"/>
                         <a:t>26</a:t>
                       </a:r>
@@ -6715,6 +6780,29 @@
                 </a:extLst>
               </a:tr>
               <a:tr h="370840">
+                <a:tc>
+                  <a:txBody>
+                    <a:bodyPr/>
+                    <a:lstStyle/>
+                    <a:p>
+                      <a:pPr algn="ctr"/>
+                      <a:r>
+                        <a:rPr lang="pt-BR" sz="1800" b="0" i="0" kern="1200" dirty="0">
+                          <a:solidFill>
+                            <a:schemeClr val="dk1"/>
+                          </a:solidFill>
+                          <a:effectLst/>
+                          <a:latin typeface="+mn-lt"/>
+                          <a:ea typeface="+mn-ea"/>
+                          <a:cs typeface="+mn-cs"/>
+                        </a:rPr>
+                        <a:t>5324</a:t>
+                      </a:r>
+                      <a:endParaRPr lang="pt-BR" dirty="0"/>
+                    </a:p>
+                  </a:txBody>
+                  <a:tcPr/>
+                </a:tc>
                 <a:tc>
                   <a:txBody>
                     <a:bodyPr/>
@@ -6938,7 +7026,7 @@
           <a:p>
             <a:r>
               <a:rPr lang="en-US" dirty="0"/>
-              <a:t>CUSTOMER’s SEGMENTATION - RFM</a:t>
+              <a:t>CUSTOMER SEGMENTATION - RFM</a:t>
             </a:r>
             <a:endParaRPr lang="pt-BR" dirty="0"/>
           </a:p>
@@ -7452,7 +7540,7 @@
           <a:p>
             <a:r>
               <a:rPr lang="en-US" dirty="0"/>
-              <a:t>CUSTOMER’s SEGMENTATION - RFM</a:t>
+              <a:t>CUSTOMER SEGMENTATION - RFM</a:t>
             </a:r>
             <a:endParaRPr lang="pt-BR" dirty="0"/>
           </a:p>
@@ -9393,7 +9481,7 @@
           <a:p>
             <a:r>
               <a:rPr lang="en-US" dirty="0"/>
-              <a:t>CUSTOMER’s SEGMENTATION - KMEANS</a:t>
+              <a:t>CUSTOMER SEGMENTATION - KMEANS</a:t>
             </a:r>
             <a:endParaRPr lang="pt-BR" dirty="0"/>
           </a:p>
@@ -11276,12 +11364,6 @@
 </file>
 
 <file path=customXml/item1.xml><?xml version="1.0" encoding="utf-8"?>
-<p:properties xmlns:p="http://schemas.microsoft.com/office/2006/metadata/properties" xmlns:xsi="http://www.w3.org/2001/XMLSchema-instance" xmlns:pc="http://schemas.microsoft.com/office/infopath/2007/PartnerControls">
-  <documentManagement/>
-</p:properties>
-</file>
-
-<file path=customXml/item2.xml><?xml version="1.0" encoding="utf-8"?>
 <ct:contentTypeSchema xmlns:ct="http://schemas.microsoft.com/office/2006/metadata/contentType" xmlns:ma="http://schemas.microsoft.com/office/2006/metadata/properties/metaAttributes" ct:_="" ma:_="" ma:contentTypeName="Documento" ma:contentTypeID="0x0101003705642833BBA54B93B20B9FB13ACAD2" ma:contentTypeVersion="12" ma:contentTypeDescription="Crie um novo documento." ma:contentTypeScope="" ma:versionID="2fc20189d0649dce69e4d3cfaf0fe53f">
   <xsd:schema xmlns:xsd="http://www.w3.org/2001/XMLSchema" xmlns:xs="http://www.w3.org/2001/XMLSchema" xmlns:p="http://schemas.microsoft.com/office/2006/metadata/properties" xmlns:ns3="60f53fd5-2826-4ec0-b1b7-e5d662d21a63" xmlns:ns4="33b9004d-78d3-449b-a925-5a5d21e9380a" targetNamespace="http://schemas.microsoft.com/office/2006/metadata/properties" ma:root="true" ma:fieldsID="6d8afb4ffcf6800132ef2d423559f18c" ns3:_="" ns4:_="">
     <xsd:import namespace="60f53fd5-2826-4ec0-b1b7-e5d662d21a63"/>
@@ -11496,7 +11578,7 @@
 </ct:contentTypeSchema>
 </file>
 
-<file path=customXml/item3.xml><?xml version="1.0" encoding="utf-8"?>
+<file path=customXml/item2.xml><?xml version="1.0" encoding="utf-8"?>
 <?mso-contentType ?>
 <FormTemplates xmlns="http://schemas.microsoft.com/sharepoint/v3/contenttype/forms">
   <Display>DocumentLibraryForm</Display>
@@ -11505,24 +11587,13 @@
 </FormTemplates>
 </file>
 
-<file path=customXml/itemProps1.xml><?xml version="1.0" encoding="utf-8"?>
-<ds:datastoreItem xmlns:ds="http://schemas.openxmlformats.org/officeDocument/2006/customXml" ds:itemID="{AA48C178-0C8C-4D4B-B38E-69BC14B01D0E}">
-  <ds:schemaRefs>
-    <ds:schemaRef ds:uri="http://purl.org/dc/elements/1.1/"/>
-    <ds:schemaRef ds:uri="http://schemas.microsoft.com/office/2006/metadata/properties"/>
-    <ds:schemaRef ds:uri="http://purl.org/dc/terms/"/>
-    <ds:schemaRef ds:uri="http://schemas.openxmlformats.org/package/2006/metadata/core-properties"/>
-    <ds:schemaRef ds:uri="http://schemas.microsoft.com/office/2006/documentManagement/types"/>
-    <ds:schemaRef ds:uri="60f53fd5-2826-4ec0-b1b7-e5d662d21a63"/>
-    <ds:schemaRef ds:uri="http://schemas.microsoft.com/office/infopath/2007/PartnerControls"/>
-    <ds:schemaRef ds:uri="33b9004d-78d3-449b-a925-5a5d21e9380a"/>
-    <ds:schemaRef ds:uri="http://www.w3.org/XML/1998/namespace"/>
-    <ds:schemaRef ds:uri="http://purl.org/dc/dcmitype/"/>
-  </ds:schemaRefs>
-</ds:datastoreItem>
+<file path=customXml/item3.xml><?xml version="1.0" encoding="utf-8"?>
+<p:properties xmlns:p="http://schemas.microsoft.com/office/2006/metadata/properties" xmlns:xsi="http://www.w3.org/2001/XMLSchema-instance" xmlns:pc="http://schemas.microsoft.com/office/infopath/2007/PartnerControls">
+  <documentManagement/>
+</p:properties>
 </file>
 
-<file path=customXml/itemProps2.xml><?xml version="1.0" encoding="utf-8"?>
+<file path=customXml/itemProps1.xml><?xml version="1.0" encoding="utf-8"?>
 <ds:datastoreItem xmlns:ds="http://schemas.openxmlformats.org/officeDocument/2006/customXml" ds:itemID="{E8C11CBB-A7E7-4D24-B141-C23317986DAC}">
   <ds:schemaRefs>
     <ds:schemaRef ds:uri="http://schemas.microsoft.com/office/2006/metadata/contentType"/>
@@ -11541,10 +11612,27 @@
 </ds:datastoreItem>
 </file>
 
-<file path=customXml/itemProps3.xml><?xml version="1.0" encoding="utf-8"?>
+<file path=customXml/itemProps2.xml><?xml version="1.0" encoding="utf-8"?>
 <ds:datastoreItem xmlns:ds="http://schemas.openxmlformats.org/officeDocument/2006/customXml" ds:itemID="{9E04A035-B2FE-454D-A9B6-E33AF76005FD}">
   <ds:schemaRefs>
     <ds:schemaRef ds:uri="http://schemas.microsoft.com/sharepoint/v3/contenttype/forms"/>
   </ds:schemaRefs>
 </ds:datastoreItem>
+</file>
+
+<file path=customXml/itemProps3.xml><?xml version="1.0" encoding="utf-8"?>
+<ds:datastoreItem xmlns:ds="http://schemas.openxmlformats.org/officeDocument/2006/customXml" ds:itemID="{AA48C178-0C8C-4D4B-B38E-69BC14B01D0E}">
+  <ds:schemaRefs>
+    <ds:schemaRef ds:uri="http://purl.org/dc/elements/1.1/"/>
+    <ds:schemaRef ds:uri="http://schemas.microsoft.com/office/2006/metadata/properties"/>
+    <ds:schemaRef ds:uri="http://purl.org/dc/terms/"/>
+    <ds:schemaRef ds:uri="http://schemas.openxmlformats.org/package/2006/metadata/core-properties"/>
+    <ds:schemaRef ds:uri="http://schemas.microsoft.com/office/2006/documentManagement/types"/>
+    <ds:schemaRef ds:uri="60f53fd5-2826-4ec0-b1b7-e5d662d21a63"/>
+    <ds:schemaRef ds:uri="http://schemas.microsoft.com/office/infopath/2007/PartnerControls"/>
+    <ds:schemaRef ds:uri="33b9004d-78d3-449b-a925-5a5d21e9380a"/>
+    <ds:schemaRef ds:uri="http://www.w3.org/XML/1998/namespace"/>
+    <ds:schemaRef ds:uri="http://purl.org/dc/dcmitype/"/>
+  </ds:schemaRefs>
+</ds:datastoreItem>
 </file>
--- a/iFood Data Business Analyst Case.pptx
+++ b/iFood Data Business Analyst Case.pptx
@@ -5,10 +5,10 @@
     <p:sldMasterId id="2147483712" r:id="rId4"/>
   </p:sldMasterIdLst>
   <p:notesMasterIdLst>
-    <p:notesMasterId r:id="rId14"/>
+    <p:notesMasterId r:id="rId15"/>
   </p:notesMasterIdLst>
   <p:handoutMasterIdLst>
-    <p:handoutMasterId r:id="rId15"/>
+    <p:handoutMasterId r:id="rId16"/>
   </p:handoutMasterIdLst>
   <p:sldIdLst>
     <p:sldId id="257" r:id="rId5"/>
@@ -20,6 +20,7 @@
     <p:sldId id="264" r:id="rId11"/>
     <p:sldId id="266" r:id="rId12"/>
     <p:sldId id="268" r:id="rId13"/>
+    <p:sldId id="269" r:id="rId14"/>
   </p:sldIdLst>
   <p:sldSz cx="12192000" cy="6858000"/>
   <p:notesSz cx="6858000" cy="9144000"/>
@@ -224,7 +225,7 @@
             <a:pPr rtl="0"/>
             <a:fld id="{0ECB700D-7E1A-49E2-ABAD-092ACBACD43B}" type="datetime1">
               <a:rPr lang="pt-BR" smtClean="0"/>
-              <a:t>28/01/2022</a:t>
+              <a:t>30/01/2022</a:t>
             </a:fld>
             <a:endParaRPr lang="en-US" dirty="0"/>
           </a:p>
@@ -394,7 +395,7 @@
             <a:pPr rtl="0"/>
             <a:fld id="{F3E3353A-A592-44BD-B6AB-B98E47E0DF51}" type="datetime1">
               <a:rPr lang="pt-BR" smtClean="0"/>
-              <a:t>28/01/2022</a:t>
+              <a:t>30/01/2022</a:t>
             </a:fld>
             <a:endParaRPr lang="en-US"/>
           </a:p>
@@ -908,7 +909,7 @@
             <a:pPr rtl="0"/>
             <a:fld id="{00472D23-6933-4398-B088-86D87D4569A8}" type="datetime1">
               <a:rPr lang="pt-BR" smtClean="0"/>
-              <a:t>28/01/2022</a:t>
+              <a:t>30/01/2022</a:t>
             </a:fld>
             <a:endParaRPr lang="en-US" dirty="0"/>
           </a:p>
@@ -1115,7 +1116,7 @@
             <a:pPr rtl="0"/>
             <a:fld id="{C28CAC3A-C360-423D-8EE7-1FC8754818CB}" type="datetime1">
               <a:rPr lang="pt-BR" smtClean="0"/>
-              <a:t>28/01/2022</a:t>
+              <a:t>30/01/2022</a:t>
             </a:fld>
             <a:endParaRPr lang="en-US" dirty="0"/>
           </a:p>
@@ -1481,7 +1482,7 @@
             <a:pPr rtl="0"/>
             <a:fld id="{8BBA3C67-7F45-4D7A-B048-0542E838373B}" type="datetime1">
               <a:rPr lang="pt-BR" smtClean="0"/>
-              <a:t>28/01/2022</a:t>
+              <a:t>30/01/2022</a:t>
             </a:fld>
             <a:endParaRPr lang="en-US" dirty="0"/>
           </a:p>
@@ -1683,7 +1684,7 @@
             <a:pPr rtl="0"/>
             <a:fld id="{D6866A0C-EEE8-4DE1-9ECF-51EC9C0B8BE2}" type="datetime1">
               <a:rPr lang="pt-BR" smtClean="0"/>
-              <a:t>28/01/2022</a:t>
+              <a:t>30/01/2022</a:t>
             </a:fld>
             <a:endParaRPr lang="en-US" dirty="0"/>
           </a:p>
@@ -1999,7 +2000,7 @@
             <a:pPr rtl="0"/>
             <a:fld id="{C9F9B11C-AD18-4A04-821E-C5366FCA14C8}" type="datetime1">
               <a:rPr lang="pt-BR" smtClean="0"/>
-              <a:t>28/01/2022</a:t>
+              <a:t>30/01/2022</a:t>
             </a:fld>
             <a:endParaRPr lang="en-US" dirty="0"/>
           </a:p>
@@ -2256,7 +2257,7 @@
             <a:pPr rtl="0"/>
             <a:fld id="{B34586AC-0217-4567-B29B-23EE9A9222A5}" type="datetime1">
               <a:rPr lang="pt-BR" smtClean="0"/>
-              <a:t>28/01/2022</a:t>
+              <a:t>30/01/2022</a:t>
             </a:fld>
             <a:endParaRPr lang="en-US" dirty="0"/>
           </a:p>
@@ -2682,7 +2683,7 @@
             <a:pPr rtl="0"/>
             <a:fld id="{05EA9A4D-5B4A-4536-B4F3-3781F06B7402}" type="datetime1">
               <a:rPr lang="pt-BR" smtClean="0"/>
-              <a:t>28/01/2022</a:t>
+              <a:t>30/01/2022</a:t>
             </a:fld>
             <a:endParaRPr lang="en-US" dirty="0"/>
           </a:p>
@@ -2809,7 +2810,7 @@
             <a:pPr rtl="0"/>
             <a:fld id="{45D2EFA0-DD31-4334-BD97-CA68CA1EAF7D}" type="datetime1">
               <a:rPr lang="pt-BR" smtClean="0"/>
-              <a:t>28/01/2022</a:t>
+              <a:t>30/01/2022</a:t>
             </a:fld>
             <a:endParaRPr lang="en-US" dirty="0"/>
           </a:p>
@@ -2907,7 +2908,7 @@
             <a:pPr rtl="0"/>
             <a:fld id="{3422C804-0B7D-49A4-9AA4-17093ACFAE26}" type="datetime1">
               <a:rPr lang="pt-BR" smtClean="0"/>
-              <a:t>28/01/2022</a:t>
+              <a:t>30/01/2022</a:t>
             </a:fld>
             <a:endParaRPr lang="en-US" dirty="0"/>
           </a:p>
@@ -3288,7 +3289,7 @@
             <a:pPr rtl="0"/>
             <a:fld id="{F26C5998-667C-4083-8EAC-8B78C6E30EC5}" type="datetime1">
               <a:rPr lang="pt-BR" smtClean="0"/>
-              <a:t>28/01/2022</a:t>
+              <a:t>30/01/2022</a:t>
             </a:fld>
             <a:endParaRPr lang="en-US" dirty="0"/>
           </a:p>
@@ -3586,7 +3587,7 @@
             <a:pPr rtl="0"/>
             <a:fld id="{9CBC8F94-10C4-4E0E-B702-FA76FB225505}" type="datetime1">
               <a:rPr lang="pt-BR" smtClean="0"/>
-              <a:t>28/01/2022</a:t>
+              <a:t>30/01/2022</a:t>
             </a:fld>
             <a:endParaRPr lang="en-US" dirty="0"/>
           </a:p>
@@ -3804,7 +3805,7 @@
             <a:pPr rtl="0"/>
             <a:fld id="{ACCDFDDD-D174-442B-974C-2E7F8D4F71ED}" type="datetime1">
               <a:rPr lang="pt-BR" smtClean="0"/>
-              <a:t>28/01/2022</a:t>
+              <a:t>30/01/2022</a:t>
             </a:fld>
             <a:endParaRPr lang="en-US" dirty="0"/>
           </a:p>
@@ -4801,6 +4802,1160 @@
 </p:sld>
 </file>
 
+<file path=ppt/slides/slide10.xml><?xml version="1.0" encoding="utf-8"?>
+<p:sld xmlns:a="http://schemas.openxmlformats.org/drawingml/2006/main" xmlns:r="http://schemas.openxmlformats.org/officeDocument/2006/relationships" xmlns:p="http://schemas.openxmlformats.org/presentationml/2006/main">
+  <p:cSld>
+    <p:spTree>
+      <p:nvGrpSpPr>
+        <p:cNvPr id="1" name=""/>
+        <p:cNvGrpSpPr/>
+        <p:nvPr/>
+      </p:nvGrpSpPr>
+      <p:grpSpPr>
+        <a:xfrm>
+          <a:off x="0" y="0"/>
+          <a:ext cx="0" cy="0"/>
+          <a:chOff x="0" y="0"/>
+          <a:chExt cx="0" cy="0"/>
+        </a:xfrm>
+      </p:grpSpPr>
+      <p:sp>
+        <p:nvSpPr>
+          <p:cNvPr id="2" name="Título 1">
+            <a:extLst>
+              <a:ext uri="{FF2B5EF4-FFF2-40B4-BE49-F238E27FC236}">
+                <a16:creationId xmlns:a16="http://schemas.microsoft.com/office/drawing/2014/main" id="{F012136E-8FED-438A-8CCB-512AFF3ACFA6}"/>
+              </a:ext>
+            </a:extLst>
+          </p:cNvPr>
+          <p:cNvSpPr>
+            <a:spLocks noGrp="1"/>
+          </p:cNvSpPr>
+          <p:nvPr>
+            <p:ph type="title"/>
+          </p:nvPr>
+        </p:nvSpPr>
+        <p:spPr>
+          <a:xfrm>
+            <a:off x="581192" y="627276"/>
+            <a:ext cx="11029616" cy="574709"/>
+          </a:xfrm>
+        </p:spPr>
+        <p:txBody>
+          <a:bodyPr/>
+          <a:lstStyle/>
+          <a:p>
+            <a:r>
+              <a:rPr lang="en-US" dirty="0"/>
+              <a:t>CUSTOMER SEGMENTATION - KMEANS</a:t>
+            </a:r>
+            <a:endParaRPr lang="pt-BR" dirty="0"/>
+          </a:p>
+        </p:txBody>
+      </p:sp>
+      <p:sp>
+        <p:nvSpPr>
+          <p:cNvPr id="3" name="Espaço Reservado para Conteúdo 2">
+            <a:extLst>
+              <a:ext uri="{FF2B5EF4-FFF2-40B4-BE49-F238E27FC236}">
+                <a16:creationId xmlns:a16="http://schemas.microsoft.com/office/drawing/2014/main" id="{59DC1503-7258-49D9-8EED-3C1458E3B31B}"/>
+              </a:ext>
+            </a:extLst>
+          </p:cNvPr>
+          <p:cNvSpPr>
+            <a:spLocks noGrp="1"/>
+          </p:cNvSpPr>
+          <p:nvPr>
+            <p:ph idx="1"/>
+          </p:nvPr>
+        </p:nvSpPr>
+        <p:spPr>
+          <a:xfrm>
+            <a:off x="581192" y="1201985"/>
+            <a:ext cx="11029615" cy="993893"/>
+          </a:xfrm>
+        </p:spPr>
+        <p:txBody>
+          <a:bodyPr anchor="t"/>
+          <a:lstStyle/>
+          <a:p>
+            <a:pPr marL="0" indent="0" algn="just">
+              <a:lnSpc>
+                <a:spcPct val="100000"/>
+              </a:lnSpc>
+              <a:buNone/>
+            </a:pPr>
+            <a:r>
+              <a:rPr lang="en-US" dirty="0"/>
+              <a:t>	Another method we used to segment customers was Kmeans, which is able to separate samples in n groups of equal variance. According to the method used, the best number of groups to segment customers is four.</a:t>
+            </a:r>
+            <a:endParaRPr lang="pt-BR" dirty="0"/>
+          </a:p>
+        </p:txBody>
+      </p:sp>
+      <p:graphicFrame>
+        <p:nvGraphicFramePr>
+          <p:cNvPr id="9" name="Tabela 4">
+            <a:extLst>
+              <a:ext uri="{FF2B5EF4-FFF2-40B4-BE49-F238E27FC236}">
+                <a16:creationId xmlns:a16="http://schemas.microsoft.com/office/drawing/2014/main" id="{65BB3B53-4CC2-424E-A87F-4223BE509A38}"/>
+              </a:ext>
+            </a:extLst>
+          </p:cNvPr>
+          <p:cNvGraphicFramePr>
+            <a:graphicFrameLocks noGrp="1"/>
+          </p:cNvGraphicFramePr>
+          <p:nvPr/>
+        </p:nvGraphicFramePr>
+        <p:xfrm>
+          <a:off x="581192" y="2828187"/>
+          <a:ext cx="6228270" cy="1639876"/>
+        </p:xfrm>
+        <a:graphic>
+          <a:graphicData uri="http://schemas.openxmlformats.org/drawingml/2006/table">
+            <a:tbl>
+              <a:tblPr firstRow="1" bandRow="1">
+                <a:tableStyleId>{5C22544A-7EE6-4342-B048-85BDC9FD1C3A}</a:tableStyleId>
+              </a:tblPr>
+              <a:tblGrid>
+                <a:gridCol w="955352">
+                  <a:extLst>
+                    <a:ext uri="{9D8B030D-6E8A-4147-A177-3AD203B41FA5}">
+                      <a16:colId xmlns:a16="http://schemas.microsoft.com/office/drawing/2014/main" val="114632110"/>
+                    </a:ext>
+                  </a:extLst>
+                </a:gridCol>
+                <a:gridCol w="882985">
+                  <a:extLst>
+                    <a:ext uri="{9D8B030D-6E8A-4147-A177-3AD203B41FA5}">
+                      <a16:colId xmlns:a16="http://schemas.microsoft.com/office/drawing/2014/main" val="1255091777"/>
+                    </a:ext>
+                  </a:extLst>
+                </a:gridCol>
+                <a:gridCol w="899645">
+                  <a:extLst>
+                    <a:ext uri="{9D8B030D-6E8A-4147-A177-3AD203B41FA5}">
+                      <a16:colId xmlns:a16="http://schemas.microsoft.com/office/drawing/2014/main" val="703868818"/>
+                    </a:ext>
+                  </a:extLst>
+                </a:gridCol>
+                <a:gridCol w="857994">
+                  <a:extLst>
+                    <a:ext uri="{9D8B030D-6E8A-4147-A177-3AD203B41FA5}">
+                      <a16:colId xmlns:a16="http://schemas.microsoft.com/office/drawing/2014/main" val="2865480466"/>
+                    </a:ext>
+                  </a:extLst>
+                </a:gridCol>
+                <a:gridCol w="916305">
+                  <a:extLst>
+                    <a:ext uri="{9D8B030D-6E8A-4147-A177-3AD203B41FA5}">
+                      <a16:colId xmlns:a16="http://schemas.microsoft.com/office/drawing/2014/main" val="3654702531"/>
+                    </a:ext>
+                  </a:extLst>
+                </a:gridCol>
+                <a:gridCol w="899645">
+                  <a:extLst>
+                    <a:ext uri="{9D8B030D-6E8A-4147-A177-3AD203B41FA5}">
+                      <a16:colId xmlns:a16="http://schemas.microsoft.com/office/drawing/2014/main" val="3639110286"/>
+                    </a:ext>
+                  </a:extLst>
+                </a:gridCol>
+                <a:gridCol w="816344">
+                  <a:extLst>
+                    <a:ext uri="{9D8B030D-6E8A-4147-A177-3AD203B41FA5}">
+                      <a16:colId xmlns:a16="http://schemas.microsoft.com/office/drawing/2014/main" val="4028796748"/>
+                    </a:ext>
+                  </a:extLst>
+                </a:gridCol>
+              </a:tblGrid>
+              <a:tr h="310909">
+                <a:tc>
+                  <a:txBody>
+                    <a:bodyPr/>
+                    <a:lstStyle/>
+                    <a:p>
+                      <a:pPr algn="ctr"/>
+                      <a:r>
+                        <a:rPr lang="en-US" sz="1000" dirty="0"/>
+                        <a:t>Group number</a:t>
+                      </a:r>
+                      <a:endParaRPr lang="pt-BR" sz="1000" dirty="0"/>
+                    </a:p>
+                  </a:txBody>
+                  <a:tcPr/>
+                </a:tc>
+                <a:tc>
+                  <a:txBody>
+                    <a:bodyPr/>
+                    <a:lstStyle/>
+                    <a:p>
+                      <a:pPr algn="ctr"/>
+                      <a:r>
+                        <a:rPr lang="en-US" sz="1000" dirty="0"/>
+                        <a:t>Customers in the group</a:t>
+                      </a:r>
+                      <a:endParaRPr lang="pt-BR" sz="1000" dirty="0"/>
+                    </a:p>
+                  </a:txBody>
+                  <a:tcPr/>
+                </a:tc>
+                <a:tc>
+                  <a:txBody>
+                    <a:bodyPr/>
+                    <a:lstStyle/>
+                    <a:p>
+                      <a:pPr algn="ctr"/>
+                      <a:r>
+                        <a:rPr lang="en-US" sz="1000" dirty="0"/>
+                        <a:t>Campaign cost (MU)</a:t>
+                      </a:r>
+                      <a:endParaRPr lang="pt-BR" sz="1000" dirty="0"/>
+                    </a:p>
+                  </a:txBody>
+                  <a:tcPr/>
+                </a:tc>
+                <a:tc>
+                  <a:txBody>
+                    <a:bodyPr/>
+                    <a:lstStyle/>
+                    <a:p>
+                      <a:pPr algn="ctr"/>
+                      <a:r>
+                        <a:rPr lang="en-US" sz="1000" dirty="0"/>
+                        <a:t>Sold gadgets</a:t>
+                      </a:r>
+                      <a:endParaRPr lang="pt-BR" sz="1000" dirty="0"/>
+                    </a:p>
+                  </a:txBody>
+                  <a:tcPr/>
+                </a:tc>
+                <a:tc>
+                  <a:txBody>
+                    <a:bodyPr/>
+                    <a:lstStyle/>
+                    <a:p>
+                      <a:pPr algn="ctr"/>
+                      <a:r>
+                        <a:rPr lang="en-US" sz="1000" dirty="0"/>
+                        <a:t>Campaign revenue (MU)</a:t>
+                      </a:r>
+                      <a:endParaRPr lang="pt-BR" sz="1000" dirty="0"/>
+                    </a:p>
+                  </a:txBody>
+                  <a:tcPr/>
+                </a:tc>
+                <a:tc>
+                  <a:txBody>
+                    <a:bodyPr/>
+                    <a:lstStyle/>
+                    <a:p>
+                      <a:pPr algn="ctr"/>
+                      <a:r>
+                        <a:rPr lang="en-US" sz="1000" dirty="0"/>
+                        <a:t>Profit (MU)</a:t>
+                      </a:r>
+                      <a:endParaRPr lang="pt-BR" sz="1000" dirty="0"/>
+                    </a:p>
+                  </a:txBody>
+                  <a:tcPr/>
+                </a:tc>
+                <a:tc>
+                  <a:txBody>
+                    <a:bodyPr/>
+                    <a:lstStyle/>
+                    <a:p>
+                      <a:pPr algn="ctr"/>
+                      <a:r>
+                        <a:rPr lang="en-US" sz="1000" dirty="0"/>
+                        <a:t>ROI(%)</a:t>
+                      </a:r>
+                      <a:endParaRPr lang="pt-BR" sz="1000" dirty="0"/>
+                    </a:p>
+                  </a:txBody>
+                  <a:tcPr/>
+                </a:tc>
+                <a:extLst>
+                  <a:ext uri="{0D108BD9-81ED-4DB2-BD59-A6C34878D82A}">
+                    <a16:rowId xmlns:a16="http://schemas.microsoft.com/office/drawing/2014/main" val="2221233524"/>
+                  </a:ext>
+                </a:extLst>
+              </a:tr>
+              <a:tr h="310909">
+                <a:tc>
+                  <a:txBody>
+                    <a:bodyPr/>
+                    <a:lstStyle/>
+                    <a:p>
+                      <a:pPr algn="ctr"/>
+                      <a:r>
+                        <a:rPr lang="en-US" sz="1000" dirty="0"/>
+                        <a:t>0</a:t>
+                      </a:r>
+                      <a:endParaRPr lang="pt-BR" sz="1000" dirty="0"/>
+                    </a:p>
+                  </a:txBody>
+                  <a:tcPr/>
+                </a:tc>
+                <a:tc>
+                  <a:txBody>
+                    <a:bodyPr/>
+                    <a:lstStyle/>
+                    <a:p>
+                      <a:pPr algn="ctr"/>
+                      <a:r>
+                        <a:rPr lang="en-US" sz="1000" dirty="0"/>
+                        <a:t>1038</a:t>
+                      </a:r>
+                      <a:endParaRPr lang="pt-BR" sz="1000" dirty="0"/>
+                    </a:p>
+                  </a:txBody>
+                  <a:tcPr/>
+                </a:tc>
+                <a:tc>
+                  <a:txBody>
+                    <a:bodyPr/>
+                    <a:lstStyle/>
+                    <a:p>
+                      <a:pPr algn="ctr"/>
+                      <a:r>
+                        <a:rPr lang="en-US" sz="1000" dirty="0"/>
+                        <a:t>3114</a:t>
+                      </a:r>
+                      <a:endParaRPr lang="pt-BR" sz="1000" dirty="0"/>
+                    </a:p>
+                  </a:txBody>
+                  <a:tcPr/>
+                </a:tc>
+                <a:tc>
+                  <a:txBody>
+                    <a:bodyPr/>
+                    <a:lstStyle/>
+                    <a:p>
+                      <a:pPr algn="ctr"/>
+                      <a:r>
+                        <a:rPr lang="en-US" sz="1000" dirty="0"/>
+                        <a:t>91</a:t>
+                      </a:r>
+                      <a:endParaRPr lang="pt-BR" sz="1000" dirty="0"/>
+                    </a:p>
+                  </a:txBody>
+                  <a:tcPr/>
+                </a:tc>
+                <a:tc>
+                  <a:txBody>
+                    <a:bodyPr/>
+                    <a:lstStyle/>
+                    <a:p>
+                      <a:pPr algn="ctr"/>
+                      <a:r>
+                        <a:rPr lang="en-US" sz="1000" dirty="0"/>
+                        <a:t>1001</a:t>
+                      </a:r>
+                      <a:endParaRPr lang="pt-BR" sz="1000" dirty="0"/>
+                    </a:p>
+                  </a:txBody>
+                  <a:tcPr/>
+                </a:tc>
+                <a:tc>
+                  <a:txBody>
+                    <a:bodyPr/>
+                    <a:lstStyle/>
+                    <a:p>
+                      <a:pPr algn="ctr"/>
+                      <a:r>
+                        <a:rPr lang="en-US" sz="1000" dirty="0">
+                          <a:solidFill>
+                            <a:srgbClr val="FF0000"/>
+                          </a:solidFill>
+                        </a:rPr>
+                        <a:t>-2113</a:t>
+                      </a:r>
+                      <a:endParaRPr lang="pt-BR" sz="1000" dirty="0">
+                        <a:solidFill>
+                          <a:srgbClr val="FF0000"/>
+                        </a:solidFill>
+                      </a:endParaRPr>
+                    </a:p>
+                  </a:txBody>
+                  <a:tcPr/>
+                </a:tc>
+                <a:tc>
+                  <a:txBody>
+                    <a:bodyPr/>
+                    <a:lstStyle/>
+                    <a:p>
+                      <a:pPr algn="ctr"/>
+                      <a:r>
+                        <a:rPr lang="en-US" sz="1000" dirty="0">
+                          <a:solidFill>
+                            <a:srgbClr val="FF0000"/>
+                          </a:solidFill>
+                        </a:rPr>
+                        <a:t>-67,85</a:t>
+                      </a:r>
+                      <a:endParaRPr lang="pt-BR" sz="1000" dirty="0">
+                        <a:solidFill>
+                          <a:srgbClr val="FF0000"/>
+                        </a:solidFill>
+                      </a:endParaRPr>
+                    </a:p>
+                  </a:txBody>
+                  <a:tcPr/>
+                </a:tc>
+                <a:extLst>
+                  <a:ext uri="{0D108BD9-81ED-4DB2-BD59-A6C34878D82A}">
+                    <a16:rowId xmlns:a16="http://schemas.microsoft.com/office/drawing/2014/main" val="2884584074"/>
+                  </a:ext>
+                </a:extLst>
+              </a:tr>
+              <a:tr h="310909">
+                <a:tc>
+                  <a:txBody>
+                    <a:bodyPr/>
+                    <a:lstStyle/>
+                    <a:p>
+                      <a:pPr algn="ctr"/>
+                      <a:r>
+                        <a:rPr lang="en-US" sz="1000" dirty="0"/>
+                        <a:t>1</a:t>
+                      </a:r>
+                      <a:endParaRPr lang="pt-BR" sz="1000" dirty="0"/>
+                    </a:p>
+                  </a:txBody>
+                  <a:tcPr/>
+                </a:tc>
+                <a:tc>
+                  <a:txBody>
+                    <a:bodyPr/>
+                    <a:lstStyle/>
+                    <a:p>
+                      <a:pPr algn="ctr"/>
+                      <a:r>
+                        <a:rPr lang="en-US" sz="1000" dirty="0"/>
+                        <a:t>579</a:t>
+                      </a:r>
+                      <a:endParaRPr lang="pt-BR" sz="1000" dirty="0"/>
+                    </a:p>
+                  </a:txBody>
+                  <a:tcPr/>
+                </a:tc>
+                <a:tc>
+                  <a:txBody>
+                    <a:bodyPr/>
+                    <a:lstStyle/>
+                    <a:p>
+                      <a:pPr algn="ctr"/>
+                      <a:r>
+                        <a:rPr lang="en-US" sz="1000" dirty="0"/>
+                        <a:t>1737</a:t>
+                      </a:r>
+                      <a:endParaRPr lang="pt-BR" sz="1000" dirty="0"/>
+                    </a:p>
+                  </a:txBody>
+                  <a:tcPr/>
+                </a:tc>
+                <a:tc>
+                  <a:txBody>
+                    <a:bodyPr/>
+                    <a:lstStyle/>
+                    <a:p>
+                      <a:pPr algn="ctr"/>
+                      <a:r>
+                        <a:rPr lang="en-US" sz="1000" dirty="0"/>
+                        <a:t>70</a:t>
+                      </a:r>
+                      <a:endParaRPr lang="pt-BR" sz="1000" dirty="0"/>
+                    </a:p>
+                  </a:txBody>
+                  <a:tcPr/>
+                </a:tc>
+                <a:tc>
+                  <a:txBody>
+                    <a:bodyPr/>
+                    <a:lstStyle/>
+                    <a:p>
+                      <a:pPr algn="ctr"/>
+                      <a:r>
+                        <a:rPr lang="en-US" sz="1000" dirty="0"/>
+                        <a:t>770</a:t>
+                      </a:r>
+                      <a:endParaRPr lang="pt-BR" sz="1000" dirty="0"/>
+                    </a:p>
+                  </a:txBody>
+                  <a:tcPr/>
+                </a:tc>
+                <a:tc>
+                  <a:txBody>
+                    <a:bodyPr/>
+                    <a:lstStyle/>
+                    <a:p>
+                      <a:pPr algn="ctr"/>
+                      <a:r>
+                        <a:rPr lang="en-US" sz="1000" dirty="0">
+                          <a:solidFill>
+                            <a:srgbClr val="FF0000"/>
+                          </a:solidFill>
+                        </a:rPr>
+                        <a:t>-967</a:t>
+                      </a:r>
+                      <a:endParaRPr lang="pt-BR" sz="1000" dirty="0">
+                        <a:solidFill>
+                          <a:srgbClr val="FF0000"/>
+                        </a:solidFill>
+                      </a:endParaRPr>
+                    </a:p>
+                  </a:txBody>
+                  <a:tcPr/>
+                </a:tc>
+                <a:tc>
+                  <a:txBody>
+                    <a:bodyPr/>
+                    <a:lstStyle/>
+                    <a:p>
+                      <a:pPr algn="ctr"/>
+                      <a:r>
+                        <a:rPr lang="en-US" sz="1000" dirty="0">
+                          <a:solidFill>
+                            <a:srgbClr val="FF0000"/>
+                          </a:solidFill>
+                        </a:rPr>
+                        <a:t>-55,67</a:t>
+                      </a:r>
+                      <a:endParaRPr lang="pt-BR" sz="1000" dirty="0">
+                        <a:solidFill>
+                          <a:srgbClr val="FF0000"/>
+                        </a:solidFill>
+                      </a:endParaRPr>
+                    </a:p>
+                  </a:txBody>
+                  <a:tcPr/>
+                </a:tc>
+                <a:extLst>
+                  <a:ext uri="{0D108BD9-81ED-4DB2-BD59-A6C34878D82A}">
+                    <a16:rowId xmlns:a16="http://schemas.microsoft.com/office/drawing/2014/main" val="837419484"/>
+                  </a:ext>
+                </a:extLst>
+              </a:tr>
+              <a:tr h="310909">
+                <a:tc>
+                  <a:txBody>
+                    <a:bodyPr/>
+                    <a:lstStyle/>
+                    <a:p>
+                      <a:pPr algn="ctr"/>
+                      <a:r>
+                        <a:rPr lang="en-US" sz="1000" dirty="0"/>
+                        <a:t>2</a:t>
+                      </a:r>
+                      <a:endParaRPr lang="pt-BR" sz="1000" dirty="0"/>
+                    </a:p>
+                  </a:txBody>
+                  <a:tcPr/>
+                </a:tc>
+                <a:tc>
+                  <a:txBody>
+                    <a:bodyPr/>
+                    <a:lstStyle/>
+                    <a:p>
+                      <a:pPr algn="ctr"/>
+                      <a:r>
+                        <a:rPr lang="en-US" sz="1000" dirty="0"/>
+                        <a:t>501</a:t>
+                      </a:r>
+                      <a:endParaRPr lang="pt-BR" sz="1000" dirty="0"/>
+                    </a:p>
+                  </a:txBody>
+                  <a:tcPr/>
+                </a:tc>
+                <a:tc>
+                  <a:txBody>
+                    <a:bodyPr/>
+                    <a:lstStyle/>
+                    <a:p>
+                      <a:pPr algn="ctr"/>
+                      <a:r>
+                        <a:rPr lang="en-US" sz="1000" dirty="0"/>
+                        <a:t>1503</a:t>
+                      </a:r>
+                      <a:endParaRPr lang="pt-BR" sz="1000" dirty="0"/>
+                    </a:p>
+                  </a:txBody>
+                  <a:tcPr/>
+                </a:tc>
+                <a:tc>
+                  <a:txBody>
+                    <a:bodyPr/>
+                    <a:lstStyle/>
+                    <a:p>
+                      <a:pPr algn="ctr"/>
+                      <a:r>
+                        <a:rPr lang="en-US" sz="1000" dirty="0"/>
+                        <a:t>94</a:t>
+                      </a:r>
+                      <a:endParaRPr lang="pt-BR" sz="1000" dirty="0"/>
+                    </a:p>
+                  </a:txBody>
+                  <a:tcPr/>
+                </a:tc>
+                <a:tc>
+                  <a:txBody>
+                    <a:bodyPr/>
+                    <a:lstStyle/>
+                    <a:p>
+                      <a:pPr algn="ctr"/>
+                      <a:r>
+                        <a:rPr lang="en-US" sz="1000" dirty="0"/>
+                        <a:t>1034</a:t>
+                      </a:r>
+                      <a:endParaRPr lang="pt-BR" sz="1000" dirty="0"/>
+                    </a:p>
+                  </a:txBody>
+                  <a:tcPr/>
+                </a:tc>
+                <a:tc>
+                  <a:txBody>
+                    <a:bodyPr/>
+                    <a:lstStyle/>
+                    <a:p>
+                      <a:pPr algn="ctr"/>
+                      <a:r>
+                        <a:rPr lang="en-US" sz="1000" dirty="0">
+                          <a:solidFill>
+                            <a:srgbClr val="FF0000"/>
+                          </a:solidFill>
+                        </a:rPr>
+                        <a:t>-469</a:t>
+                      </a:r>
+                      <a:endParaRPr lang="pt-BR" sz="1000" dirty="0">
+                        <a:solidFill>
+                          <a:srgbClr val="FF0000"/>
+                        </a:solidFill>
+                      </a:endParaRPr>
+                    </a:p>
+                  </a:txBody>
+                  <a:tcPr/>
+                </a:tc>
+                <a:tc>
+                  <a:txBody>
+                    <a:bodyPr/>
+                    <a:lstStyle/>
+                    <a:p>
+                      <a:pPr algn="ctr"/>
+                      <a:r>
+                        <a:rPr lang="en-US" sz="1000" dirty="0">
+                          <a:solidFill>
+                            <a:srgbClr val="FF0000"/>
+                          </a:solidFill>
+                        </a:rPr>
+                        <a:t>-31,20</a:t>
+                      </a:r>
+                      <a:endParaRPr lang="pt-BR" sz="1000" dirty="0">
+                        <a:solidFill>
+                          <a:srgbClr val="FF0000"/>
+                        </a:solidFill>
+                      </a:endParaRPr>
+                    </a:p>
+                  </a:txBody>
+                  <a:tcPr/>
+                </a:tc>
+                <a:extLst>
+                  <a:ext uri="{0D108BD9-81ED-4DB2-BD59-A6C34878D82A}">
+                    <a16:rowId xmlns:a16="http://schemas.microsoft.com/office/drawing/2014/main" val="1206114342"/>
+                  </a:ext>
+                </a:extLst>
+              </a:tr>
+              <a:tr h="310909">
+                <a:tc>
+                  <a:txBody>
+                    <a:bodyPr/>
+                    <a:lstStyle/>
+                    <a:p>
+                      <a:pPr algn="ctr"/>
+                      <a:r>
+                        <a:rPr lang="en-US" sz="1000" dirty="0"/>
+                        <a:t>3</a:t>
+                      </a:r>
+                      <a:endParaRPr lang="pt-BR" sz="1000" dirty="0"/>
+                    </a:p>
+                  </a:txBody>
+                  <a:tcPr/>
+                </a:tc>
+                <a:tc>
+                  <a:txBody>
+                    <a:bodyPr/>
+                    <a:lstStyle/>
+                    <a:p>
+                      <a:pPr algn="ctr"/>
+                      <a:r>
+                        <a:rPr lang="en-US" sz="1000" dirty="0"/>
+                        <a:t>121</a:t>
+                      </a:r>
+                      <a:endParaRPr lang="pt-BR" sz="1000" dirty="0"/>
+                    </a:p>
+                  </a:txBody>
+                  <a:tcPr/>
+                </a:tc>
+                <a:tc>
+                  <a:txBody>
+                    <a:bodyPr/>
+                    <a:lstStyle/>
+                    <a:p>
+                      <a:pPr algn="ctr"/>
+                      <a:r>
+                        <a:rPr lang="en-US" sz="1000" dirty="0"/>
+                        <a:t>363</a:t>
+                      </a:r>
+                      <a:endParaRPr lang="pt-BR" sz="1000" dirty="0"/>
+                    </a:p>
+                  </a:txBody>
+                  <a:tcPr/>
+                </a:tc>
+                <a:tc>
+                  <a:txBody>
+                    <a:bodyPr/>
+                    <a:lstStyle/>
+                    <a:p>
+                      <a:pPr algn="ctr"/>
+                      <a:r>
+                        <a:rPr lang="en-US" sz="1000" dirty="0"/>
+                        <a:t>79</a:t>
+                      </a:r>
+                      <a:endParaRPr lang="pt-BR" sz="1000" dirty="0"/>
+                    </a:p>
+                  </a:txBody>
+                  <a:tcPr/>
+                </a:tc>
+                <a:tc>
+                  <a:txBody>
+                    <a:bodyPr/>
+                    <a:lstStyle/>
+                    <a:p>
+                      <a:pPr algn="ctr"/>
+                      <a:r>
+                        <a:rPr lang="en-US" sz="1000" dirty="0"/>
+                        <a:t>869</a:t>
+                      </a:r>
+                      <a:endParaRPr lang="pt-BR" sz="1000" dirty="0"/>
+                    </a:p>
+                  </a:txBody>
+                  <a:tcPr/>
+                </a:tc>
+                <a:tc>
+                  <a:txBody>
+                    <a:bodyPr/>
+                    <a:lstStyle/>
+                    <a:p>
+                      <a:pPr algn="ctr"/>
+                      <a:r>
+                        <a:rPr lang="en-US" sz="1000" dirty="0">
+                          <a:solidFill>
+                            <a:srgbClr val="00B050"/>
+                          </a:solidFill>
+                        </a:rPr>
+                        <a:t>506</a:t>
+                      </a:r>
+                      <a:endParaRPr lang="pt-BR" sz="1000" dirty="0">
+                        <a:solidFill>
+                          <a:srgbClr val="00B050"/>
+                        </a:solidFill>
+                      </a:endParaRPr>
+                    </a:p>
+                  </a:txBody>
+                  <a:tcPr/>
+                </a:tc>
+                <a:tc>
+                  <a:txBody>
+                    <a:bodyPr/>
+                    <a:lstStyle/>
+                    <a:p>
+                      <a:pPr algn="ctr"/>
+                      <a:r>
+                        <a:rPr lang="en-US" sz="1000" dirty="0">
+                          <a:solidFill>
+                            <a:srgbClr val="00B050"/>
+                          </a:solidFill>
+                        </a:rPr>
+                        <a:t>139,39</a:t>
+                      </a:r>
+                      <a:endParaRPr lang="pt-BR" sz="1000" dirty="0">
+                        <a:solidFill>
+                          <a:srgbClr val="00B050"/>
+                        </a:solidFill>
+                      </a:endParaRPr>
+                    </a:p>
+                  </a:txBody>
+                  <a:tcPr/>
+                </a:tc>
+                <a:extLst>
+                  <a:ext uri="{0D108BD9-81ED-4DB2-BD59-A6C34878D82A}">
+                    <a16:rowId xmlns:a16="http://schemas.microsoft.com/office/drawing/2014/main" val="2063114966"/>
+                  </a:ext>
+                </a:extLst>
+              </a:tr>
+            </a:tbl>
+          </a:graphicData>
+        </a:graphic>
+      </p:graphicFrame>
+      <p:sp>
+        <p:nvSpPr>
+          <p:cNvPr id="11" name="Espaço Reservado para Conteúdo 2">
+            <a:extLst>
+              <a:ext uri="{FF2B5EF4-FFF2-40B4-BE49-F238E27FC236}">
+                <a16:creationId xmlns:a16="http://schemas.microsoft.com/office/drawing/2014/main" id="{761735FC-1778-416D-AAC7-E02B9FA119DD}"/>
+              </a:ext>
+            </a:extLst>
+          </p:cNvPr>
+          <p:cNvSpPr txBox="1">
+            <a:spLocks/>
+          </p:cNvSpPr>
+          <p:nvPr/>
+        </p:nvSpPr>
+        <p:spPr>
+          <a:xfrm>
+            <a:off x="581192" y="5256438"/>
+            <a:ext cx="11029615" cy="1601562"/>
+          </a:xfrm>
+          <a:prstGeom prst="rect">
+            <a:avLst/>
+          </a:prstGeom>
+        </p:spPr>
+        <p:txBody>
+          <a:bodyPr vert="horz" lIns="91440" tIns="45720" rIns="91440" bIns="45720" rtlCol="0" anchor="t">
+            <a:normAutofit/>
+          </a:bodyPr>
+          <a:lstStyle>
+            <a:lvl1pPr marL="306000" indent="-306000" algn="l" defTabSz="457200" rtl="0" eaLnBrk="1" latinLnBrk="0" hangingPunct="1">
+              <a:lnSpc>
+                <a:spcPct val="110000"/>
+              </a:lnSpc>
+              <a:spcBef>
+                <a:spcPct val="20000"/>
+              </a:spcBef>
+              <a:spcAft>
+                <a:spcPts val="600"/>
+              </a:spcAft>
+              <a:buClr>
+                <a:schemeClr val="accent1"/>
+              </a:buClr>
+              <a:buSzPct val="92000"/>
+              <a:buFont typeface="Wingdings 2" panose="05020102010507070707" pitchFamily="18" charset="2"/>
+              <a:buChar char=""/>
+              <a:defRPr sz="1700" kern="1200">
+                <a:solidFill>
+                  <a:schemeClr val="tx1">
+                    <a:lumMod val="75000"/>
+                    <a:lumOff val="25000"/>
+                  </a:schemeClr>
+                </a:solidFill>
+                <a:latin typeface="+mn-lt"/>
+                <a:ea typeface="+mn-ea"/>
+                <a:cs typeface="+mn-cs"/>
+              </a:defRPr>
+            </a:lvl1pPr>
+            <a:lvl2pPr marL="630000" indent="-306000" algn="l" defTabSz="457200" rtl="0" eaLnBrk="1" latinLnBrk="0" hangingPunct="1">
+              <a:spcBef>
+                <a:spcPct val="20000"/>
+              </a:spcBef>
+              <a:spcAft>
+                <a:spcPts val="600"/>
+              </a:spcAft>
+              <a:buClr>
+                <a:schemeClr val="accent1"/>
+              </a:buClr>
+              <a:buSzPct val="92000"/>
+              <a:buFont typeface="Wingdings 2" panose="05020102010507070707" pitchFamily="18" charset="2"/>
+              <a:buChar char=""/>
+              <a:defRPr sz="1400" kern="1200">
+                <a:solidFill>
+                  <a:schemeClr val="tx1">
+                    <a:lumMod val="75000"/>
+                    <a:lumOff val="25000"/>
+                  </a:schemeClr>
+                </a:solidFill>
+                <a:latin typeface="+mn-lt"/>
+                <a:ea typeface="+mn-ea"/>
+                <a:cs typeface="+mn-cs"/>
+              </a:defRPr>
+            </a:lvl2pPr>
+            <a:lvl3pPr marL="900000" indent="-270000" algn="l" defTabSz="457200" rtl="0" eaLnBrk="1" latinLnBrk="0" hangingPunct="1">
+              <a:spcBef>
+                <a:spcPct val="20000"/>
+              </a:spcBef>
+              <a:spcAft>
+                <a:spcPts val="600"/>
+              </a:spcAft>
+              <a:buClr>
+                <a:schemeClr val="accent1"/>
+              </a:buClr>
+              <a:buSzPct val="92000"/>
+              <a:buFont typeface="Wingdings 2" panose="05020102010507070707" pitchFamily="18" charset="2"/>
+              <a:buChar char=""/>
+              <a:defRPr sz="1300" kern="1200">
+                <a:solidFill>
+                  <a:schemeClr val="tx1">
+                    <a:lumMod val="75000"/>
+                    <a:lumOff val="25000"/>
+                  </a:schemeClr>
+                </a:solidFill>
+                <a:latin typeface="+mn-lt"/>
+                <a:ea typeface="+mn-ea"/>
+                <a:cs typeface="+mn-cs"/>
+              </a:defRPr>
+            </a:lvl3pPr>
+            <a:lvl4pPr marL="1242000" indent="-234000" algn="l" defTabSz="457200" rtl="0" eaLnBrk="1" latinLnBrk="0" hangingPunct="1">
+              <a:spcBef>
+                <a:spcPct val="20000"/>
+              </a:spcBef>
+              <a:spcAft>
+                <a:spcPts val="600"/>
+              </a:spcAft>
+              <a:buClr>
+                <a:schemeClr val="accent1"/>
+              </a:buClr>
+              <a:buSzPct val="92000"/>
+              <a:buFont typeface="Wingdings 2" panose="05020102010507070707" pitchFamily="18" charset="2"/>
+              <a:buChar char=""/>
+              <a:defRPr sz="1100" kern="1200">
+                <a:solidFill>
+                  <a:schemeClr val="tx1">
+                    <a:lumMod val="75000"/>
+                    <a:lumOff val="25000"/>
+                  </a:schemeClr>
+                </a:solidFill>
+                <a:latin typeface="+mn-lt"/>
+                <a:ea typeface="+mn-ea"/>
+                <a:cs typeface="+mn-cs"/>
+              </a:defRPr>
+            </a:lvl4pPr>
+            <a:lvl5pPr marL="1602000" indent="-234000" algn="l" defTabSz="457200" rtl="0" eaLnBrk="1" latinLnBrk="0" hangingPunct="1">
+              <a:spcBef>
+                <a:spcPct val="20000"/>
+              </a:spcBef>
+              <a:spcAft>
+                <a:spcPts val="600"/>
+              </a:spcAft>
+              <a:buClr>
+                <a:schemeClr val="accent1"/>
+              </a:buClr>
+              <a:buSzPct val="92000"/>
+              <a:buFont typeface="Wingdings 2" panose="05020102010507070707" pitchFamily="18" charset="2"/>
+              <a:buChar char=""/>
+              <a:defRPr sz="1100" kern="1200">
+                <a:solidFill>
+                  <a:schemeClr val="tx1">
+                    <a:lumMod val="75000"/>
+                    <a:lumOff val="25000"/>
+                  </a:schemeClr>
+                </a:solidFill>
+                <a:latin typeface="+mn-lt"/>
+                <a:ea typeface="+mn-ea"/>
+                <a:cs typeface="+mn-cs"/>
+              </a:defRPr>
+            </a:lvl5pPr>
+            <a:lvl6pPr marL="1900000" indent="-228600" algn="l" defTabSz="457200" rtl="0" eaLnBrk="1" latinLnBrk="0" hangingPunct="1">
+              <a:spcBef>
+                <a:spcPct val="20000"/>
+              </a:spcBef>
+              <a:spcAft>
+                <a:spcPts val="600"/>
+              </a:spcAft>
+              <a:buClr>
+                <a:schemeClr val="accent2"/>
+              </a:buClr>
+              <a:buSzPct val="92000"/>
+              <a:buFont typeface="Wingdings 2" panose="05020102010507070707" pitchFamily="18" charset="2"/>
+              <a:buChar char=""/>
+              <a:defRPr sz="1200" kern="1200">
+                <a:solidFill>
+                  <a:schemeClr val="tx2"/>
+                </a:solidFill>
+                <a:latin typeface="+mn-lt"/>
+                <a:ea typeface="+mn-ea"/>
+                <a:cs typeface="+mn-cs"/>
+              </a:defRPr>
+            </a:lvl6pPr>
+            <a:lvl7pPr marL="2200000" indent="-228600" algn="l" defTabSz="457200" rtl="0" eaLnBrk="1" latinLnBrk="0" hangingPunct="1">
+              <a:spcBef>
+                <a:spcPct val="20000"/>
+              </a:spcBef>
+              <a:spcAft>
+                <a:spcPts val="600"/>
+              </a:spcAft>
+              <a:buClr>
+                <a:schemeClr val="accent2"/>
+              </a:buClr>
+              <a:buSzPct val="92000"/>
+              <a:buFont typeface="Wingdings 2" panose="05020102010507070707" pitchFamily="18" charset="2"/>
+              <a:buChar char=""/>
+              <a:defRPr sz="1200" kern="1200">
+                <a:solidFill>
+                  <a:schemeClr val="tx2"/>
+                </a:solidFill>
+                <a:latin typeface="+mn-lt"/>
+                <a:ea typeface="+mn-ea"/>
+                <a:cs typeface="+mn-cs"/>
+              </a:defRPr>
+            </a:lvl7pPr>
+            <a:lvl8pPr marL="2500000" indent="-228600" algn="l" defTabSz="457200" rtl="0" eaLnBrk="1" latinLnBrk="0" hangingPunct="1">
+              <a:spcBef>
+                <a:spcPct val="20000"/>
+              </a:spcBef>
+              <a:spcAft>
+                <a:spcPts val="600"/>
+              </a:spcAft>
+              <a:buClr>
+                <a:schemeClr val="accent2"/>
+              </a:buClr>
+              <a:buSzPct val="92000"/>
+              <a:buFont typeface="Wingdings 2" panose="05020102010507070707" pitchFamily="18" charset="2"/>
+              <a:buChar char=""/>
+              <a:defRPr sz="1200" kern="1200">
+                <a:solidFill>
+                  <a:schemeClr val="tx2"/>
+                </a:solidFill>
+                <a:latin typeface="+mn-lt"/>
+                <a:ea typeface="+mn-ea"/>
+                <a:cs typeface="+mn-cs"/>
+              </a:defRPr>
+            </a:lvl8pPr>
+            <a:lvl9pPr marL="2800000" indent="-228600" algn="l" defTabSz="457200" rtl="0" eaLnBrk="1" latinLnBrk="0" hangingPunct="1">
+              <a:spcBef>
+                <a:spcPct val="20000"/>
+              </a:spcBef>
+              <a:spcAft>
+                <a:spcPts val="600"/>
+              </a:spcAft>
+              <a:buClr>
+                <a:schemeClr val="accent2"/>
+              </a:buClr>
+              <a:buSzPct val="92000"/>
+              <a:buFont typeface="Wingdings 2" panose="05020102010507070707" pitchFamily="18" charset="2"/>
+              <a:buChar char=""/>
+              <a:defRPr sz="1200" kern="1200">
+                <a:solidFill>
+                  <a:schemeClr val="tx2"/>
+                </a:solidFill>
+                <a:latin typeface="+mn-lt"/>
+                <a:ea typeface="+mn-ea"/>
+                <a:cs typeface="+mn-cs"/>
+              </a:defRPr>
+            </a:lvl9pPr>
+          </a:lstStyle>
+          <a:p>
+            <a:pPr marL="0" indent="0" algn="just">
+              <a:lnSpc>
+                <a:spcPct val="100000"/>
+              </a:lnSpc>
+              <a:buFont typeface="Wingdings 2" panose="05020102010507070707" pitchFamily="18" charset="2"/>
+              <a:buNone/>
+            </a:pPr>
+            <a:r>
+              <a:rPr lang="en-US" dirty="0"/>
+              <a:t>	We can see that among the four groups, only one had a positive return of </a:t>
+            </a:r>
+            <a:r>
+              <a:rPr lang="en-US" b="1" dirty="0">
+                <a:solidFill>
+                  <a:srgbClr val="00B050"/>
+                </a:solidFill>
+              </a:rPr>
+              <a:t>506MU</a:t>
+            </a:r>
+            <a:r>
+              <a:rPr lang="en-US" dirty="0"/>
+              <a:t>, where </a:t>
+            </a:r>
+            <a:r>
+              <a:rPr lang="en-US" b="1" dirty="0">
+                <a:solidFill>
+                  <a:srgbClr val="00B050"/>
+                </a:solidFill>
+              </a:rPr>
+              <a:t>121</a:t>
+            </a:r>
+            <a:r>
+              <a:rPr lang="en-US" dirty="0"/>
+              <a:t> customers were contacted and </a:t>
+            </a:r>
+            <a:r>
+              <a:rPr lang="en-US" b="1" dirty="0">
+                <a:solidFill>
+                  <a:srgbClr val="00B050"/>
+                </a:solidFill>
+              </a:rPr>
+              <a:t>79</a:t>
+            </a:r>
+            <a:r>
+              <a:rPr lang="en-US" dirty="0"/>
+              <a:t> gadgets were sold. If the campaign was made only with users in this group, the ROI would be </a:t>
+            </a:r>
+            <a:r>
+              <a:rPr lang="en-US" b="1" dirty="0">
+                <a:solidFill>
+                  <a:srgbClr val="00B050"/>
+                </a:solidFill>
+              </a:rPr>
+              <a:t>139,39%</a:t>
+            </a:r>
+            <a:r>
+              <a:rPr lang="en-US" dirty="0">
+                <a:solidFill>
+                  <a:srgbClr val="00B050"/>
+                </a:solidFill>
+              </a:rPr>
+              <a:t>. </a:t>
+            </a:r>
+            <a:r>
+              <a:rPr lang="en-US" dirty="0"/>
+              <a:t>Analyzing the characteristics of this group we have an idea of what makes it different from the others this group has higher medians in income, total spend, number of purchases and positive responses in previous marketing campaigns. We noticed that most of the clients in the group don't have children or teenagers at home</a:t>
+            </a:r>
+            <a:endParaRPr lang="pt-BR" dirty="0"/>
+          </a:p>
+        </p:txBody>
+      </p:sp>
+      <p:pic>
+        <p:nvPicPr>
+          <p:cNvPr id="5" name="Imagem 4">
+            <a:extLst>
+              <a:ext uri="{FF2B5EF4-FFF2-40B4-BE49-F238E27FC236}">
+                <a16:creationId xmlns:a16="http://schemas.microsoft.com/office/drawing/2014/main" id="{D9F539D6-1BAE-4957-B914-BB64FC802440}"/>
+              </a:ext>
+            </a:extLst>
+          </p:cNvPr>
+          <p:cNvPicPr>
+            <a:picLocks noChangeAspect="1"/>
+          </p:cNvPicPr>
+          <p:nvPr/>
+        </p:nvPicPr>
+        <p:blipFill>
+          <a:blip r:embed="rId2"/>
+          <a:stretch>
+            <a:fillRect/>
+          </a:stretch>
+        </p:blipFill>
+        <p:spPr>
+          <a:xfrm>
+            <a:off x="7615879" y="1954226"/>
+            <a:ext cx="3994928" cy="3146147"/>
+          </a:xfrm>
+          <a:prstGeom prst="rect">
+            <a:avLst/>
+          </a:prstGeom>
+        </p:spPr>
+      </p:pic>
+    </p:spTree>
+    <p:extLst>
+      <p:ext uri="{BB962C8B-B14F-4D97-AF65-F5344CB8AC3E}">
+        <p14:creationId xmlns:p14="http://schemas.microsoft.com/office/powerpoint/2010/main" val="3549124164"/>
+      </p:ext>
+    </p:extLst>
+  </p:cSld>
+  <p:clrMapOvr>
+    <a:masterClrMapping/>
+  </p:clrMapOvr>
+</p:sld>
+</file>
+
 <file path=ppt/slides/slide2.xml><?xml version="1.0" encoding="utf-8"?>
 <p:sld xmlns:a="http://schemas.openxmlformats.org/drawingml/2006/main" xmlns:r="http://schemas.openxmlformats.org/officeDocument/2006/relationships" xmlns:p="http://schemas.openxmlformats.org/presentationml/2006/main">
   <p:cSld>
@@ -5525,10 +6680,10 @@
       </p:sp>
       <p:pic>
         <p:nvPicPr>
-          <p:cNvPr id="23" name="Imagem 22">
+          <p:cNvPr id="5" name="Imagem 4">
             <a:extLst>
               <a:ext uri="{FF2B5EF4-FFF2-40B4-BE49-F238E27FC236}">
-                <a16:creationId xmlns:a16="http://schemas.microsoft.com/office/drawing/2014/main" id="{219A2A28-1075-4852-96CE-2A6E3B82D36C}"/>
+                <a16:creationId xmlns:a16="http://schemas.microsoft.com/office/drawing/2014/main" id="{DBAF2FE5-6183-4CBA-B771-7FA5B19D414D}"/>
               </a:ext>
             </a:extLst>
           </p:cNvPr>
@@ -5545,8 +6700,8 @@
         </p:blipFill>
         <p:spPr>
           <a:xfrm>
-            <a:off x="451796" y="2529016"/>
-            <a:ext cx="5101786" cy="4013087"/>
+            <a:off x="581191" y="2415397"/>
+            <a:ext cx="5145353" cy="4114799"/>
           </a:xfrm>
           <a:prstGeom prst="rect">
             <a:avLst/>
@@ -5909,7 +7064,19 @@
             </a:pPr>
             <a:r>
               <a:rPr lang="en-US" dirty="0"/>
-              <a:t>	An interesting feature that can be seen with this analysis is that customers who </a:t>
+              <a:t>	An interesting characteristic that can be seen with this analysis is that customers </a:t>
+            </a:r>
+            <a:r>
+              <a:rPr lang="en-US" b="1" dirty="0">
+                <a:solidFill>
+                  <a:srgbClr val="FF0000"/>
+                </a:solidFill>
+              </a:rPr>
+              <a:t>who</a:t>
+            </a:r>
+            <a:r>
+              <a:rPr lang="en-US" dirty="0"/>
+              <a:t> </a:t>
             </a:r>
             <a:r>
               <a:rPr lang="en-US" b="1" dirty="0">
@@ -5933,7 +7100,7 @@
             </a:r>
             <a:r>
               <a:rPr lang="en-US" dirty="0"/>
-              <a:t>when compared to people who have one or more children or teenagers at home. Which is probably connected with the higher acceptance rate of people </a:t>
+              <a:t>when compared to people who have one or more children or teenagers at home. Another interesting point is that people with a </a:t>
             </a:r>
             <a:r>
               <a:rPr lang="en-US" b="1" dirty="0">
@@ -5941,11 +7108,11 @@
                   <a:srgbClr val="FF0000"/>
                 </a:solidFill>
               </a:rPr>
-              <a:t>living without a partner</a:t>
+              <a:t>high education level accepted the past campaigns in a great proportion </a:t>
             </a:r>
             <a:r>
               <a:rPr lang="en-US" dirty="0"/>
-              <a:t>.</a:t>
+              <a:t>when compared with low education levels.</a:t>
             </a:r>
             <a:endParaRPr lang="pt-BR" dirty="0"/>
           </a:p>
@@ -5953,10 +7120,10 @@
       </p:sp>
       <p:pic>
         <p:nvPicPr>
-          <p:cNvPr id="39" name="Imagem 38">
+          <p:cNvPr id="6" name="Imagem 5">
             <a:extLst>
               <a:ext uri="{FF2B5EF4-FFF2-40B4-BE49-F238E27FC236}">
-                <a16:creationId xmlns:a16="http://schemas.microsoft.com/office/drawing/2014/main" id="{59923D5D-A83E-471B-AD85-C10ED42084E3}"/>
+                <a16:creationId xmlns:a16="http://schemas.microsoft.com/office/drawing/2014/main" id="{15F08064-FABB-4113-8FFB-57E8C54AD0AF}"/>
               </a:ext>
             </a:extLst>
           </p:cNvPr>
@@ -5973,8 +7140,8 @@
         </p:blipFill>
         <p:spPr>
           <a:xfrm>
-            <a:off x="6541314" y="2032267"/>
-            <a:ext cx="4451184" cy="3541351"/>
+            <a:off x="6947141" y="2025153"/>
+            <a:ext cx="4458308" cy="3541351"/>
           </a:xfrm>
           <a:prstGeom prst="rect">
             <a:avLst/>
@@ -5983,10 +7150,10 @@
       </p:pic>
       <p:pic>
         <p:nvPicPr>
-          <p:cNvPr id="5" name="Imagem 4">
+          <p:cNvPr id="10" name="Imagem 9">
             <a:extLst>
               <a:ext uri="{FF2B5EF4-FFF2-40B4-BE49-F238E27FC236}">
-                <a16:creationId xmlns:a16="http://schemas.microsoft.com/office/drawing/2014/main" id="{D07BE3F4-B054-4DDA-98EF-38610D9E46F6}"/>
+                <a16:creationId xmlns:a16="http://schemas.microsoft.com/office/drawing/2014/main" id="{E8625FB1-2822-4F12-91E4-088ACF6936A0}"/>
               </a:ext>
             </a:extLst>
           </p:cNvPr>
@@ -6003,8 +7170,8 @@
         </p:blipFill>
         <p:spPr>
           <a:xfrm>
-            <a:off x="856734" y="2032267"/>
-            <a:ext cx="4539049" cy="3541992"/>
+            <a:off x="581191" y="2032267"/>
+            <a:ext cx="4663670" cy="3534237"/>
           </a:xfrm>
           <a:prstGeom prst="rect">
             <a:avLst/>
@@ -6069,7 +7236,7 @@
           <a:p>
             <a:r>
               <a:rPr lang="en-US" dirty="0"/>
-              <a:t>CUSTOMER’S PROFILE</a:t>
+              <a:t>Predictive model</a:t>
             </a:r>
             <a:endParaRPr lang="pt-BR" dirty="0"/>
           </a:p>
@@ -6108,32 +7275,14 @@
               <a:buNone/>
             </a:pPr>
             <a:r>
-              <a:rPr lang="en-US" dirty="0"/>
-              <a:t>	We can see that our </a:t>
-            </a:r>
-            <a:r>
-              <a:rPr lang="en-US" b="1" dirty="0">
-                <a:solidFill>
-                  <a:srgbClr val="FF0000"/>
-                </a:solidFill>
+              <a:rPr lang="en-US" b="0" i="0" dirty="0">
+                <a:solidFill>
+                  <a:srgbClr val="000000"/>
+                </a:solidFill>
+                <a:effectLst/>
+                <a:latin typeface="Helvetica Neue"/>
               </a:rPr>
-              <a:t>customers who have accepted offers </a:t>
-            </a:r>
-            <a:r>
-              <a:rPr lang="en-US" dirty="0"/>
-              <a:t>from previous campaigns, </a:t>
-            </a:r>
-            <a:r>
-              <a:rPr lang="en-US" b="1" dirty="0">
-                <a:solidFill>
-                  <a:srgbClr val="FF0000"/>
-                </a:solidFill>
-              </a:rPr>
-              <a:t>on average spend more money on our products </a:t>
-            </a:r>
-            <a:r>
-              <a:rPr lang="en-US" dirty="0"/>
-              <a:t>when compared to customers who have not. A large part of this spending is located in meat and wine products where customers who accepted a campaign spend on average twice as much when compared to customers who did not accept any campaign.</a:t>
+              <a:t>In the prediction we will use a Logistic Regression to make classification between customers who will accept the campaign offer in the next campaign</a:t>
             </a:r>
             <a:endParaRPr lang="pt-BR" dirty="0"/>
           </a:p>
@@ -6141,10 +7290,10 @@
       </p:sp>
       <p:pic>
         <p:nvPicPr>
-          <p:cNvPr id="19" name="Imagem 18">
+          <p:cNvPr id="9" name="Imagem 8">
             <a:extLst>
               <a:ext uri="{FF2B5EF4-FFF2-40B4-BE49-F238E27FC236}">
-                <a16:creationId xmlns:a16="http://schemas.microsoft.com/office/drawing/2014/main" id="{13079A51-D384-45A7-AF21-6DECBE825D93}"/>
+                <a16:creationId xmlns:a16="http://schemas.microsoft.com/office/drawing/2014/main" id="{51367B80-6109-46D1-8B2A-FE6942FD8CF6}"/>
               </a:ext>
             </a:extLst>
           </p:cNvPr>
@@ -6161,38 +7310,8 @@
         </p:blipFill>
         <p:spPr>
           <a:xfrm>
-            <a:off x="694810" y="2640455"/>
-            <a:ext cx="5154055" cy="3893565"/>
-          </a:xfrm>
-          <a:prstGeom prst="rect">
-            <a:avLst/>
-          </a:prstGeom>
-        </p:spPr>
-      </p:pic>
-      <p:pic>
-        <p:nvPicPr>
-          <p:cNvPr id="22" name="Imagem 21">
-            <a:extLst>
-              <a:ext uri="{FF2B5EF4-FFF2-40B4-BE49-F238E27FC236}">
-                <a16:creationId xmlns:a16="http://schemas.microsoft.com/office/drawing/2014/main" id="{1DD26F9C-2AC7-4D87-9903-9901C56233F3}"/>
-              </a:ext>
-            </a:extLst>
-          </p:cNvPr>
-          <p:cNvPicPr>
-            <a:picLocks noChangeAspect="1"/>
-          </p:cNvPicPr>
-          <p:nvPr/>
-        </p:nvPicPr>
-        <p:blipFill>
-          <a:blip r:embed="rId3"/>
-          <a:stretch>
-            <a:fillRect/>
-          </a:stretch>
-        </p:blipFill>
-        <p:spPr>
-          <a:xfrm>
-            <a:off x="6684876" y="2640454"/>
-            <a:ext cx="4294373" cy="3893565"/>
+            <a:off x="581191" y="2324685"/>
+            <a:ext cx="4457700" cy="3467100"/>
           </a:xfrm>
           <a:prstGeom prst="rect">
             <a:avLst/>
@@ -6297,674 +7416,360 @@
             </a:pPr>
             <a:r>
               <a:rPr lang="en-US" dirty="0"/>
-              <a:t>	In customer segmentation, one of the used methods was the RFM (Recency, Frequency, Monetary) which is based on how recently, how often and how much a customer has purchased, from these three variables the customer receives a score that will define which group he will be allocated to. Where 3 is the score of the best customers group who have purchased more recently, spent more on purchases and bought more often, and 12 the score of the worst customers group who spend less, less frequently and have not purchased for the longest time.</a:t>
+              <a:t>	In the charts below, we can see that customers who bought more recently, more frequently and who spent more shopping have in common the characteristic of accepting marketing campaigns at a higher rate.</a:t>
             </a:r>
             <a:endParaRPr lang="pt-BR" dirty="0"/>
           </a:p>
         </p:txBody>
       </p:sp>
-      <p:graphicFrame>
-        <p:nvGraphicFramePr>
-          <p:cNvPr id="7" name="Tabela 7">
+      <p:pic>
+        <p:nvPicPr>
+          <p:cNvPr id="5" name="Imagem 4">
             <a:extLst>
               <a:ext uri="{FF2B5EF4-FFF2-40B4-BE49-F238E27FC236}">
-                <a16:creationId xmlns:a16="http://schemas.microsoft.com/office/drawing/2014/main" id="{7E172946-12D7-41F9-A7A1-82D3CD53303D}"/>
+                <a16:creationId xmlns:a16="http://schemas.microsoft.com/office/drawing/2014/main" id="{643EFABD-7A91-4B98-B654-8A40019CC29C}"/>
               </a:ext>
             </a:extLst>
           </p:cNvPr>
-          <p:cNvGraphicFramePr>
-            <a:graphicFrameLocks noGrp="1"/>
-          </p:cNvGraphicFramePr>
-          <p:nvPr>
-            <p:extLst>
-              <p:ext uri="{D42A27DB-BD31-4B8C-83A1-F6EECF244321}">
-                <p14:modId xmlns:p14="http://schemas.microsoft.com/office/powerpoint/2010/main" val="4293446829"/>
-              </p:ext>
-            </p:extLst>
-          </p:nvPr>
-        </p:nvGraphicFramePr>
-        <p:xfrm>
-          <a:off x="1035595" y="3468849"/>
-          <a:ext cx="10120807" cy="1752600"/>
-        </p:xfrm>
-        <a:graphic>
-          <a:graphicData uri="http://schemas.openxmlformats.org/drawingml/2006/table">
-            <a:tbl>
-              <a:tblPr firstRow="1" bandRow="1">
-                <a:tableStyleId>{5C22544A-7EE6-4342-B048-85BDC9FD1C3A}</a:tableStyleId>
-              </a:tblPr>
-              <a:tblGrid>
-                <a:gridCol w="1562803">
-                  <a:extLst>
-                    <a:ext uri="{9D8B030D-6E8A-4147-A177-3AD203B41FA5}">
-                      <a16:colId xmlns:a16="http://schemas.microsoft.com/office/drawing/2014/main" val="2268772107"/>
-                    </a:ext>
-                  </a:extLst>
-                </a:gridCol>
-                <a:gridCol w="1142512">
-                  <a:extLst>
-                    <a:ext uri="{9D8B030D-6E8A-4147-A177-3AD203B41FA5}">
-                      <a16:colId xmlns:a16="http://schemas.microsoft.com/office/drawing/2014/main" val="1184297618"/>
-                    </a:ext>
-                  </a:extLst>
-                </a:gridCol>
-                <a:gridCol w="1345719">
-                  <a:extLst>
-                    <a:ext uri="{9D8B030D-6E8A-4147-A177-3AD203B41FA5}">
-                      <a16:colId xmlns:a16="http://schemas.microsoft.com/office/drawing/2014/main" val="2801897963"/>
-                    </a:ext>
-                  </a:extLst>
-                </a:gridCol>
-                <a:gridCol w="1333871">
-                  <a:extLst>
-                    <a:ext uri="{9D8B030D-6E8A-4147-A177-3AD203B41FA5}">
-                      <a16:colId xmlns:a16="http://schemas.microsoft.com/office/drawing/2014/main" val="94964479"/>
-                    </a:ext>
-                  </a:extLst>
-                </a:gridCol>
-                <a:gridCol w="1328468">
-                  <a:extLst>
-                    <a:ext uri="{9D8B030D-6E8A-4147-A177-3AD203B41FA5}">
-                      <a16:colId xmlns:a16="http://schemas.microsoft.com/office/drawing/2014/main" val="2891793350"/>
-                    </a:ext>
-                  </a:extLst>
-                </a:gridCol>
-                <a:gridCol w="1345721">
-                  <a:extLst>
-                    <a:ext uri="{9D8B030D-6E8A-4147-A177-3AD203B41FA5}">
-                      <a16:colId xmlns:a16="http://schemas.microsoft.com/office/drawing/2014/main" val="3396614908"/>
-                    </a:ext>
-                  </a:extLst>
-                </a:gridCol>
-                <a:gridCol w="1216324">
-                  <a:extLst>
-                    <a:ext uri="{9D8B030D-6E8A-4147-A177-3AD203B41FA5}">
-                      <a16:colId xmlns:a16="http://schemas.microsoft.com/office/drawing/2014/main" val="971049890"/>
-                    </a:ext>
-                  </a:extLst>
-                </a:gridCol>
-                <a:gridCol w="845389">
-                  <a:extLst>
-                    <a:ext uri="{9D8B030D-6E8A-4147-A177-3AD203B41FA5}">
-                      <a16:colId xmlns:a16="http://schemas.microsoft.com/office/drawing/2014/main" val="1931934989"/>
-                    </a:ext>
-                  </a:extLst>
-                </a:gridCol>
-              </a:tblGrid>
-              <a:tr h="370840">
-                <a:tc>
-                  <a:txBody>
-                    <a:bodyPr/>
-                    <a:lstStyle/>
-                    <a:p>
-                      <a:pPr algn="ctr"/>
-                      <a:r>
-                        <a:rPr lang="en-US" dirty="0"/>
-                        <a:t>Customer ID</a:t>
-                      </a:r>
-                      <a:endParaRPr lang="pt-BR" dirty="0"/>
-                    </a:p>
-                  </a:txBody>
-                  <a:tcPr/>
-                </a:tc>
-                <a:tc>
-                  <a:txBody>
-                    <a:bodyPr/>
-                    <a:lstStyle/>
-                    <a:p>
-                      <a:pPr algn="ctr"/>
-                      <a:r>
-                        <a:rPr lang="en-US" dirty="0"/>
-                        <a:t>Recency</a:t>
-                      </a:r>
-                      <a:endParaRPr lang="pt-BR" dirty="0"/>
-                    </a:p>
-                  </a:txBody>
-                  <a:tcPr/>
-                </a:tc>
-                <a:tc>
-                  <a:txBody>
-                    <a:bodyPr/>
-                    <a:lstStyle/>
-                    <a:p>
-                      <a:pPr algn="ctr"/>
-                      <a:r>
-                        <a:rPr lang="en-US" dirty="0"/>
-                        <a:t>Frequency</a:t>
-                      </a:r>
-                      <a:endParaRPr lang="pt-BR" dirty="0"/>
-                    </a:p>
-                  </a:txBody>
-                  <a:tcPr/>
-                </a:tc>
-                <a:tc>
-                  <a:txBody>
-                    <a:bodyPr/>
-                    <a:lstStyle/>
-                    <a:p>
-                      <a:pPr algn="ctr"/>
-                      <a:r>
-                        <a:rPr lang="en-US" dirty="0"/>
-                        <a:t>Amount spent</a:t>
-                      </a:r>
-                      <a:endParaRPr lang="pt-BR" dirty="0"/>
-                    </a:p>
-                  </a:txBody>
-                  <a:tcPr/>
-                </a:tc>
-                <a:tc>
-                  <a:txBody>
-                    <a:bodyPr/>
-                    <a:lstStyle/>
-                    <a:p>
-                      <a:pPr algn="ctr"/>
-                      <a:r>
-                        <a:rPr lang="en-US" dirty="0"/>
-                        <a:t>Recency score</a:t>
-                      </a:r>
-                      <a:endParaRPr lang="pt-BR" dirty="0"/>
-                    </a:p>
-                  </a:txBody>
-                  <a:tcPr/>
-                </a:tc>
-                <a:tc>
-                  <a:txBody>
-                    <a:bodyPr/>
-                    <a:lstStyle/>
-                    <a:p>
-                      <a:pPr algn="ctr"/>
-                      <a:r>
-                        <a:rPr lang="en-US" dirty="0"/>
-                        <a:t>Frequency score</a:t>
-                      </a:r>
-                      <a:endParaRPr lang="pt-BR" dirty="0"/>
-                    </a:p>
-                  </a:txBody>
-                  <a:tcPr/>
-                </a:tc>
-                <a:tc>
-                  <a:txBody>
-                    <a:bodyPr/>
-                    <a:lstStyle/>
-                    <a:p>
-                      <a:pPr algn="ctr"/>
-                      <a:r>
-                        <a:rPr lang="en-US" dirty="0"/>
-                        <a:t>Monetary score</a:t>
-                      </a:r>
-                      <a:endParaRPr lang="pt-BR" dirty="0"/>
-                    </a:p>
-                  </a:txBody>
-                  <a:tcPr/>
-                </a:tc>
-                <a:tc>
-                  <a:txBody>
-                    <a:bodyPr/>
-                    <a:lstStyle/>
-                    <a:p>
-                      <a:pPr algn="ctr"/>
-                      <a:r>
-                        <a:rPr lang="en-US" dirty="0"/>
-                        <a:t>RFM score</a:t>
-                      </a:r>
-                      <a:endParaRPr lang="pt-BR" dirty="0"/>
-                    </a:p>
-                  </a:txBody>
-                  <a:tcPr/>
-                </a:tc>
-                <a:extLst>
-                  <a:ext uri="{0D108BD9-81ED-4DB2-BD59-A6C34878D82A}">
-                    <a16:rowId xmlns:a16="http://schemas.microsoft.com/office/drawing/2014/main" val="1972117189"/>
-                  </a:ext>
-                </a:extLst>
-              </a:tr>
-              <a:tr h="370840">
-                <a:tc>
-                  <a:txBody>
-                    <a:bodyPr/>
-                    <a:lstStyle/>
-                    <a:p>
-                      <a:pPr algn="ctr"/>
-                      <a:r>
-                        <a:rPr lang="pt-BR" dirty="0"/>
-                        <a:t>4141</a:t>
-                      </a:r>
-                    </a:p>
-                  </a:txBody>
-                  <a:tcPr/>
-                </a:tc>
-                <a:tc>
-                  <a:txBody>
-                    <a:bodyPr/>
-                    <a:lstStyle/>
-                    <a:p>
-                      <a:pPr algn="ctr"/>
-                      <a:r>
-                        <a:rPr lang="en-US" dirty="0"/>
-                        <a:t>26</a:t>
-                      </a:r>
-                      <a:endParaRPr lang="pt-BR" dirty="0"/>
-                    </a:p>
-                  </a:txBody>
-                  <a:tcPr/>
-                </a:tc>
-                <a:tc>
-                  <a:txBody>
-                    <a:bodyPr/>
-                    <a:lstStyle/>
-                    <a:p>
-                      <a:pPr algn="ctr"/>
-                      <a:r>
-                        <a:rPr lang="en-US" dirty="0"/>
-                        <a:t>20</a:t>
-                      </a:r>
-                      <a:endParaRPr lang="pt-BR" dirty="0"/>
-                    </a:p>
-                  </a:txBody>
-                  <a:tcPr/>
-                </a:tc>
-                <a:tc>
-                  <a:txBody>
-                    <a:bodyPr/>
-                    <a:lstStyle/>
-                    <a:p>
-                      <a:pPr algn="ctr"/>
-                      <a:r>
-                        <a:rPr lang="en-US" dirty="0"/>
-                        <a:t>776</a:t>
-                      </a:r>
-                      <a:endParaRPr lang="pt-BR" dirty="0"/>
-                    </a:p>
-                  </a:txBody>
-                  <a:tcPr/>
-                </a:tc>
-                <a:tc>
-                  <a:txBody>
-                    <a:bodyPr/>
-                    <a:lstStyle/>
-                    <a:p>
-                      <a:pPr algn="ctr"/>
-                      <a:r>
-                        <a:rPr lang="en-US" dirty="0"/>
-                        <a:t>2</a:t>
-                      </a:r>
-                      <a:endParaRPr lang="pt-BR" dirty="0"/>
-                    </a:p>
-                  </a:txBody>
-                  <a:tcPr/>
-                </a:tc>
-                <a:tc>
-                  <a:txBody>
-                    <a:bodyPr/>
-                    <a:lstStyle/>
-                    <a:p>
-                      <a:pPr algn="ctr"/>
-                      <a:r>
-                        <a:rPr lang="en-US" dirty="0"/>
-                        <a:t>1</a:t>
-                      </a:r>
-                      <a:endParaRPr lang="pt-BR" dirty="0"/>
-                    </a:p>
-                  </a:txBody>
-                  <a:tcPr/>
-                </a:tc>
-                <a:tc>
-                  <a:txBody>
-                    <a:bodyPr/>
-                    <a:lstStyle/>
-                    <a:p>
-                      <a:pPr algn="ctr"/>
-                      <a:r>
-                        <a:rPr lang="en-US" dirty="0"/>
-                        <a:t>2</a:t>
-                      </a:r>
-                      <a:endParaRPr lang="pt-BR" dirty="0"/>
-                    </a:p>
-                  </a:txBody>
-                  <a:tcPr/>
-                </a:tc>
-                <a:tc>
-                  <a:txBody>
-                    <a:bodyPr/>
-                    <a:lstStyle/>
-                    <a:p>
-                      <a:pPr algn="ctr"/>
-                      <a:r>
-                        <a:rPr lang="en-US" dirty="0"/>
-                        <a:t>5</a:t>
-                      </a:r>
-                      <a:endParaRPr lang="pt-BR" dirty="0"/>
-                    </a:p>
-                  </a:txBody>
-                  <a:tcPr/>
-                </a:tc>
-                <a:extLst>
-                  <a:ext uri="{0D108BD9-81ED-4DB2-BD59-A6C34878D82A}">
-                    <a16:rowId xmlns:a16="http://schemas.microsoft.com/office/drawing/2014/main" val="839060998"/>
-                  </a:ext>
-                </a:extLst>
-              </a:tr>
-              <a:tr h="370840">
-                <a:tc>
-                  <a:txBody>
-                    <a:bodyPr/>
-                    <a:lstStyle/>
-                    <a:p>
-                      <a:pPr algn="ctr"/>
-                      <a:r>
-                        <a:rPr lang="pt-BR" sz="1800" b="0" i="0" kern="1200" dirty="0">
-                          <a:solidFill>
-                            <a:schemeClr val="dk1"/>
-                          </a:solidFill>
-                          <a:effectLst/>
-                          <a:latin typeface="+mn-lt"/>
-                          <a:ea typeface="+mn-ea"/>
-                          <a:cs typeface="+mn-cs"/>
-                        </a:rPr>
-                        <a:t>6182</a:t>
-                      </a:r>
-                      <a:endParaRPr lang="pt-BR" dirty="0"/>
-                    </a:p>
-                  </a:txBody>
-                  <a:tcPr/>
-                </a:tc>
-                <a:tc>
-                  <a:txBody>
-                    <a:bodyPr/>
-                    <a:lstStyle/>
-                    <a:p>
-                      <a:pPr algn="ctr"/>
-                      <a:r>
-                        <a:rPr lang="en-US" dirty="0"/>
-                        <a:t>26</a:t>
-                      </a:r>
-                      <a:endParaRPr lang="pt-BR" dirty="0"/>
-                    </a:p>
-                  </a:txBody>
-                  <a:tcPr/>
-                </a:tc>
-                <a:tc>
-                  <a:txBody>
-                    <a:bodyPr/>
-                    <a:lstStyle/>
-                    <a:p>
-                      <a:pPr algn="ctr"/>
-                      <a:r>
-                        <a:rPr lang="en-US" dirty="0"/>
-                        <a:t>6</a:t>
-                      </a:r>
-                      <a:endParaRPr lang="pt-BR" dirty="0"/>
-                    </a:p>
-                  </a:txBody>
-                  <a:tcPr/>
-                </a:tc>
-                <a:tc>
-                  <a:txBody>
-                    <a:bodyPr/>
-                    <a:lstStyle/>
-                    <a:p>
-                      <a:pPr algn="ctr"/>
-                      <a:r>
-                        <a:rPr lang="en-US" dirty="0"/>
-                        <a:t>53</a:t>
-                      </a:r>
-                      <a:endParaRPr lang="pt-BR" dirty="0"/>
-                    </a:p>
-                  </a:txBody>
-                  <a:tcPr/>
-                </a:tc>
-                <a:tc>
-                  <a:txBody>
-                    <a:bodyPr/>
-                    <a:lstStyle/>
-                    <a:p>
-                      <a:pPr algn="ctr"/>
-                      <a:r>
-                        <a:rPr lang="en-US" dirty="0"/>
-                        <a:t>2</a:t>
-                      </a:r>
-                      <a:endParaRPr lang="pt-BR" dirty="0"/>
-                    </a:p>
-                  </a:txBody>
-                  <a:tcPr/>
-                </a:tc>
-                <a:tc>
-                  <a:txBody>
-                    <a:bodyPr/>
-                    <a:lstStyle/>
-                    <a:p>
-                      <a:pPr algn="ctr"/>
-                      <a:r>
-                        <a:rPr lang="en-US" dirty="0"/>
-                        <a:t>4</a:t>
-                      </a:r>
-                      <a:endParaRPr lang="pt-BR" dirty="0"/>
-                    </a:p>
-                  </a:txBody>
-                  <a:tcPr/>
-                </a:tc>
-                <a:tc>
-                  <a:txBody>
-                    <a:bodyPr/>
-                    <a:lstStyle/>
-                    <a:p>
-                      <a:pPr algn="ctr"/>
-                      <a:r>
-                        <a:rPr lang="en-US" dirty="0"/>
-                        <a:t>4</a:t>
-                      </a:r>
-                      <a:endParaRPr lang="pt-BR" dirty="0"/>
-                    </a:p>
-                  </a:txBody>
-                  <a:tcPr/>
-                </a:tc>
-                <a:tc>
-                  <a:txBody>
-                    <a:bodyPr/>
-                    <a:lstStyle/>
-                    <a:p>
-                      <a:pPr algn="ctr"/>
-                      <a:r>
-                        <a:rPr lang="en-US" dirty="0"/>
-                        <a:t>10</a:t>
-                      </a:r>
-                      <a:endParaRPr lang="pt-BR" dirty="0"/>
-                    </a:p>
-                  </a:txBody>
-                  <a:tcPr/>
-                </a:tc>
-                <a:extLst>
-                  <a:ext uri="{0D108BD9-81ED-4DB2-BD59-A6C34878D82A}">
-                    <a16:rowId xmlns:a16="http://schemas.microsoft.com/office/drawing/2014/main" val="712765809"/>
-                  </a:ext>
-                </a:extLst>
-              </a:tr>
-              <a:tr h="370840">
-                <a:tc>
-                  <a:txBody>
-                    <a:bodyPr/>
-                    <a:lstStyle/>
-                    <a:p>
-                      <a:pPr algn="ctr"/>
-                      <a:r>
-                        <a:rPr lang="pt-BR" sz="1800" b="0" i="0" kern="1200" dirty="0">
-                          <a:solidFill>
-                            <a:schemeClr val="dk1"/>
-                          </a:solidFill>
-                          <a:effectLst/>
-                          <a:latin typeface="+mn-lt"/>
-                          <a:ea typeface="+mn-ea"/>
-                          <a:cs typeface="+mn-cs"/>
-                        </a:rPr>
-                        <a:t>5324</a:t>
-                      </a:r>
-                      <a:endParaRPr lang="pt-BR" dirty="0"/>
-                    </a:p>
-                  </a:txBody>
-                  <a:tcPr/>
-                </a:tc>
-                <a:tc>
-                  <a:txBody>
-                    <a:bodyPr/>
-                    <a:lstStyle/>
-                    <a:p>
-                      <a:pPr algn="ctr"/>
-                      <a:r>
-                        <a:rPr lang="en-US" dirty="0"/>
-                        <a:t>94</a:t>
-                      </a:r>
-                      <a:endParaRPr lang="pt-BR" dirty="0"/>
-                    </a:p>
-                  </a:txBody>
-                  <a:tcPr/>
-                </a:tc>
-                <a:tc>
-                  <a:txBody>
-                    <a:bodyPr/>
-                    <a:lstStyle/>
-                    <a:p>
-                      <a:pPr algn="ctr"/>
-                      <a:r>
-                        <a:rPr lang="en-US" dirty="0"/>
-                        <a:t>14</a:t>
-                      </a:r>
-                      <a:endParaRPr lang="pt-BR" dirty="0"/>
-                    </a:p>
-                  </a:txBody>
-                  <a:tcPr/>
-                </a:tc>
-                <a:tc>
-                  <a:txBody>
-                    <a:bodyPr/>
-                    <a:lstStyle/>
-                    <a:p>
-                      <a:pPr algn="ctr"/>
-                      <a:r>
-                        <a:rPr lang="en-US" dirty="0"/>
-                        <a:t>422</a:t>
-                      </a:r>
-                      <a:endParaRPr lang="pt-BR" dirty="0"/>
-                    </a:p>
-                  </a:txBody>
-                  <a:tcPr/>
-                </a:tc>
-                <a:tc>
-                  <a:txBody>
-                    <a:bodyPr/>
-                    <a:lstStyle/>
-                    <a:p>
-                      <a:pPr algn="ctr"/>
-                      <a:r>
-                        <a:rPr lang="en-US" dirty="0"/>
-                        <a:t>4</a:t>
-                      </a:r>
-                      <a:endParaRPr lang="pt-BR" dirty="0"/>
-                    </a:p>
-                  </a:txBody>
-                  <a:tcPr/>
-                </a:tc>
-                <a:tc>
-                  <a:txBody>
-                    <a:bodyPr/>
-                    <a:lstStyle/>
-                    <a:p>
-                      <a:pPr algn="ctr"/>
-                      <a:r>
-                        <a:rPr lang="en-US" dirty="0"/>
-                        <a:t>2</a:t>
-                      </a:r>
-                      <a:endParaRPr lang="pt-BR" dirty="0"/>
-                    </a:p>
-                  </a:txBody>
-                  <a:tcPr/>
-                </a:tc>
-                <a:tc>
-                  <a:txBody>
-                    <a:bodyPr/>
-                    <a:lstStyle/>
-                    <a:p>
-                      <a:pPr algn="ctr"/>
-                      <a:r>
-                        <a:rPr lang="en-US" dirty="0"/>
-                        <a:t>2</a:t>
-                      </a:r>
-                      <a:endParaRPr lang="pt-BR" dirty="0"/>
-                    </a:p>
-                  </a:txBody>
-                  <a:tcPr/>
-                </a:tc>
-                <a:tc>
-                  <a:txBody>
-                    <a:bodyPr/>
-                    <a:lstStyle/>
-                    <a:p>
-                      <a:pPr algn="ctr"/>
-                      <a:r>
-                        <a:rPr lang="en-US" dirty="0"/>
-                        <a:t>8</a:t>
-                      </a:r>
-                      <a:endParaRPr lang="pt-BR" dirty="0"/>
-                    </a:p>
-                  </a:txBody>
-                  <a:tcPr/>
-                </a:tc>
-                <a:extLst>
-                  <a:ext uri="{0D108BD9-81ED-4DB2-BD59-A6C34878D82A}">
-                    <a16:rowId xmlns:a16="http://schemas.microsoft.com/office/drawing/2014/main" val="2127689462"/>
-                  </a:ext>
-                </a:extLst>
-              </a:tr>
-            </a:tbl>
-          </a:graphicData>
-        </a:graphic>
-      </p:graphicFrame>
-      <p:sp>
-        <p:nvSpPr>
-          <p:cNvPr id="8" name="CaixaDeTexto 7">
+          <p:cNvPicPr>
+            <a:picLocks noChangeAspect="1"/>
+          </p:cNvPicPr>
+          <p:nvPr/>
+        </p:nvPicPr>
+        <p:blipFill>
+          <a:blip r:embed="rId2"/>
+          <a:stretch>
+            <a:fillRect/>
+          </a:stretch>
+        </p:blipFill>
+        <p:spPr>
+          <a:xfrm>
+            <a:off x="726591" y="2198760"/>
+            <a:ext cx="3494917" cy="2795933"/>
+          </a:xfrm>
+          <a:prstGeom prst="rect">
+            <a:avLst/>
+          </a:prstGeom>
+        </p:spPr>
+      </p:pic>
+      <p:pic>
+        <p:nvPicPr>
+          <p:cNvPr id="9" name="Imagem 8">
             <a:extLst>
               <a:ext uri="{FF2B5EF4-FFF2-40B4-BE49-F238E27FC236}">
-                <a16:creationId xmlns:a16="http://schemas.microsoft.com/office/drawing/2014/main" id="{97B480D1-AE6E-4EFD-B20A-538C8378772A}"/>
+                <a16:creationId xmlns:a16="http://schemas.microsoft.com/office/drawing/2014/main" id="{8194F643-A13B-42C2-A701-4E1F538A99C9}"/>
               </a:ext>
             </a:extLst>
           </p:cNvPr>
-          <p:cNvSpPr txBox="1"/>
+          <p:cNvPicPr>
+            <a:picLocks noChangeAspect="1"/>
+          </p:cNvPicPr>
+          <p:nvPr/>
+        </p:nvPicPr>
+        <p:blipFill>
+          <a:blip r:embed="rId3"/>
+          <a:stretch>
+            <a:fillRect/>
+          </a:stretch>
+        </p:blipFill>
+        <p:spPr>
+          <a:xfrm>
+            <a:off x="4366907" y="2198760"/>
+            <a:ext cx="3627697" cy="2795932"/>
+          </a:xfrm>
+          <a:prstGeom prst="rect">
+            <a:avLst/>
+          </a:prstGeom>
+        </p:spPr>
+      </p:pic>
+      <p:pic>
+        <p:nvPicPr>
+          <p:cNvPr id="11" name="Imagem 10">
+            <a:extLst>
+              <a:ext uri="{FF2B5EF4-FFF2-40B4-BE49-F238E27FC236}">
+                <a16:creationId xmlns:a16="http://schemas.microsoft.com/office/drawing/2014/main" id="{EBDB57C3-BA2F-4D18-B719-AA8AD7B3B991}"/>
+              </a:ext>
+            </a:extLst>
+          </p:cNvPr>
+          <p:cNvPicPr>
+            <a:picLocks noChangeAspect="1"/>
+          </p:cNvPicPr>
+          <p:nvPr/>
+        </p:nvPicPr>
+        <p:blipFill>
+          <a:blip r:embed="rId4"/>
+          <a:stretch>
+            <a:fillRect/>
+          </a:stretch>
+        </p:blipFill>
+        <p:spPr>
+          <a:xfrm>
+            <a:off x="8085152" y="2205387"/>
+            <a:ext cx="3531783" cy="2789306"/>
+          </a:xfrm>
+          <a:prstGeom prst="rect">
+            <a:avLst/>
+          </a:prstGeom>
+        </p:spPr>
+      </p:pic>
+      <p:sp>
+        <p:nvSpPr>
+          <p:cNvPr id="15" name="Espaço Reservado para Conteúdo 2">
+            <a:extLst>
+              <a:ext uri="{FF2B5EF4-FFF2-40B4-BE49-F238E27FC236}">
+                <a16:creationId xmlns:a16="http://schemas.microsoft.com/office/drawing/2014/main" id="{0BDCC104-72BA-40D8-87C6-FC2F466B4C40}"/>
+              </a:ext>
+            </a:extLst>
+          </p:cNvPr>
+          <p:cNvSpPr txBox="1">
+            <a:spLocks/>
+          </p:cNvSpPr>
           <p:nvPr/>
         </p:nvSpPr>
         <p:spPr>
           <a:xfrm>
-            <a:off x="1688756" y="2937934"/>
-            <a:ext cx="1024319" cy="353943"/>
+            <a:off x="581192" y="5422211"/>
+            <a:ext cx="11029615" cy="1617026"/>
           </a:xfrm>
           <a:prstGeom prst="rect">
             <a:avLst/>
           </a:prstGeom>
-          <a:noFill/>
         </p:spPr>
         <p:txBody>
-          <a:bodyPr wrap="none" rtlCol="0">
-            <a:spAutoFit/>
+          <a:bodyPr vert="horz" lIns="91440" tIns="45720" rIns="91440" bIns="45720" rtlCol="0" anchor="t">
+            <a:normAutofit/>
           </a:bodyPr>
-          <a:lstStyle/>
-          <a:p>
-            <a:r>
-              <a:rPr lang="en-US" sz="1700" dirty="0">
+          <a:lstStyle>
+            <a:lvl1pPr marL="306000" indent="-306000" algn="l" defTabSz="457200" rtl="0" eaLnBrk="1" latinLnBrk="0" hangingPunct="1">
+              <a:lnSpc>
+                <a:spcPct val="110000"/>
+              </a:lnSpc>
+              <a:spcBef>
+                <a:spcPct val="20000"/>
+              </a:spcBef>
+              <a:spcAft>
+                <a:spcPts val="600"/>
+              </a:spcAft>
+              <a:buClr>
+                <a:schemeClr val="accent1"/>
+              </a:buClr>
+              <a:buSzPct val="92000"/>
+              <a:buFont typeface="Wingdings 2" panose="05020102010507070707" pitchFamily="18" charset="2"/>
+              <a:buChar char=""/>
+              <a:defRPr sz="1700" kern="1200">
                 <a:solidFill>
                   <a:schemeClr val="tx1">
                     <a:lumMod val="75000"/>
                     <a:lumOff val="25000"/>
                   </a:schemeClr>
                 </a:solidFill>
-              </a:rPr>
-              <a:t>Example:</a:t>
-            </a:r>
-            <a:endParaRPr lang="pt-BR" sz="1700" dirty="0">
-              <a:solidFill>
-                <a:schemeClr val="tx1">
-                  <a:lumMod val="75000"/>
-                  <a:lumOff val="25000"/>
-                </a:schemeClr>
-              </a:solidFill>
-            </a:endParaRPr>
+                <a:latin typeface="+mn-lt"/>
+                <a:ea typeface="+mn-ea"/>
+                <a:cs typeface="+mn-cs"/>
+              </a:defRPr>
+            </a:lvl1pPr>
+            <a:lvl2pPr marL="630000" indent="-306000" algn="l" defTabSz="457200" rtl="0" eaLnBrk="1" latinLnBrk="0" hangingPunct="1">
+              <a:spcBef>
+                <a:spcPct val="20000"/>
+              </a:spcBef>
+              <a:spcAft>
+                <a:spcPts val="600"/>
+              </a:spcAft>
+              <a:buClr>
+                <a:schemeClr val="accent1"/>
+              </a:buClr>
+              <a:buSzPct val="92000"/>
+              <a:buFont typeface="Wingdings 2" panose="05020102010507070707" pitchFamily="18" charset="2"/>
+              <a:buChar char=""/>
+              <a:defRPr sz="1400" kern="1200">
+                <a:solidFill>
+                  <a:schemeClr val="tx1">
+                    <a:lumMod val="75000"/>
+                    <a:lumOff val="25000"/>
+                  </a:schemeClr>
+                </a:solidFill>
+                <a:latin typeface="+mn-lt"/>
+                <a:ea typeface="+mn-ea"/>
+                <a:cs typeface="+mn-cs"/>
+              </a:defRPr>
+            </a:lvl2pPr>
+            <a:lvl3pPr marL="900000" indent="-270000" algn="l" defTabSz="457200" rtl="0" eaLnBrk="1" latinLnBrk="0" hangingPunct="1">
+              <a:spcBef>
+                <a:spcPct val="20000"/>
+              </a:spcBef>
+              <a:spcAft>
+                <a:spcPts val="600"/>
+              </a:spcAft>
+              <a:buClr>
+                <a:schemeClr val="accent1"/>
+              </a:buClr>
+              <a:buSzPct val="92000"/>
+              <a:buFont typeface="Wingdings 2" panose="05020102010507070707" pitchFamily="18" charset="2"/>
+              <a:buChar char=""/>
+              <a:defRPr sz="1300" kern="1200">
+                <a:solidFill>
+                  <a:schemeClr val="tx1">
+                    <a:lumMod val="75000"/>
+                    <a:lumOff val="25000"/>
+                  </a:schemeClr>
+                </a:solidFill>
+                <a:latin typeface="+mn-lt"/>
+                <a:ea typeface="+mn-ea"/>
+                <a:cs typeface="+mn-cs"/>
+              </a:defRPr>
+            </a:lvl3pPr>
+            <a:lvl4pPr marL="1242000" indent="-234000" algn="l" defTabSz="457200" rtl="0" eaLnBrk="1" latinLnBrk="0" hangingPunct="1">
+              <a:spcBef>
+                <a:spcPct val="20000"/>
+              </a:spcBef>
+              <a:spcAft>
+                <a:spcPts val="600"/>
+              </a:spcAft>
+              <a:buClr>
+                <a:schemeClr val="accent1"/>
+              </a:buClr>
+              <a:buSzPct val="92000"/>
+              <a:buFont typeface="Wingdings 2" panose="05020102010507070707" pitchFamily="18" charset="2"/>
+              <a:buChar char=""/>
+              <a:defRPr sz="1100" kern="1200">
+                <a:solidFill>
+                  <a:schemeClr val="tx1">
+                    <a:lumMod val="75000"/>
+                    <a:lumOff val="25000"/>
+                  </a:schemeClr>
+                </a:solidFill>
+                <a:latin typeface="+mn-lt"/>
+                <a:ea typeface="+mn-ea"/>
+                <a:cs typeface="+mn-cs"/>
+              </a:defRPr>
+            </a:lvl4pPr>
+            <a:lvl5pPr marL="1602000" indent="-234000" algn="l" defTabSz="457200" rtl="0" eaLnBrk="1" latinLnBrk="0" hangingPunct="1">
+              <a:spcBef>
+                <a:spcPct val="20000"/>
+              </a:spcBef>
+              <a:spcAft>
+                <a:spcPts val="600"/>
+              </a:spcAft>
+              <a:buClr>
+                <a:schemeClr val="accent1"/>
+              </a:buClr>
+              <a:buSzPct val="92000"/>
+              <a:buFont typeface="Wingdings 2" panose="05020102010507070707" pitchFamily="18" charset="2"/>
+              <a:buChar char=""/>
+              <a:defRPr sz="1100" kern="1200">
+                <a:solidFill>
+                  <a:schemeClr val="tx1">
+                    <a:lumMod val="75000"/>
+                    <a:lumOff val="25000"/>
+                  </a:schemeClr>
+                </a:solidFill>
+                <a:latin typeface="+mn-lt"/>
+                <a:ea typeface="+mn-ea"/>
+                <a:cs typeface="+mn-cs"/>
+              </a:defRPr>
+            </a:lvl5pPr>
+            <a:lvl6pPr marL="1900000" indent="-228600" algn="l" defTabSz="457200" rtl="0" eaLnBrk="1" latinLnBrk="0" hangingPunct="1">
+              <a:spcBef>
+                <a:spcPct val="20000"/>
+              </a:spcBef>
+              <a:spcAft>
+                <a:spcPts val="600"/>
+              </a:spcAft>
+              <a:buClr>
+                <a:schemeClr val="accent2"/>
+              </a:buClr>
+              <a:buSzPct val="92000"/>
+              <a:buFont typeface="Wingdings 2" panose="05020102010507070707" pitchFamily="18" charset="2"/>
+              <a:buChar char=""/>
+              <a:defRPr sz="1200" kern="1200">
+                <a:solidFill>
+                  <a:schemeClr val="tx2"/>
+                </a:solidFill>
+                <a:latin typeface="+mn-lt"/>
+                <a:ea typeface="+mn-ea"/>
+                <a:cs typeface="+mn-cs"/>
+              </a:defRPr>
+            </a:lvl6pPr>
+            <a:lvl7pPr marL="2200000" indent="-228600" algn="l" defTabSz="457200" rtl="0" eaLnBrk="1" latinLnBrk="0" hangingPunct="1">
+              <a:spcBef>
+                <a:spcPct val="20000"/>
+              </a:spcBef>
+              <a:spcAft>
+                <a:spcPts val="600"/>
+              </a:spcAft>
+              <a:buClr>
+                <a:schemeClr val="accent2"/>
+              </a:buClr>
+              <a:buSzPct val="92000"/>
+              <a:buFont typeface="Wingdings 2" panose="05020102010507070707" pitchFamily="18" charset="2"/>
+              <a:buChar char=""/>
+              <a:defRPr sz="1200" kern="1200">
+                <a:solidFill>
+                  <a:schemeClr val="tx2"/>
+                </a:solidFill>
+                <a:latin typeface="+mn-lt"/>
+                <a:ea typeface="+mn-ea"/>
+                <a:cs typeface="+mn-cs"/>
+              </a:defRPr>
+            </a:lvl7pPr>
+            <a:lvl8pPr marL="2500000" indent="-228600" algn="l" defTabSz="457200" rtl="0" eaLnBrk="1" latinLnBrk="0" hangingPunct="1">
+              <a:spcBef>
+                <a:spcPct val="20000"/>
+              </a:spcBef>
+              <a:spcAft>
+                <a:spcPts val="600"/>
+              </a:spcAft>
+              <a:buClr>
+                <a:schemeClr val="accent2"/>
+              </a:buClr>
+              <a:buSzPct val="92000"/>
+              <a:buFont typeface="Wingdings 2" panose="05020102010507070707" pitchFamily="18" charset="2"/>
+              <a:buChar char=""/>
+              <a:defRPr sz="1200" kern="1200">
+                <a:solidFill>
+                  <a:schemeClr val="tx2"/>
+                </a:solidFill>
+                <a:latin typeface="+mn-lt"/>
+                <a:ea typeface="+mn-ea"/>
+                <a:cs typeface="+mn-cs"/>
+              </a:defRPr>
+            </a:lvl8pPr>
+            <a:lvl9pPr marL="2800000" indent="-228600" algn="l" defTabSz="457200" rtl="0" eaLnBrk="1" latinLnBrk="0" hangingPunct="1">
+              <a:spcBef>
+                <a:spcPct val="20000"/>
+              </a:spcBef>
+              <a:spcAft>
+                <a:spcPts val="600"/>
+              </a:spcAft>
+              <a:buClr>
+                <a:schemeClr val="accent2"/>
+              </a:buClr>
+              <a:buSzPct val="92000"/>
+              <a:buFont typeface="Wingdings 2" panose="05020102010507070707" pitchFamily="18" charset="2"/>
+              <a:buChar char=""/>
+              <a:defRPr sz="1200" kern="1200">
+                <a:solidFill>
+                  <a:schemeClr val="tx2"/>
+                </a:solidFill>
+                <a:latin typeface="+mn-lt"/>
+                <a:ea typeface="+mn-ea"/>
+                <a:cs typeface="+mn-cs"/>
+              </a:defRPr>
+            </a:lvl9pPr>
+          </a:lstStyle>
+          <a:p>
+            <a:pPr marL="0" indent="0" algn="just">
+              <a:lnSpc>
+                <a:spcPct val="100000"/>
+              </a:lnSpc>
+              <a:buFont typeface="Wingdings 2" panose="05020102010507070707" pitchFamily="18" charset="2"/>
+              <a:buNone/>
+            </a:pPr>
+            <a:r>
+              <a:rPr lang="en-US" dirty="0"/>
+              <a:t>	Based on this information we will perform customer segmentation using the RFM(Recency, Frequency, Monetary) method which is based on how recently, how often and how much a customer has purchased, from these three variables the customer receives a score that will define which group he will be allocated to. </a:t>
+            </a:r>
+            <a:endParaRPr lang="pt-BR" dirty="0"/>
           </a:p>
         </p:txBody>
       </p:sp>
@@ -7066,7 +7871,7 @@
             </a:pPr>
             <a:r>
               <a:rPr lang="en-US" dirty="0"/>
-              <a:t>	With the RFM segmentation were created ten customer groups, from the best(group 3) to the worse(group 12) we included group by group in the campaign analyzing the impact in two main factors the Profit and the ROI. Bellow we can see the results.</a:t>
+              <a:t>	With the RFM segmentation were created ten customer groups, from the best(score 3) to the worse(score 12), starting with the best score we included group by group in the campaign analyzing the impact in two main factors the Profit and the ROI. </a:t>
             </a:r>
             <a:endParaRPr lang="pt-BR" dirty="0"/>
           </a:p>
@@ -7496,7 +8301,7 @@
 </file>
 
 <file path=ppt/slides/slide8.xml><?xml version="1.0" encoding="utf-8"?>
-<p:sld xmlns:a="http://schemas.openxmlformats.org/drawingml/2006/main" xmlns:r="http://schemas.openxmlformats.org/officeDocument/2006/relationships" xmlns:p="http://schemas.openxmlformats.org/presentationml/2006/main">
+<p:sld xmlns:a="http://schemas.openxmlformats.org/drawingml/2006/main" xmlns:r="http://schemas.openxmlformats.org/officeDocument/2006/relationships" xmlns:p="http://schemas.openxmlformats.org/presentationml/2006/main" show="0">
   <p:cSld>
     <p:spTree>
       <p:nvGrpSpPr>
@@ -9521,7 +10326,7 @@
             </a:pPr>
             <a:r>
               <a:rPr lang="en-US" dirty="0"/>
-              <a:t>	Another method we used to segment customers was Kmeans, which is able to assess the proximity of respondent’s characteristics and group them based on that. According to the method used, the best number of groups to segment customers is four.</a:t>
+              <a:t>	Another method we used to segment customers was Kmeans, which is able to separate samples in n groups of equal variance. According to the method used, the best number of groups to segment customers is four.</a:t>
             </a:r>
             <a:endParaRPr lang="pt-BR" dirty="0"/>
           </a:p>
@@ -9542,14 +10347,14 @@
           <p:nvPr>
             <p:extLst>
               <p:ext uri="{D42A27DB-BD31-4B8C-83A1-F6EECF244321}">
-                <p14:modId xmlns:p14="http://schemas.microsoft.com/office/powerpoint/2010/main" val="2577318447"/>
+                <p14:modId xmlns:p14="http://schemas.microsoft.com/office/powerpoint/2010/main" val="421009639"/>
               </p:ext>
             </p:extLst>
           </p:nvPr>
         </p:nvGraphicFramePr>
         <p:xfrm>
-          <a:off x="252862" y="2770587"/>
-          <a:ext cx="7119000" cy="1639876"/>
+          <a:off x="581192" y="2828187"/>
+          <a:ext cx="6228270" cy="1639876"/>
         </p:xfrm>
         <a:graphic>
           <a:graphicData uri="http://schemas.openxmlformats.org/drawingml/2006/table">
@@ -9558,49 +10363,49 @@
                 <a:tableStyleId>{5C22544A-7EE6-4342-B048-85BDC9FD1C3A}</a:tableStyleId>
               </a:tblPr>
               <a:tblGrid>
-                <a:gridCol w="1017000">
+                <a:gridCol w="955352">
                   <a:extLst>
                     <a:ext uri="{9D8B030D-6E8A-4147-A177-3AD203B41FA5}">
                       <a16:colId xmlns:a16="http://schemas.microsoft.com/office/drawing/2014/main" val="114632110"/>
                     </a:ext>
                   </a:extLst>
                 </a:gridCol>
-                <a:gridCol w="1017000">
+                <a:gridCol w="882985">
                   <a:extLst>
                     <a:ext uri="{9D8B030D-6E8A-4147-A177-3AD203B41FA5}">
                       <a16:colId xmlns:a16="http://schemas.microsoft.com/office/drawing/2014/main" val="1255091777"/>
                     </a:ext>
                   </a:extLst>
                 </a:gridCol>
-                <a:gridCol w="1017000">
+                <a:gridCol w="899645">
                   <a:extLst>
                     <a:ext uri="{9D8B030D-6E8A-4147-A177-3AD203B41FA5}">
                       <a16:colId xmlns:a16="http://schemas.microsoft.com/office/drawing/2014/main" val="703868818"/>
                     </a:ext>
                   </a:extLst>
                 </a:gridCol>
-                <a:gridCol w="1017000">
+                <a:gridCol w="857994">
                   <a:extLst>
                     <a:ext uri="{9D8B030D-6E8A-4147-A177-3AD203B41FA5}">
                       <a16:colId xmlns:a16="http://schemas.microsoft.com/office/drawing/2014/main" val="2865480466"/>
                     </a:ext>
                   </a:extLst>
                 </a:gridCol>
-                <a:gridCol w="1017000">
+                <a:gridCol w="916305">
                   <a:extLst>
                     <a:ext uri="{9D8B030D-6E8A-4147-A177-3AD203B41FA5}">
                       <a16:colId xmlns:a16="http://schemas.microsoft.com/office/drawing/2014/main" val="3654702531"/>
                     </a:ext>
                   </a:extLst>
                 </a:gridCol>
-                <a:gridCol w="1017000">
+                <a:gridCol w="899645">
                   <a:extLst>
                     <a:ext uri="{9D8B030D-6E8A-4147-A177-3AD203B41FA5}">
                       <a16:colId xmlns:a16="http://schemas.microsoft.com/office/drawing/2014/main" val="3639110286"/>
                     </a:ext>
                   </a:extLst>
                 </a:gridCol>
-                <a:gridCol w="1017000">
+                <a:gridCol w="816344">
                   <a:extLst>
                     <a:ext uri="{9D8B030D-6E8A-4147-A177-3AD203B41FA5}">
                       <a16:colId xmlns:a16="http://schemas.microsoft.com/office/drawing/2014/main" val="4028796748"/>
@@ -9744,52 +10549,52 @@
                       <a:pPr algn="ctr"/>
                       <a:r>
                         <a:rPr lang="en-US" sz="1000" dirty="0"/>
-                        <a:t>1006</a:t>
-                      </a:r>
-                      <a:endParaRPr lang="pt-BR" sz="1000" dirty="0"/>
-                    </a:p>
-                  </a:txBody>
-                  <a:tcPr/>
-                </a:tc>
-                <a:tc>
-                  <a:txBody>
-                    <a:bodyPr/>
-                    <a:lstStyle/>
-                    <a:p>
-                      <a:pPr algn="ctr"/>
-                      <a:r>
-                        <a:rPr lang="en-US" sz="1000" dirty="0"/>
-                        <a:t>3018</a:t>
-                      </a:r>
-                      <a:endParaRPr lang="pt-BR" sz="1000" dirty="0"/>
-                    </a:p>
-                  </a:txBody>
-                  <a:tcPr/>
-                </a:tc>
-                <a:tc>
-                  <a:txBody>
-                    <a:bodyPr/>
-                    <a:lstStyle/>
-                    <a:p>
-                      <a:pPr algn="ctr"/>
-                      <a:r>
-                        <a:rPr lang="en-US" sz="1000" dirty="0"/>
-                        <a:t>85</a:t>
-                      </a:r>
-                      <a:endParaRPr lang="pt-BR" sz="1000" dirty="0"/>
-                    </a:p>
-                  </a:txBody>
-                  <a:tcPr/>
-                </a:tc>
-                <a:tc>
-                  <a:txBody>
-                    <a:bodyPr/>
-                    <a:lstStyle/>
-                    <a:p>
-                      <a:pPr algn="ctr"/>
-                      <a:r>
-                        <a:rPr lang="en-US" sz="1000" dirty="0"/>
-                        <a:t>935</a:t>
+                        <a:t>1038</a:t>
+                      </a:r>
+                      <a:endParaRPr lang="pt-BR" sz="1000" dirty="0"/>
+                    </a:p>
+                  </a:txBody>
+                  <a:tcPr/>
+                </a:tc>
+                <a:tc>
+                  <a:txBody>
+                    <a:bodyPr/>
+                    <a:lstStyle/>
+                    <a:p>
+                      <a:pPr algn="ctr"/>
+                      <a:r>
+                        <a:rPr lang="en-US" sz="1000" dirty="0"/>
+                        <a:t>3114</a:t>
+                      </a:r>
+                      <a:endParaRPr lang="pt-BR" sz="1000" dirty="0"/>
+                    </a:p>
+                  </a:txBody>
+                  <a:tcPr/>
+                </a:tc>
+                <a:tc>
+                  <a:txBody>
+                    <a:bodyPr/>
+                    <a:lstStyle/>
+                    <a:p>
+                      <a:pPr algn="ctr"/>
+                      <a:r>
+                        <a:rPr lang="en-US" sz="1000" dirty="0"/>
+                        <a:t>91</a:t>
+                      </a:r>
+                      <a:endParaRPr lang="pt-BR" sz="1000" dirty="0"/>
+                    </a:p>
+                  </a:txBody>
+                  <a:tcPr/>
+                </a:tc>
+                <a:tc>
+                  <a:txBody>
+                    <a:bodyPr/>
+                    <a:lstStyle/>
+                    <a:p>
+                      <a:pPr algn="ctr"/>
+                      <a:r>
+                        <a:rPr lang="en-US" sz="1000" dirty="0"/>
+                        <a:t>1001</a:t>
                       </a:r>
                       <a:endParaRPr lang="pt-BR" sz="1000" dirty="0"/>
                     </a:p>
@@ -9808,7 +10613,7 @@
                             <a:srgbClr val="FF0000"/>
                           </a:solidFill>
                         </a:rPr>
-                        <a:t>-2083</a:t>
+                        <a:t>-2113</a:t>
                       </a:r>
                       <a:endParaRPr lang="pt-BR" sz="1000" dirty="0">
                         <a:solidFill>
@@ -9831,7 +10636,7 @@
                             <a:srgbClr val="FF0000"/>
                           </a:solidFill>
                         </a:rPr>
-                        <a:t>-69,02</a:t>
+                        <a:t>-67,85</a:t>
                       </a:r>
                       <a:endParaRPr lang="pt-BR" sz="1000" dirty="0">
                         <a:solidFill>
@@ -9872,84 +10677,100 @@
                       <a:pPr algn="ctr"/>
                       <a:r>
                         <a:rPr lang="en-US" sz="1000" dirty="0"/>
-                        <a:t>260</a:t>
-                      </a:r>
-                      <a:endParaRPr lang="pt-BR" sz="1000" dirty="0"/>
-                    </a:p>
-                  </a:txBody>
-                  <a:tcPr/>
-                </a:tc>
-                <a:tc>
-                  <a:txBody>
-                    <a:bodyPr/>
-                    <a:lstStyle/>
-                    <a:p>
-                      <a:pPr algn="ctr"/>
-                      <a:r>
-                        <a:rPr lang="en-US" sz="1000" dirty="0"/>
-                        <a:t>780</a:t>
-                      </a:r>
-                      <a:endParaRPr lang="pt-BR" sz="1000" dirty="0"/>
-                    </a:p>
-                  </a:txBody>
-                  <a:tcPr/>
-                </a:tc>
-                <a:tc>
-                  <a:txBody>
-                    <a:bodyPr/>
-                    <a:lstStyle/>
-                    <a:p>
-                      <a:pPr algn="ctr"/>
-                      <a:r>
-                        <a:rPr lang="en-US" sz="1000" dirty="0"/>
-                        <a:t>133</a:t>
-                      </a:r>
-                      <a:endParaRPr lang="pt-BR" sz="1000" dirty="0"/>
-                    </a:p>
-                  </a:txBody>
-                  <a:tcPr/>
-                </a:tc>
-                <a:tc>
-                  <a:txBody>
-                    <a:bodyPr/>
-                    <a:lstStyle/>
-                    <a:p>
-                      <a:pPr algn="ctr"/>
-                      <a:r>
-                        <a:rPr lang="en-US" sz="1000" dirty="0"/>
-                        <a:t>1463</a:t>
-                      </a:r>
-                      <a:endParaRPr lang="pt-BR" sz="1000" dirty="0"/>
-                    </a:p>
-                  </a:txBody>
-                  <a:tcPr/>
-                </a:tc>
-                <a:tc>
-                  <a:txBody>
-                    <a:bodyPr/>
-                    <a:lstStyle/>
-                    <a:p>
-                      <a:pPr algn="ctr"/>
-                      <a:r>
-                        <a:rPr lang="en-US" sz="1000" dirty="0"/>
-                        <a:t>683</a:t>
-                      </a:r>
-                      <a:endParaRPr lang="pt-BR" sz="1000" dirty="0"/>
-                    </a:p>
-                  </a:txBody>
-                  <a:tcPr/>
-                </a:tc>
-                <a:tc>
-                  <a:txBody>
-                    <a:bodyPr/>
-                    <a:lstStyle/>
-                    <a:p>
-                      <a:pPr algn="ctr"/>
-                      <a:r>
-                        <a:rPr lang="en-US" sz="1000" dirty="0"/>
-                        <a:t>87,56</a:t>
-                      </a:r>
-                      <a:endParaRPr lang="pt-BR" sz="1000" dirty="0"/>
+                        <a:t>579</a:t>
+                      </a:r>
+                      <a:endParaRPr lang="pt-BR" sz="1000" dirty="0"/>
+                    </a:p>
+                  </a:txBody>
+                  <a:tcPr/>
+                </a:tc>
+                <a:tc>
+                  <a:txBody>
+                    <a:bodyPr/>
+                    <a:lstStyle/>
+                    <a:p>
+                      <a:pPr algn="ctr"/>
+                      <a:r>
+                        <a:rPr lang="en-US" sz="1000" dirty="0"/>
+                        <a:t>1737</a:t>
+                      </a:r>
+                      <a:endParaRPr lang="pt-BR" sz="1000" dirty="0"/>
+                    </a:p>
+                  </a:txBody>
+                  <a:tcPr/>
+                </a:tc>
+                <a:tc>
+                  <a:txBody>
+                    <a:bodyPr/>
+                    <a:lstStyle/>
+                    <a:p>
+                      <a:pPr algn="ctr"/>
+                      <a:r>
+                        <a:rPr lang="en-US" sz="1000" dirty="0"/>
+                        <a:t>70</a:t>
+                      </a:r>
+                      <a:endParaRPr lang="pt-BR" sz="1000" dirty="0"/>
+                    </a:p>
+                  </a:txBody>
+                  <a:tcPr/>
+                </a:tc>
+                <a:tc>
+                  <a:txBody>
+                    <a:bodyPr/>
+                    <a:lstStyle/>
+                    <a:p>
+                      <a:pPr algn="ctr"/>
+                      <a:r>
+                        <a:rPr lang="en-US" sz="1000" dirty="0"/>
+                        <a:t>770</a:t>
+                      </a:r>
+                      <a:endParaRPr lang="pt-BR" sz="1000" dirty="0"/>
+                    </a:p>
+                  </a:txBody>
+                  <a:tcPr/>
+                </a:tc>
+                <a:tc>
+                  <a:txBody>
+                    <a:bodyPr/>
+                    <a:lstStyle/>
+                    <a:p>
+                      <a:pPr algn="ctr"/>
+                      <a:r>
+                        <a:rPr lang="en-US" sz="1000" dirty="0">
+                          <a:solidFill>
+                            <a:srgbClr val="FF0000"/>
+                          </a:solidFill>
+                        </a:rPr>
+                        <a:t>-967</a:t>
+                      </a:r>
+                      <a:endParaRPr lang="pt-BR" sz="1000" dirty="0">
+                        <a:solidFill>
+                          <a:srgbClr val="FF0000"/>
+                        </a:solidFill>
+                      </a:endParaRPr>
+                    </a:p>
+                  </a:txBody>
+                  <a:tcPr/>
+                </a:tc>
+                <a:tc>
+                  <a:txBody>
+                    <a:bodyPr/>
+                    <a:lstStyle/>
+                    <a:p>
+                      <a:pPr algn="ctr"/>
+                      <a:r>
+                        <a:rPr lang="en-US" sz="1000" dirty="0">
+                          <a:solidFill>
+                            <a:srgbClr val="FF0000"/>
+                          </a:solidFill>
+                        </a:rPr>
+                        <a:t>-55,67</a:t>
+                      </a:r>
+                      <a:endParaRPr lang="pt-BR" sz="1000" dirty="0">
+                        <a:solidFill>
+                          <a:srgbClr val="FF0000"/>
+                        </a:solidFill>
+                      </a:endParaRPr>
                     </a:p>
                   </a:txBody>
                   <a:tcPr/>
@@ -9984,52 +10805,52 @@
                       <a:pPr algn="ctr"/>
                       <a:r>
                         <a:rPr lang="en-US" sz="1000" dirty="0"/>
-                        <a:t>518</a:t>
-                      </a:r>
-                      <a:endParaRPr lang="pt-BR" sz="1000" dirty="0"/>
-                    </a:p>
-                  </a:txBody>
-                  <a:tcPr/>
-                </a:tc>
-                <a:tc>
-                  <a:txBody>
-                    <a:bodyPr/>
-                    <a:lstStyle/>
-                    <a:p>
-                      <a:pPr algn="ctr"/>
-                      <a:r>
-                        <a:rPr lang="en-US" sz="1000" dirty="0"/>
-                        <a:t>1554</a:t>
-                      </a:r>
-                      <a:endParaRPr lang="pt-BR" sz="1000" dirty="0"/>
-                    </a:p>
-                  </a:txBody>
-                  <a:tcPr/>
-                </a:tc>
-                <a:tc>
-                  <a:txBody>
-                    <a:bodyPr/>
-                    <a:lstStyle/>
-                    <a:p>
-                      <a:pPr algn="ctr"/>
-                      <a:r>
-                        <a:rPr lang="en-US" sz="1000" dirty="0"/>
-                        <a:t>71</a:t>
-                      </a:r>
-                      <a:endParaRPr lang="pt-BR" sz="1000" dirty="0"/>
-                    </a:p>
-                  </a:txBody>
-                  <a:tcPr/>
-                </a:tc>
-                <a:tc>
-                  <a:txBody>
-                    <a:bodyPr/>
-                    <a:lstStyle/>
-                    <a:p>
-                      <a:pPr algn="ctr"/>
-                      <a:r>
-                        <a:rPr lang="en-US" sz="1000" dirty="0"/>
-                        <a:t>781</a:t>
+                        <a:t>501</a:t>
+                      </a:r>
+                      <a:endParaRPr lang="pt-BR" sz="1000" dirty="0"/>
+                    </a:p>
+                  </a:txBody>
+                  <a:tcPr/>
+                </a:tc>
+                <a:tc>
+                  <a:txBody>
+                    <a:bodyPr/>
+                    <a:lstStyle/>
+                    <a:p>
+                      <a:pPr algn="ctr"/>
+                      <a:r>
+                        <a:rPr lang="en-US" sz="1000" dirty="0"/>
+                        <a:t>1503</a:t>
+                      </a:r>
+                      <a:endParaRPr lang="pt-BR" sz="1000" dirty="0"/>
+                    </a:p>
+                  </a:txBody>
+                  <a:tcPr/>
+                </a:tc>
+                <a:tc>
+                  <a:txBody>
+                    <a:bodyPr/>
+                    <a:lstStyle/>
+                    <a:p>
+                      <a:pPr algn="ctr"/>
+                      <a:r>
+                        <a:rPr lang="en-US" sz="1000" dirty="0"/>
+                        <a:t>94</a:t>
+                      </a:r>
+                      <a:endParaRPr lang="pt-BR" sz="1000" dirty="0"/>
+                    </a:p>
+                  </a:txBody>
+                  <a:tcPr/>
+                </a:tc>
+                <a:tc>
+                  <a:txBody>
+                    <a:bodyPr/>
+                    <a:lstStyle/>
+                    <a:p>
+                      <a:pPr algn="ctr"/>
+                      <a:r>
+                        <a:rPr lang="en-US" sz="1000" dirty="0"/>
+                        <a:t>1034</a:t>
                       </a:r>
                       <a:endParaRPr lang="pt-BR" sz="1000" dirty="0"/>
                     </a:p>
@@ -10048,7 +10869,7 @@
                             <a:srgbClr val="FF0000"/>
                           </a:solidFill>
                         </a:rPr>
-                        <a:t>-773</a:t>
+                        <a:t>-469</a:t>
                       </a:r>
                       <a:endParaRPr lang="pt-BR" sz="1000" dirty="0">
                         <a:solidFill>
@@ -10071,7 +10892,7 @@
                             <a:srgbClr val="FF0000"/>
                           </a:solidFill>
                         </a:rPr>
-                        <a:t>-49,74</a:t>
+                        <a:t>-31,20</a:t>
                       </a:r>
                       <a:endParaRPr lang="pt-BR" sz="1000" dirty="0">
                         <a:solidFill>
@@ -10112,52 +10933,52 @@
                       <a:pPr algn="ctr"/>
                       <a:r>
                         <a:rPr lang="en-US" sz="1000" dirty="0"/>
-                        <a:t>455</a:t>
-                      </a:r>
-                      <a:endParaRPr lang="pt-BR" sz="1000" dirty="0"/>
-                    </a:p>
-                  </a:txBody>
-                  <a:tcPr/>
-                </a:tc>
-                <a:tc>
-                  <a:txBody>
-                    <a:bodyPr/>
-                    <a:lstStyle/>
-                    <a:p>
-                      <a:pPr algn="ctr"/>
-                      <a:r>
-                        <a:rPr lang="en-US" sz="1000" dirty="0"/>
-                        <a:t>1365</a:t>
-                      </a:r>
-                      <a:endParaRPr lang="pt-BR" sz="1000" dirty="0"/>
-                    </a:p>
-                  </a:txBody>
-                  <a:tcPr/>
-                </a:tc>
-                <a:tc>
-                  <a:txBody>
-                    <a:bodyPr/>
-                    <a:lstStyle/>
-                    <a:p>
-                      <a:pPr algn="ctr"/>
-                      <a:r>
-                        <a:rPr lang="en-US" sz="1000" dirty="0"/>
-                        <a:t>45</a:t>
-                      </a:r>
-                      <a:endParaRPr lang="pt-BR" sz="1000" dirty="0"/>
-                    </a:p>
-                  </a:txBody>
-                  <a:tcPr/>
-                </a:tc>
-                <a:tc>
-                  <a:txBody>
-                    <a:bodyPr/>
-                    <a:lstStyle/>
-                    <a:p>
-                      <a:pPr algn="ctr"/>
-                      <a:r>
-                        <a:rPr lang="en-US" sz="1000" dirty="0"/>
-                        <a:t>495</a:t>
+                        <a:t>121</a:t>
+                      </a:r>
+                      <a:endParaRPr lang="pt-BR" sz="1000" dirty="0"/>
+                    </a:p>
+                  </a:txBody>
+                  <a:tcPr/>
+                </a:tc>
+                <a:tc>
+                  <a:txBody>
+                    <a:bodyPr/>
+                    <a:lstStyle/>
+                    <a:p>
+                      <a:pPr algn="ctr"/>
+                      <a:r>
+                        <a:rPr lang="en-US" sz="1000" dirty="0"/>
+                        <a:t>363</a:t>
+                      </a:r>
+                      <a:endParaRPr lang="pt-BR" sz="1000" dirty="0"/>
+                    </a:p>
+                  </a:txBody>
+                  <a:tcPr/>
+                </a:tc>
+                <a:tc>
+                  <a:txBody>
+                    <a:bodyPr/>
+                    <a:lstStyle/>
+                    <a:p>
+                      <a:pPr algn="ctr"/>
+                      <a:r>
+                        <a:rPr lang="en-US" sz="1000" dirty="0"/>
+                        <a:t>79</a:t>
+                      </a:r>
+                      <a:endParaRPr lang="pt-BR" sz="1000" dirty="0"/>
+                    </a:p>
+                  </a:txBody>
+                  <a:tcPr/>
+                </a:tc>
+                <a:tc>
+                  <a:txBody>
+                    <a:bodyPr/>
+                    <a:lstStyle/>
+                    <a:p>
+                      <a:pPr algn="ctr"/>
+                      <a:r>
+                        <a:rPr lang="en-US" sz="1000" dirty="0"/>
+                        <a:t>869</a:t>
                       </a:r>
                       <a:endParaRPr lang="pt-BR" sz="1000" dirty="0"/>
                     </a:p>
@@ -10173,14 +10994,14 @@
                       <a:r>
                         <a:rPr lang="en-US" sz="1000" dirty="0">
                           <a:solidFill>
-                            <a:srgbClr val="FF0000"/>
+                            <a:srgbClr val="00B050"/>
                           </a:solidFill>
                         </a:rPr>
-                        <a:t>-870</a:t>
+                        <a:t>506</a:t>
                       </a:r>
                       <a:endParaRPr lang="pt-BR" sz="1000" dirty="0">
                         <a:solidFill>
-                          <a:srgbClr val="FF0000"/>
+                          <a:srgbClr val="00B050"/>
                         </a:solidFill>
                       </a:endParaRPr>
                     </a:p>
@@ -10196,14 +11017,14 @@
                       <a:r>
                         <a:rPr lang="en-US" sz="1000" dirty="0">
                           <a:solidFill>
-                            <a:srgbClr val="FF0000"/>
+                            <a:srgbClr val="00B050"/>
                           </a:solidFill>
                         </a:rPr>
-                        <a:t>-63,74</a:t>
+                        <a:t>139,39</a:t>
                       </a:r>
                       <a:endParaRPr lang="pt-BR" sz="1000" dirty="0">
                         <a:solidFill>
-                          <a:srgbClr val="FF0000"/>
+                          <a:srgbClr val="00B050"/>
                         </a:solidFill>
                       </a:endParaRPr>
                     </a:p>
@@ -10480,10 +11301,10 @@
             <a:r>
               <a:rPr lang="en-US" b="1" dirty="0">
                 <a:solidFill>
-                  <a:srgbClr val="FF0000"/>
+                  <a:srgbClr val="00B050"/>
                 </a:solidFill>
               </a:rPr>
-              <a:t>683MU</a:t>
+              <a:t>506MU</a:t>
             </a:r>
             <a:r>
               <a:rPr lang="en-US" dirty="0"/>
@@ -10492,10 +11313,10 @@
             <a:r>
               <a:rPr lang="en-US" b="1" dirty="0">
                 <a:solidFill>
-                  <a:srgbClr val="FF0000"/>
+                  <a:srgbClr val="00B050"/>
                 </a:solidFill>
               </a:rPr>
-              <a:t>260</a:t>
+              <a:t>121</a:t>
             </a:r>
             <a:r>
               <a:rPr lang="en-US" dirty="0"/>
@@ -10504,10 +11325,10 @@
             <a:r>
               <a:rPr lang="en-US" b="1" dirty="0">
                 <a:solidFill>
-                  <a:srgbClr val="FF0000"/>
+                  <a:srgbClr val="00B050"/>
                 </a:solidFill>
               </a:rPr>
-              <a:t>133</a:t>
+              <a:t>79</a:t>
             </a:r>
             <a:r>
               <a:rPr lang="en-US" dirty="0"/>
@@ -10516,14 +11337,22 @@
             <a:r>
               <a:rPr lang="en-US" b="1" dirty="0">
                 <a:solidFill>
-                  <a:srgbClr val="FF0000"/>
+                  <a:srgbClr val="00B050"/>
                 </a:solidFill>
               </a:rPr>
-              <a:t>87.56%</a:t>
+              <a:t>139,39%</a:t>
+            </a:r>
+            <a:r>
+              <a:rPr lang="en-US" dirty="0">
+                <a:solidFill>
+                  <a:srgbClr val="00B050"/>
+                </a:solidFill>
+              </a:rPr>
+              <a:t>. </a:t>
             </a:r>
             <a:r>
               <a:rPr lang="en-US" dirty="0"/>
-              <a:t>. Analyzing the characteristics of this group we have an idea of what makes it different from the others this group has higher medians in income, total spend, number of purchases and positive responses in previous marketing campaigns. We noticed that most of the clients in the group don't have children or teenagers at home</a:t>
+              <a:t>Analyzing the characteristics of this group we have an idea of what makes it different from the others this group has higher medians in income, total spend, number of purchases and positive responses in previous marketing campaigns. We noticed that most of the clients in the group don't have children or teenagers at home</a:t>
             </a:r>
             <a:endParaRPr lang="pt-BR" dirty="0"/>
           </a:p>
@@ -10531,10 +11360,10 @@
       </p:sp>
       <p:pic>
         <p:nvPicPr>
-          <p:cNvPr id="17" name="Imagem 16">
+          <p:cNvPr id="5" name="Imagem 4">
             <a:extLst>
               <a:ext uri="{FF2B5EF4-FFF2-40B4-BE49-F238E27FC236}">
-                <a16:creationId xmlns:a16="http://schemas.microsoft.com/office/drawing/2014/main" id="{D7F598F2-F380-4F02-A4B3-8BD0162EACC6}"/>
+                <a16:creationId xmlns:a16="http://schemas.microsoft.com/office/drawing/2014/main" id="{D9F539D6-1BAE-4957-B914-BB64FC802440}"/>
               </a:ext>
             </a:extLst>
           </p:cNvPr>
@@ -10551,8 +11380,8 @@
         </p:blipFill>
         <p:spPr>
           <a:xfrm>
-            <a:off x="7616089" y="1915064"/>
-            <a:ext cx="4202715" cy="3191774"/>
+            <a:off x="7615879" y="1954226"/>
+            <a:ext cx="3994928" cy="3146147"/>
           </a:xfrm>
           <a:prstGeom prst="rect">
             <a:avLst/>

--- a/iFood Data Business Analyst Case.pptx
+++ b/iFood Data Business Analyst Case.pptx
@@ -5,22 +5,21 @@
     <p:sldMasterId id="2147483712" r:id="rId4"/>
   </p:sldMasterIdLst>
   <p:notesMasterIdLst>
-    <p:notesMasterId r:id="rId15"/>
+    <p:notesMasterId r:id="rId14"/>
   </p:notesMasterIdLst>
   <p:handoutMasterIdLst>
-    <p:handoutMasterId r:id="rId16"/>
+    <p:handoutMasterId r:id="rId15"/>
   </p:handoutMasterIdLst>
   <p:sldIdLst>
     <p:sldId id="257" r:id="rId5"/>
     <p:sldId id="260" r:id="rId6"/>
     <p:sldId id="261" r:id="rId7"/>
     <p:sldId id="262" r:id="rId8"/>
-    <p:sldId id="263" r:id="rId9"/>
-    <p:sldId id="267" r:id="rId10"/>
-    <p:sldId id="264" r:id="rId11"/>
-    <p:sldId id="266" r:id="rId12"/>
-    <p:sldId id="268" r:id="rId13"/>
-    <p:sldId id="269" r:id="rId14"/>
+    <p:sldId id="267" r:id="rId9"/>
+    <p:sldId id="264" r:id="rId10"/>
+    <p:sldId id="268" r:id="rId11"/>
+    <p:sldId id="263" r:id="rId12"/>
+    <p:sldId id="269" r:id="rId13"/>
   </p:sldIdLst>
   <p:sldSz cx="12192000" cy="6858000"/>
   <p:notesSz cx="6858000" cy="9144000"/>
@@ -225,7 +224,7 @@
             <a:pPr rtl="0"/>
             <a:fld id="{0ECB700D-7E1A-49E2-ABAD-092ACBACD43B}" type="datetime1">
               <a:rPr lang="pt-BR" smtClean="0"/>
-              <a:t>30/01/2022</a:t>
+              <a:t>31/01/2022</a:t>
             </a:fld>
             <a:endParaRPr lang="en-US" dirty="0"/>
           </a:p>
@@ -395,7 +394,7 @@
             <a:pPr rtl="0"/>
             <a:fld id="{F3E3353A-A592-44BD-B6AB-B98E47E0DF51}" type="datetime1">
               <a:rPr lang="pt-BR" smtClean="0"/>
-              <a:t>30/01/2022</a:t>
+              <a:t>31/01/2022</a:t>
             </a:fld>
             <a:endParaRPr lang="en-US"/>
           </a:p>
@@ -909,7 +908,7 @@
             <a:pPr rtl="0"/>
             <a:fld id="{00472D23-6933-4398-B088-86D87D4569A8}" type="datetime1">
               <a:rPr lang="pt-BR" smtClean="0"/>
-              <a:t>30/01/2022</a:t>
+              <a:t>31/01/2022</a:t>
             </a:fld>
             <a:endParaRPr lang="en-US" dirty="0"/>
           </a:p>
@@ -1116,7 +1115,7 @@
             <a:pPr rtl="0"/>
             <a:fld id="{C28CAC3A-C360-423D-8EE7-1FC8754818CB}" type="datetime1">
               <a:rPr lang="pt-BR" smtClean="0"/>
-              <a:t>30/01/2022</a:t>
+              <a:t>31/01/2022</a:t>
             </a:fld>
             <a:endParaRPr lang="en-US" dirty="0"/>
           </a:p>
@@ -1482,7 +1481,7 @@
             <a:pPr rtl="0"/>
             <a:fld id="{8BBA3C67-7F45-4D7A-B048-0542E838373B}" type="datetime1">
               <a:rPr lang="pt-BR" smtClean="0"/>
-              <a:t>30/01/2022</a:t>
+              <a:t>31/01/2022</a:t>
             </a:fld>
             <a:endParaRPr lang="en-US" dirty="0"/>
           </a:p>
@@ -1684,7 +1683,7 @@
             <a:pPr rtl="0"/>
             <a:fld id="{D6866A0C-EEE8-4DE1-9ECF-51EC9C0B8BE2}" type="datetime1">
               <a:rPr lang="pt-BR" smtClean="0"/>
-              <a:t>30/01/2022</a:t>
+              <a:t>31/01/2022</a:t>
             </a:fld>
             <a:endParaRPr lang="en-US" dirty="0"/>
           </a:p>
@@ -2000,7 +1999,7 @@
             <a:pPr rtl="0"/>
             <a:fld id="{C9F9B11C-AD18-4A04-821E-C5366FCA14C8}" type="datetime1">
               <a:rPr lang="pt-BR" smtClean="0"/>
-              <a:t>30/01/2022</a:t>
+              <a:t>31/01/2022</a:t>
             </a:fld>
             <a:endParaRPr lang="en-US" dirty="0"/>
           </a:p>
@@ -2257,7 +2256,7 @@
             <a:pPr rtl="0"/>
             <a:fld id="{B34586AC-0217-4567-B29B-23EE9A9222A5}" type="datetime1">
               <a:rPr lang="pt-BR" smtClean="0"/>
-              <a:t>30/01/2022</a:t>
+              <a:t>31/01/2022</a:t>
             </a:fld>
             <a:endParaRPr lang="en-US" dirty="0"/>
           </a:p>
@@ -2683,7 +2682,7 @@
             <a:pPr rtl="0"/>
             <a:fld id="{05EA9A4D-5B4A-4536-B4F3-3781F06B7402}" type="datetime1">
               <a:rPr lang="pt-BR" smtClean="0"/>
-              <a:t>30/01/2022</a:t>
+              <a:t>31/01/2022</a:t>
             </a:fld>
             <a:endParaRPr lang="en-US" dirty="0"/>
           </a:p>
@@ -2810,7 +2809,7 @@
             <a:pPr rtl="0"/>
             <a:fld id="{45D2EFA0-DD31-4334-BD97-CA68CA1EAF7D}" type="datetime1">
               <a:rPr lang="pt-BR" smtClean="0"/>
-              <a:t>30/01/2022</a:t>
+              <a:t>31/01/2022</a:t>
             </a:fld>
             <a:endParaRPr lang="en-US" dirty="0"/>
           </a:p>
@@ -2908,7 +2907,7 @@
             <a:pPr rtl="0"/>
             <a:fld id="{3422C804-0B7D-49A4-9AA4-17093ACFAE26}" type="datetime1">
               <a:rPr lang="pt-BR" smtClean="0"/>
-              <a:t>30/01/2022</a:t>
+              <a:t>31/01/2022</a:t>
             </a:fld>
             <a:endParaRPr lang="en-US" dirty="0"/>
           </a:p>
@@ -3289,7 +3288,7 @@
             <a:pPr rtl="0"/>
             <a:fld id="{F26C5998-667C-4083-8EAC-8B78C6E30EC5}" type="datetime1">
               <a:rPr lang="pt-BR" smtClean="0"/>
-              <a:t>30/01/2022</a:t>
+              <a:t>31/01/2022</a:t>
             </a:fld>
             <a:endParaRPr lang="en-US" dirty="0"/>
           </a:p>
@@ -3587,7 +3586,7 @@
             <a:pPr rtl="0"/>
             <a:fld id="{9CBC8F94-10C4-4E0E-B702-FA76FB225505}" type="datetime1">
               <a:rPr lang="pt-BR" smtClean="0"/>
-              <a:t>30/01/2022</a:t>
+              <a:t>31/01/2022</a:t>
             </a:fld>
             <a:endParaRPr lang="en-US" dirty="0"/>
           </a:p>
@@ -3805,7 +3804,7 @@
             <a:pPr rtl="0"/>
             <a:fld id="{ACCDFDDD-D174-442B-974C-2E7F8D4F71ED}" type="datetime1">
               <a:rPr lang="pt-BR" smtClean="0"/>
-              <a:t>30/01/2022</a:t>
+              <a:t>31/01/2022</a:t>
             </a:fld>
             <a:endParaRPr lang="en-US" dirty="0"/>
           </a:p>
@@ -4503,7 +4502,7 @@
           <a:lstStyle/>
           <a:p>
             <a:pPr algn="ctr" rtl="0"/>
-            <a:endParaRPr lang="en-US"/>
+            <a:endParaRPr lang="en-US" dirty="0"/>
           </a:p>
         </p:txBody>
       </p:sp>
@@ -4802,7 +4801,779 @@
 </p:sld>
 </file>
 
-<file path=ppt/slides/slide10.xml><?xml version="1.0" encoding="utf-8"?>
+<file path=ppt/slides/slide2.xml><?xml version="1.0" encoding="utf-8"?>
+<p:sld xmlns:a="http://schemas.openxmlformats.org/drawingml/2006/main" xmlns:r="http://schemas.openxmlformats.org/officeDocument/2006/relationships" xmlns:p="http://schemas.openxmlformats.org/presentationml/2006/main">
+  <p:cSld>
+    <p:spTree>
+      <p:nvGrpSpPr>
+        <p:cNvPr id="1" name=""/>
+        <p:cNvGrpSpPr/>
+        <p:nvPr/>
+      </p:nvGrpSpPr>
+      <p:grpSpPr>
+        <a:xfrm>
+          <a:off x="0" y="0"/>
+          <a:ext cx="0" cy="0"/>
+          <a:chOff x="0" y="0"/>
+          <a:chExt cx="0" cy="0"/>
+        </a:xfrm>
+      </p:grpSpPr>
+      <p:sp>
+        <p:nvSpPr>
+          <p:cNvPr id="2" name="Título 1">
+            <a:extLst>
+              <a:ext uri="{FF2B5EF4-FFF2-40B4-BE49-F238E27FC236}">
+                <a16:creationId xmlns:a16="http://schemas.microsoft.com/office/drawing/2014/main" id="{F012136E-8FED-438A-8CCB-512AFF3ACFA6}"/>
+              </a:ext>
+            </a:extLst>
+          </p:cNvPr>
+          <p:cNvSpPr>
+            <a:spLocks noGrp="1"/>
+          </p:cNvSpPr>
+          <p:nvPr>
+            <p:ph type="title"/>
+          </p:nvPr>
+        </p:nvSpPr>
+        <p:spPr>
+          <a:xfrm>
+            <a:off x="581192" y="702156"/>
+            <a:ext cx="11029616" cy="574709"/>
+          </a:xfrm>
+        </p:spPr>
+        <p:txBody>
+          <a:bodyPr/>
+          <a:lstStyle/>
+          <a:p>
+            <a:r>
+              <a:rPr lang="en-US" dirty="0"/>
+              <a:t>INTRODUCTION</a:t>
+            </a:r>
+            <a:endParaRPr lang="pt-BR" dirty="0"/>
+          </a:p>
+        </p:txBody>
+      </p:sp>
+      <p:sp>
+        <p:nvSpPr>
+          <p:cNvPr id="3" name="Espaço Reservado para Conteúdo 2">
+            <a:extLst>
+              <a:ext uri="{FF2B5EF4-FFF2-40B4-BE49-F238E27FC236}">
+                <a16:creationId xmlns:a16="http://schemas.microsoft.com/office/drawing/2014/main" id="{59DC1503-7258-49D9-8EED-3C1458E3B31B}"/>
+              </a:ext>
+            </a:extLst>
+          </p:cNvPr>
+          <p:cNvSpPr>
+            <a:spLocks noGrp="1"/>
+          </p:cNvSpPr>
+          <p:nvPr>
+            <p:ph idx="1"/>
+          </p:nvPr>
+        </p:nvSpPr>
+        <p:spPr>
+          <a:xfrm>
+            <a:off x="581192" y="1441622"/>
+            <a:ext cx="11029615" cy="4533728"/>
+          </a:xfrm>
+        </p:spPr>
+        <p:txBody>
+          <a:bodyPr anchor="t"/>
+          <a:lstStyle/>
+          <a:p>
+            <a:pPr marL="0" indent="0" algn="just">
+              <a:buNone/>
+            </a:pPr>
+            <a:r>
+              <a:rPr lang="en-US" dirty="0"/>
+              <a:t>	 In order to reach the objective of helping the marketing department to spend its yearly budget in a more assertive way a brief case study based on past campaigns was elaborated, with the purpose to know the customers and also to point some insights that may be useful.</a:t>
+            </a:r>
+          </a:p>
+          <a:p>
+            <a:pPr marL="0" indent="0" algn="just">
+              <a:buNone/>
+            </a:pPr>
+            <a:endParaRPr lang="en-US" dirty="0"/>
+          </a:p>
+          <a:p>
+            <a:pPr marL="0" indent="0" algn="just">
+              <a:buNone/>
+            </a:pPr>
+            <a:r>
+              <a:rPr lang="en-US" dirty="0"/>
+              <a:t>Main topics on the next slides:</a:t>
+            </a:r>
+          </a:p>
+          <a:p>
+            <a:pPr algn="just"/>
+            <a:r>
+              <a:rPr lang="en-US" dirty="0"/>
+              <a:t>Past campaigns overview;</a:t>
+            </a:r>
+          </a:p>
+          <a:p>
+            <a:pPr algn="just"/>
+            <a:r>
+              <a:rPr lang="en-US" dirty="0"/>
+              <a:t>Customer’s profile;</a:t>
+            </a:r>
+          </a:p>
+          <a:p>
+            <a:pPr algn="just"/>
+            <a:r>
+              <a:rPr lang="en-US" dirty="0"/>
+              <a:t>Customer segmentation – RFM;</a:t>
+            </a:r>
+          </a:p>
+          <a:p>
+            <a:pPr algn="just"/>
+            <a:r>
+              <a:rPr lang="en-US" dirty="0"/>
+              <a:t>Customer segmentation – Kmeans;</a:t>
+            </a:r>
+          </a:p>
+          <a:p>
+            <a:pPr algn="just"/>
+            <a:r>
+              <a:rPr lang="en-US" dirty="0"/>
+              <a:t>Predictive model to improve de campaign’s profit;</a:t>
+            </a:r>
+          </a:p>
+          <a:p>
+            <a:pPr algn="just"/>
+            <a:r>
+              <a:rPr lang="en-US" dirty="0"/>
+              <a:t>Conclusions.</a:t>
+            </a:r>
+          </a:p>
+          <a:p>
+            <a:pPr algn="just"/>
+            <a:endParaRPr lang="en-US" dirty="0"/>
+          </a:p>
+          <a:p>
+            <a:pPr algn="just"/>
+            <a:endParaRPr lang="en-US" dirty="0"/>
+          </a:p>
+          <a:p>
+            <a:pPr marL="0" indent="0" algn="just">
+              <a:buNone/>
+            </a:pPr>
+            <a:endParaRPr lang="en-US" dirty="0"/>
+          </a:p>
+          <a:p>
+            <a:pPr algn="just"/>
+            <a:endParaRPr lang="pt-BR" dirty="0"/>
+          </a:p>
+        </p:txBody>
+      </p:sp>
+    </p:spTree>
+    <p:extLst>
+      <p:ext uri="{BB962C8B-B14F-4D97-AF65-F5344CB8AC3E}">
+        <p14:creationId xmlns:p14="http://schemas.microsoft.com/office/powerpoint/2010/main" val="3412769912"/>
+      </p:ext>
+    </p:extLst>
+  </p:cSld>
+  <p:clrMapOvr>
+    <a:masterClrMapping/>
+  </p:clrMapOvr>
+</p:sld>
+</file>
+
+<file path=ppt/slides/slide3.xml><?xml version="1.0" encoding="utf-8"?>
+<p:sld xmlns:a="http://schemas.openxmlformats.org/drawingml/2006/main" xmlns:r="http://schemas.openxmlformats.org/officeDocument/2006/relationships" xmlns:p="http://schemas.openxmlformats.org/presentationml/2006/main">
+  <p:cSld>
+    <p:spTree>
+      <p:nvGrpSpPr>
+        <p:cNvPr id="1" name=""/>
+        <p:cNvGrpSpPr/>
+        <p:nvPr/>
+      </p:nvGrpSpPr>
+      <p:grpSpPr>
+        <a:xfrm>
+          <a:off x="0" y="0"/>
+          <a:ext cx="0" cy="0"/>
+          <a:chOff x="0" y="0"/>
+          <a:chExt cx="0" cy="0"/>
+        </a:xfrm>
+      </p:grpSpPr>
+      <p:sp>
+        <p:nvSpPr>
+          <p:cNvPr id="2" name="Título 1">
+            <a:extLst>
+              <a:ext uri="{FF2B5EF4-FFF2-40B4-BE49-F238E27FC236}">
+                <a16:creationId xmlns:a16="http://schemas.microsoft.com/office/drawing/2014/main" id="{F012136E-8FED-438A-8CCB-512AFF3ACFA6}"/>
+              </a:ext>
+            </a:extLst>
+          </p:cNvPr>
+          <p:cNvSpPr>
+            <a:spLocks noGrp="1"/>
+          </p:cNvSpPr>
+          <p:nvPr>
+            <p:ph type="title"/>
+          </p:nvPr>
+        </p:nvSpPr>
+        <p:spPr>
+          <a:xfrm>
+            <a:off x="581192" y="702156"/>
+            <a:ext cx="11029616" cy="574709"/>
+          </a:xfrm>
+        </p:spPr>
+        <p:txBody>
+          <a:bodyPr/>
+          <a:lstStyle/>
+          <a:p>
+            <a:r>
+              <a:rPr lang="en-US" dirty="0"/>
+              <a:t>PAST Campaigns ANALYSIS</a:t>
+            </a:r>
+            <a:endParaRPr lang="pt-BR" dirty="0"/>
+          </a:p>
+        </p:txBody>
+      </p:sp>
+      <p:sp>
+        <p:nvSpPr>
+          <p:cNvPr id="3" name="Espaço Reservado para Conteúdo 2">
+            <a:extLst>
+              <a:ext uri="{FF2B5EF4-FFF2-40B4-BE49-F238E27FC236}">
+                <a16:creationId xmlns:a16="http://schemas.microsoft.com/office/drawing/2014/main" id="{59DC1503-7258-49D9-8EED-3C1458E3B31B}"/>
+              </a:ext>
+            </a:extLst>
+          </p:cNvPr>
+          <p:cNvSpPr>
+            <a:spLocks noGrp="1"/>
+          </p:cNvSpPr>
+          <p:nvPr>
+            <p:ph idx="1"/>
+          </p:nvPr>
+        </p:nvSpPr>
+        <p:spPr>
+          <a:xfrm>
+            <a:off x="581192" y="1441622"/>
+            <a:ext cx="11029615" cy="4533728"/>
+          </a:xfrm>
+        </p:spPr>
+        <p:txBody>
+          <a:bodyPr anchor="t"/>
+          <a:lstStyle/>
+          <a:p>
+            <a:pPr marL="0" indent="0" algn="just">
+              <a:buNone/>
+            </a:pPr>
+            <a:r>
+              <a:rPr lang="en-US" dirty="0"/>
+              <a:t>	In the chart below we can see the rate of positive responses in each campaign already carried out A number of 2240 responses were analyzed and the campaign with the highest sales conversion rate was the Sample Campaign with a percentage of 14,92%. This data makes us to visualize that the effectiveness of the campaigns have been extremely low.</a:t>
+            </a:r>
+            <a:endParaRPr lang="pt-BR" dirty="0"/>
+          </a:p>
+        </p:txBody>
+      </p:sp>
+      <p:sp>
+        <p:nvSpPr>
+          <p:cNvPr id="6" name="CaixaDeTexto 5">
+            <a:extLst>
+              <a:ext uri="{FF2B5EF4-FFF2-40B4-BE49-F238E27FC236}">
+                <a16:creationId xmlns:a16="http://schemas.microsoft.com/office/drawing/2014/main" id="{5A6EE038-C27D-4A14-824C-8FCB0D0F4B3E}"/>
+              </a:ext>
+            </a:extLst>
+          </p:cNvPr>
+          <p:cNvSpPr txBox="1"/>
+          <p:nvPr/>
+        </p:nvSpPr>
+        <p:spPr>
+          <a:xfrm>
+            <a:off x="6516943" y="3585107"/>
+            <a:ext cx="4377952" cy="1831271"/>
+          </a:xfrm>
+          <a:prstGeom prst="rect">
+            <a:avLst/>
+          </a:prstGeom>
+          <a:noFill/>
+        </p:spPr>
+        <p:txBody>
+          <a:bodyPr wrap="square" rtlCol="0">
+            <a:spAutoFit/>
+          </a:bodyPr>
+          <a:lstStyle/>
+          <a:p>
+            <a:pPr algn="ctr"/>
+            <a:r>
+              <a:rPr lang="en-US" sz="2000" cap="all" dirty="0">
+                <a:solidFill>
+                  <a:srgbClr val="FF0000"/>
+                </a:solidFill>
+                <a:latin typeface="+mj-lt"/>
+                <a:ea typeface="+mj-ea"/>
+                <a:cs typeface="+mj-cs"/>
+              </a:rPr>
+              <a:t>ATTENTION POINT</a:t>
+            </a:r>
+            <a:r>
+              <a:rPr lang="en-US" sz="2800" cap="all" dirty="0">
+                <a:solidFill>
+                  <a:srgbClr val="FF0000"/>
+                </a:solidFill>
+                <a:latin typeface="+mj-lt"/>
+                <a:ea typeface="+mj-ea"/>
+                <a:cs typeface="+mj-cs"/>
+              </a:rPr>
+              <a:t>:</a:t>
+            </a:r>
+          </a:p>
+          <a:p>
+            <a:pPr algn="ctr"/>
+            <a:endParaRPr lang="pt-BR" sz="1700" dirty="0">
+              <a:solidFill>
+                <a:srgbClr val="FF0000"/>
+              </a:solidFill>
+            </a:endParaRPr>
+          </a:p>
+          <a:p>
+            <a:pPr algn="just"/>
+            <a:r>
+              <a:rPr lang="pt-BR" sz="1700" dirty="0">
+                <a:solidFill>
+                  <a:schemeClr val="tx1">
+                    <a:lumMod val="75000"/>
+                    <a:lumOff val="25000"/>
+                  </a:schemeClr>
+                </a:solidFill>
+              </a:rPr>
+              <a:t>	</a:t>
+            </a:r>
+            <a:r>
+              <a:rPr lang="pt-BR" sz="1700" b="1" dirty="0">
+                <a:solidFill>
+                  <a:schemeClr val="tx1">
+                    <a:lumMod val="75000"/>
+                    <a:lumOff val="25000"/>
+                  </a:schemeClr>
+                </a:solidFill>
+              </a:rPr>
+              <a:t>In </a:t>
+            </a:r>
+            <a:r>
+              <a:rPr lang="en-US" sz="1700" b="1" dirty="0">
+                <a:solidFill>
+                  <a:schemeClr val="tx1">
+                    <a:lumMod val="75000"/>
+                    <a:lumOff val="25000"/>
+                  </a:schemeClr>
+                </a:solidFill>
+              </a:rPr>
+              <a:t>the</a:t>
+            </a:r>
+            <a:r>
+              <a:rPr lang="pt-BR" sz="1700" b="1" dirty="0">
+                <a:solidFill>
+                  <a:schemeClr val="tx1">
+                    <a:lumMod val="75000"/>
+                    <a:lumOff val="25000"/>
+                  </a:schemeClr>
+                </a:solidFill>
+              </a:rPr>
+              <a:t> sample </a:t>
+            </a:r>
+            <a:r>
+              <a:rPr lang="en-US" sz="1700" b="1" dirty="0">
+                <a:solidFill>
+                  <a:schemeClr val="tx1">
+                    <a:lumMod val="75000"/>
+                    <a:lumOff val="25000"/>
+                  </a:schemeClr>
+                </a:solidFill>
+              </a:rPr>
+              <a:t>campaign</a:t>
+            </a:r>
+            <a:r>
+              <a:rPr lang="pt-BR" sz="1700" b="1" dirty="0">
+                <a:solidFill>
+                  <a:schemeClr val="tx1">
+                    <a:lumMod val="75000"/>
+                    <a:lumOff val="25000"/>
+                  </a:schemeClr>
+                </a:solidFill>
+              </a:rPr>
+              <a:t> </a:t>
+            </a:r>
+            <a:r>
+              <a:rPr lang="en-US" sz="1700" b="1" dirty="0">
+                <a:solidFill>
+                  <a:schemeClr val="tx1">
+                    <a:lumMod val="75000"/>
+                    <a:lumOff val="25000"/>
+                  </a:schemeClr>
+                </a:solidFill>
+              </a:rPr>
+              <a:t>the</a:t>
+            </a:r>
+            <a:r>
+              <a:rPr lang="pt-BR" sz="1700" b="1" dirty="0">
+                <a:solidFill>
+                  <a:schemeClr val="tx1">
+                    <a:lumMod val="75000"/>
+                    <a:lumOff val="25000"/>
+                  </a:schemeClr>
+                </a:solidFill>
+              </a:rPr>
+              <a:t> marketing </a:t>
+            </a:r>
+            <a:r>
+              <a:rPr lang="pt-BR" sz="1700" b="1" dirty="0" err="1">
+                <a:solidFill>
+                  <a:schemeClr val="tx1">
+                    <a:lumMod val="75000"/>
+                    <a:lumOff val="25000"/>
+                  </a:schemeClr>
+                </a:solidFill>
+              </a:rPr>
+              <a:t>department</a:t>
+            </a:r>
+            <a:r>
+              <a:rPr lang="pt-BR" sz="1700" b="1" dirty="0">
+                <a:solidFill>
+                  <a:schemeClr val="tx1">
+                    <a:lumMod val="75000"/>
+                    <a:lumOff val="25000"/>
+                  </a:schemeClr>
+                </a:solidFill>
+              </a:rPr>
+              <a:t> </a:t>
+            </a:r>
+            <a:r>
+              <a:rPr lang="pt-BR" sz="1700" b="1" dirty="0" err="1">
+                <a:solidFill>
+                  <a:schemeClr val="tx1">
+                    <a:lumMod val="75000"/>
+                    <a:lumOff val="25000"/>
+                  </a:schemeClr>
+                </a:solidFill>
+              </a:rPr>
+              <a:t>spent</a:t>
+            </a:r>
+            <a:r>
+              <a:rPr lang="pt-BR" sz="1700" b="1" dirty="0">
+                <a:solidFill>
+                  <a:schemeClr val="tx1">
+                    <a:lumMod val="75000"/>
+                    <a:lumOff val="25000"/>
+                  </a:schemeClr>
+                </a:solidFill>
+              </a:rPr>
+              <a:t> 6.720MU </a:t>
+            </a:r>
+            <a:r>
+              <a:rPr lang="pt-BR" sz="1700" b="1" dirty="0" err="1">
+                <a:solidFill>
+                  <a:schemeClr val="tx1">
+                    <a:lumMod val="75000"/>
+                    <a:lumOff val="25000"/>
+                  </a:schemeClr>
+                </a:solidFill>
+              </a:rPr>
+              <a:t>and</a:t>
+            </a:r>
+            <a:r>
+              <a:rPr lang="pt-BR" sz="1700" b="1" dirty="0">
+                <a:solidFill>
+                  <a:schemeClr val="tx1">
+                    <a:lumMod val="75000"/>
+                    <a:lumOff val="25000"/>
+                  </a:schemeClr>
+                </a:solidFill>
+              </a:rPr>
+              <a:t> </a:t>
+            </a:r>
+            <a:r>
+              <a:rPr lang="pt-BR" sz="1700" b="1" dirty="0" err="1">
+                <a:solidFill>
+                  <a:schemeClr val="tx1">
+                    <a:lumMod val="75000"/>
+                    <a:lumOff val="25000"/>
+                  </a:schemeClr>
+                </a:solidFill>
+              </a:rPr>
+              <a:t>the</a:t>
+            </a:r>
+            <a:r>
+              <a:rPr lang="pt-BR" sz="1700" b="1" dirty="0">
+                <a:solidFill>
+                  <a:schemeClr val="tx1">
+                    <a:lumMod val="75000"/>
+                    <a:lumOff val="25000"/>
+                  </a:schemeClr>
+                </a:solidFill>
+              </a:rPr>
+              <a:t> </a:t>
+            </a:r>
+            <a:r>
+              <a:rPr lang="pt-BR" sz="1700" b="1" dirty="0" err="1">
+                <a:solidFill>
+                  <a:schemeClr val="tx1">
+                    <a:lumMod val="75000"/>
+                    <a:lumOff val="25000"/>
+                  </a:schemeClr>
+                </a:solidFill>
+              </a:rPr>
+              <a:t>revenue</a:t>
+            </a:r>
+            <a:r>
+              <a:rPr lang="pt-BR" sz="1700" b="1" dirty="0">
+                <a:solidFill>
+                  <a:schemeClr val="tx1">
+                    <a:lumMod val="75000"/>
+                    <a:lumOff val="25000"/>
+                  </a:schemeClr>
+                </a:solidFill>
+              </a:rPr>
+              <a:t> </a:t>
+            </a:r>
+            <a:r>
+              <a:rPr lang="pt-BR" sz="1700" b="1" dirty="0" err="1">
+                <a:solidFill>
+                  <a:schemeClr val="tx1">
+                    <a:lumMod val="75000"/>
+                    <a:lumOff val="25000"/>
+                  </a:schemeClr>
+                </a:solidFill>
+              </a:rPr>
+              <a:t>generated</a:t>
+            </a:r>
+            <a:r>
+              <a:rPr lang="pt-BR" sz="1700" b="1" dirty="0">
+                <a:solidFill>
+                  <a:schemeClr val="tx1">
+                    <a:lumMod val="75000"/>
+                    <a:lumOff val="25000"/>
+                  </a:schemeClr>
+                </a:solidFill>
+              </a:rPr>
+              <a:t> </a:t>
+            </a:r>
+            <a:r>
+              <a:rPr lang="pt-BR" sz="1700" b="1" dirty="0" err="1">
+                <a:solidFill>
+                  <a:schemeClr val="tx1">
+                    <a:lumMod val="75000"/>
+                    <a:lumOff val="25000"/>
+                  </a:schemeClr>
+                </a:solidFill>
+              </a:rPr>
+              <a:t>was</a:t>
+            </a:r>
+            <a:r>
+              <a:rPr lang="pt-BR" sz="1700" b="1" dirty="0">
+                <a:solidFill>
+                  <a:schemeClr val="tx1">
+                    <a:lumMod val="75000"/>
+                    <a:lumOff val="25000"/>
+                  </a:schemeClr>
+                </a:solidFill>
+              </a:rPr>
+              <a:t> 3.674MU, </a:t>
+            </a:r>
+            <a:r>
+              <a:rPr lang="pt-BR" sz="1700" b="1" dirty="0" err="1">
+                <a:solidFill>
+                  <a:schemeClr val="tx1">
+                    <a:lumMod val="75000"/>
+                    <a:lumOff val="25000"/>
+                  </a:schemeClr>
+                </a:solidFill>
+              </a:rPr>
+              <a:t>globaly</a:t>
+            </a:r>
+            <a:r>
+              <a:rPr lang="pt-BR" sz="1700" b="1" dirty="0">
+                <a:solidFill>
+                  <a:schemeClr val="tx1">
+                    <a:lumMod val="75000"/>
+                    <a:lumOff val="25000"/>
+                  </a:schemeClr>
+                </a:solidFill>
+              </a:rPr>
+              <a:t> </a:t>
+            </a:r>
+            <a:r>
+              <a:rPr lang="pt-BR" sz="1700" b="1" dirty="0" err="1">
+                <a:solidFill>
+                  <a:schemeClr val="tx1">
+                    <a:lumMod val="75000"/>
+                    <a:lumOff val="25000"/>
+                  </a:schemeClr>
+                </a:solidFill>
+              </a:rPr>
+              <a:t>the</a:t>
+            </a:r>
+            <a:r>
+              <a:rPr lang="pt-BR" sz="1700" b="1" dirty="0">
+                <a:solidFill>
+                  <a:schemeClr val="tx1">
+                    <a:lumMod val="75000"/>
+                    <a:lumOff val="25000"/>
+                  </a:schemeClr>
+                </a:solidFill>
+              </a:rPr>
+              <a:t> </a:t>
+            </a:r>
+            <a:r>
+              <a:rPr lang="pt-BR" sz="1700" b="1" dirty="0" err="1">
+                <a:solidFill>
+                  <a:schemeClr val="tx1">
+                    <a:lumMod val="75000"/>
+                    <a:lumOff val="25000"/>
+                  </a:schemeClr>
+                </a:solidFill>
+              </a:rPr>
+              <a:t>campaign</a:t>
+            </a:r>
+            <a:r>
+              <a:rPr lang="pt-BR" sz="1700" b="1" dirty="0">
+                <a:solidFill>
+                  <a:schemeClr val="tx1">
+                    <a:lumMod val="75000"/>
+                    <a:lumOff val="25000"/>
+                  </a:schemeClr>
+                </a:solidFill>
+              </a:rPr>
+              <a:t> </a:t>
+            </a:r>
+            <a:r>
+              <a:rPr lang="pt-BR" sz="1700" b="1" dirty="0" err="1">
+                <a:solidFill>
+                  <a:schemeClr val="tx1">
+                    <a:lumMod val="75000"/>
+                    <a:lumOff val="25000"/>
+                  </a:schemeClr>
+                </a:solidFill>
+              </a:rPr>
+              <a:t>had</a:t>
+            </a:r>
+            <a:r>
+              <a:rPr lang="pt-BR" sz="1700" b="1" dirty="0">
+                <a:solidFill>
+                  <a:schemeClr val="tx1">
+                    <a:lumMod val="75000"/>
+                    <a:lumOff val="25000"/>
+                  </a:schemeClr>
+                </a:solidFill>
+              </a:rPr>
+              <a:t> a </a:t>
+            </a:r>
+            <a:r>
+              <a:rPr lang="pt-BR" sz="1700" b="1" dirty="0" err="1">
+                <a:solidFill>
+                  <a:schemeClr val="tx1">
+                    <a:lumMod val="75000"/>
+                    <a:lumOff val="25000"/>
+                  </a:schemeClr>
+                </a:solidFill>
+              </a:rPr>
+              <a:t>profit</a:t>
+            </a:r>
+            <a:r>
+              <a:rPr lang="pt-BR" sz="1700" b="1" dirty="0">
+                <a:solidFill>
+                  <a:schemeClr val="tx1">
+                    <a:lumMod val="75000"/>
+                    <a:lumOff val="25000"/>
+                  </a:schemeClr>
+                </a:solidFill>
+              </a:rPr>
+              <a:t> </a:t>
+            </a:r>
+            <a:r>
+              <a:rPr lang="pt-BR" sz="1700" b="1" dirty="0" err="1">
+                <a:solidFill>
+                  <a:schemeClr val="tx1">
+                    <a:lumMod val="75000"/>
+                    <a:lumOff val="25000"/>
+                  </a:schemeClr>
+                </a:solidFill>
+              </a:rPr>
+              <a:t>of</a:t>
+            </a:r>
+            <a:r>
+              <a:rPr lang="pt-BR" sz="1700" b="1" dirty="0">
+                <a:solidFill>
+                  <a:schemeClr val="tx1">
+                    <a:lumMod val="75000"/>
+                    <a:lumOff val="25000"/>
+                  </a:schemeClr>
+                </a:solidFill>
+              </a:rPr>
+              <a:t> </a:t>
+            </a:r>
+            <a:r>
+              <a:rPr lang="pt-BR" sz="1700" b="1" dirty="0">
+                <a:solidFill>
+                  <a:srgbClr val="FF0000"/>
+                </a:solidFill>
+              </a:rPr>
+              <a:t>-3.046MU</a:t>
+            </a:r>
+            <a:r>
+              <a:rPr lang="pt-BR" sz="1700" b="1" dirty="0">
+                <a:solidFill>
+                  <a:schemeClr val="tx1">
+                    <a:lumMod val="75000"/>
+                    <a:lumOff val="25000"/>
+                  </a:schemeClr>
+                </a:solidFill>
+              </a:rPr>
+              <a:t>.</a:t>
+            </a:r>
+            <a:endParaRPr lang="en-US" sz="1700" b="1" dirty="0">
+              <a:solidFill>
+                <a:schemeClr val="tx1">
+                  <a:lumMod val="75000"/>
+                  <a:lumOff val="25000"/>
+                </a:schemeClr>
+              </a:solidFill>
+            </a:endParaRPr>
+          </a:p>
+        </p:txBody>
+      </p:sp>
+      <p:pic>
+        <p:nvPicPr>
+          <p:cNvPr id="5" name="Imagem 4">
+            <a:extLst>
+              <a:ext uri="{FF2B5EF4-FFF2-40B4-BE49-F238E27FC236}">
+                <a16:creationId xmlns:a16="http://schemas.microsoft.com/office/drawing/2014/main" id="{DBAF2FE5-6183-4CBA-B771-7FA5B19D414D}"/>
+              </a:ext>
+            </a:extLst>
+          </p:cNvPr>
+          <p:cNvPicPr>
+            <a:picLocks noChangeAspect="1"/>
+          </p:cNvPicPr>
+          <p:nvPr/>
+        </p:nvPicPr>
+        <p:blipFill>
+          <a:blip r:embed="rId2"/>
+          <a:stretch>
+            <a:fillRect/>
+          </a:stretch>
+        </p:blipFill>
+        <p:spPr>
+          <a:xfrm>
+            <a:off x="875695" y="2786934"/>
+            <a:ext cx="4577754" cy="3660883"/>
+          </a:xfrm>
+          <a:prstGeom prst="rect">
+            <a:avLst/>
+          </a:prstGeom>
+        </p:spPr>
+      </p:pic>
+    </p:spTree>
+    <p:extLst>
+      <p:ext uri="{BB962C8B-B14F-4D97-AF65-F5344CB8AC3E}">
+        <p14:creationId xmlns:p14="http://schemas.microsoft.com/office/powerpoint/2010/main" val="875750666"/>
+      </p:ext>
+    </p:extLst>
+  </p:cSld>
+  <p:clrMapOvr>
+    <a:masterClrMapping/>
+  </p:clrMapOvr>
+</p:sld>
+</file>
+
+<file path=ppt/slides/slide4.xml><?xml version="1.0" encoding="utf-8"?>
 <p:sld xmlns:a="http://schemas.openxmlformats.org/drawingml/2006/main" xmlns:r="http://schemas.openxmlformats.org/officeDocument/2006/relationships" xmlns:p="http://schemas.openxmlformats.org/presentationml/2006/main">
   <p:cSld>
     <p:spTree>
@@ -4847,6 +5618,1449 @@
           <a:p>
             <a:r>
               <a:rPr lang="en-US" dirty="0"/>
+              <a:t>CUSTOMER’S PROFILE</a:t>
+            </a:r>
+            <a:endParaRPr lang="pt-BR" dirty="0"/>
+          </a:p>
+        </p:txBody>
+      </p:sp>
+      <p:sp>
+        <p:nvSpPr>
+          <p:cNvPr id="3" name="Espaço Reservado para Conteúdo 2">
+            <a:extLst>
+              <a:ext uri="{FF2B5EF4-FFF2-40B4-BE49-F238E27FC236}">
+                <a16:creationId xmlns:a16="http://schemas.microsoft.com/office/drawing/2014/main" id="{59DC1503-7258-49D9-8EED-3C1458E3B31B}"/>
+              </a:ext>
+            </a:extLst>
+          </p:cNvPr>
+          <p:cNvSpPr>
+            <a:spLocks noGrp="1"/>
+          </p:cNvSpPr>
+          <p:nvPr>
+            <p:ph idx="1"/>
+          </p:nvPr>
+        </p:nvSpPr>
+        <p:spPr>
+          <a:xfrm>
+            <a:off x="581192" y="1201985"/>
+            <a:ext cx="11029615" cy="4533728"/>
+          </a:xfrm>
+        </p:spPr>
+        <p:txBody>
+          <a:bodyPr anchor="t"/>
+          <a:lstStyle/>
+          <a:p>
+            <a:pPr marL="0" indent="0" algn="just">
+              <a:lnSpc>
+                <a:spcPct val="100000"/>
+              </a:lnSpc>
+              <a:buNone/>
+            </a:pPr>
+            <a:r>
+              <a:rPr lang="en-US" dirty="0"/>
+              <a:t>	Trying to better understand the profile of consumers, who accepted at least one offer in the past campaigns, we analyzed the percentage of positive responses considering some characteristics as we can see below:</a:t>
+            </a:r>
+            <a:endParaRPr lang="pt-BR" dirty="0"/>
+          </a:p>
+        </p:txBody>
+      </p:sp>
+      <p:sp>
+        <p:nvSpPr>
+          <p:cNvPr id="23" name="Espaço Reservado para Conteúdo 2">
+            <a:extLst>
+              <a:ext uri="{FF2B5EF4-FFF2-40B4-BE49-F238E27FC236}">
+                <a16:creationId xmlns:a16="http://schemas.microsoft.com/office/drawing/2014/main" id="{8364D5A2-1FE4-4FD5-AE8E-1BD2653C7A12}"/>
+              </a:ext>
+            </a:extLst>
+          </p:cNvPr>
+          <p:cNvSpPr txBox="1">
+            <a:spLocks/>
+          </p:cNvSpPr>
+          <p:nvPr/>
+        </p:nvSpPr>
+        <p:spPr>
+          <a:xfrm>
+            <a:off x="581192" y="5573618"/>
+            <a:ext cx="11029615" cy="822582"/>
+          </a:xfrm>
+          <a:prstGeom prst="rect">
+            <a:avLst/>
+          </a:prstGeom>
+        </p:spPr>
+        <p:txBody>
+          <a:bodyPr vert="horz" lIns="91440" tIns="45720" rIns="91440" bIns="45720" rtlCol="0" anchor="t">
+            <a:noAutofit/>
+          </a:bodyPr>
+          <a:lstStyle>
+            <a:lvl1pPr marL="306000" indent="-306000" algn="l" defTabSz="457200" rtl="0" eaLnBrk="1" latinLnBrk="0" hangingPunct="1">
+              <a:lnSpc>
+                <a:spcPct val="110000"/>
+              </a:lnSpc>
+              <a:spcBef>
+                <a:spcPct val="20000"/>
+              </a:spcBef>
+              <a:spcAft>
+                <a:spcPts val="600"/>
+              </a:spcAft>
+              <a:buClr>
+                <a:schemeClr val="accent1"/>
+              </a:buClr>
+              <a:buSzPct val="92000"/>
+              <a:buFont typeface="Wingdings 2" panose="05020102010507070707" pitchFamily="18" charset="2"/>
+              <a:buChar char=""/>
+              <a:defRPr sz="1700" kern="1200">
+                <a:solidFill>
+                  <a:schemeClr val="tx1">
+                    <a:lumMod val="75000"/>
+                    <a:lumOff val="25000"/>
+                  </a:schemeClr>
+                </a:solidFill>
+                <a:latin typeface="+mn-lt"/>
+                <a:ea typeface="+mn-ea"/>
+                <a:cs typeface="+mn-cs"/>
+              </a:defRPr>
+            </a:lvl1pPr>
+            <a:lvl2pPr marL="630000" indent="-306000" algn="l" defTabSz="457200" rtl="0" eaLnBrk="1" latinLnBrk="0" hangingPunct="1">
+              <a:spcBef>
+                <a:spcPct val="20000"/>
+              </a:spcBef>
+              <a:spcAft>
+                <a:spcPts val="600"/>
+              </a:spcAft>
+              <a:buClr>
+                <a:schemeClr val="accent1"/>
+              </a:buClr>
+              <a:buSzPct val="92000"/>
+              <a:buFont typeface="Wingdings 2" panose="05020102010507070707" pitchFamily="18" charset="2"/>
+              <a:buChar char=""/>
+              <a:defRPr sz="1400" kern="1200">
+                <a:solidFill>
+                  <a:schemeClr val="tx1">
+                    <a:lumMod val="75000"/>
+                    <a:lumOff val="25000"/>
+                  </a:schemeClr>
+                </a:solidFill>
+                <a:latin typeface="+mn-lt"/>
+                <a:ea typeface="+mn-ea"/>
+                <a:cs typeface="+mn-cs"/>
+              </a:defRPr>
+            </a:lvl2pPr>
+            <a:lvl3pPr marL="900000" indent="-270000" algn="l" defTabSz="457200" rtl="0" eaLnBrk="1" latinLnBrk="0" hangingPunct="1">
+              <a:spcBef>
+                <a:spcPct val="20000"/>
+              </a:spcBef>
+              <a:spcAft>
+                <a:spcPts val="600"/>
+              </a:spcAft>
+              <a:buClr>
+                <a:schemeClr val="accent1"/>
+              </a:buClr>
+              <a:buSzPct val="92000"/>
+              <a:buFont typeface="Wingdings 2" panose="05020102010507070707" pitchFamily="18" charset="2"/>
+              <a:buChar char=""/>
+              <a:defRPr sz="1300" kern="1200">
+                <a:solidFill>
+                  <a:schemeClr val="tx1">
+                    <a:lumMod val="75000"/>
+                    <a:lumOff val="25000"/>
+                  </a:schemeClr>
+                </a:solidFill>
+                <a:latin typeface="+mn-lt"/>
+                <a:ea typeface="+mn-ea"/>
+                <a:cs typeface="+mn-cs"/>
+              </a:defRPr>
+            </a:lvl3pPr>
+            <a:lvl4pPr marL="1242000" indent="-234000" algn="l" defTabSz="457200" rtl="0" eaLnBrk="1" latinLnBrk="0" hangingPunct="1">
+              <a:spcBef>
+                <a:spcPct val="20000"/>
+              </a:spcBef>
+              <a:spcAft>
+                <a:spcPts val="600"/>
+              </a:spcAft>
+              <a:buClr>
+                <a:schemeClr val="accent1"/>
+              </a:buClr>
+              <a:buSzPct val="92000"/>
+              <a:buFont typeface="Wingdings 2" panose="05020102010507070707" pitchFamily="18" charset="2"/>
+              <a:buChar char=""/>
+              <a:defRPr sz="1100" kern="1200">
+                <a:solidFill>
+                  <a:schemeClr val="tx1">
+                    <a:lumMod val="75000"/>
+                    <a:lumOff val="25000"/>
+                  </a:schemeClr>
+                </a:solidFill>
+                <a:latin typeface="+mn-lt"/>
+                <a:ea typeface="+mn-ea"/>
+                <a:cs typeface="+mn-cs"/>
+              </a:defRPr>
+            </a:lvl4pPr>
+            <a:lvl5pPr marL="1602000" indent="-234000" algn="l" defTabSz="457200" rtl="0" eaLnBrk="1" latinLnBrk="0" hangingPunct="1">
+              <a:spcBef>
+                <a:spcPct val="20000"/>
+              </a:spcBef>
+              <a:spcAft>
+                <a:spcPts val="600"/>
+              </a:spcAft>
+              <a:buClr>
+                <a:schemeClr val="accent1"/>
+              </a:buClr>
+              <a:buSzPct val="92000"/>
+              <a:buFont typeface="Wingdings 2" panose="05020102010507070707" pitchFamily="18" charset="2"/>
+              <a:buChar char=""/>
+              <a:defRPr sz="1100" kern="1200">
+                <a:solidFill>
+                  <a:schemeClr val="tx1">
+                    <a:lumMod val="75000"/>
+                    <a:lumOff val="25000"/>
+                  </a:schemeClr>
+                </a:solidFill>
+                <a:latin typeface="+mn-lt"/>
+                <a:ea typeface="+mn-ea"/>
+                <a:cs typeface="+mn-cs"/>
+              </a:defRPr>
+            </a:lvl5pPr>
+            <a:lvl6pPr marL="1900000" indent="-228600" algn="l" defTabSz="457200" rtl="0" eaLnBrk="1" latinLnBrk="0" hangingPunct="1">
+              <a:spcBef>
+                <a:spcPct val="20000"/>
+              </a:spcBef>
+              <a:spcAft>
+                <a:spcPts val="600"/>
+              </a:spcAft>
+              <a:buClr>
+                <a:schemeClr val="accent2"/>
+              </a:buClr>
+              <a:buSzPct val="92000"/>
+              <a:buFont typeface="Wingdings 2" panose="05020102010507070707" pitchFamily="18" charset="2"/>
+              <a:buChar char=""/>
+              <a:defRPr sz="1200" kern="1200">
+                <a:solidFill>
+                  <a:schemeClr val="tx2"/>
+                </a:solidFill>
+                <a:latin typeface="+mn-lt"/>
+                <a:ea typeface="+mn-ea"/>
+                <a:cs typeface="+mn-cs"/>
+              </a:defRPr>
+            </a:lvl6pPr>
+            <a:lvl7pPr marL="2200000" indent="-228600" algn="l" defTabSz="457200" rtl="0" eaLnBrk="1" latinLnBrk="0" hangingPunct="1">
+              <a:spcBef>
+                <a:spcPct val="20000"/>
+              </a:spcBef>
+              <a:spcAft>
+                <a:spcPts val="600"/>
+              </a:spcAft>
+              <a:buClr>
+                <a:schemeClr val="accent2"/>
+              </a:buClr>
+              <a:buSzPct val="92000"/>
+              <a:buFont typeface="Wingdings 2" panose="05020102010507070707" pitchFamily="18" charset="2"/>
+              <a:buChar char=""/>
+              <a:defRPr sz="1200" kern="1200">
+                <a:solidFill>
+                  <a:schemeClr val="tx2"/>
+                </a:solidFill>
+                <a:latin typeface="+mn-lt"/>
+                <a:ea typeface="+mn-ea"/>
+                <a:cs typeface="+mn-cs"/>
+              </a:defRPr>
+            </a:lvl7pPr>
+            <a:lvl8pPr marL="2500000" indent="-228600" algn="l" defTabSz="457200" rtl="0" eaLnBrk="1" latinLnBrk="0" hangingPunct="1">
+              <a:spcBef>
+                <a:spcPct val="20000"/>
+              </a:spcBef>
+              <a:spcAft>
+                <a:spcPts val="600"/>
+              </a:spcAft>
+              <a:buClr>
+                <a:schemeClr val="accent2"/>
+              </a:buClr>
+              <a:buSzPct val="92000"/>
+              <a:buFont typeface="Wingdings 2" panose="05020102010507070707" pitchFamily="18" charset="2"/>
+              <a:buChar char=""/>
+              <a:defRPr sz="1200" kern="1200">
+                <a:solidFill>
+                  <a:schemeClr val="tx2"/>
+                </a:solidFill>
+                <a:latin typeface="+mn-lt"/>
+                <a:ea typeface="+mn-ea"/>
+                <a:cs typeface="+mn-cs"/>
+              </a:defRPr>
+            </a:lvl8pPr>
+            <a:lvl9pPr marL="2800000" indent="-228600" algn="l" defTabSz="457200" rtl="0" eaLnBrk="1" latinLnBrk="0" hangingPunct="1">
+              <a:spcBef>
+                <a:spcPct val="20000"/>
+              </a:spcBef>
+              <a:spcAft>
+                <a:spcPts val="600"/>
+              </a:spcAft>
+              <a:buClr>
+                <a:schemeClr val="accent2"/>
+              </a:buClr>
+              <a:buSzPct val="92000"/>
+              <a:buFont typeface="Wingdings 2" panose="05020102010507070707" pitchFamily="18" charset="2"/>
+              <a:buChar char=""/>
+              <a:defRPr sz="1200" kern="1200">
+                <a:solidFill>
+                  <a:schemeClr val="tx2"/>
+                </a:solidFill>
+                <a:latin typeface="+mn-lt"/>
+                <a:ea typeface="+mn-ea"/>
+                <a:cs typeface="+mn-cs"/>
+              </a:defRPr>
+            </a:lvl9pPr>
+          </a:lstStyle>
+          <a:p>
+            <a:pPr marL="0" indent="0" algn="just">
+              <a:buFont typeface="Wingdings 2" panose="05020102010507070707" pitchFamily="18" charset="2"/>
+              <a:buNone/>
+            </a:pPr>
+            <a:r>
+              <a:rPr lang="en-US" dirty="0"/>
+              <a:t>	An interesting characteristic that can be seen with this analysis is that customers </a:t>
+            </a:r>
+            <a:r>
+              <a:rPr lang="en-US" b="1" dirty="0">
+                <a:solidFill>
+                  <a:srgbClr val="FF0000"/>
+                </a:solidFill>
+              </a:rPr>
+              <a:t>who</a:t>
+            </a:r>
+            <a:r>
+              <a:rPr lang="en-US" dirty="0"/>
+              <a:t> </a:t>
+            </a:r>
+            <a:r>
+              <a:rPr lang="en-US" b="1" dirty="0">
+                <a:solidFill>
+                  <a:srgbClr val="FF0000"/>
+                </a:solidFill>
+              </a:rPr>
+              <a:t>do not have children or teenagers </a:t>
+            </a:r>
+            <a:r>
+              <a:rPr lang="en-US" dirty="0"/>
+              <a:t>at home </a:t>
+            </a:r>
+            <a:r>
+              <a:rPr lang="en-US" b="1" dirty="0">
+                <a:solidFill>
+                  <a:srgbClr val="FF0000"/>
+                </a:solidFill>
+              </a:rPr>
+              <a:t>accepted offers from past campaigns in a greater proportion </a:t>
+            </a:r>
+            <a:r>
+              <a:rPr lang="en-US" dirty="0"/>
+              <a:t>if compared with people who have one or more children or teenagers at home. Another interesting point is that people with a </a:t>
+            </a:r>
+            <a:r>
+              <a:rPr lang="en-US" b="1" dirty="0">
+                <a:solidFill>
+                  <a:srgbClr val="FF0000"/>
+                </a:solidFill>
+              </a:rPr>
+              <a:t>high education level accepted the past campaigns in a great proportion </a:t>
+            </a:r>
+            <a:r>
+              <a:rPr lang="en-US" dirty="0"/>
+              <a:t>if compared with low education levels.</a:t>
+            </a:r>
+            <a:endParaRPr lang="pt-BR" dirty="0"/>
+          </a:p>
+        </p:txBody>
+      </p:sp>
+      <p:pic>
+        <p:nvPicPr>
+          <p:cNvPr id="6" name="Imagem 5">
+            <a:extLst>
+              <a:ext uri="{FF2B5EF4-FFF2-40B4-BE49-F238E27FC236}">
+                <a16:creationId xmlns:a16="http://schemas.microsoft.com/office/drawing/2014/main" id="{15F08064-FABB-4113-8FFB-57E8C54AD0AF}"/>
+              </a:ext>
+            </a:extLst>
+          </p:cNvPr>
+          <p:cNvPicPr>
+            <a:picLocks noChangeAspect="1"/>
+          </p:cNvPicPr>
+          <p:nvPr/>
+        </p:nvPicPr>
+        <p:blipFill>
+          <a:blip r:embed="rId2"/>
+          <a:stretch>
+            <a:fillRect/>
+          </a:stretch>
+        </p:blipFill>
+        <p:spPr>
+          <a:xfrm>
+            <a:off x="6947141" y="2025153"/>
+            <a:ext cx="4458308" cy="3541351"/>
+          </a:xfrm>
+          <a:prstGeom prst="rect">
+            <a:avLst/>
+          </a:prstGeom>
+        </p:spPr>
+      </p:pic>
+      <p:pic>
+        <p:nvPicPr>
+          <p:cNvPr id="5" name="Imagem 4">
+            <a:extLst>
+              <a:ext uri="{FF2B5EF4-FFF2-40B4-BE49-F238E27FC236}">
+                <a16:creationId xmlns:a16="http://schemas.microsoft.com/office/drawing/2014/main" id="{B8E7D4D6-60D8-4F25-A1FA-414E65CFEEEF}"/>
+              </a:ext>
+            </a:extLst>
+          </p:cNvPr>
+          <p:cNvPicPr>
+            <a:picLocks noChangeAspect="1"/>
+          </p:cNvPicPr>
+          <p:nvPr/>
+        </p:nvPicPr>
+        <p:blipFill>
+          <a:blip r:embed="rId3"/>
+          <a:stretch>
+            <a:fillRect/>
+          </a:stretch>
+        </p:blipFill>
+        <p:spPr>
+          <a:xfrm>
+            <a:off x="911480" y="2025153"/>
+            <a:ext cx="4763711" cy="3541351"/>
+          </a:xfrm>
+          <a:prstGeom prst="rect">
+            <a:avLst/>
+          </a:prstGeom>
+        </p:spPr>
+      </p:pic>
+    </p:spTree>
+    <p:extLst>
+      <p:ext uri="{BB962C8B-B14F-4D97-AF65-F5344CB8AC3E}">
+        <p14:creationId xmlns:p14="http://schemas.microsoft.com/office/powerpoint/2010/main" val="4011634840"/>
+      </p:ext>
+    </p:extLst>
+  </p:cSld>
+  <p:clrMapOvr>
+    <a:masterClrMapping/>
+  </p:clrMapOvr>
+</p:sld>
+</file>
+
+<file path=ppt/slides/slide5.xml><?xml version="1.0" encoding="utf-8"?>
+<p:sld xmlns:a="http://schemas.openxmlformats.org/drawingml/2006/main" xmlns:r="http://schemas.openxmlformats.org/officeDocument/2006/relationships" xmlns:p="http://schemas.openxmlformats.org/presentationml/2006/main">
+  <p:cSld>
+    <p:spTree>
+      <p:nvGrpSpPr>
+        <p:cNvPr id="1" name=""/>
+        <p:cNvGrpSpPr/>
+        <p:nvPr/>
+      </p:nvGrpSpPr>
+      <p:grpSpPr>
+        <a:xfrm>
+          <a:off x="0" y="0"/>
+          <a:ext cx="0" cy="0"/>
+          <a:chOff x="0" y="0"/>
+          <a:chExt cx="0" cy="0"/>
+        </a:xfrm>
+      </p:grpSpPr>
+      <p:sp>
+        <p:nvSpPr>
+          <p:cNvPr id="2" name="Título 1">
+            <a:extLst>
+              <a:ext uri="{FF2B5EF4-FFF2-40B4-BE49-F238E27FC236}">
+                <a16:creationId xmlns:a16="http://schemas.microsoft.com/office/drawing/2014/main" id="{F012136E-8FED-438A-8CCB-512AFF3ACFA6}"/>
+              </a:ext>
+            </a:extLst>
+          </p:cNvPr>
+          <p:cNvSpPr>
+            <a:spLocks noGrp="1"/>
+          </p:cNvSpPr>
+          <p:nvPr>
+            <p:ph type="title"/>
+          </p:nvPr>
+        </p:nvSpPr>
+        <p:spPr>
+          <a:xfrm>
+            <a:off x="581192" y="627276"/>
+            <a:ext cx="11029616" cy="574709"/>
+          </a:xfrm>
+        </p:spPr>
+        <p:txBody>
+          <a:bodyPr/>
+          <a:lstStyle/>
+          <a:p>
+            <a:r>
+              <a:rPr lang="en-US" dirty="0"/>
+              <a:t>CUSTOMER SEGMENTATION - RFM</a:t>
+            </a:r>
+            <a:endParaRPr lang="pt-BR" dirty="0"/>
+          </a:p>
+        </p:txBody>
+      </p:sp>
+      <p:sp>
+        <p:nvSpPr>
+          <p:cNvPr id="3" name="Espaço Reservado para Conteúdo 2">
+            <a:extLst>
+              <a:ext uri="{FF2B5EF4-FFF2-40B4-BE49-F238E27FC236}">
+                <a16:creationId xmlns:a16="http://schemas.microsoft.com/office/drawing/2014/main" id="{59DC1503-7258-49D9-8EED-3C1458E3B31B}"/>
+              </a:ext>
+            </a:extLst>
+          </p:cNvPr>
+          <p:cNvSpPr>
+            <a:spLocks noGrp="1"/>
+          </p:cNvSpPr>
+          <p:nvPr>
+            <p:ph idx="1"/>
+          </p:nvPr>
+        </p:nvSpPr>
+        <p:spPr>
+          <a:xfrm>
+            <a:off x="581192" y="1201985"/>
+            <a:ext cx="11029615" cy="4533728"/>
+          </a:xfrm>
+        </p:spPr>
+        <p:txBody>
+          <a:bodyPr anchor="t"/>
+          <a:lstStyle/>
+          <a:p>
+            <a:pPr marL="0" indent="0" algn="just">
+              <a:lnSpc>
+                <a:spcPct val="100000"/>
+              </a:lnSpc>
+              <a:buNone/>
+            </a:pPr>
+            <a:r>
+              <a:rPr lang="en-US" dirty="0"/>
+              <a:t>	In the charts below, we can see that customers who bought more recently, more frequently and who spent more shopping have in common the characteristic of accepting marketing campaigns at a higher rate.</a:t>
+            </a:r>
+            <a:endParaRPr lang="pt-BR" dirty="0"/>
+          </a:p>
+        </p:txBody>
+      </p:sp>
+      <p:pic>
+        <p:nvPicPr>
+          <p:cNvPr id="5" name="Imagem 4">
+            <a:extLst>
+              <a:ext uri="{FF2B5EF4-FFF2-40B4-BE49-F238E27FC236}">
+                <a16:creationId xmlns:a16="http://schemas.microsoft.com/office/drawing/2014/main" id="{643EFABD-7A91-4B98-B654-8A40019CC29C}"/>
+              </a:ext>
+            </a:extLst>
+          </p:cNvPr>
+          <p:cNvPicPr>
+            <a:picLocks noChangeAspect="1"/>
+          </p:cNvPicPr>
+          <p:nvPr/>
+        </p:nvPicPr>
+        <p:blipFill>
+          <a:blip r:embed="rId2"/>
+          <a:stretch>
+            <a:fillRect/>
+          </a:stretch>
+        </p:blipFill>
+        <p:spPr>
+          <a:xfrm>
+            <a:off x="726591" y="2198760"/>
+            <a:ext cx="3494917" cy="2795933"/>
+          </a:xfrm>
+          <a:prstGeom prst="rect">
+            <a:avLst/>
+          </a:prstGeom>
+        </p:spPr>
+      </p:pic>
+      <p:pic>
+        <p:nvPicPr>
+          <p:cNvPr id="9" name="Imagem 8">
+            <a:extLst>
+              <a:ext uri="{FF2B5EF4-FFF2-40B4-BE49-F238E27FC236}">
+                <a16:creationId xmlns:a16="http://schemas.microsoft.com/office/drawing/2014/main" id="{8194F643-A13B-42C2-A701-4E1F538A99C9}"/>
+              </a:ext>
+            </a:extLst>
+          </p:cNvPr>
+          <p:cNvPicPr>
+            <a:picLocks noChangeAspect="1"/>
+          </p:cNvPicPr>
+          <p:nvPr/>
+        </p:nvPicPr>
+        <p:blipFill>
+          <a:blip r:embed="rId3"/>
+          <a:stretch>
+            <a:fillRect/>
+          </a:stretch>
+        </p:blipFill>
+        <p:spPr>
+          <a:xfrm>
+            <a:off x="4366907" y="2198760"/>
+            <a:ext cx="3627697" cy="2795932"/>
+          </a:xfrm>
+          <a:prstGeom prst="rect">
+            <a:avLst/>
+          </a:prstGeom>
+        </p:spPr>
+      </p:pic>
+      <p:pic>
+        <p:nvPicPr>
+          <p:cNvPr id="11" name="Imagem 10">
+            <a:extLst>
+              <a:ext uri="{FF2B5EF4-FFF2-40B4-BE49-F238E27FC236}">
+                <a16:creationId xmlns:a16="http://schemas.microsoft.com/office/drawing/2014/main" id="{EBDB57C3-BA2F-4D18-B719-AA8AD7B3B991}"/>
+              </a:ext>
+            </a:extLst>
+          </p:cNvPr>
+          <p:cNvPicPr>
+            <a:picLocks noChangeAspect="1"/>
+          </p:cNvPicPr>
+          <p:nvPr/>
+        </p:nvPicPr>
+        <p:blipFill>
+          <a:blip r:embed="rId4"/>
+          <a:stretch>
+            <a:fillRect/>
+          </a:stretch>
+        </p:blipFill>
+        <p:spPr>
+          <a:xfrm>
+            <a:off x="8085152" y="2205387"/>
+            <a:ext cx="3531783" cy="2789306"/>
+          </a:xfrm>
+          <a:prstGeom prst="rect">
+            <a:avLst/>
+          </a:prstGeom>
+        </p:spPr>
+      </p:pic>
+      <p:sp>
+        <p:nvSpPr>
+          <p:cNvPr id="15" name="Espaço Reservado para Conteúdo 2">
+            <a:extLst>
+              <a:ext uri="{FF2B5EF4-FFF2-40B4-BE49-F238E27FC236}">
+                <a16:creationId xmlns:a16="http://schemas.microsoft.com/office/drawing/2014/main" id="{0BDCC104-72BA-40D8-87C6-FC2F466B4C40}"/>
+              </a:ext>
+            </a:extLst>
+          </p:cNvPr>
+          <p:cNvSpPr txBox="1">
+            <a:spLocks/>
+          </p:cNvSpPr>
+          <p:nvPr/>
+        </p:nvSpPr>
+        <p:spPr>
+          <a:xfrm>
+            <a:off x="581192" y="5422211"/>
+            <a:ext cx="11029615" cy="1617026"/>
+          </a:xfrm>
+          <a:prstGeom prst="rect">
+            <a:avLst/>
+          </a:prstGeom>
+        </p:spPr>
+        <p:txBody>
+          <a:bodyPr vert="horz" lIns="91440" tIns="45720" rIns="91440" bIns="45720" rtlCol="0" anchor="t">
+            <a:normAutofit/>
+          </a:bodyPr>
+          <a:lstStyle>
+            <a:lvl1pPr marL="306000" indent="-306000" algn="l" defTabSz="457200" rtl="0" eaLnBrk="1" latinLnBrk="0" hangingPunct="1">
+              <a:lnSpc>
+                <a:spcPct val="110000"/>
+              </a:lnSpc>
+              <a:spcBef>
+                <a:spcPct val="20000"/>
+              </a:spcBef>
+              <a:spcAft>
+                <a:spcPts val="600"/>
+              </a:spcAft>
+              <a:buClr>
+                <a:schemeClr val="accent1"/>
+              </a:buClr>
+              <a:buSzPct val="92000"/>
+              <a:buFont typeface="Wingdings 2" panose="05020102010507070707" pitchFamily="18" charset="2"/>
+              <a:buChar char=""/>
+              <a:defRPr sz="1700" kern="1200">
+                <a:solidFill>
+                  <a:schemeClr val="tx1">
+                    <a:lumMod val="75000"/>
+                    <a:lumOff val="25000"/>
+                  </a:schemeClr>
+                </a:solidFill>
+                <a:latin typeface="+mn-lt"/>
+                <a:ea typeface="+mn-ea"/>
+                <a:cs typeface="+mn-cs"/>
+              </a:defRPr>
+            </a:lvl1pPr>
+            <a:lvl2pPr marL="630000" indent="-306000" algn="l" defTabSz="457200" rtl="0" eaLnBrk="1" latinLnBrk="0" hangingPunct="1">
+              <a:spcBef>
+                <a:spcPct val="20000"/>
+              </a:spcBef>
+              <a:spcAft>
+                <a:spcPts val="600"/>
+              </a:spcAft>
+              <a:buClr>
+                <a:schemeClr val="accent1"/>
+              </a:buClr>
+              <a:buSzPct val="92000"/>
+              <a:buFont typeface="Wingdings 2" panose="05020102010507070707" pitchFamily="18" charset="2"/>
+              <a:buChar char=""/>
+              <a:defRPr sz="1400" kern="1200">
+                <a:solidFill>
+                  <a:schemeClr val="tx1">
+                    <a:lumMod val="75000"/>
+                    <a:lumOff val="25000"/>
+                  </a:schemeClr>
+                </a:solidFill>
+                <a:latin typeface="+mn-lt"/>
+                <a:ea typeface="+mn-ea"/>
+                <a:cs typeface="+mn-cs"/>
+              </a:defRPr>
+            </a:lvl2pPr>
+            <a:lvl3pPr marL="900000" indent="-270000" algn="l" defTabSz="457200" rtl="0" eaLnBrk="1" latinLnBrk="0" hangingPunct="1">
+              <a:spcBef>
+                <a:spcPct val="20000"/>
+              </a:spcBef>
+              <a:spcAft>
+                <a:spcPts val="600"/>
+              </a:spcAft>
+              <a:buClr>
+                <a:schemeClr val="accent1"/>
+              </a:buClr>
+              <a:buSzPct val="92000"/>
+              <a:buFont typeface="Wingdings 2" panose="05020102010507070707" pitchFamily="18" charset="2"/>
+              <a:buChar char=""/>
+              <a:defRPr sz="1300" kern="1200">
+                <a:solidFill>
+                  <a:schemeClr val="tx1">
+                    <a:lumMod val="75000"/>
+                    <a:lumOff val="25000"/>
+                  </a:schemeClr>
+                </a:solidFill>
+                <a:latin typeface="+mn-lt"/>
+                <a:ea typeface="+mn-ea"/>
+                <a:cs typeface="+mn-cs"/>
+              </a:defRPr>
+            </a:lvl3pPr>
+            <a:lvl4pPr marL="1242000" indent="-234000" algn="l" defTabSz="457200" rtl="0" eaLnBrk="1" latinLnBrk="0" hangingPunct="1">
+              <a:spcBef>
+                <a:spcPct val="20000"/>
+              </a:spcBef>
+              <a:spcAft>
+                <a:spcPts val="600"/>
+              </a:spcAft>
+              <a:buClr>
+                <a:schemeClr val="accent1"/>
+              </a:buClr>
+              <a:buSzPct val="92000"/>
+              <a:buFont typeface="Wingdings 2" panose="05020102010507070707" pitchFamily="18" charset="2"/>
+              <a:buChar char=""/>
+              <a:defRPr sz="1100" kern="1200">
+                <a:solidFill>
+                  <a:schemeClr val="tx1">
+                    <a:lumMod val="75000"/>
+                    <a:lumOff val="25000"/>
+                  </a:schemeClr>
+                </a:solidFill>
+                <a:latin typeface="+mn-lt"/>
+                <a:ea typeface="+mn-ea"/>
+                <a:cs typeface="+mn-cs"/>
+              </a:defRPr>
+            </a:lvl4pPr>
+            <a:lvl5pPr marL="1602000" indent="-234000" algn="l" defTabSz="457200" rtl="0" eaLnBrk="1" latinLnBrk="0" hangingPunct="1">
+              <a:spcBef>
+                <a:spcPct val="20000"/>
+              </a:spcBef>
+              <a:spcAft>
+                <a:spcPts val="600"/>
+              </a:spcAft>
+              <a:buClr>
+                <a:schemeClr val="accent1"/>
+              </a:buClr>
+              <a:buSzPct val="92000"/>
+              <a:buFont typeface="Wingdings 2" panose="05020102010507070707" pitchFamily="18" charset="2"/>
+              <a:buChar char=""/>
+              <a:defRPr sz="1100" kern="1200">
+                <a:solidFill>
+                  <a:schemeClr val="tx1">
+                    <a:lumMod val="75000"/>
+                    <a:lumOff val="25000"/>
+                  </a:schemeClr>
+                </a:solidFill>
+                <a:latin typeface="+mn-lt"/>
+                <a:ea typeface="+mn-ea"/>
+                <a:cs typeface="+mn-cs"/>
+              </a:defRPr>
+            </a:lvl5pPr>
+            <a:lvl6pPr marL="1900000" indent="-228600" algn="l" defTabSz="457200" rtl="0" eaLnBrk="1" latinLnBrk="0" hangingPunct="1">
+              <a:spcBef>
+                <a:spcPct val="20000"/>
+              </a:spcBef>
+              <a:spcAft>
+                <a:spcPts val="600"/>
+              </a:spcAft>
+              <a:buClr>
+                <a:schemeClr val="accent2"/>
+              </a:buClr>
+              <a:buSzPct val="92000"/>
+              <a:buFont typeface="Wingdings 2" panose="05020102010507070707" pitchFamily="18" charset="2"/>
+              <a:buChar char=""/>
+              <a:defRPr sz="1200" kern="1200">
+                <a:solidFill>
+                  <a:schemeClr val="tx2"/>
+                </a:solidFill>
+                <a:latin typeface="+mn-lt"/>
+                <a:ea typeface="+mn-ea"/>
+                <a:cs typeface="+mn-cs"/>
+              </a:defRPr>
+            </a:lvl6pPr>
+            <a:lvl7pPr marL="2200000" indent="-228600" algn="l" defTabSz="457200" rtl="0" eaLnBrk="1" latinLnBrk="0" hangingPunct="1">
+              <a:spcBef>
+                <a:spcPct val="20000"/>
+              </a:spcBef>
+              <a:spcAft>
+                <a:spcPts val="600"/>
+              </a:spcAft>
+              <a:buClr>
+                <a:schemeClr val="accent2"/>
+              </a:buClr>
+              <a:buSzPct val="92000"/>
+              <a:buFont typeface="Wingdings 2" panose="05020102010507070707" pitchFamily="18" charset="2"/>
+              <a:buChar char=""/>
+              <a:defRPr sz="1200" kern="1200">
+                <a:solidFill>
+                  <a:schemeClr val="tx2"/>
+                </a:solidFill>
+                <a:latin typeface="+mn-lt"/>
+                <a:ea typeface="+mn-ea"/>
+                <a:cs typeface="+mn-cs"/>
+              </a:defRPr>
+            </a:lvl7pPr>
+            <a:lvl8pPr marL="2500000" indent="-228600" algn="l" defTabSz="457200" rtl="0" eaLnBrk="1" latinLnBrk="0" hangingPunct="1">
+              <a:spcBef>
+                <a:spcPct val="20000"/>
+              </a:spcBef>
+              <a:spcAft>
+                <a:spcPts val="600"/>
+              </a:spcAft>
+              <a:buClr>
+                <a:schemeClr val="accent2"/>
+              </a:buClr>
+              <a:buSzPct val="92000"/>
+              <a:buFont typeface="Wingdings 2" panose="05020102010507070707" pitchFamily="18" charset="2"/>
+              <a:buChar char=""/>
+              <a:defRPr sz="1200" kern="1200">
+                <a:solidFill>
+                  <a:schemeClr val="tx2"/>
+                </a:solidFill>
+                <a:latin typeface="+mn-lt"/>
+                <a:ea typeface="+mn-ea"/>
+                <a:cs typeface="+mn-cs"/>
+              </a:defRPr>
+            </a:lvl8pPr>
+            <a:lvl9pPr marL="2800000" indent="-228600" algn="l" defTabSz="457200" rtl="0" eaLnBrk="1" latinLnBrk="0" hangingPunct="1">
+              <a:spcBef>
+                <a:spcPct val="20000"/>
+              </a:spcBef>
+              <a:spcAft>
+                <a:spcPts val="600"/>
+              </a:spcAft>
+              <a:buClr>
+                <a:schemeClr val="accent2"/>
+              </a:buClr>
+              <a:buSzPct val="92000"/>
+              <a:buFont typeface="Wingdings 2" panose="05020102010507070707" pitchFamily="18" charset="2"/>
+              <a:buChar char=""/>
+              <a:defRPr sz="1200" kern="1200">
+                <a:solidFill>
+                  <a:schemeClr val="tx2"/>
+                </a:solidFill>
+                <a:latin typeface="+mn-lt"/>
+                <a:ea typeface="+mn-ea"/>
+                <a:cs typeface="+mn-cs"/>
+              </a:defRPr>
+            </a:lvl9pPr>
+          </a:lstStyle>
+          <a:p>
+            <a:pPr marL="0" indent="0" algn="just">
+              <a:lnSpc>
+                <a:spcPct val="100000"/>
+              </a:lnSpc>
+              <a:buFont typeface="Wingdings 2" panose="05020102010507070707" pitchFamily="18" charset="2"/>
+              <a:buNone/>
+            </a:pPr>
+            <a:r>
+              <a:rPr lang="en-US" dirty="0"/>
+              <a:t>	Based on this information we will perform a customer segmentation using the RFM(Recency, Frequency, Monetary) method which is based on how recently, how often and how much a customer has purchased, from these three variables the customer receives a score that will define which group they will be allocated to. </a:t>
+            </a:r>
+            <a:endParaRPr lang="pt-BR" dirty="0"/>
+          </a:p>
+        </p:txBody>
+      </p:sp>
+    </p:spTree>
+    <p:extLst>
+      <p:ext uri="{BB962C8B-B14F-4D97-AF65-F5344CB8AC3E}">
+        <p14:creationId xmlns:p14="http://schemas.microsoft.com/office/powerpoint/2010/main" val="2662191369"/>
+      </p:ext>
+    </p:extLst>
+  </p:cSld>
+  <p:clrMapOvr>
+    <a:masterClrMapping/>
+  </p:clrMapOvr>
+</p:sld>
+</file>
+
+<file path=ppt/slides/slide6.xml><?xml version="1.0" encoding="utf-8"?>
+<p:sld xmlns:a="http://schemas.openxmlformats.org/drawingml/2006/main" xmlns:r="http://schemas.openxmlformats.org/officeDocument/2006/relationships" xmlns:p="http://schemas.openxmlformats.org/presentationml/2006/main">
+  <p:cSld>
+    <p:spTree>
+      <p:nvGrpSpPr>
+        <p:cNvPr id="1" name=""/>
+        <p:cNvGrpSpPr/>
+        <p:nvPr/>
+      </p:nvGrpSpPr>
+      <p:grpSpPr>
+        <a:xfrm>
+          <a:off x="0" y="0"/>
+          <a:ext cx="0" cy="0"/>
+          <a:chOff x="0" y="0"/>
+          <a:chExt cx="0" cy="0"/>
+        </a:xfrm>
+      </p:grpSpPr>
+      <p:sp>
+        <p:nvSpPr>
+          <p:cNvPr id="2" name="Título 1">
+            <a:extLst>
+              <a:ext uri="{FF2B5EF4-FFF2-40B4-BE49-F238E27FC236}">
+                <a16:creationId xmlns:a16="http://schemas.microsoft.com/office/drawing/2014/main" id="{F012136E-8FED-438A-8CCB-512AFF3ACFA6}"/>
+              </a:ext>
+            </a:extLst>
+          </p:cNvPr>
+          <p:cNvSpPr>
+            <a:spLocks noGrp="1"/>
+          </p:cNvSpPr>
+          <p:nvPr>
+            <p:ph type="title"/>
+          </p:nvPr>
+        </p:nvSpPr>
+        <p:spPr>
+          <a:xfrm>
+            <a:off x="581192" y="627276"/>
+            <a:ext cx="11029616" cy="574709"/>
+          </a:xfrm>
+        </p:spPr>
+        <p:txBody>
+          <a:bodyPr/>
+          <a:lstStyle/>
+          <a:p>
+            <a:r>
+              <a:rPr lang="en-US" dirty="0"/>
+              <a:t>CUSTOMER SEGMENTATION - RFM</a:t>
+            </a:r>
+            <a:endParaRPr lang="pt-BR" dirty="0"/>
+          </a:p>
+        </p:txBody>
+      </p:sp>
+      <p:sp>
+        <p:nvSpPr>
+          <p:cNvPr id="3" name="Espaço Reservado para Conteúdo 2">
+            <a:extLst>
+              <a:ext uri="{FF2B5EF4-FFF2-40B4-BE49-F238E27FC236}">
+                <a16:creationId xmlns:a16="http://schemas.microsoft.com/office/drawing/2014/main" id="{59DC1503-7258-49D9-8EED-3C1458E3B31B}"/>
+              </a:ext>
+            </a:extLst>
+          </p:cNvPr>
+          <p:cNvSpPr>
+            <a:spLocks noGrp="1"/>
+          </p:cNvSpPr>
+          <p:nvPr>
+            <p:ph idx="1"/>
+          </p:nvPr>
+        </p:nvSpPr>
+        <p:spPr>
+          <a:xfrm>
+            <a:off x="581192" y="1201985"/>
+            <a:ext cx="11029615" cy="4533728"/>
+          </a:xfrm>
+        </p:spPr>
+        <p:txBody>
+          <a:bodyPr anchor="t"/>
+          <a:lstStyle/>
+          <a:p>
+            <a:pPr marL="0" indent="0" algn="just">
+              <a:lnSpc>
+                <a:spcPct val="100000"/>
+              </a:lnSpc>
+              <a:buNone/>
+            </a:pPr>
+            <a:r>
+              <a:rPr lang="en-US" dirty="0"/>
+              <a:t>	Using the RFM segmentation ten customer groups were created, from the best score(3) to the worse score(12), starting with the best score we included group by group in the campaign analyzing the impact in two main factors: Profit and the ROI(Return Over Investment). </a:t>
+            </a:r>
+            <a:endParaRPr lang="pt-BR" dirty="0"/>
+          </a:p>
+        </p:txBody>
+      </p:sp>
+      <p:pic>
+        <p:nvPicPr>
+          <p:cNvPr id="10" name="Imagem 9">
+            <a:extLst>
+              <a:ext uri="{FF2B5EF4-FFF2-40B4-BE49-F238E27FC236}">
+                <a16:creationId xmlns:a16="http://schemas.microsoft.com/office/drawing/2014/main" id="{135C67B1-D4C5-4898-AA1A-EC8D5F8B4E84}"/>
+              </a:ext>
+            </a:extLst>
+          </p:cNvPr>
+          <p:cNvPicPr>
+            <a:picLocks noChangeAspect="1"/>
+          </p:cNvPicPr>
+          <p:nvPr/>
+        </p:nvPicPr>
+        <p:blipFill>
+          <a:blip r:embed="rId2"/>
+          <a:stretch>
+            <a:fillRect/>
+          </a:stretch>
+        </p:blipFill>
+        <p:spPr>
+          <a:xfrm>
+            <a:off x="981110" y="2119502"/>
+            <a:ext cx="4259324" cy="3295676"/>
+          </a:xfrm>
+          <a:prstGeom prst="rect">
+            <a:avLst/>
+          </a:prstGeom>
+        </p:spPr>
+      </p:pic>
+      <p:pic>
+        <p:nvPicPr>
+          <p:cNvPr id="12" name="Imagem 11">
+            <a:extLst>
+              <a:ext uri="{FF2B5EF4-FFF2-40B4-BE49-F238E27FC236}">
+                <a16:creationId xmlns:a16="http://schemas.microsoft.com/office/drawing/2014/main" id="{67455879-FB70-4DA2-BCC9-640BB451AE2D}"/>
+              </a:ext>
+            </a:extLst>
+          </p:cNvPr>
+          <p:cNvPicPr>
+            <a:picLocks noChangeAspect="1"/>
+          </p:cNvPicPr>
+          <p:nvPr/>
+        </p:nvPicPr>
+        <p:blipFill>
+          <a:blip r:embed="rId3"/>
+          <a:stretch>
+            <a:fillRect/>
+          </a:stretch>
+        </p:blipFill>
+        <p:spPr>
+          <a:xfrm>
+            <a:off x="6496789" y="2119502"/>
+            <a:ext cx="4191524" cy="3295676"/>
+          </a:xfrm>
+          <a:prstGeom prst="rect">
+            <a:avLst/>
+          </a:prstGeom>
+        </p:spPr>
+      </p:pic>
+      <p:sp>
+        <p:nvSpPr>
+          <p:cNvPr id="13" name="Espaço Reservado para Conteúdo 2">
+            <a:extLst>
+              <a:ext uri="{FF2B5EF4-FFF2-40B4-BE49-F238E27FC236}">
+                <a16:creationId xmlns:a16="http://schemas.microsoft.com/office/drawing/2014/main" id="{C4FB89EB-D909-4CF3-B3B0-2DF4CD519667}"/>
+              </a:ext>
+            </a:extLst>
+          </p:cNvPr>
+          <p:cNvSpPr txBox="1">
+            <a:spLocks/>
+          </p:cNvSpPr>
+          <p:nvPr/>
+        </p:nvSpPr>
+        <p:spPr>
+          <a:xfrm>
+            <a:off x="581192" y="5642458"/>
+            <a:ext cx="11029615" cy="4533728"/>
+          </a:xfrm>
+          <a:prstGeom prst="rect">
+            <a:avLst/>
+          </a:prstGeom>
+        </p:spPr>
+        <p:txBody>
+          <a:bodyPr vert="horz" lIns="91440" tIns="45720" rIns="91440" bIns="45720" rtlCol="0" anchor="t">
+            <a:normAutofit/>
+          </a:bodyPr>
+          <a:lstStyle>
+            <a:lvl1pPr marL="306000" indent="-306000" algn="l" defTabSz="457200" rtl="0" eaLnBrk="1" latinLnBrk="0" hangingPunct="1">
+              <a:lnSpc>
+                <a:spcPct val="110000"/>
+              </a:lnSpc>
+              <a:spcBef>
+                <a:spcPct val="20000"/>
+              </a:spcBef>
+              <a:spcAft>
+                <a:spcPts val="600"/>
+              </a:spcAft>
+              <a:buClr>
+                <a:schemeClr val="accent1"/>
+              </a:buClr>
+              <a:buSzPct val="92000"/>
+              <a:buFont typeface="Wingdings 2" panose="05020102010507070707" pitchFamily="18" charset="2"/>
+              <a:buChar char=""/>
+              <a:defRPr sz="1700" kern="1200">
+                <a:solidFill>
+                  <a:schemeClr val="tx1">
+                    <a:lumMod val="75000"/>
+                    <a:lumOff val="25000"/>
+                  </a:schemeClr>
+                </a:solidFill>
+                <a:latin typeface="+mn-lt"/>
+                <a:ea typeface="+mn-ea"/>
+                <a:cs typeface="+mn-cs"/>
+              </a:defRPr>
+            </a:lvl1pPr>
+            <a:lvl2pPr marL="630000" indent="-306000" algn="l" defTabSz="457200" rtl="0" eaLnBrk="1" latinLnBrk="0" hangingPunct="1">
+              <a:spcBef>
+                <a:spcPct val="20000"/>
+              </a:spcBef>
+              <a:spcAft>
+                <a:spcPts val="600"/>
+              </a:spcAft>
+              <a:buClr>
+                <a:schemeClr val="accent1"/>
+              </a:buClr>
+              <a:buSzPct val="92000"/>
+              <a:buFont typeface="Wingdings 2" panose="05020102010507070707" pitchFamily="18" charset="2"/>
+              <a:buChar char=""/>
+              <a:defRPr sz="1400" kern="1200">
+                <a:solidFill>
+                  <a:schemeClr val="tx1">
+                    <a:lumMod val="75000"/>
+                    <a:lumOff val="25000"/>
+                  </a:schemeClr>
+                </a:solidFill>
+                <a:latin typeface="+mn-lt"/>
+                <a:ea typeface="+mn-ea"/>
+                <a:cs typeface="+mn-cs"/>
+              </a:defRPr>
+            </a:lvl2pPr>
+            <a:lvl3pPr marL="900000" indent="-270000" algn="l" defTabSz="457200" rtl="0" eaLnBrk="1" latinLnBrk="0" hangingPunct="1">
+              <a:spcBef>
+                <a:spcPct val="20000"/>
+              </a:spcBef>
+              <a:spcAft>
+                <a:spcPts val="600"/>
+              </a:spcAft>
+              <a:buClr>
+                <a:schemeClr val="accent1"/>
+              </a:buClr>
+              <a:buSzPct val="92000"/>
+              <a:buFont typeface="Wingdings 2" panose="05020102010507070707" pitchFamily="18" charset="2"/>
+              <a:buChar char=""/>
+              <a:defRPr sz="1300" kern="1200">
+                <a:solidFill>
+                  <a:schemeClr val="tx1">
+                    <a:lumMod val="75000"/>
+                    <a:lumOff val="25000"/>
+                  </a:schemeClr>
+                </a:solidFill>
+                <a:latin typeface="+mn-lt"/>
+                <a:ea typeface="+mn-ea"/>
+                <a:cs typeface="+mn-cs"/>
+              </a:defRPr>
+            </a:lvl3pPr>
+            <a:lvl4pPr marL="1242000" indent="-234000" algn="l" defTabSz="457200" rtl="0" eaLnBrk="1" latinLnBrk="0" hangingPunct="1">
+              <a:spcBef>
+                <a:spcPct val="20000"/>
+              </a:spcBef>
+              <a:spcAft>
+                <a:spcPts val="600"/>
+              </a:spcAft>
+              <a:buClr>
+                <a:schemeClr val="accent1"/>
+              </a:buClr>
+              <a:buSzPct val="92000"/>
+              <a:buFont typeface="Wingdings 2" panose="05020102010507070707" pitchFamily="18" charset="2"/>
+              <a:buChar char=""/>
+              <a:defRPr sz="1100" kern="1200">
+                <a:solidFill>
+                  <a:schemeClr val="tx1">
+                    <a:lumMod val="75000"/>
+                    <a:lumOff val="25000"/>
+                  </a:schemeClr>
+                </a:solidFill>
+                <a:latin typeface="+mn-lt"/>
+                <a:ea typeface="+mn-ea"/>
+                <a:cs typeface="+mn-cs"/>
+              </a:defRPr>
+            </a:lvl4pPr>
+            <a:lvl5pPr marL="1602000" indent="-234000" algn="l" defTabSz="457200" rtl="0" eaLnBrk="1" latinLnBrk="0" hangingPunct="1">
+              <a:spcBef>
+                <a:spcPct val="20000"/>
+              </a:spcBef>
+              <a:spcAft>
+                <a:spcPts val="600"/>
+              </a:spcAft>
+              <a:buClr>
+                <a:schemeClr val="accent1"/>
+              </a:buClr>
+              <a:buSzPct val="92000"/>
+              <a:buFont typeface="Wingdings 2" panose="05020102010507070707" pitchFamily="18" charset="2"/>
+              <a:buChar char=""/>
+              <a:defRPr sz="1100" kern="1200">
+                <a:solidFill>
+                  <a:schemeClr val="tx1">
+                    <a:lumMod val="75000"/>
+                    <a:lumOff val="25000"/>
+                  </a:schemeClr>
+                </a:solidFill>
+                <a:latin typeface="+mn-lt"/>
+                <a:ea typeface="+mn-ea"/>
+                <a:cs typeface="+mn-cs"/>
+              </a:defRPr>
+            </a:lvl5pPr>
+            <a:lvl6pPr marL="1900000" indent="-228600" algn="l" defTabSz="457200" rtl="0" eaLnBrk="1" latinLnBrk="0" hangingPunct="1">
+              <a:spcBef>
+                <a:spcPct val="20000"/>
+              </a:spcBef>
+              <a:spcAft>
+                <a:spcPts val="600"/>
+              </a:spcAft>
+              <a:buClr>
+                <a:schemeClr val="accent2"/>
+              </a:buClr>
+              <a:buSzPct val="92000"/>
+              <a:buFont typeface="Wingdings 2" panose="05020102010507070707" pitchFamily="18" charset="2"/>
+              <a:buChar char=""/>
+              <a:defRPr sz="1200" kern="1200">
+                <a:solidFill>
+                  <a:schemeClr val="tx2"/>
+                </a:solidFill>
+                <a:latin typeface="+mn-lt"/>
+                <a:ea typeface="+mn-ea"/>
+                <a:cs typeface="+mn-cs"/>
+              </a:defRPr>
+            </a:lvl6pPr>
+            <a:lvl7pPr marL="2200000" indent="-228600" algn="l" defTabSz="457200" rtl="0" eaLnBrk="1" latinLnBrk="0" hangingPunct="1">
+              <a:spcBef>
+                <a:spcPct val="20000"/>
+              </a:spcBef>
+              <a:spcAft>
+                <a:spcPts val="600"/>
+              </a:spcAft>
+              <a:buClr>
+                <a:schemeClr val="accent2"/>
+              </a:buClr>
+              <a:buSzPct val="92000"/>
+              <a:buFont typeface="Wingdings 2" panose="05020102010507070707" pitchFamily="18" charset="2"/>
+              <a:buChar char=""/>
+              <a:defRPr sz="1200" kern="1200">
+                <a:solidFill>
+                  <a:schemeClr val="tx2"/>
+                </a:solidFill>
+                <a:latin typeface="+mn-lt"/>
+                <a:ea typeface="+mn-ea"/>
+                <a:cs typeface="+mn-cs"/>
+              </a:defRPr>
+            </a:lvl7pPr>
+            <a:lvl8pPr marL="2500000" indent="-228600" algn="l" defTabSz="457200" rtl="0" eaLnBrk="1" latinLnBrk="0" hangingPunct="1">
+              <a:spcBef>
+                <a:spcPct val="20000"/>
+              </a:spcBef>
+              <a:spcAft>
+                <a:spcPts val="600"/>
+              </a:spcAft>
+              <a:buClr>
+                <a:schemeClr val="accent2"/>
+              </a:buClr>
+              <a:buSzPct val="92000"/>
+              <a:buFont typeface="Wingdings 2" panose="05020102010507070707" pitchFamily="18" charset="2"/>
+              <a:buChar char=""/>
+              <a:defRPr sz="1200" kern="1200">
+                <a:solidFill>
+                  <a:schemeClr val="tx2"/>
+                </a:solidFill>
+                <a:latin typeface="+mn-lt"/>
+                <a:ea typeface="+mn-ea"/>
+                <a:cs typeface="+mn-cs"/>
+              </a:defRPr>
+            </a:lvl8pPr>
+            <a:lvl9pPr marL="2800000" indent="-228600" algn="l" defTabSz="457200" rtl="0" eaLnBrk="1" latinLnBrk="0" hangingPunct="1">
+              <a:spcBef>
+                <a:spcPct val="20000"/>
+              </a:spcBef>
+              <a:spcAft>
+                <a:spcPts val="600"/>
+              </a:spcAft>
+              <a:buClr>
+                <a:schemeClr val="accent2"/>
+              </a:buClr>
+              <a:buSzPct val="92000"/>
+              <a:buFont typeface="Wingdings 2" panose="05020102010507070707" pitchFamily="18" charset="2"/>
+              <a:buChar char=""/>
+              <a:defRPr sz="1200" kern="1200">
+                <a:solidFill>
+                  <a:schemeClr val="tx2"/>
+                </a:solidFill>
+                <a:latin typeface="+mn-lt"/>
+                <a:ea typeface="+mn-ea"/>
+                <a:cs typeface="+mn-cs"/>
+              </a:defRPr>
+            </a:lvl9pPr>
+          </a:lstStyle>
+          <a:p>
+            <a:pPr algn="just">
+              <a:lnSpc>
+                <a:spcPct val="100000"/>
+              </a:lnSpc>
+              <a:buFontTx/>
+              <a:buChar char="-"/>
+            </a:pPr>
+            <a:r>
+              <a:rPr lang="en-US" dirty="0"/>
+              <a:t>If just the groups with scores </a:t>
+            </a:r>
+            <a:r>
+              <a:rPr lang="en-US" b="1" dirty="0">
+                <a:solidFill>
+                  <a:srgbClr val="FF0000"/>
+                </a:solidFill>
+              </a:rPr>
+              <a:t>3</a:t>
+            </a:r>
+            <a:r>
+              <a:rPr lang="en-US" b="1" dirty="0"/>
+              <a:t> </a:t>
+            </a:r>
+            <a:r>
+              <a:rPr lang="en-US" dirty="0"/>
+              <a:t>and</a:t>
+            </a:r>
+            <a:r>
+              <a:rPr lang="en-US" b="1" dirty="0"/>
+              <a:t> </a:t>
+            </a:r>
+            <a:r>
+              <a:rPr lang="en-US" b="1" dirty="0">
+                <a:solidFill>
+                  <a:srgbClr val="FF0000"/>
+                </a:solidFill>
+              </a:rPr>
+              <a:t>4</a:t>
+            </a:r>
+            <a:r>
+              <a:rPr lang="en-US" b="1" dirty="0"/>
+              <a:t> </a:t>
+            </a:r>
+            <a:r>
+              <a:rPr lang="en-US" dirty="0"/>
+              <a:t>are included</a:t>
+            </a:r>
+            <a:r>
+              <a:rPr lang="en-US" b="1" dirty="0"/>
+              <a:t> </a:t>
+            </a:r>
+            <a:r>
+              <a:rPr lang="en-US" dirty="0"/>
+              <a:t>in the campaign we can reach our best profit in </a:t>
+            </a:r>
+            <a:r>
+              <a:rPr lang="en-US" b="1" dirty="0">
+                <a:solidFill>
+                  <a:srgbClr val="FF0000"/>
+                </a:solidFill>
+              </a:rPr>
+              <a:t>224MU</a:t>
+            </a:r>
+            <a:r>
+              <a:rPr lang="en-US" dirty="0"/>
+              <a:t>;</a:t>
+            </a:r>
+          </a:p>
+          <a:p>
+            <a:pPr algn="just">
+              <a:lnSpc>
+                <a:spcPct val="100000"/>
+              </a:lnSpc>
+              <a:buFontTx/>
+              <a:buChar char="-"/>
+            </a:pPr>
+            <a:r>
+              <a:rPr lang="en-US" dirty="0"/>
+              <a:t>The best ROI of </a:t>
+            </a:r>
+            <a:r>
+              <a:rPr lang="en-US" b="1" dirty="0">
+                <a:solidFill>
+                  <a:srgbClr val="FF0000"/>
+                </a:solidFill>
+              </a:rPr>
+              <a:t>53,6%</a:t>
+            </a:r>
+            <a:r>
+              <a:rPr lang="en-US" dirty="0"/>
+              <a:t> is when we have just the customers with score </a:t>
+            </a:r>
+            <a:r>
+              <a:rPr lang="en-US" b="1" dirty="0">
+                <a:solidFill>
+                  <a:srgbClr val="FF0000"/>
+                </a:solidFill>
+              </a:rPr>
+              <a:t>3</a:t>
+            </a:r>
+            <a:r>
+              <a:rPr lang="en-US" dirty="0"/>
+              <a:t> being contacted.</a:t>
+            </a:r>
+            <a:endParaRPr lang="pt-BR" dirty="0"/>
+          </a:p>
+        </p:txBody>
+      </p:sp>
+    </p:spTree>
+    <p:extLst>
+      <p:ext uri="{BB962C8B-B14F-4D97-AF65-F5344CB8AC3E}">
+        <p14:creationId xmlns:p14="http://schemas.microsoft.com/office/powerpoint/2010/main" val="2338182333"/>
+      </p:ext>
+    </p:extLst>
+  </p:cSld>
+  <p:clrMapOvr>
+    <a:masterClrMapping/>
+  </p:clrMapOvr>
+</p:sld>
+</file>
+
+<file path=ppt/slides/slide7.xml><?xml version="1.0" encoding="utf-8"?>
+<p:sld xmlns:a="http://schemas.openxmlformats.org/drawingml/2006/main" xmlns:r="http://schemas.openxmlformats.org/officeDocument/2006/relationships" xmlns:p="http://schemas.openxmlformats.org/presentationml/2006/main">
+  <p:cSld>
+    <p:spTree>
+      <p:nvGrpSpPr>
+        <p:cNvPr id="1" name=""/>
+        <p:cNvGrpSpPr/>
+        <p:nvPr/>
+      </p:nvGrpSpPr>
+      <p:grpSpPr>
+        <a:xfrm>
+          <a:off x="0" y="0"/>
+          <a:ext cx="0" cy="0"/>
+          <a:chOff x="0" y="0"/>
+          <a:chExt cx="0" cy="0"/>
+        </a:xfrm>
+      </p:grpSpPr>
+      <p:sp>
+        <p:nvSpPr>
+          <p:cNvPr id="2" name="Título 1">
+            <a:extLst>
+              <a:ext uri="{FF2B5EF4-FFF2-40B4-BE49-F238E27FC236}">
+                <a16:creationId xmlns:a16="http://schemas.microsoft.com/office/drawing/2014/main" id="{F012136E-8FED-438A-8CCB-512AFF3ACFA6}"/>
+              </a:ext>
+            </a:extLst>
+          </p:cNvPr>
+          <p:cNvSpPr>
+            <a:spLocks noGrp="1"/>
+          </p:cNvSpPr>
+          <p:nvPr>
+            <p:ph type="title"/>
+          </p:nvPr>
+        </p:nvSpPr>
+        <p:spPr>
+          <a:xfrm>
+            <a:off x="581192" y="627276"/>
+            <a:ext cx="11029616" cy="574709"/>
+          </a:xfrm>
+        </p:spPr>
+        <p:txBody>
+          <a:bodyPr/>
+          <a:lstStyle/>
+          <a:p>
+            <a:r>
+              <a:rPr lang="en-US" dirty="0"/>
               <a:t>CUSTOMER SEGMENTATION - KMEANS</a:t>
             </a:r>
             <a:endParaRPr lang="pt-BR" dirty="0"/>
@@ -4887,7 +7101,15 @@
             </a:pPr>
             <a:r>
               <a:rPr lang="en-US" dirty="0"/>
-              <a:t>	Another method we used to segment customers was Kmeans, which is able to separate samples in n groups of equal variance. According to the method used, the best number of groups to segment customers is four.</a:t>
+              <a:t>	Another method used to segment customers was the </a:t>
+            </a:r>
+            <a:r>
+              <a:rPr lang="en-US" dirty="0" err="1"/>
+              <a:t>KMeans</a:t>
+            </a:r>
+            <a:r>
+              <a:rPr lang="en-US" dirty="0"/>
+              <a:t>, which is able to separate samples in n groups of equal variance. According to the method used, the best number of groups to segment customers is four.</a:t>
             </a:r>
             <a:endParaRPr lang="pt-BR" dirty="0"/>
           </a:p>
@@ -4905,10 +7127,16 @@
           <p:cNvGraphicFramePr>
             <a:graphicFrameLocks noGrp="1"/>
           </p:cNvGraphicFramePr>
-          <p:nvPr/>
+          <p:nvPr>
+            <p:extLst>
+              <p:ext uri="{D42A27DB-BD31-4B8C-83A1-F6EECF244321}">
+                <p14:modId xmlns:p14="http://schemas.microsoft.com/office/powerpoint/2010/main" val="2694947444"/>
+              </p:ext>
+            </p:extLst>
+          </p:nvPr>
         </p:nvGraphicFramePr>
         <p:xfrm>
-          <a:off x="581192" y="2828187"/>
+          <a:off x="581192" y="2609062"/>
           <a:ext cx="6228270" cy="1639876"/>
         </p:xfrm>
         <a:graphic>
@@ -5851,7 +8079,7 @@
             </a:pPr>
             <a:r>
               <a:rPr lang="en-US" dirty="0"/>
-              <a:t>	We can see that among the four groups, only one had a positive return of </a:t>
+              <a:t>	We can see that among the four groups, only one showed a positive return of </a:t>
             </a:r>
             <a:r>
               <a:rPr lang="en-US" b="1" dirty="0">
@@ -5946,7 +8174,7 @@
     </p:spTree>
     <p:extLst>
       <p:ext uri="{BB962C8B-B14F-4D97-AF65-F5344CB8AC3E}">
-        <p14:creationId xmlns:p14="http://schemas.microsoft.com/office/powerpoint/2010/main" val="3549124164"/>
+        <p14:creationId xmlns:p14="http://schemas.microsoft.com/office/powerpoint/2010/main" val="2000981065"/>
       </p:ext>
     </p:extLst>
   </p:cSld>
@@ -5956,772 +8184,7 @@
 </p:sld>
 </file>
 
-<file path=ppt/slides/slide2.xml><?xml version="1.0" encoding="utf-8"?>
-<p:sld xmlns:a="http://schemas.openxmlformats.org/drawingml/2006/main" xmlns:r="http://schemas.openxmlformats.org/officeDocument/2006/relationships" xmlns:p="http://schemas.openxmlformats.org/presentationml/2006/main">
-  <p:cSld>
-    <p:spTree>
-      <p:nvGrpSpPr>
-        <p:cNvPr id="1" name=""/>
-        <p:cNvGrpSpPr/>
-        <p:nvPr/>
-      </p:nvGrpSpPr>
-      <p:grpSpPr>
-        <a:xfrm>
-          <a:off x="0" y="0"/>
-          <a:ext cx="0" cy="0"/>
-          <a:chOff x="0" y="0"/>
-          <a:chExt cx="0" cy="0"/>
-        </a:xfrm>
-      </p:grpSpPr>
-      <p:sp>
-        <p:nvSpPr>
-          <p:cNvPr id="2" name="Título 1">
-            <a:extLst>
-              <a:ext uri="{FF2B5EF4-FFF2-40B4-BE49-F238E27FC236}">
-                <a16:creationId xmlns:a16="http://schemas.microsoft.com/office/drawing/2014/main" id="{F012136E-8FED-438A-8CCB-512AFF3ACFA6}"/>
-              </a:ext>
-            </a:extLst>
-          </p:cNvPr>
-          <p:cNvSpPr>
-            <a:spLocks noGrp="1"/>
-          </p:cNvSpPr>
-          <p:nvPr>
-            <p:ph type="title"/>
-          </p:nvPr>
-        </p:nvSpPr>
-        <p:spPr>
-          <a:xfrm>
-            <a:off x="581192" y="702156"/>
-            <a:ext cx="11029616" cy="574709"/>
-          </a:xfrm>
-        </p:spPr>
-        <p:txBody>
-          <a:bodyPr/>
-          <a:lstStyle/>
-          <a:p>
-            <a:r>
-              <a:rPr lang="en-US" dirty="0"/>
-              <a:t>INTRODUCTION</a:t>
-            </a:r>
-            <a:endParaRPr lang="pt-BR" dirty="0"/>
-          </a:p>
-        </p:txBody>
-      </p:sp>
-      <p:sp>
-        <p:nvSpPr>
-          <p:cNvPr id="3" name="Espaço Reservado para Conteúdo 2">
-            <a:extLst>
-              <a:ext uri="{FF2B5EF4-FFF2-40B4-BE49-F238E27FC236}">
-                <a16:creationId xmlns:a16="http://schemas.microsoft.com/office/drawing/2014/main" id="{59DC1503-7258-49D9-8EED-3C1458E3B31B}"/>
-              </a:ext>
-            </a:extLst>
-          </p:cNvPr>
-          <p:cNvSpPr>
-            <a:spLocks noGrp="1"/>
-          </p:cNvSpPr>
-          <p:nvPr>
-            <p:ph idx="1"/>
-          </p:nvPr>
-        </p:nvSpPr>
-        <p:spPr>
-          <a:xfrm>
-            <a:off x="581192" y="1441622"/>
-            <a:ext cx="11029615" cy="4533728"/>
-          </a:xfrm>
-        </p:spPr>
-        <p:txBody>
-          <a:bodyPr anchor="t"/>
-          <a:lstStyle/>
-          <a:p>
-            <a:pPr marL="0" indent="0" algn="just">
-              <a:buNone/>
-            </a:pPr>
-            <a:r>
-              <a:rPr lang="en-US" dirty="0"/>
-              <a:t>	 With the objective of helping the marketing department to spend its annual budget in a more assertive way, we made a brief case study based on past campaigns, where we want to know the customers and also some insights that may be useful.</a:t>
-            </a:r>
-          </a:p>
-          <a:p>
-            <a:pPr marL="0" indent="0" algn="just">
-              <a:buNone/>
-            </a:pPr>
-            <a:endParaRPr lang="en-US" dirty="0"/>
-          </a:p>
-          <a:p>
-            <a:pPr marL="0" indent="0" algn="just">
-              <a:buNone/>
-            </a:pPr>
-            <a:r>
-              <a:rPr lang="en-US" dirty="0"/>
-              <a:t>Main topics on the next slides:</a:t>
-            </a:r>
-          </a:p>
-          <a:p>
-            <a:pPr algn="just"/>
-            <a:r>
-              <a:rPr lang="en-US" dirty="0"/>
-              <a:t>Past campaigns overview;</a:t>
-            </a:r>
-          </a:p>
-          <a:p>
-            <a:pPr algn="just"/>
-            <a:r>
-              <a:rPr lang="en-US" dirty="0"/>
-              <a:t>Customer’s profile;</a:t>
-            </a:r>
-          </a:p>
-          <a:p>
-            <a:pPr algn="just"/>
-            <a:r>
-              <a:rPr lang="en-US" dirty="0"/>
-              <a:t>Customer segmentation – RFM;</a:t>
-            </a:r>
-          </a:p>
-          <a:p>
-            <a:pPr algn="just"/>
-            <a:r>
-              <a:rPr lang="en-US" dirty="0"/>
-              <a:t>Customer segmentation – Kmeans;</a:t>
-            </a:r>
-          </a:p>
-          <a:p>
-            <a:pPr algn="just"/>
-            <a:r>
-              <a:rPr lang="en-US" dirty="0"/>
-              <a:t>Predictive model to improve de campaign’s profit.</a:t>
-            </a:r>
-          </a:p>
-          <a:p>
-            <a:pPr algn="just"/>
-            <a:endParaRPr lang="en-US" dirty="0"/>
-          </a:p>
-          <a:p>
-            <a:pPr algn="just"/>
-            <a:endParaRPr lang="en-US" dirty="0"/>
-          </a:p>
-          <a:p>
-            <a:pPr marL="0" indent="0" algn="just">
-              <a:buNone/>
-            </a:pPr>
-            <a:endParaRPr lang="en-US" dirty="0"/>
-          </a:p>
-          <a:p>
-            <a:pPr algn="just"/>
-            <a:endParaRPr lang="pt-BR" dirty="0"/>
-          </a:p>
-        </p:txBody>
-      </p:sp>
-    </p:spTree>
-    <p:extLst>
-      <p:ext uri="{BB962C8B-B14F-4D97-AF65-F5344CB8AC3E}">
-        <p14:creationId xmlns:p14="http://schemas.microsoft.com/office/powerpoint/2010/main" val="3412769912"/>
-      </p:ext>
-    </p:extLst>
-  </p:cSld>
-  <p:clrMapOvr>
-    <a:masterClrMapping/>
-  </p:clrMapOvr>
-</p:sld>
-</file>
-
-<file path=ppt/slides/slide3.xml><?xml version="1.0" encoding="utf-8"?>
-<p:sld xmlns:a="http://schemas.openxmlformats.org/drawingml/2006/main" xmlns:r="http://schemas.openxmlformats.org/officeDocument/2006/relationships" xmlns:p="http://schemas.openxmlformats.org/presentationml/2006/main">
-  <p:cSld>
-    <p:spTree>
-      <p:nvGrpSpPr>
-        <p:cNvPr id="1" name=""/>
-        <p:cNvGrpSpPr/>
-        <p:nvPr/>
-      </p:nvGrpSpPr>
-      <p:grpSpPr>
-        <a:xfrm>
-          <a:off x="0" y="0"/>
-          <a:ext cx="0" cy="0"/>
-          <a:chOff x="0" y="0"/>
-          <a:chExt cx="0" cy="0"/>
-        </a:xfrm>
-      </p:grpSpPr>
-      <p:sp>
-        <p:nvSpPr>
-          <p:cNvPr id="2" name="Título 1">
-            <a:extLst>
-              <a:ext uri="{FF2B5EF4-FFF2-40B4-BE49-F238E27FC236}">
-                <a16:creationId xmlns:a16="http://schemas.microsoft.com/office/drawing/2014/main" id="{F012136E-8FED-438A-8CCB-512AFF3ACFA6}"/>
-              </a:ext>
-            </a:extLst>
-          </p:cNvPr>
-          <p:cNvSpPr>
-            <a:spLocks noGrp="1"/>
-          </p:cNvSpPr>
-          <p:nvPr>
-            <p:ph type="title"/>
-          </p:nvPr>
-        </p:nvSpPr>
-        <p:spPr>
-          <a:xfrm>
-            <a:off x="581192" y="702156"/>
-            <a:ext cx="11029616" cy="574709"/>
-          </a:xfrm>
-        </p:spPr>
-        <p:txBody>
-          <a:bodyPr/>
-          <a:lstStyle/>
-          <a:p>
-            <a:r>
-              <a:rPr lang="en-US" dirty="0"/>
-              <a:t>PAST Campaigns ANALYSIS</a:t>
-            </a:r>
-            <a:endParaRPr lang="pt-BR" dirty="0"/>
-          </a:p>
-        </p:txBody>
-      </p:sp>
-      <p:sp>
-        <p:nvSpPr>
-          <p:cNvPr id="3" name="Espaço Reservado para Conteúdo 2">
-            <a:extLst>
-              <a:ext uri="{FF2B5EF4-FFF2-40B4-BE49-F238E27FC236}">
-                <a16:creationId xmlns:a16="http://schemas.microsoft.com/office/drawing/2014/main" id="{59DC1503-7258-49D9-8EED-3C1458E3B31B}"/>
-              </a:ext>
-            </a:extLst>
-          </p:cNvPr>
-          <p:cNvSpPr>
-            <a:spLocks noGrp="1"/>
-          </p:cNvSpPr>
-          <p:nvPr>
-            <p:ph idx="1"/>
-          </p:nvPr>
-        </p:nvSpPr>
-        <p:spPr>
-          <a:xfrm>
-            <a:off x="581192" y="1441622"/>
-            <a:ext cx="11029615" cy="4533728"/>
-          </a:xfrm>
-        </p:spPr>
-        <p:txBody>
-          <a:bodyPr anchor="t"/>
-          <a:lstStyle/>
-          <a:p>
-            <a:pPr marL="0" indent="0" algn="just">
-              <a:buNone/>
-            </a:pPr>
-            <a:r>
-              <a:rPr lang="en-US" dirty="0"/>
-              <a:t>	Below we can see the graph that shows the rate of positive responses in each campaign already carried out, 2240 responses were analyzed and the campaign with the highest sales conversion rate was the Sample Campaign with a percentage of 15,03%, with this data we can visualize that the effectiveness of the campaigns has been extremely low.</a:t>
-            </a:r>
-            <a:endParaRPr lang="pt-BR" dirty="0"/>
-          </a:p>
-        </p:txBody>
-      </p:sp>
-      <p:sp>
-        <p:nvSpPr>
-          <p:cNvPr id="6" name="CaixaDeTexto 5">
-            <a:extLst>
-              <a:ext uri="{FF2B5EF4-FFF2-40B4-BE49-F238E27FC236}">
-                <a16:creationId xmlns:a16="http://schemas.microsoft.com/office/drawing/2014/main" id="{5A6EE038-C27D-4A14-824C-8FCB0D0F4B3E}"/>
-              </a:ext>
-            </a:extLst>
-          </p:cNvPr>
-          <p:cNvSpPr txBox="1"/>
-          <p:nvPr/>
-        </p:nvSpPr>
-        <p:spPr>
-          <a:xfrm>
-            <a:off x="6516943" y="3585107"/>
-            <a:ext cx="4377952" cy="1831271"/>
-          </a:xfrm>
-          <a:prstGeom prst="rect">
-            <a:avLst/>
-          </a:prstGeom>
-          <a:noFill/>
-        </p:spPr>
-        <p:txBody>
-          <a:bodyPr wrap="square" rtlCol="0">
-            <a:spAutoFit/>
-          </a:bodyPr>
-          <a:lstStyle/>
-          <a:p>
-            <a:pPr algn="ctr"/>
-            <a:r>
-              <a:rPr lang="en-US" sz="2000" cap="all" dirty="0">
-                <a:solidFill>
-                  <a:srgbClr val="FF0000"/>
-                </a:solidFill>
-                <a:latin typeface="+mj-lt"/>
-                <a:ea typeface="+mj-ea"/>
-                <a:cs typeface="+mj-cs"/>
-              </a:rPr>
-              <a:t>ATTENTION POINT</a:t>
-            </a:r>
-            <a:r>
-              <a:rPr lang="en-US" sz="2800" cap="all" dirty="0">
-                <a:solidFill>
-                  <a:srgbClr val="FF0000"/>
-                </a:solidFill>
-                <a:latin typeface="+mj-lt"/>
-                <a:ea typeface="+mj-ea"/>
-                <a:cs typeface="+mj-cs"/>
-              </a:rPr>
-              <a:t>:</a:t>
-            </a:r>
-          </a:p>
-          <a:p>
-            <a:pPr algn="ctr"/>
-            <a:endParaRPr lang="pt-BR" sz="1700" dirty="0">
-              <a:solidFill>
-                <a:srgbClr val="FF0000"/>
-              </a:solidFill>
-            </a:endParaRPr>
-          </a:p>
-          <a:p>
-            <a:pPr algn="just"/>
-            <a:r>
-              <a:rPr lang="pt-BR" sz="1700" dirty="0">
-                <a:solidFill>
-                  <a:schemeClr val="tx1">
-                    <a:lumMod val="75000"/>
-                    <a:lumOff val="25000"/>
-                  </a:schemeClr>
-                </a:solidFill>
-              </a:rPr>
-              <a:t>	</a:t>
-            </a:r>
-            <a:r>
-              <a:rPr lang="pt-BR" sz="1700" b="1" dirty="0">
-                <a:solidFill>
-                  <a:schemeClr val="tx1">
-                    <a:lumMod val="75000"/>
-                    <a:lumOff val="25000"/>
-                  </a:schemeClr>
-                </a:solidFill>
-              </a:rPr>
-              <a:t>In </a:t>
-            </a:r>
-            <a:r>
-              <a:rPr lang="pt-BR" sz="1700" b="1" dirty="0" err="1">
-                <a:solidFill>
-                  <a:schemeClr val="tx1">
-                    <a:lumMod val="75000"/>
-                    <a:lumOff val="25000"/>
-                  </a:schemeClr>
-                </a:solidFill>
-              </a:rPr>
-              <a:t>the</a:t>
-            </a:r>
-            <a:r>
-              <a:rPr lang="pt-BR" sz="1700" b="1" dirty="0">
-                <a:solidFill>
-                  <a:schemeClr val="tx1">
-                    <a:lumMod val="75000"/>
-                    <a:lumOff val="25000"/>
-                  </a:schemeClr>
-                </a:solidFill>
-              </a:rPr>
-              <a:t> sample </a:t>
-            </a:r>
-            <a:r>
-              <a:rPr lang="en-US" sz="1700" b="1" dirty="0">
-                <a:solidFill>
-                  <a:schemeClr val="tx1">
-                    <a:lumMod val="75000"/>
-                    <a:lumOff val="25000"/>
-                  </a:schemeClr>
-                </a:solidFill>
-              </a:rPr>
-              <a:t>campaign</a:t>
-            </a:r>
-            <a:r>
-              <a:rPr lang="pt-BR" sz="1700" b="1" dirty="0">
-                <a:solidFill>
-                  <a:schemeClr val="tx1">
-                    <a:lumMod val="75000"/>
-                    <a:lumOff val="25000"/>
-                  </a:schemeClr>
-                </a:solidFill>
-              </a:rPr>
-              <a:t> </a:t>
-            </a:r>
-            <a:r>
-              <a:rPr lang="pt-BR" sz="1700" b="1" dirty="0" err="1">
-                <a:solidFill>
-                  <a:schemeClr val="tx1">
-                    <a:lumMod val="75000"/>
-                    <a:lumOff val="25000"/>
-                  </a:schemeClr>
-                </a:solidFill>
-              </a:rPr>
-              <a:t>the</a:t>
-            </a:r>
-            <a:r>
-              <a:rPr lang="pt-BR" sz="1700" b="1" dirty="0">
-                <a:solidFill>
-                  <a:schemeClr val="tx1">
-                    <a:lumMod val="75000"/>
-                    <a:lumOff val="25000"/>
-                  </a:schemeClr>
-                </a:solidFill>
-              </a:rPr>
-              <a:t> marketing </a:t>
-            </a:r>
-            <a:r>
-              <a:rPr lang="pt-BR" sz="1700" b="1" dirty="0" err="1">
-                <a:solidFill>
-                  <a:schemeClr val="tx1">
-                    <a:lumMod val="75000"/>
-                    <a:lumOff val="25000"/>
-                  </a:schemeClr>
-                </a:solidFill>
-              </a:rPr>
-              <a:t>department</a:t>
-            </a:r>
-            <a:r>
-              <a:rPr lang="pt-BR" sz="1700" b="1" dirty="0">
-                <a:solidFill>
-                  <a:schemeClr val="tx1">
-                    <a:lumMod val="75000"/>
-                    <a:lumOff val="25000"/>
-                  </a:schemeClr>
-                </a:solidFill>
-              </a:rPr>
-              <a:t> </a:t>
-            </a:r>
-            <a:r>
-              <a:rPr lang="pt-BR" sz="1700" b="1" dirty="0" err="1">
-                <a:solidFill>
-                  <a:schemeClr val="tx1">
-                    <a:lumMod val="75000"/>
-                    <a:lumOff val="25000"/>
-                  </a:schemeClr>
-                </a:solidFill>
-              </a:rPr>
-              <a:t>spent</a:t>
-            </a:r>
-            <a:r>
-              <a:rPr lang="pt-BR" sz="1700" b="1" dirty="0">
-                <a:solidFill>
-                  <a:schemeClr val="tx1">
-                    <a:lumMod val="75000"/>
-                    <a:lumOff val="25000"/>
-                  </a:schemeClr>
-                </a:solidFill>
-              </a:rPr>
-              <a:t> 6.720MU </a:t>
-            </a:r>
-            <a:r>
-              <a:rPr lang="pt-BR" sz="1700" b="1" dirty="0" err="1">
-                <a:solidFill>
-                  <a:schemeClr val="tx1">
-                    <a:lumMod val="75000"/>
-                    <a:lumOff val="25000"/>
-                  </a:schemeClr>
-                </a:solidFill>
-              </a:rPr>
-              <a:t>and</a:t>
-            </a:r>
-            <a:r>
-              <a:rPr lang="pt-BR" sz="1700" b="1" dirty="0">
-                <a:solidFill>
-                  <a:schemeClr val="tx1">
-                    <a:lumMod val="75000"/>
-                    <a:lumOff val="25000"/>
-                  </a:schemeClr>
-                </a:solidFill>
-              </a:rPr>
-              <a:t> </a:t>
-            </a:r>
-            <a:r>
-              <a:rPr lang="pt-BR" sz="1700" b="1" dirty="0" err="1">
-                <a:solidFill>
-                  <a:schemeClr val="tx1">
-                    <a:lumMod val="75000"/>
-                    <a:lumOff val="25000"/>
-                  </a:schemeClr>
-                </a:solidFill>
-              </a:rPr>
-              <a:t>the</a:t>
-            </a:r>
-            <a:r>
-              <a:rPr lang="pt-BR" sz="1700" b="1" dirty="0">
-                <a:solidFill>
-                  <a:schemeClr val="tx1">
-                    <a:lumMod val="75000"/>
-                    <a:lumOff val="25000"/>
-                  </a:schemeClr>
-                </a:solidFill>
-              </a:rPr>
-              <a:t> </a:t>
-            </a:r>
-            <a:r>
-              <a:rPr lang="pt-BR" sz="1700" b="1" dirty="0" err="1">
-                <a:solidFill>
-                  <a:schemeClr val="tx1">
-                    <a:lumMod val="75000"/>
-                    <a:lumOff val="25000"/>
-                  </a:schemeClr>
-                </a:solidFill>
-              </a:rPr>
-              <a:t>revenue</a:t>
-            </a:r>
-            <a:r>
-              <a:rPr lang="pt-BR" sz="1700" b="1" dirty="0">
-                <a:solidFill>
-                  <a:schemeClr val="tx1">
-                    <a:lumMod val="75000"/>
-                    <a:lumOff val="25000"/>
-                  </a:schemeClr>
-                </a:solidFill>
-              </a:rPr>
-              <a:t> </a:t>
-            </a:r>
-            <a:r>
-              <a:rPr lang="pt-BR" sz="1700" b="1" dirty="0" err="1">
-                <a:solidFill>
-                  <a:schemeClr val="tx1">
-                    <a:lumMod val="75000"/>
-                    <a:lumOff val="25000"/>
-                  </a:schemeClr>
-                </a:solidFill>
-              </a:rPr>
-              <a:t>generated</a:t>
-            </a:r>
-            <a:r>
-              <a:rPr lang="pt-BR" sz="1700" b="1" dirty="0">
-                <a:solidFill>
-                  <a:schemeClr val="tx1">
-                    <a:lumMod val="75000"/>
-                    <a:lumOff val="25000"/>
-                  </a:schemeClr>
-                </a:solidFill>
-              </a:rPr>
-              <a:t> </a:t>
-            </a:r>
-            <a:r>
-              <a:rPr lang="pt-BR" sz="1700" b="1" dirty="0" err="1">
-                <a:solidFill>
-                  <a:schemeClr val="tx1">
-                    <a:lumMod val="75000"/>
-                    <a:lumOff val="25000"/>
-                  </a:schemeClr>
-                </a:solidFill>
-              </a:rPr>
-              <a:t>was</a:t>
-            </a:r>
-            <a:r>
-              <a:rPr lang="pt-BR" sz="1700" b="1" dirty="0">
-                <a:solidFill>
-                  <a:schemeClr val="tx1">
-                    <a:lumMod val="75000"/>
-                    <a:lumOff val="25000"/>
-                  </a:schemeClr>
-                </a:solidFill>
-              </a:rPr>
-              <a:t> 3.674MU, </a:t>
-            </a:r>
-            <a:r>
-              <a:rPr lang="pt-BR" sz="1700" b="1" dirty="0" err="1">
-                <a:solidFill>
-                  <a:schemeClr val="tx1">
-                    <a:lumMod val="75000"/>
-                    <a:lumOff val="25000"/>
-                  </a:schemeClr>
-                </a:solidFill>
-              </a:rPr>
-              <a:t>globaly</a:t>
-            </a:r>
-            <a:r>
-              <a:rPr lang="pt-BR" sz="1700" b="1" dirty="0">
-                <a:solidFill>
-                  <a:schemeClr val="tx1">
-                    <a:lumMod val="75000"/>
-                    <a:lumOff val="25000"/>
-                  </a:schemeClr>
-                </a:solidFill>
-              </a:rPr>
-              <a:t> </a:t>
-            </a:r>
-            <a:r>
-              <a:rPr lang="pt-BR" sz="1700" b="1" dirty="0" err="1">
-                <a:solidFill>
-                  <a:schemeClr val="tx1">
-                    <a:lumMod val="75000"/>
-                    <a:lumOff val="25000"/>
-                  </a:schemeClr>
-                </a:solidFill>
-              </a:rPr>
-              <a:t>the</a:t>
-            </a:r>
-            <a:r>
-              <a:rPr lang="pt-BR" sz="1700" b="1" dirty="0">
-                <a:solidFill>
-                  <a:schemeClr val="tx1">
-                    <a:lumMod val="75000"/>
-                    <a:lumOff val="25000"/>
-                  </a:schemeClr>
-                </a:solidFill>
-              </a:rPr>
-              <a:t> </a:t>
-            </a:r>
-            <a:r>
-              <a:rPr lang="pt-BR" sz="1700" b="1" dirty="0" err="1">
-                <a:solidFill>
-                  <a:schemeClr val="tx1">
-                    <a:lumMod val="75000"/>
-                    <a:lumOff val="25000"/>
-                  </a:schemeClr>
-                </a:solidFill>
-              </a:rPr>
-              <a:t>campaign</a:t>
-            </a:r>
-            <a:r>
-              <a:rPr lang="pt-BR" sz="1700" b="1" dirty="0">
-                <a:solidFill>
-                  <a:schemeClr val="tx1">
-                    <a:lumMod val="75000"/>
-                    <a:lumOff val="25000"/>
-                  </a:schemeClr>
-                </a:solidFill>
-              </a:rPr>
-              <a:t> </a:t>
-            </a:r>
-            <a:r>
-              <a:rPr lang="pt-BR" sz="1700" b="1" dirty="0" err="1">
-                <a:solidFill>
-                  <a:schemeClr val="tx1">
-                    <a:lumMod val="75000"/>
-                    <a:lumOff val="25000"/>
-                  </a:schemeClr>
-                </a:solidFill>
-              </a:rPr>
-              <a:t>had</a:t>
-            </a:r>
-            <a:r>
-              <a:rPr lang="pt-BR" sz="1700" b="1" dirty="0">
-                <a:solidFill>
-                  <a:schemeClr val="tx1">
-                    <a:lumMod val="75000"/>
-                    <a:lumOff val="25000"/>
-                  </a:schemeClr>
-                </a:solidFill>
-              </a:rPr>
-              <a:t> a </a:t>
-            </a:r>
-            <a:r>
-              <a:rPr lang="pt-BR" sz="1700" b="1" dirty="0" err="1">
-                <a:solidFill>
-                  <a:schemeClr val="tx1">
-                    <a:lumMod val="75000"/>
-                    <a:lumOff val="25000"/>
-                  </a:schemeClr>
-                </a:solidFill>
-              </a:rPr>
-              <a:t>profit</a:t>
-            </a:r>
-            <a:r>
-              <a:rPr lang="pt-BR" sz="1700" b="1" dirty="0">
-                <a:solidFill>
-                  <a:schemeClr val="tx1">
-                    <a:lumMod val="75000"/>
-                    <a:lumOff val="25000"/>
-                  </a:schemeClr>
-                </a:solidFill>
-              </a:rPr>
-              <a:t> </a:t>
-            </a:r>
-            <a:r>
-              <a:rPr lang="pt-BR" sz="1700" b="1" dirty="0" err="1">
-                <a:solidFill>
-                  <a:schemeClr val="tx1">
-                    <a:lumMod val="75000"/>
-                    <a:lumOff val="25000"/>
-                  </a:schemeClr>
-                </a:solidFill>
-              </a:rPr>
-              <a:t>of</a:t>
-            </a:r>
-            <a:r>
-              <a:rPr lang="pt-BR" sz="1700" b="1" dirty="0">
-                <a:solidFill>
-                  <a:schemeClr val="tx1">
-                    <a:lumMod val="75000"/>
-                    <a:lumOff val="25000"/>
-                  </a:schemeClr>
-                </a:solidFill>
-              </a:rPr>
-              <a:t> </a:t>
-            </a:r>
-            <a:r>
-              <a:rPr lang="pt-BR" sz="1700" b="1" dirty="0">
-                <a:solidFill>
-                  <a:srgbClr val="FF0000"/>
-                </a:solidFill>
-              </a:rPr>
-              <a:t>-3.046MU</a:t>
-            </a:r>
-            <a:r>
-              <a:rPr lang="pt-BR" sz="1700" b="1" dirty="0">
-                <a:solidFill>
-                  <a:schemeClr val="tx1">
-                    <a:lumMod val="75000"/>
-                    <a:lumOff val="25000"/>
-                  </a:schemeClr>
-                </a:solidFill>
-              </a:rPr>
-              <a:t>.</a:t>
-            </a:r>
-            <a:endParaRPr lang="en-US" sz="1700" b="1" dirty="0">
-              <a:solidFill>
-                <a:schemeClr val="tx1">
-                  <a:lumMod val="75000"/>
-                  <a:lumOff val="25000"/>
-                </a:schemeClr>
-              </a:solidFill>
-            </a:endParaRPr>
-          </a:p>
-        </p:txBody>
-      </p:sp>
-      <p:pic>
-        <p:nvPicPr>
-          <p:cNvPr id="5" name="Imagem 4">
-            <a:extLst>
-              <a:ext uri="{FF2B5EF4-FFF2-40B4-BE49-F238E27FC236}">
-                <a16:creationId xmlns:a16="http://schemas.microsoft.com/office/drawing/2014/main" id="{DBAF2FE5-6183-4CBA-B771-7FA5B19D414D}"/>
-              </a:ext>
-            </a:extLst>
-          </p:cNvPr>
-          <p:cNvPicPr>
-            <a:picLocks noChangeAspect="1"/>
-          </p:cNvPicPr>
-          <p:nvPr/>
-        </p:nvPicPr>
-        <p:blipFill>
-          <a:blip r:embed="rId2"/>
-          <a:stretch>
-            <a:fillRect/>
-          </a:stretch>
-        </p:blipFill>
-        <p:spPr>
-          <a:xfrm>
-            <a:off x="581191" y="2415397"/>
-            <a:ext cx="5145353" cy="4114799"/>
-          </a:xfrm>
-          <a:prstGeom prst="rect">
-            <a:avLst/>
-          </a:prstGeom>
-        </p:spPr>
-      </p:pic>
-    </p:spTree>
-    <p:extLst>
-      <p:ext uri="{BB962C8B-B14F-4D97-AF65-F5344CB8AC3E}">
-        <p14:creationId xmlns:p14="http://schemas.microsoft.com/office/powerpoint/2010/main" val="875750666"/>
-      </p:ext>
-    </p:extLst>
-  </p:cSld>
-  <p:clrMapOvr>
-    <a:masterClrMapping/>
-  </p:clrMapOvr>
-</p:sld>
-</file>
-
-<file path=ppt/slides/slide4.xml><?xml version="1.0" encoding="utf-8"?>
+<file path=ppt/slides/slide8.xml><?xml version="1.0" encoding="utf-8"?>
 <p:sld xmlns:a="http://schemas.openxmlformats.org/drawingml/2006/main" xmlns:r="http://schemas.openxmlformats.org/officeDocument/2006/relationships" xmlns:p="http://schemas.openxmlformats.org/presentationml/2006/main">
   <p:cSld>
     <p:spTree>
@@ -6766,7 +8229,7 @@
           <a:p>
             <a:r>
               <a:rPr lang="en-US" dirty="0"/>
-              <a:t>CUSTOMER’S PROFILE</a:t>
+              <a:t>Predictive model</a:t>
             </a:r>
             <a:endParaRPr lang="pt-BR" dirty="0"/>
           </a:p>
@@ -6806,483 +8269,7 @@
             </a:pPr>
             <a:r>
               <a:rPr lang="en-US" dirty="0"/>
-              <a:t>	Trying to better understand the profile of consumers, who accepted at least one offer in past campaigns, we analyzed the percentage of positive responses taking into account some characteristics that we will see below.</a:t>
-            </a:r>
-            <a:endParaRPr lang="pt-BR" dirty="0"/>
-          </a:p>
-        </p:txBody>
-      </p:sp>
-      <p:sp>
-        <p:nvSpPr>
-          <p:cNvPr id="23" name="Espaço Reservado para Conteúdo 2">
-            <a:extLst>
-              <a:ext uri="{FF2B5EF4-FFF2-40B4-BE49-F238E27FC236}">
-                <a16:creationId xmlns:a16="http://schemas.microsoft.com/office/drawing/2014/main" id="{8364D5A2-1FE4-4FD5-AE8E-1BD2653C7A12}"/>
-              </a:ext>
-            </a:extLst>
-          </p:cNvPr>
-          <p:cNvSpPr txBox="1">
-            <a:spLocks/>
-          </p:cNvSpPr>
-          <p:nvPr/>
-        </p:nvSpPr>
-        <p:spPr>
-          <a:xfrm>
-            <a:off x="581192" y="5573618"/>
-            <a:ext cx="11029615" cy="822582"/>
-          </a:xfrm>
-          <a:prstGeom prst="rect">
-            <a:avLst/>
-          </a:prstGeom>
-        </p:spPr>
-        <p:txBody>
-          <a:bodyPr vert="horz" lIns="91440" tIns="45720" rIns="91440" bIns="45720" rtlCol="0" anchor="t">
-            <a:noAutofit/>
-          </a:bodyPr>
-          <a:lstStyle>
-            <a:lvl1pPr marL="306000" indent="-306000" algn="l" defTabSz="457200" rtl="0" eaLnBrk="1" latinLnBrk="0" hangingPunct="1">
-              <a:lnSpc>
-                <a:spcPct val="110000"/>
-              </a:lnSpc>
-              <a:spcBef>
-                <a:spcPct val="20000"/>
-              </a:spcBef>
-              <a:spcAft>
-                <a:spcPts val="600"/>
-              </a:spcAft>
-              <a:buClr>
-                <a:schemeClr val="accent1"/>
-              </a:buClr>
-              <a:buSzPct val="92000"/>
-              <a:buFont typeface="Wingdings 2" panose="05020102010507070707" pitchFamily="18" charset="2"/>
-              <a:buChar char=""/>
-              <a:defRPr sz="1700" kern="1200">
-                <a:solidFill>
-                  <a:schemeClr val="tx1">
-                    <a:lumMod val="75000"/>
-                    <a:lumOff val="25000"/>
-                  </a:schemeClr>
-                </a:solidFill>
-                <a:latin typeface="+mn-lt"/>
-                <a:ea typeface="+mn-ea"/>
-                <a:cs typeface="+mn-cs"/>
-              </a:defRPr>
-            </a:lvl1pPr>
-            <a:lvl2pPr marL="630000" indent="-306000" algn="l" defTabSz="457200" rtl="0" eaLnBrk="1" latinLnBrk="0" hangingPunct="1">
-              <a:spcBef>
-                <a:spcPct val="20000"/>
-              </a:spcBef>
-              <a:spcAft>
-                <a:spcPts val="600"/>
-              </a:spcAft>
-              <a:buClr>
-                <a:schemeClr val="accent1"/>
-              </a:buClr>
-              <a:buSzPct val="92000"/>
-              <a:buFont typeface="Wingdings 2" panose="05020102010507070707" pitchFamily="18" charset="2"/>
-              <a:buChar char=""/>
-              <a:defRPr sz="1400" kern="1200">
-                <a:solidFill>
-                  <a:schemeClr val="tx1">
-                    <a:lumMod val="75000"/>
-                    <a:lumOff val="25000"/>
-                  </a:schemeClr>
-                </a:solidFill>
-                <a:latin typeface="+mn-lt"/>
-                <a:ea typeface="+mn-ea"/>
-                <a:cs typeface="+mn-cs"/>
-              </a:defRPr>
-            </a:lvl2pPr>
-            <a:lvl3pPr marL="900000" indent="-270000" algn="l" defTabSz="457200" rtl="0" eaLnBrk="1" latinLnBrk="0" hangingPunct="1">
-              <a:spcBef>
-                <a:spcPct val="20000"/>
-              </a:spcBef>
-              <a:spcAft>
-                <a:spcPts val="600"/>
-              </a:spcAft>
-              <a:buClr>
-                <a:schemeClr val="accent1"/>
-              </a:buClr>
-              <a:buSzPct val="92000"/>
-              <a:buFont typeface="Wingdings 2" panose="05020102010507070707" pitchFamily="18" charset="2"/>
-              <a:buChar char=""/>
-              <a:defRPr sz="1300" kern="1200">
-                <a:solidFill>
-                  <a:schemeClr val="tx1">
-                    <a:lumMod val="75000"/>
-                    <a:lumOff val="25000"/>
-                  </a:schemeClr>
-                </a:solidFill>
-                <a:latin typeface="+mn-lt"/>
-                <a:ea typeface="+mn-ea"/>
-                <a:cs typeface="+mn-cs"/>
-              </a:defRPr>
-            </a:lvl3pPr>
-            <a:lvl4pPr marL="1242000" indent="-234000" algn="l" defTabSz="457200" rtl="0" eaLnBrk="1" latinLnBrk="0" hangingPunct="1">
-              <a:spcBef>
-                <a:spcPct val="20000"/>
-              </a:spcBef>
-              <a:spcAft>
-                <a:spcPts val="600"/>
-              </a:spcAft>
-              <a:buClr>
-                <a:schemeClr val="accent1"/>
-              </a:buClr>
-              <a:buSzPct val="92000"/>
-              <a:buFont typeface="Wingdings 2" panose="05020102010507070707" pitchFamily="18" charset="2"/>
-              <a:buChar char=""/>
-              <a:defRPr sz="1100" kern="1200">
-                <a:solidFill>
-                  <a:schemeClr val="tx1">
-                    <a:lumMod val="75000"/>
-                    <a:lumOff val="25000"/>
-                  </a:schemeClr>
-                </a:solidFill>
-                <a:latin typeface="+mn-lt"/>
-                <a:ea typeface="+mn-ea"/>
-                <a:cs typeface="+mn-cs"/>
-              </a:defRPr>
-            </a:lvl4pPr>
-            <a:lvl5pPr marL="1602000" indent="-234000" algn="l" defTabSz="457200" rtl="0" eaLnBrk="1" latinLnBrk="0" hangingPunct="1">
-              <a:spcBef>
-                <a:spcPct val="20000"/>
-              </a:spcBef>
-              <a:spcAft>
-                <a:spcPts val="600"/>
-              </a:spcAft>
-              <a:buClr>
-                <a:schemeClr val="accent1"/>
-              </a:buClr>
-              <a:buSzPct val="92000"/>
-              <a:buFont typeface="Wingdings 2" panose="05020102010507070707" pitchFamily="18" charset="2"/>
-              <a:buChar char=""/>
-              <a:defRPr sz="1100" kern="1200">
-                <a:solidFill>
-                  <a:schemeClr val="tx1">
-                    <a:lumMod val="75000"/>
-                    <a:lumOff val="25000"/>
-                  </a:schemeClr>
-                </a:solidFill>
-                <a:latin typeface="+mn-lt"/>
-                <a:ea typeface="+mn-ea"/>
-                <a:cs typeface="+mn-cs"/>
-              </a:defRPr>
-            </a:lvl5pPr>
-            <a:lvl6pPr marL="1900000" indent="-228600" algn="l" defTabSz="457200" rtl="0" eaLnBrk="1" latinLnBrk="0" hangingPunct="1">
-              <a:spcBef>
-                <a:spcPct val="20000"/>
-              </a:spcBef>
-              <a:spcAft>
-                <a:spcPts val="600"/>
-              </a:spcAft>
-              <a:buClr>
-                <a:schemeClr val="accent2"/>
-              </a:buClr>
-              <a:buSzPct val="92000"/>
-              <a:buFont typeface="Wingdings 2" panose="05020102010507070707" pitchFamily="18" charset="2"/>
-              <a:buChar char=""/>
-              <a:defRPr sz="1200" kern="1200">
-                <a:solidFill>
-                  <a:schemeClr val="tx2"/>
-                </a:solidFill>
-                <a:latin typeface="+mn-lt"/>
-                <a:ea typeface="+mn-ea"/>
-                <a:cs typeface="+mn-cs"/>
-              </a:defRPr>
-            </a:lvl6pPr>
-            <a:lvl7pPr marL="2200000" indent="-228600" algn="l" defTabSz="457200" rtl="0" eaLnBrk="1" latinLnBrk="0" hangingPunct="1">
-              <a:spcBef>
-                <a:spcPct val="20000"/>
-              </a:spcBef>
-              <a:spcAft>
-                <a:spcPts val="600"/>
-              </a:spcAft>
-              <a:buClr>
-                <a:schemeClr val="accent2"/>
-              </a:buClr>
-              <a:buSzPct val="92000"/>
-              <a:buFont typeface="Wingdings 2" panose="05020102010507070707" pitchFamily="18" charset="2"/>
-              <a:buChar char=""/>
-              <a:defRPr sz="1200" kern="1200">
-                <a:solidFill>
-                  <a:schemeClr val="tx2"/>
-                </a:solidFill>
-                <a:latin typeface="+mn-lt"/>
-                <a:ea typeface="+mn-ea"/>
-                <a:cs typeface="+mn-cs"/>
-              </a:defRPr>
-            </a:lvl7pPr>
-            <a:lvl8pPr marL="2500000" indent="-228600" algn="l" defTabSz="457200" rtl="0" eaLnBrk="1" latinLnBrk="0" hangingPunct="1">
-              <a:spcBef>
-                <a:spcPct val="20000"/>
-              </a:spcBef>
-              <a:spcAft>
-                <a:spcPts val="600"/>
-              </a:spcAft>
-              <a:buClr>
-                <a:schemeClr val="accent2"/>
-              </a:buClr>
-              <a:buSzPct val="92000"/>
-              <a:buFont typeface="Wingdings 2" panose="05020102010507070707" pitchFamily="18" charset="2"/>
-              <a:buChar char=""/>
-              <a:defRPr sz="1200" kern="1200">
-                <a:solidFill>
-                  <a:schemeClr val="tx2"/>
-                </a:solidFill>
-                <a:latin typeface="+mn-lt"/>
-                <a:ea typeface="+mn-ea"/>
-                <a:cs typeface="+mn-cs"/>
-              </a:defRPr>
-            </a:lvl8pPr>
-            <a:lvl9pPr marL="2800000" indent="-228600" algn="l" defTabSz="457200" rtl="0" eaLnBrk="1" latinLnBrk="0" hangingPunct="1">
-              <a:spcBef>
-                <a:spcPct val="20000"/>
-              </a:spcBef>
-              <a:spcAft>
-                <a:spcPts val="600"/>
-              </a:spcAft>
-              <a:buClr>
-                <a:schemeClr val="accent2"/>
-              </a:buClr>
-              <a:buSzPct val="92000"/>
-              <a:buFont typeface="Wingdings 2" panose="05020102010507070707" pitchFamily="18" charset="2"/>
-              <a:buChar char=""/>
-              <a:defRPr sz="1200" kern="1200">
-                <a:solidFill>
-                  <a:schemeClr val="tx2"/>
-                </a:solidFill>
-                <a:latin typeface="+mn-lt"/>
-                <a:ea typeface="+mn-ea"/>
-                <a:cs typeface="+mn-cs"/>
-              </a:defRPr>
-            </a:lvl9pPr>
-          </a:lstStyle>
-          <a:p>
-            <a:pPr marL="0" indent="0" algn="just">
-              <a:buFont typeface="Wingdings 2" panose="05020102010507070707" pitchFamily="18" charset="2"/>
-              <a:buNone/>
-            </a:pPr>
-            <a:r>
-              <a:rPr lang="en-US" dirty="0"/>
-              <a:t>	An interesting characteristic that can be seen with this analysis is that customers </a:t>
-            </a:r>
-            <a:r>
-              <a:rPr lang="en-US" b="1" dirty="0">
-                <a:solidFill>
-                  <a:srgbClr val="FF0000"/>
-                </a:solidFill>
-              </a:rPr>
-              <a:t>who</a:t>
-            </a:r>
-            <a:r>
-              <a:rPr lang="en-US" dirty="0"/>
-              <a:t> </a:t>
-            </a:r>
-            <a:r>
-              <a:rPr lang="en-US" b="1" dirty="0">
-                <a:solidFill>
-                  <a:srgbClr val="FF0000"/>
-                </a:solidFill>
-              </a:rPr>
-              <a:t>do not have children or teenagers </a:t>
-            </a:r>
-            <a:r>
-              <a:rPr lang="en-US" dirty="0"/>
-              <a:t>at home </a:t>
-            </a:r>
-            <a:r>
-              <a:rPr lang="en-US" b="1" dirty="0">
-                <a:solidFill>
-                  <a:srgbClr val="FF0000"/>
-                </a:solidFill>
-              </a:rPr>
-              <a:t>accepted offers from past campaigns in a greater proportion </a:t>
-            </a:r>
-            <a:r>
-              <a:rPr lang="en-US" dirty="0"/>
-              <a:t>when compared to people who have one or more children or teenagers at home. Another interesting point is that people with a </a:t>
-            </a:r>
-            <a:r>
-              <a:rPr lang="en-US" b="1" dirty="0">
-                <a:solidFill>
-                  <a:srgbClr val="FF0000"/>
-                </a:solidFill>
-              </a:rPr>
-              <a:t>high education level accepted the past campaigns in a great proportion </a:t>
-            </a:r>
-            <a:r>
-              <a:rPr lang="en-US" dirty="0"/>
-              <a:t>when compared with low education levels.</a:t>
-            </a:r>
-            <a:endParaRPr lang="pt-BR" dirty="0"/>
-          </a:p>
-        </p:txBody>
-      </p:sp>
-      <p:pic>
-        <p:nvPicPr>
-          <p:cNvPr id="6" name="Imagem 5">
-            <a:extLst>
-              <a:ext uri="{FF2B5EF4-FFF2-40B4-BE49-F238E27FC236}">
-                <a16:creationId xmlns:a16="http://schemas.microsoft.com/office/drawing/2014/main" id="{15F08064-FABB-4113-8FFB-57E8C54AD0AF}"/>
-              </a:ext>
-            </a:extLst>
-          </p:cNvPr>
-          <p:cNvPicPr>
-            <a:picLocks noChangeAspect="1"/>
-          </p:cNvPicPr>
-          <p:nvPr/>
-        </p:nvPicPr>
-        <p:blipFill>
-          <a:blip r:embed="rId2"/>
-          <a:stretch>
-            <a:fillRect/>
-          </a:stretch>
-        </p:blipFill>
-        <p:spPr>
-          <a:xfrm>
-            <a:off x="6947141" y="2025153"/>
-            <a:ext cx="4458308" cy="3541351"/>
-          </a:xfrm>
-          <a:prstGeom prst="rect">
-            <a:avLst/>
-          </a:prstGeom>
-        </p:spPr>
-      </p:pic>
-      <p:pic>
-        <p:nvPicPr>
-          <p:cNvPr id="10" name="Imagem 9">
-            <a:extLst>
-              <a:ext uri="{FF2B5EF4-FFF2-40B4-BE49-F238E27FC236}">
-                <a16:creationId xmlns:a16="http://schemas.microsoft.com/office/drawing/2014/main" id="{E8625FB1-2822-4F12-91E4-088ACF6936A0}"/>
-              </a:ext>
-            </a:extLst>
-          </p:cNvPr>
-          <p:cNvPicPr>
-            <a:picLocks noChangeAspect="1"/>
-          </p:cNvPicPr>
-          <p:nvPr/>
-        </p:nvPicPr>
-        <p:blipFill>
-          <a:blip r:embed="rId3"/>
-          <a:stretch>
-            <a:fillRect/>
-          </a:stretch>
-        </p:blipFill>
-        <p:spPr>
-          <a:xfrm>
-            <a:off x="581191" y="2032267"/>
-            <a:ext cx="4663670" cy="3534237"/>
-          </a:xfrm>
-          <a:prstGeom prst="rect">
-            <a:avLst/>
-          </a:prstGeom>
-        </p:spPr>
-      </p:pic>
-    </p:spTree>
-    <p:extLst>
-      <p:ext uri="{BB962C8B-B14F-4D97-AF65-F5344CB8AC3E}">
-        <p14:creationId xmlns:p14="http://schemas.microsoft.com/office/powerpoint/2010/main" val="4011634840"/>
-      </p:ext>
-    </p:extLst>
-  </p:cSld>
-  <p:clrMapOvr>
-    <a:masterClrMapping/>
-  </p:clrMapOvr>
-</p:sld>
-</file>
-
-<file path=ppt/slides/slide5.xml><?xml version="1.0" encoding="utf-8"?>
-<p:sld xmlns:a="http://schemas.openxmlformats.org/drawingml/2006/main" xmlns:r="http://schemas.openxmlformats.org/officeDocument/2006/relationships" xmlns:p="http://schemas.openxmlformats.org/presentationml/2006/main">
-  <p:cSld>
-    <p:spTree>
-      <p:nvGrpSpPr>
-        <p:cNvPr id="1" name=""/>
-        <p:cNvGrpSpPr/>
-        <p:nvPr/>
-      </p:nvGrpSpPr>
-      <p:grpSpPr>
-        <a:xfrm>
-          <a:off x="0" y="0"/>
-          <a:ext cx="0" cy="0"/>
-          <a:chOff x="0" y="0"/>
-          <a:chExt cx="0" cy="0"/>
-        </a:xfrm>
-      </p:grpSpPr>
-      <p:sp>
-        <p:nvSpPr>
-          <p:cNvPr id="2" name="Título 1">
-            <a:extLst>
-              <a:ext uri="{FF2B5EF4-FFF2-40B4-BE49-F238E27FC236}">
-                <a16:creationId xmlns:a16="http://schemas.microsoft.com/office/drawing/2014/main" id="{F012136E-8FED-438A-8CCB-512AFF3ACFA6}"/>
-              </a:ext>
-            </a:extLst>
-          </p:cNvPr>
-          <p:cNvSpPr>
-            <a:spLocks noGrp="1"/>
-          </p:cNvSpPr>
-          <p:nvPr>
-            <p:ph type="title"/>
-          </p:nvPr>
-        </p:nvSpPr>
-        <p:spPr>
-          <a:xfrm>
-            <a:off x="581192" y="627276"/>
-            <a:ext cx="11029616" cy="574709"/>
-          </a:xfrm>
-        </p:spPr>
-        <p:txBody>
-          <a:bodyPr/>
-          <a:lstStyle/>
-          <a:p>
-            <a:r>
-              <a:rPr lang="en-US" dirty="0"/>
-              <a:t>Predictive model</a:t>
-            </a:r>
-            <a:endParaRPr lang="pt-BR" dirty="0"/>
-          </a:p>
-        </p:txBody>
-      </p:sp>
-      <p:sp>
-        <p:nvSpPr>
-          <p:cNvPr id="3" name="Espaço Reservado para Conteúdo 2">
-            <a:extLst>
-              <a:ext uri="{FF2B5EF4-FFF2-40B4-BE49-F238E27FC236}">
-                <a16:creationId xmlns:a16="http://schemas.microsoft.com/office/drawing/2014/main" id="{59DC1503-7258-49D9-8EED-3C1458E3B31B}"/>
-              </a:ext>
-            </a:extLst>
-          </p:cNvPr>
-          <p:cNvSpPr>
-            <a:spLocks noGrp="1"/>
-          </p:cNvSpPr>
-          <p:nvPr>
-            <p:ph idx="1"/>
-          </p:nvPr>
-        </p:nvSpPr>
-        <p:spPr>
-          <a:xfrm>
-            <a:off x="581192" y="1201985"/>
-            <a:ext cx="11029615" cy="4533728"/>
-          </a:xfrm>
-        </p:spPr>
-        <p:txBody>
-          <a:bodyPr anchor="t"/>
-          <a:lstStyle/>
-          <a:p>
-            <a:pPr marL="0" indent="0" algn="just">
-              <a:lnSpc>
-                <a:spcPct val="100000"/>
-              </a:lnSpc>
-              <a:buNone/>
-            </a:pPr>
-            <a:r>
-              <a:rPr lang="en-US" b="0" i="0" dirty="0">
-                <a:solidFill>
-                  <a:srgbClr val="000000"/>
-                </a:solidFill>
-                <a:effectLst/>
-                <a:latin typeface="Helvetica Neue"/>
-              </a:rPr>
-              <a:t>In the prediction we will use a Logistic Regression to make classification between customers who will accept the campaign offer in the next campaign</a:t>
+              <a:t>	In the prediction a Logistic Regression was implemented to make classification between customers who will accept the campaign offer in the next campaign. The model correctly predicted 82,5% of the customer who would accept the offer and 80,3% who wouldn’t accept the offer on the sample campaign. </a:t>
             </a:r>
             <a:endParaRPr lang="pt-BR" dirty="0"/>
           </a:p>
@@ -7310,202 +8297,8 @@
         </p:blipFill>
         <p:spPr>
           <a:xfrm>
-            <a:off x="581191" y="2324685"/>
+            <a:off x="7262076" y="2009072"/>
             <a:ext cx="4457700" cy="3467100"/>
-          </a:xfrm>
-          <a:prstGeom prst="rect">
-            <a:avLst/>
-          </a:prstGeom>
-        </p:spPr>
-      </p:pic>
-    </p:spTree>
-    <p:extLst>
-      <p:ext uri="{BB962C8B-B14F-4D97-AF65-F5344CB8AC3E}">
-        <p14:creationId xmlns:p14="http://schemas.microsoft.com/office/powerpoint/2010/main" val="2679820751"/>
-      </p:ext>
-    </p:extLst>
-  </p:cSld>
-  <p:clrMapOvr>
-    <a:masterClrMapping/>
-  </p:clrMapOvr>
-</p:sld>
-</file>
-
-<file path=ppt/slides/slide6.xml><?xml version="1.0" encoding="utf-8"?>
-<p:sld xmlns:a="http://schemas.openxmlformats.org/drawingml/2006/main" xmlns:r="http://schemas.openxmlformats.org/officeDocument/2006/relationships" xmlns:p="http://schemas.openxmlformats.org/presentationml/2006/main">
-  <p:cSld>
-    <p:spTree>
-      <p:nvGrpSpPr>
-        <p:cNvPr id="1" name=""/>
-        <p:cNvGrpSpPr/>
-        <p:nvPr/>
-      </p:nvGrpSpPr>
-      <p:grpSpPr>
-        <a:xfrm>
-          <a:off x="0" y="0"/>
-          <a:ext cx="0" cy="0"/>
-          <a:chOff x="0" y="0"/>
-          <a:chExt cx="0" cy="0"/>
-        </a:xfrm>
-      </p:grpSpPr>
-      <p:sp>
-        <p:nvSpPr>
-          <p:cNvPr id="2" name="Título 1">
-            <a:extLst>
-              <a:ext uri="{FF2B5EF4-FFF2-40B4-BE49-F238E27FC236}">
-                <a16:creationId xmlns:a16="http://schemas.microsoft.com/office/drawing/2014/main" id="{F012136E-8FED-438A-8CCB-512AFF3ACFA6}"/>
-              </a:ext>
-            </a:extLst>
-          </p:cNvPr>
-          <p:cNvSpPr>
-            <a:spLocks noGrp="1"/>
-          </p:cNvSpPr>
-          <p:nvPr>
-            <p:ph type="title"/>
-          </p:nvPr>
-        </p:nvSpPr>
-        <p:spPr>
-          <a:xfrm>
-            <a:off x="581192" y="627276"/>
-            <a:ext cx="11029616" cy="574709"/>
-          </a:xfrm>
-        </p:spPr>
-        <p:txBody>
-          <a:bodyPr/>
-          <a:lstStyle/>
-          <a:p>
-            <a:r>
-              <a:rPr lang="en-US" dirty="0"/>
-              <a:t>CUSTOMER SEGMENTATION - RFM</a:t>
-            </a:r>
-            <a:endParaRPr lang="pt-BR" dirty="0"/>
-          </a:p>
-        </p:txBody>
-      </p:sp>
-      <p:sp>
-        <p:nvSpPr>
-          <p:cNvPr id="3" name="Espaço Reservado para Conteúdo 2">
-            <a:extLst>
-              <a:ext uri="{FF2B5EF4-FFF2-40B4-BE49-F238E27FC236}">
-                <a16:creationId xmlns:a16="http://schemas.microsoft.com/office/drawing/2014/main" id="{59DC1503-7258-49D9-8EED-3C1458E3B31B}"/>
-              </a:ext>
-            </a:extLst>
-          </p:cNvPr>
-          <p:cNvSpPr>
-            <a:spLocks noGrp="1"/>
-          </p:cNvSpPr>
-          <p:nvPr>
-            <p:ph idx="1"/>
-          </p:nvPr>
-        </p:nvSpPr>
-        <p:spPr>
-          <a:xfrm>
-            <a:off x="581192" y="1201985"/>
-            <a:ext cx="11029615" cy="4533728"/>
-          </a:xfrm>
-        </p:spPr>
-        <p:txBody>
-          <a:bodyPr anchor="t"/>
-          <a:lstStyle/>
-          <a:p>
-            <a:pPr marL="0" indent="0" algn="just">
-              <a:lnSpc>
-                <a:spcPct val="100000"/>
-              </a:lnSpc>
-              <a:buNone/>
-            </a:pPr>
-            <a:r>
-              <a:rPr lang="en-US" dirty="0"/>
-              <a:t>	In the charts below, we can see that customers who bought more recently, more frequently and who spent more shopping have in common the characteristic of accepting marketing campaigns at a higher rate.</a:t>
-            </a:r>
-            <a:endParaRPr lang="pt-BR" dirty="0"/>
-          </a:p>
-        </p:txBody>
-      </p:sp>
-      <p:pic>
-        <p:nvPicPr>
-          <p:cNvPr id="5" name="Imagem 4">
-            <a:extLst>
-              <a:ext uri="{FF2B5EF4-FFF2-40B4-BE49-F238E27FC236}">
-                <a16:creationId xmlns:a16="http://schemas.microsoft.com/office/drawing/2014/main" id="{643EFABD-7A91-4B98-B654-8A40019CC29C}"/>
-              </a:ext>
-            </a:extLst>
-          </p:cNvPr>
-          <p:cNvPicPr>
-            <a:picLocks noChangeAspect="1"/>
-          </p:cNvPicPr>
-          <p:nvPr/>
-        </p:nvPicPr>
-        <p:blipFill>
-          <a:blip r:embed="rId2"/>
-          <a:stretch>
-            <a:fillRect/>
-          </a:stretch>
-        </p:blipFill>
-        <p:spPr>
-          <a:xfrm>
-            <a:off x="726591" y="2198760"/>
-            <a:ext cx="3494917" cy="2795933"/>
-          </a:xfrm>
-          <a:prstGeom prst="rect">
-            <a:avLst/>
-          </a:prstGeom>
-        </p:spPr>
-      </p:pic>
-      <p:pic>
-        <p:nvPicPr>
-          <p:cNvPr id="9" name="Imagem 8">
-            <a:extLst>
-              <a:ext uri="{FF2B5EF4-FFF2-40B4-BE49-F238E27FC236}">
-                <a16:creationId xmlns:a16="http://schemas.microsoft.com/office/drawing/2014/main" id="{8194F643-A13B-42C2-A701-4E1F538A99C9}"/>
-              </a:ext>
-            </a:extLst>
-          </p:cNvPr>
-          <p:cNvPicPr>
-            <a:picLocks noChangeAspect="1"/>
-          </p:cNvPicPr>
-          <p:nvPr/>
-        </p:nvPicPr>
-        <p:blipFill>
-          <a:blip r:embed="rId3"/>
-          <a:stretch>
-            <a:fillRect/>
-          </a:stretch>
-        </p:blipFill>
-        <p:spPr>
-          <a:xfrm>
-            <a:off x="4366907" y="2198760"/>
-            <a:ext cx="3627697" cy="2795932"/>
-          </a:xfrm>
-          <a:prstGeom prst="rect">
-            <a:avLst/>
-          </a:prstGeom>
-        </p:spPr>
-      </p:pic>
-      <p:pic>
-        <p:nvPicPr>
-          <p:cNvPr id="11" name="Imagem 10">
-            <a:extLst>
-              <a:ext uri="{FF2B5EF4-FFF2-40B4-BE49-F238E27FC236}">
-                <a16:creationId xmlns:a16="http://schemas.microsoft.com/office/drawing/2014/main" id="{EBDB57C3-BA2F-4D18-B719-AA8AD7B3B991}"/>
-              </a:ext>
-            </a:extLst>
-          </p:cNvPr>
-          <p:cNvPicPr>
-            <a:picLocks noChangeAspect="1"/>
-          </p:cNvPicPr>
-          <p:nvPr/>
-        </p:nvPicPr>
-        <p:blipFill>
-          <a:blip r:embed="rId4"/>
-          <a:stretch>
-            <a:fillRect/>
-          </a:stretch>
-        </p:blipFill>
-        <p:spPr>
-          <a:xfrm>
-            <a:off x="8085152" y="2205387"/>
-            <a:ext cx="3531783" cy="2789306"/>
           </a:xfrm>
           <a:prstGeom prst="rect">
             <a:avLst/>
@@ -7514,10 +8307,10 @@
       </p:pic>
       <p:sp>
         <p:nvSpPr>
-          <p:cNvPr id="15" name="Espaço Reservado para Conteúdo 2">
+          <p:cNvPr id="5" name="Espaço Reservado para Conteúdo 2">
             <a:extLst>
               <a:ext uri="{FF2B5EF4-FFF2-40B4-BE49-F238E27FC236}">
-                <a16:creationId xmlns:a16="http://schemas.microsoft.com/office/drawing/2014/main" id="{0BDCC104-72BA-40D8-87C6-FC2F466B4C40}"/>
+                <a16:creationId xmlns:a16="http://schemas.microsoft.com/office/drawing/2014/main" id="{19E439E8-EE4E-42CA-A25D-7EDE7D930178}"/>
               </a:ext>
             </a:extLst>
           </p:cNvPr>
@@ -7528,8 +8321,8 @@
         </p:nvSpPr>
         <p:spPr>
           <a:xfrm>
-            <a:off x="581192" y="5422211"/>
-            <a:ext cx="11029615" cy="1617026"/>
+            <a:off x="581191" y="2209009"/>
+            <a:ext cx="5856678" cy="4533728"/>
           </a:xfrm>
           <a:prstGeom prst="rect">
             <a:avLst/>
@@ -7767,636 +8560,27 @@
             </a:pPr>
             <a:r>
               <a:rPr lang="en-US" dirty="0"/>
-              <a:t>	Based on this information we will perform customer segmentation using the RFM(Recency, Frequency, Monetary) method which is based on how recently, how often and how much a customer has purchased, from these three variables the customer receives a score that will define which group he will be allocated to. </a:t>
-            </a:r>
-            <a:endParaRPr lang="pt-BR" dirty="0"/>
-          </a:p>
-        </p:txBody>
-      </p:sp>
-    </p:spTree>
-    <p:extLst>
-      <p:ext uri="{BB962C8B-B14F-4D97-AF65-F5344CB8AC3E}">
-        <p14:creationId xmlns:p14="http://schemas.microsoft.com/office/powerpoint/2010/main" val="2662191369"/>
-      </p:ext>
-    </p:extLst>
-  </p:cSld>
-  <p:clrMapOvr>
-    <a:masterClrMapping/>
-  </p:clrMapOvr>
-</p:sld>
-</file>
-
-<file path=ppt/slides/slide7.xml><?xml version="1.0" encoding="utf-8"?>
-<p:sld xmlns:a="http://schemas.openxmlformats.org/drawingml/2006/main" xmlns:r="http://schemas.openxmlformats.org/officeDocument/2006/relationships" xmlns:p="http://schemas.openxmlformats.org/presentationml/2006/main">
-  <p:cSld>
-    <p:spTree>
-      <p:nvGrpSpPr>
-        <p:cNvPr id="1" name=""/>
-        <p:cNvGrpSpPr/>
-        <p:nvPr/>
-      </p:nvGrpSpPr>
-      <p:grpSpPr>
-        <a:xfrm>
-          <a:off x="0" y="0"/>
-          <a:ext cx="0" cy="0"/>
-          <a:chOff x="0" y="0"/>
-          <a:chExt cx="0" cy="0"/>
-        </a:xfrm>
-      </p:grpSpPr>
-      <p:sp>
-        <p:nvSpPr>
-          <p:cNvPr id="2" name="Título 1">
-            <a:extLst>
-              <a:ext uri="{FF2B5EF4-FFF2-40B4-BE49-F238E27FC236}">
-                <a16:creationId xmlns:a16="http://schemas.microsoft.com/office/drawing/2014/main" id="{F012136E-8FED-438A-8CCB-512AFF3ACFA6}"/>
-              </a:ext>
-            </a:extLst>
-          </p:cNvPr>
-          <p:cNvSpPr>
-            <a:spLocks noGrp="1"/>
-          </p:cNvSpPr>
-          <p:nvPr>
-            <p:ph type="title"/>
-          </p:nvPr>
-        </p:nvSpPr>
-        <p:spPr>
-          <a:xfrm>
-            <a:off x="581192" y="627276"/>
-            <a:ext cx="11029616" cy="574709"/>
-          </a:xfrm>
-        </p:spPr>
-        <p:txBody>
-          <a:bodyPr/>
-          <a:lstStyle/>
-          <a:p>
-            <a:r>
-              <a:rPr lang="en-US" dirty="0"/>
-              <a:t>CUSTOMER SEGMENTATION - RFM</a:t>
-            </a:r>
-            <a:endParaRPr lang="pt-BR" dirty="0"/>
-          </a:p>
-        </p:txBody>
-      </p:sp>
-      <p:sp>
-        <p:nvSpPr>
-          <p:cNvPr id="3" name="Espaço Reservado para Conteúdo 2">
-            <a:extLst>
-              <a:ext uri="{FF2B5EF4-FFF2-40B4-BE49-F238E27FC236}">
-                <a16:creationId xmlns:a16="http://schemas.microsoft.com/office/drawing/2014/main" id="{59DC1503-7258-49D9-8EED-3C1458E3B31B}"/>
-              </a:ext>
-            </a:extLst>
-          </p:cNvPr>
-          <p:cNvSpPr>
-            <a:spLocks noGrp="1"/>
-          </p:cNvSpPr>
-          <p:nvPr>
-            <p:ph idx="1"/>
-          </p:nvPr>
-        </p:nvSpPr>
-        <p:spPr>
-          <a:xfrm>
-            <a:off x="581192" y="1201985"/>
-            <a:ext cx="11029615" cy="4533728"/>
-          </a:xfrm>
-        </p:spPr>
-        <p:txBody>
-          <a:bodyPr anchor="t"/>
-          <a:lstStyle/>
+              <a:t>Campaign based on users selected by the prediction model:</a:t>
+            </a:r>
+          </a:p>
           <a:p>
             <a:pPr marL="0" indent="0" algn="just">
               <a:lnSpc>
                 <a:spcPct val="100000"/>
               </a:lnSpc>
+              <a:buFont typeface="Wingdings 2" panose="05020102010507070707" pitchFamily="18" charset="2"/>
               <a:buNone/>
             </a:pPr>
-            <a:r>
-              <a:rPr lang="en-US" dirty="0"/>
-              <a:t>	With the RFM segmentation were created ten customer groups, from the best(score 3) to the worse(score 12), starting with the best score we included group by group in the campaign analyzing the impact in two main factors the Profit and the ROI. </a:t>
-            </a:r>
-            <a:endParaRPr lang="pt-BR" dirty="0"/>
-          </a:p>
-        </p:txBody>
-      </p:sp>
-      <p:pic>
-        <p:nvPicPr>
-          <p:cNvPr id="10" name="Imagem 9">
-            <a:extLst>
-              <a:ext uri="{FF2B5EF4-FFF2-40B4-BE49-F238E27FC236}">
-                <a16:creationId xmlns:a16="http://schemas.microsoft.com/office/drawing/2014/main" id="{135C67B1-D4C5-4898-AA1A-EC8D5F8B4E84}"/>
-              </a:ext>
-            </a:extLst>
-          </p:cNvPr>
-          <p:cNvPicPr>
-            <a:picLocks noChangeAspect="1"/>
-          </p:cNvPicPr>
-          <p:nvPr/>
-        </p:nvPicPr>
-        <p:blipFill>
-          <a:blip r:embed="rId2"/>
-          <a:stretch>
-            <a:fillRect/>
-          </a:stretch>
-        </p:blipFill>
-        <p:spPr>
-          <a:xfrm>
-            <a:off x="981110" y="2119502"/>
-            <a:ext cx="4259324" cy="3295676"/>
-          </a:xfrm>
-          <a:prstGeom prst="rect">
-            <a:avLst/>
-          </a:prstGeom>
-        </p:spPr>
-      </p:pic>
-      <p:pic>
-        <p:nvPicPr>
-          <p:cNvPr id="12" name="Imagem 11">
-            <a:extLst>
-              <a:ext uri="{FF2B5EF4-FFF2-40B4-BE49-F238E27FC236}">
-                <a16:creationId xmlns:a16="http://schemas.microsoft.com/office/drawing/2014/main" id="{67455879-FB70-4DA2-BCC9-640BB451AE2D}"/>
-              </a:ext>
-            </a:extLst>
-          </p:cNvPr>
-          <p:cNvPicPr>
-            <a:picLocks noChangeAspect="1"/>
-          </p:cNvPicPr>
-          <p:nvPr/>
-        </p:nvPicPr>
-        <p:blipFill>
-          <a:blip r:embed="rId3"/>
-          <a:stretch>
-            <a:fillRect/>
-          </a:stretch>
-        </p:blipFill>
-        <p:spPr>
-          <a:xfrm>
-            <a:off x="6496789" y="2119502"/>
-            <a:ext cx="4191524" cy="3295676"/>
-          </a:xfrm>
-          <a:prstGeom prst="rect">
-            <a:avLst/>
-          </a:prstGeom>
-        </p:spPr>
-      </p:pic>
-      <p:sp>
-        <p:nvSpPr>
-          <p:cNvPr id="13" name="Espaço Reservado para Conteúdo 2">
-            <a:extLst>
-              <a:ext uri="{FF2B5EF4-FFF2-40B4-BE49-F238E27FC236}">
-                <a16:creationId xmlns:a16="http://schemas.microsoft.com/office/drawing/2014/main" id="{C4FB89EB-D909-4CF3-B3B0-2DF4CD519667}"/>
-              </a:ext>
-            </a:extLst>
-          </p:cNvPr>
-          <p:cNvSpPr txBox="1">
-            <a:spLocks/>
-          </p:cNvSpPr>
-          <p:nvPr/>
-        </p:nvSpPr>
-        <p:spPr>
-          <a:xfrm>
-            <a:off x="581192" y="5415178"/>
-            <a:ext cx="11029615" cy="4533728"/>
-          </a:xfrm>
-          <a:prstGeom prst="rect">
-            <a:avLst/>
-          </a:prstGeom>
-        </p:spPr>
-        <p:txBody>
-          <a:bodyPr vert="horz" lIns="91440" tIns="45720" rIns="91440" bIns="45720" rtlCol="0" anchor="t">
-            <a:normAutofit/>
-          </a:bodyPr>
-          <a:lstStyle>
-            <a:lvl1pPr marL="306000" indent="-306000" algn="l" defTabSz="457200" rtl="0" eaLnBrk="1" latinLnBrk="0" hangingPunct="1">
-              <a:lnSpc>
-                <a:spcPct val="110000"/>
-              </a:lnSpc>
-              <a:spcBef>
-                <a:spcPct val="20000"/>
-              </a:spcBef>
-              <a:spcAft>
-                <a:spcPts val="600"/>
-              </a:spcAft>
-              <a:buClr>
-                <a:schemeClr val="accent1"/>
-              </a:buClr>
-              <a:buSzPct val="92000"/>
-              <a:buFont typeface="Wingdings 2" panose="05020102010507070707" pitchFamily="18" charset="2"/>
-              <a:buChar char=""/>
-              <a:defRPr sz="1700" kern="1200">
-                <a:solidFill>
-                  <a:schemeClr val="tx1">
-                    <a:lumMod val="75000"/>
-                    <a:lumOff val="25000"/>
-                  </a:schemeClr>
-                </a:solidFill>
-                <a:latin typeface="+mn-lt"/>
-                <a:ea typeface="+mn-ea"/>
-                <a:cs typeface="+mn-cs"/>
-              </a:defRPr>
-            </a:lvl1pPr>
-            <a:lvl2pPr marL="630000" indent="-306000" algn="l" defTabSz="457200" rtl="0" eaLnBrk="1" latinLnBrk="0" hangingPunct="1">
-              <a:spcBef>
-                <a:spcPct val="20000"/>
-              </a:spcBef>
-              <a:spcAft>
-                <a:spcPts val="600"/>
-              </a:spcAft>
-              <a:buClr>
-                <a:schemeClr val="accent1"/>
-              </a:buClr>
-              <a:buSzPct val="92000"/>
-              <a:buFont typeface="Wingdings 2" panose="05020102010507070707" pitchFamily="18" charset="2"/>
-              <a:buChar char=""/>
-              <a:defRPr sz="1400" kern="1200">
-                <a:solidFill>
-                  <a:schemeClr val="tx1">
-                    <a:lumMod val="75000"/>
-                    <a:lumOff val="25000"/>
-                  </a:schemeClr>
-                </a:solidFill>
-                <a:latin typeface="+mn-lt"/>
-                <a:ea typeface="+mn-ea"/>
-                <a:cs typeface="+mn-cs"/>
-              </a:defRPr>
-            </a:lvl2pPr>
-            <a:lvl3pPr marL="900000" indent="-270000" algn="l" defTabSz="457200" rtl="0" eaLnBrk="1" latinLnBrk="0" hangingPunct="1">
-              <a:spcBef>
-                <a:spcPct val="20000"/>
-              </a:spcBef>
-              <a:spcAft>
-                <a:spcPts val="600"/>
-              </a:spcAft>
-              <a:buClr>
-                <a:schemeClr val="accent1"/>
-              </a:buClr>
-              <a:buSzPct val="92000"/>
-              <a:buFont typeface="Wingdings 2" panose="05020102010507070707" pitchFamily="18" charset="2"/>
-              <a:buChar char=""/>
-              <a:defRPr sz="1300" kern="1200">
-                <a:solidFill>
-                  <a:schemeClr val="tx1">
-                    <a:lumMod val="75000"/>
-                    <a:lumOff val="25000"/>
-                  </a:schemeClr>
-                </a:solidFill>
-                <a:latin typeface="+mn-lt"/>
-                <a:ea typeface="+mn-ea"/>
-                <a:cs typeface="+mn-cs"/>
-              </a:defRPr>
-            </a:lvl3pPr>
-            <a:lvl4pPr marL="1242000" indent="-234000" algn="l" defTabSz="457200" rtl="0" eaLnBrk="1" latinLnBrk="0" hangingPunct="1">
-              <a:spcBef>
-                <a:spcPct val="20000"/>
-              </a:spcBef>
-              <a:spcAft>
-                <a:spcPts val="600"/>
-              </a:spcAft>
-              <a:buClr>
-                <a:schemeClr val="accent1"/>
-              </a:buClr>
-              <a:buSzPct val="92000"/>
-              <a:buFont typeface="Wingdings 2" panose="05020102010507070707" pitchFamily="18" charset="2"/>
-              <a:buChar char=""/>
-              <a:defRPr sz="1100" kern="1200">
-                <a:solidFill>
-                  <a:schemeClr val="tx1">
-                    <a:lumMod val="75000"/>
-                    <a:lumOff val="25000"/>
-                  </a:schemeClr>
-                </a:solidFill>
-                <a:latin typeface="+mn-lt"/>
-                <a:ea typeface="+mn-ea"/>
-                <a:cs typeface="+mn-cs"/>
-              </a:defRPr>
-            </a:lvl4pPr>
-            <a:lvl5pPr marL="1602000" indent="-234000" algn="l" defTabSz="457200" rtl="0" eaLnBrk="1" latinLnBrk="0" hangingPunct="1">
-              <a:spcBef>
-                <a:spcPct val="20000"/>
-              </a:spcBef>
-              <a:spcAft>
-                <a:spcPts val="600"/>
-              </a:spcAft>
-              <a:buClr>
-                <a:schemeClr val="accent1"/>
-              </a:buClr>
-              <a:buSzPct val="92000"/>
-              <a:buFont typeface="Wingdings 2" panose="05020102010507070707" pitchFamily="18" charset="2"/>
-              <a:buChar char=""/>
-              <a:defRPr sz="1100" kern="1200">
-                <a:solidFill>
-                  <a:schemeClr val="tx1">
-                    <a:lumMod val="75000"/>
-                    <a:lumOff val="25000"/>
-                  </a:schemeClr>
-                </a:solidFill>
-                <a:latin typeface="+mn-lt"/>
-                <a:ea typeface="+mn-ea"/>
-                <a:cs typeface="+mn-cs"/>
-              </a:defRPr>
-            </a:lvl5pPr>
-            <a:lvl6pPr marL="1900000" indent="-228600" algn="l" defTabSz="457200" rtl="0" eaLnBrk="1" latinLnBrk="0" hangingPunct="1">
-              <a:spcBef>
-                <a:spcPct val="20000"/>
-              </a:spcBef>
-              <a:spcAft>
-                <a:spcPts val="600"/>
-              </a:spcAft>
-              <a:buClr>
-                <a:schemeClr val="accent2"/>
-              </a:buClr>
-              <a:buSzPct val="92000"/>
-              <a:buFont typeface="Wingdings 2" panose="05020102010507070707" pitchFamily="18" charset="2"/>
-              <a:buChar char=""/>
-              <a:defRPr sz="1200" kern="1200">
-                <a:solidFill>
-                  <a:schemeClr val="tx2"/>
-                </a:solidFill>
-                <a:latin typeface="+mn-lt"/>
-                <a:ea typeface="+mn-ea"/>
-                <a:cs typeface="+mn-cs"/>
-              </a:defRPr>
-            </a:lvl6pPr>
-            <a:lvl7pPr marL="2200000" indent="-228600" algn="l" defTabSz="457200" rtl="0" eaLnBrk="1" latinLnBrk="0" hangingPunct="1">
-              <a:spcBef>
-                <a:spcPct val="20000"/>
-              </a:spcBef>
-              <a:spcAft>
-                <a:spcPts val="600"/>
-              </a:spcAft>
-              <a:buClr>
-                <a:schemeClr val="accent2"/>
-              </a:buClr>
-              <a:buSzPct val="92000"/>
-              <a:buFont typeface="Wingdings 2" panose="05020102010507070707" pitchFamily="18" charset="2"/>
-              <a:buChar char=""/>
-              <a:defRPr sz="1200" kern="1200">
-                <a:solidFill>
-                  <a:schemeClr val="tx2"/>
-                </a:solidFill>
-                <a:latin typeface="+mn-lt"/>
-                <a:ea typeface="+mn-ea"/>
-                <a:cs typeface="+mn-cs"/>
-              </a:defRPr>
-            </a:lvl7pPr>
-            <a:lvl8pPr marL="2500000" indent="-228600" algn="l" defTabSz="457200" rtl="0" eaLnBrk="1" latinLnBrk="0" hangingPunct="1">
-              <a:spcBef>
-                <a:spcPct val="20000"/>
-              </a:spcBef>
-              <a:spcAft>
-                <a:spcPts val="600"/>
-              </a:spcAft>
-              <a:buClr>
-                <a:schemeClr val="accent2"/>
-              </a:buClr>
-              <a:buSzPct val="92000"/>
-              <a:buFont typeface="Wingdings 2" panose="05020102010507070707" pitchFamily="18" charset="2"/>
-              <a:buChar char=""/>
-              <a:defRPr sz="1200" kern="1200">
-                <a:solidFill>
-                  <a:schemeClr val="tx2"/>
-                </a:solidFill>
-                <a:latin typeface="+mn-lt"/>
-                <a:ea typeface="+mn-ea"/>
-                <a:cs typeface="+mn-cs"/>
-              </a:defRPr>
-            </a:lvl8pPr>
-            <a:lvl9pPr marL="2800000" indent="-228600" algn="l" defTabSz="457200" rtl="0" eaLnBrk="1" latinLnBrk="0" hangingPunct="1">
-              <a:spcBef>
-                <a:spcPct val="20000"/>
-              </a:spcBef>
-              <a:spcAft>
-                <a:spcPts val="600"/>
-              </a:spcAft>
-              <a:buClr>
-                <a:schemeClr val="accent2"/>
-              </a:buClr>
-              <a:buSzPct val="92000"/>
-              <a:buFont typeface="Wingdings 2" panose="05020102010507070707" pitchFamily="18" charset="2"/>
-              <a:buChar char=""/>
-              <a:defRPr sz="1200" kern="1200">
-                <a:solidFill>
-                  <a:schemeClr val="tx2"/>
-                </a:solidFill>
-                <a:latin typeface="+mn-lt"/>
-                <a:ea typeface="+mn-ea"/>
-                <a:cs typeface="+mn-cs"/>
-              </a:defRPr>
-            </a:lvl9pPr>
-          </a:lstStyle>
-          <a:p>
-            <a:pPr algn="just">
-              <a:lnSpc>
-                <a:spcPct val="100000"/>
-              </a:lnSpc>
-              <a:buFontTx/>
-              <a:buChar char="-"/>
-            </a:pPr>
-            <a:r>
-              <a:rPr lang="en-US" dirty="0"/>
-              <a:t>We can see that if we include just the groups with scores </a:t>
-            </a:r>
-            <a:r>
-              <a:rPr lang="en-US" b="1" dirty="0">
-                <a:solidFill>
-                  <a:srgbClr val="FF0000"/>
-                </a:solidFill>
-              </a:rPr>
-              <a:t>3</a:t>
-            </a:r>
-            <a:r>
-              <a:rPr lang="en-US" b="1" dirty="0"/>
-              <a:t> </a:t>
-            </a:r>
-            <a:r>
-              <a:rPr lang="en-US" dirty="0"/>
-              <a:t>and</a:t>
-            </a:r>
-            <a:r>
-              <a:rPr lang="en-US" b="1" dirty="0"/>
-              <a:t> </a:t>
-            </a:r>
-            <a:r>
-              <a:rPr lang="en-US" b="1" dirty="0">
-                <a:solidFill>
-                  <a:srgbClr val="FF0000"/>
-                </a:solidFill>
-              </a:rPr>
-              <a:t>4</a:t>
-            </a:r>
-            <a:r>
-              <a:rPr lang="en-US" b="1" dirty="0"/>
-              <a:t> </a:t>
-            </a:r>
-            <a:r>
-              <a:rPr lang="en-US" dirty="0"/>
-              <a:t>in the campaign we can reach our best profit in </a:t>
-            </a:r>
-            <a:r>
-              <a:rPr lang="en-US" b="1" dirty="0">
-                <a:solidFill>
-                  <a:srgbClr val="FF0000"/>
-                </a:solidFill>
-              </a:rPr>
-              <a:t>224MU</a:t>
-            </a:r>
-            <a:r>
-              <a:rPr lang="en-US" dirty="0">
-                <a:solidFill>
-                  <a:schemeClr val="tx1"/>
-                </a:solidFill>
-              </a:rPr>
-              <a:t>.</a:t>
-            </a:r>
-          </a:p>
-          <a:p>
-            <a:pPr algn="just">
-              <a:lnSpc>
-                <a:spcPct val="100000"/>
-              </a:lnSpc>
-              <a:buFontTx/>
-              <a:buChar char="-"/>
-            </a:pPr>
-            <a:r>
-              <a:rPr lang="en-US" dirty="0"/>
-              <a:t>The best ROI of </a:t>
-            </a:r>
-            <a:r>
-              <a:rPr lang="en-US" b="1" dirty="0">
-                <a:solidFill>
-                  <a:srgbClr val="FF0000"/>
-                </a:solidFill>
-              </a:rPr>
-              <a:t>53,6%</a:t>
-            </a:r>
-            <a:r>
-              <a:rPr lang="en-US" dirty="0"/>
-              <a:t> is when we have just the customers with score </a:t>
-            </a:r>
-            <a:r>
-              <a:rPr lang="en-US" b="1" dirty="0">
-                <a:solidFill>
-                  <a:srgbClr val="FF0000"/>
-                </a:solidFill>
-              </a:rPr>
-              <a:t>3</a:t>
-            </a:r>
-            <a:r>
-              <a:rPr lang="en-US" dirty="0"/>
-              <a:t> being contacted, this occurs because this group has the best buying per contact rate.</a:t>
-            </a:r>
-            <a:endParaRPr lang="pt-BR" dirty="0"/>
-          </a:p>
-        </p:txBody>
-      </p:sp>
-    </p:spTree>
-    <p:extLst>
-      <p:ext uri="{BB962C8B-B14F-4D97-AF65-F5344CB8AC3E}">
-        <p14:creationId xmlns:p14="http://schemas.microsoft.com/office/powerpoint/2010/main" val="2338182333"/>
-      </p:ext>
-    </p:extLst>
-  </p:cSld>
-  <p:clrMapOvr>
-    <a:masterClrMapping/>
-  </p:clrMapOvr>
-</p:sld>
-</file>
-
-<file path=ppt/slides/slide8.xml><?xml version="1.0" encoding="utf-8"?>
-<p:sld xmlns:a="http://schemas.openxmlformats.org/drawingml/2006/main" xmlns:r="http://schemas.openxmlformats.org/officeDocument/2006/relationships" xmlns:p="http://schemas.openxmlformats.org/presentationml/2006/main" show="0">
-  <p:cSld>
-    <p:spTree>
-      <p:nvGrpSpPr>
-        <p:cNvPr id="1" name=""/>
-        <p:cNvGrpSpPr/>
-        <p:nvPr/>
-      </p:nvGrpSpPr>
-      <p:grpSpPr>
-        <a:xfrm>
-          <a:off x="0" y="0"/>
-          <a:ext cx="0" cy="0"/>
-          <a:chOff x="0" y="0"/>
-          <a:chExt cx="0" cy="0"/>
-        </a:xfrm>
-      </p:grpSpPr>
-      <p:sp>
-        <p:nvSpPr>
-          <p:cNvPr id="2" name="Título 1">
-            <a:extLst>
-              <a:ext uri="{FF2B5EF4-FFF2-40B4-BE49-F238E27FC236}">
-                <a16:creationId xmlns:a16="http://schemas.microsoft.com/office/drawing/2014/main" id="{F012136E-8FED-438A-8CCB-512AFF3ACFA6}"/>
-              </a:ext>
-            </a:extLst>
-          </p:cNvPr>
-          <p:cNvSpPr>
-            <a:spLocks noGrp="1"/>
-          </p:cNvSpPr>
-          <p:nvPr>
-            <p:ph type="title"/>
-          </p:nvPr>
-        </p:nvSpPr>
-        <p:spPr>
-          <a:xfrm>
-            <a:off x="581192" y="627276"/>
-            <a:ext cx="11029616" cy="574709"/>
-          </a:xfrm>
-        </p:spPr>
-        <p:txBody>
-          <a:bodyPr/>
-          <a:lstStyle/>
-          <a:p>
-            <a:r>
-              <a:rPr lang="en-US" dirty="0"/>
-              <a:t>CUSTOMER SEGMENTATION - RFM</a:t>
-            </a:r>
-            <a:endParaRPr lang="pt-BR" dirty="0"/>
-          </a:p>
-        </p:txBody>
-      </p:sp>
-      <p:sp>
-        <p:nvSpPr>
-          <p:cNvPr id="3" name="Espaço Reservado para Conteúdo 2">
-            <a:extLst>
-              <a:ext uri="{FF2B5EF4-FFF2-40B4-BE49-F238E27FC236}">
-                <a16:creationId xmlns:a16="http://schemas.microsoft.com/office/drawing/2014/main" id="{59DC1503-7258-49D9-8EED-3C1458E3B31B}"/>
-              </a:ext>
-            </a:extLst>
-          </p:cNvPr>
-          <p:cNvSpPr>
-            <a:spLocks noGrp="1"/>
-          </p:cNvSpPr>
-          <p:nvPr>
-            <p:ph idx="1"/>
-          </p:nvPr>
-        </p:nvSpPr>
-        <p:spPr>
-          <a:xfrm>
-            <a:off x="581192" y="1201985"/>
-            <a:ext cx="11029615" cy="4533728"/>
-          </a:xfrm>
-        </p:spPr>
-        <p:txBody>
-          <a:bodyPr anchor="t"/>
-          <a:lstStyle/>
-          <a:p>
-            <a:pPr marL="0" indent="0" algn="just">
-              <a:lnSpc>
-                <a:spcPct val="100000"/>
-              </a:lnSpc>
-              <a:buNone/>
-            </a:pPr>
-            <a:r>
-              <a:rPr lang="en-US" dirty="0"/>
-              <a:t>	Bellow we can see the table with all the data including campaign costs, sold gadgets and revenue.</a:t>
-            </a:r>
             <a:endParaRPr lang="pt-BR" dirty="0"/>
           </a:p>
         </p:txBody>
       </p:sp>
       <p:graphicFrame>
         <p:nvGraphicFramePr>
-          <p:cNvPr id="4" name="Tabela 4">
+          <p:cNvPr id="7" name="Tabela 4">
             <a:extLst>
               <a:ext uri="{FF2B5EF4-FFF2-40B4-BE49-F238E27FC236}">
-                <a16:creationId xmlns:a16="http://schemas.microsoft.com/office/drawing/2014/main" id="{F86F0A2C-E435-4DAC-853C-F6B0868001F6}"/>
+                <a16:creationId xmlns:a16="http://schemas.microsoft.com/office/drawing/2014/main" id="{804BC83E-2394-4C85-8B53-18E8A4A32A07}"/>
               </a:ext>
             </a:extLst>
           </p:cNvPr>
@@ -8406,14 +8590,14 @@
           <p:nvPr>
             <p:extLst>
               <p:ext uri="{D42A27DB-BD31-4B8C-83A1-F6EECF244321}">
-                <p14:modId xmlns:p14="http://schemas.microsoft.com/office/powerpoint/2010/main" val="1085966707"/>
+                <p14:modId xmlns:p14="http://schemas.microsoft.com/office/powerpoint/2010/main" val="647282741"/>
               </p:ext>
             </p:extLst>
           </p:nvPr>
         </p:nvGraphicFramePr>
         <p:xfrm>
-          <a:off x="1786065" y="2041301"/>
-          <a:ext cx="8619867" cy="3505330"/>
+          <a:off x="581190" y="2814338"/>
+          <a:ext cx="5272918" cy="707149"/>
         </p:xfrm>
         <a:graphic>
           <a:graphicData uri="http://schemas.openxmlformats.org/drawingml/2006/table">
@@ -8422,1954 +8606,6 @@
                 <a:tableStyleId>{5C22544A-7EE6-4342-B048-85BDC9FD1C3A}</a:tableStyleId>
               </a:tblPr>
               <a:tblGrid>
-                <a:gridCol w="957763">
-                  <a:extLst>
-                    <a:ext uri="{9D8B030D-6E8A-4147-A177-3AD203B41FA5}">
-                      <a16:colId xmlns:a16="http://schemas.microsoft.com/office/drawing/2014/main" val="114632110"/>
-                    </a:ext>
-                  </a:extLst>
-                </a:gridCol>
-                <a:gridCol w="957763">
-                  <a:extLst>
-                    <a:ext uri="{9D8B030D-6E8A-4147-A177-3AD203B41FA5}">
-                      <a16:colId xmlns:a16="http://schemas.microsoft.com/office/drawing/2014/main" val="1255091777"/>
-                    </a:ext>
-                  </a:extLst>
-                </a:gridCol>
-                <a:gridCol w="957763">
-                  <a:extLst>
-                    <a:ext uri="{9D8B030D-6E8A-4147-A177-3AD203B41FA5}">
-                      <a16:colId xmlns:a16="http://schemas.microsoft.com/office/drawing/2014/main" val="1285048858"/>
-                    </a:ext>
-                  </a:extLst>
-                </a:gridCol>
-                <a:gridCol w="957763">
-                  <a:extLst>
-                    <a:ext uri="{9D8B030D-6E8A-4147-A177-3AD203B41FA5}">
-                      <a16:colId xmlns:a16="http://schemas.microsoft.com/office/drawing/2014/main" val="703868818"/>
-                    </a:ext>
-                  </a:extLst>
-                </a:gridCol>
-                <a:gridCol w="957763">
-                  <a:extLst>
-                    <a:ext uri="{9D8B030D-6E8A-4147-A177-3AD203B41FA5}">
-                      <a16:colId xmlns:a16="http://schemas.microsoft.com/office/drawing/2014/main" val="2865480466"/>
-                    </a:ext>
-                  </a:extLst>
-                </a:gridCol>
-                <a:gridCol w="957763">
-                  <a:extLst>
-                    <a:ext uri="{9D8B030D-6E8A-4147-A177-3AD203B41FA5}">
-                      <a16:colId xmlns:a16="http://schemas.microsoft.com/office/drawing/2014/main" val="3654702531"/>
-                    </a:ext>
-                  </a:extLst>
-                </a:gridCol>
-                <a:gridCol w="957763">
-                  <a:extLst>
-                    <a:ext uri="{9D8B030D-6E8A-4147-A177-3AD203B41FA5}">
-                      <a16:colId xmlns:a16="http://schemas.microsoft.com/office/drawing/2014/main" val="2451266449"/>
-                    </a:ext>
-                  </a:extLst>
-                </a:gridCol>
-                <a:gridCol w="957763">
-                  <a:extLst>
-                    <a:ext uri="{9D8B030D-6E8A-4147-A177-3AD203B41FA5}">
-                      <a16:colId xmlns:a16="http://schemas.microsoft.com/office/drawing/2014/main" val="3639110286"/>
-                    </a:ext>
-                  </a:extLst>
-                </a:gridCol>
-                <a:gridCol w="957763">
-                  <a:extLst>
-                    <a:ext uri="{9D8B030D-6E8A-4147-A177-3AD203B41FA5}">
-                      <a16:colId xmlns:a16="http://schemas.microsoft.com/office/drawing/2014/main" val="4028796748"/>
-                    </a:ext>
-                  </a:extLst>
-                </a:gridCol>
-              </a:tblGrid>
-              <a:tr h="310909">
-                <a:tc>
-                  <a:txBody>
-                    <a:bodyPr/>
-                    <a:lstStyle/>
-                    <a:p>
-                      <a:pPr algn="ctr"/>
-                      <a:r>
-                        <a:rPr lang="en-US" sz="1000" dirty="0"/>
-                        <a:t>RFM Score</a:t>
-                      </a:r>
-                      <a:endParaRPr lang="pt-BR" sz="1000" dirty="0"/>
-                    </a:p>
-                  </a:txBody>
-                  <a:tcPr/>
-                </a:tc>
-                <a:tc>
-                  <a:txBody>
-                    <a:bodyPr/>
-                    <a:lstStyle/>
-                    <a:p>
-                      <a:pPr algn="ctr"/>
-                      <a:r>
-                        <a:rPr lang="en-US" sz="1000" dirty="0"/>
-                        <a:t>Customers in the group</a:t>
-                      </a:r>
-                      <a:endParaRPr lang="pt-BR" sz="1000" dirty="0"/>
-                    </a:p>
-                  </a:txBody>
-                  <a:tcPr/>
-                </a:tc>
-                <a:tc>
-                  <a:txBody>
-                    <a:bodyPr/>
-                    <a:lstStyle/>
-                    <a:p>
-                      <a:pPr algn="ctr"/>
-                      <a:r>
-                        <a:rPr lang="en-US" sz="1000" dirty="0"/>
-                        <a:t>Contacted customers</a:t>
-                      </a:r>
-                      <a:endParaRPr lang="pt-BR" sz="1000" dirty="0"/>
-                    </a:p>
-                  </a:txBody>
-                  <a:tcPr/>
-                </a:tc>
-                <a:tc>
-                  <a:txBody>
-                    <a:bodyPr/>
-                    <a:lstStyle/>
-                    <a:p>
-                      <a:pPr algn="ctr"/>
-                      <a:r>
-                        <a:rPr lang="en-US" sz="1000" dirty="0"/>
-                        <a:t>Campaign cost (MU)</a:t>
-                      </a:r>
-                      <a:endParaRPr lang="pt-BR" sz="1000" dirty="0"/>
-                    </a:p>
-                  </a:txBody>
-                  <a:tcPr/>
-                </a:tc>
-                <a:tc>
-                  <a:txBody>
-                    <a:bodyPr/>
-                    <a:lstStyle/>
-                    <a:p>
-                      <a:pPr algn="ctr"/>
-                      <a:r>
-                        <a:rPr lang="en-US" sz="1000" dirty="0"/>
-                        <a:t>Sold gadgets</a:t>
-                      </a:r>
-                      <a:endParaRPr lang="pt-BR" sz="1000" dirty="0"/>
-                    </a:p>
-                  </a:txBody>
-                  <a:tcPr/>
-                </a:tc>
-                <a:tc>
-                  <a:txBody>
-                    <a:bodyPr/>
-                    <a:lstStyle/>
-                    <a:p>
-                      <a:pPr algn="ctr"/>
-                      <a:r>
-                        <a:rPr lang="en-US" sz="1000" dirty="0"/>
-                        <a:t>Campaign revenue (MU)</a:t>
-                      </a:r>
-                      <a:endParaRPr lang="pt-BR" sz="1000" dirty="0"/>
-                    </a:p>
-                  </a:txBody>
-                  <a:tcPr/>
-                </a:tc>
-                <a:tc>
-                  <a:txBody>
-                    <a:bodyPr/>
-                    <a:lstStyle/>
-                    <a:p>
-                      <a:pPr algn="ctr"/>
-                      <a:r>
-                        <a:rPr lang="en-US" sz="1000" dirty="0"/>
-                        <a:t>Group Profit</a:t>
-                      </a:r>
-                      <a:endParaRPr lang="pt-BR" sz="1000" dirty="0"/>
-                    </a:p>
-                  </a:txBody>
-                  <a:tcPr/>
-                </a:tc>
-                <a:tc>
-                  <a:txBody>
-                    <a:bodyPr/>
-                    <a:lstStyle/>
-                    <a:p>
-                      <a:pPr algn="ctr"/>
-                      <a:r>
-                        <a:rPr lang="en-US" sz="1000" dirty="0"/>
-                        <a:t>Profit (MU)</a:t>
-                      </a:r>
-                      <a:endParaRPr lang="pt-BR" sz="1000" dirty="0"/>
-                    </a:p>
-                  </a:txBody>
-                  <a:tcPr/>
-                </a:tc>
-                <a:tc>
-                  <a:txBody>
-                    <a:bodyPr/>
-                    <a:lstStyle/>
-                    <a:p>
-                      <a:pPr algn="ctr"/>
-                      <a:r>
-                        <a:rPr lang="en-US" sz="1000" dirty="0"/>
-                        <a:t>ROI(%)</a:t>
-                      </a:r>
-                      <a:endParaRPr lang="pt-BR" sz="1000" dirty="0"/>
-                    </a:p>
-                  </a:txBody>
-                  <a:tcPr/>
-                </a:tc>
-                <a:extLst>
-                  <a:ext uri="{0D108BD9-81ED-4DB2-BD59-A6C34878D82A}">
-                    <a16:rowId xmlns:a16="http://schemas.microsoft.com/office/drawing/2014/main" val="2221233524"/>
-                  </a:ext>
-                </a:extLst>
-              </a:tr>
-              <a:tr h="310909">
-                <a:tc>
-                  <a:txBody>
-                    <a:bodyPr/>
-                    <a:lstStyle/>
-                    <a:p>
-                      <a:pPr algn="ctr"/>
-                      <a:r>
-                        <a:rPr lang="en-US" sz="1000" dirty="0"/>
-                        <a:t>3</a:t>
-                      </a:r>
-                      <a:endParaRPr lang="pt-BR" sz="1000" dirty="0"/>
-                    </a:p>
-                  </a:txBody>
-                  <a:tcPr/>
-                </a:tc>
-                <a:tc>
-                  <a:txBody>
-                    <a:bodyPr/>
-                    <a:lstStyle/>
-                    <a:p>
-                      <a:pPr algn="ctr"/>
-                      <a:r>
-                        <a:rPr lang="en-US" sz="1000" dirty="0"/>
-                        <a:t>74</a:t>
-                      </a:r>
-                      <a:endParaRPr lang="pt-BR" sz="1000" dirty="0"/>
-                    </a:p>
-                  </a:txBody>
-                  <a:tcPr/>
-                </a:tc>
-                <a:tc>
-                  <a:txBody>
-                    <a:bodyPr/>
-                    <a:lstStyle/>
-                    <a:p>
-                      <a:pPr algn="ctr"/>
-                      <a:r>
-                        <a:rPr lang="en-US" sz="1000" dirty="0"/>
-                        <a:t>74</a:t>
-                      </a:r>
-                      <a:endParaRPr lang="pt-BR" sz="1000" dirty="0"/>
-                    </a:p>
-                  </a:txBody>
-                  <a:tcPr/>
-                </a:tc>
-                <a:tc>
-                  <a:txBody>
-                    <a:bodyPr/>
-                    <a:lstStyle/>
-                    <a:p>
-                      <a:pPr algn="ctr"/>
-                      <a:r>
-                        <a:rPr lang="en-US" sz="1000" dirty="0"/>
-                        <a:t>222</a:t>
-                      </a:r>
-                      <a:endParaRPr lang="pt-BR" sz="1000" dirty="0"/>
-                    </a:p>
-                  </a:txBody>
-                  <a:tcPr/>
-                </a:tc>
-                <a:tc>
-                  <a:txBody>
-                    <a:bodyPr/>
-                    <a:lstStyle/>
-                    <a:p>
-                      <a:pPr algn="ctr"/>
-                      <a:r>
-                        <a:rPr lang="en-US" sz="1000" dirty="0"/>
-                        <a:t>31</a:t>
-                      </a:r>
-                      <a:endParaRPr lang="pt-BR" sz="1000" dirty="0"/>
-                    </a:p>
-                  </a:txBody>
-                  <a:tcPr/>
-                </a:tc>
-                <a:tc>
-                  <a:txBody>
-                    <a:bodyPr/>
-                    <a:lstStyle/>
-                    <a:p>
-                      <a:pPr algn="ctr"/>
-                      <a:r>
-                        <a:rPr lang="en-US" sz="1000" dirty="0"/>
-                        <a:t>341</a:t>
-                      </a:r>
-                      <a:endParaRPr lang="pt-BR" sz="1000" dirty="0"/>
-                    </a:p>
-                  </a:txBody>
-                  <a:tcPr/>
-                </a:tc>
-                <a:tc>
-                  <a:txBody>
-                    <a:bodyPr/>
-                    <a:lstStyle/>
-                    <a:p>
-                      <a:pPr algn="ctr"/>
-                      <a:r>
-                        <a:rPr lang="en-US" sz="1000" dirty="0"/>
-                        <a:t>119</a:t>
-                      </a:r>
-                      <a:endParaRPr lang="pt-BR" sz="1000" dirty="0"/>
-                    </a:p>
-                  </a:txBody>
-                  <a:tcPr/>
-                </a:tc>
-                <a:tc>
-                  <a:txBody>
-                    <a:bodyPr/>
-                    <a:lstStyle/>
-                    <a:p>
-                      <a:pPr algn="ctr"/>
-                      <a:r>
-                        <a:rPr lang="en-US" sz="1000" dirty="0"/>
-                        <a:t>119</a:t>
-                      </a:r>
-                      <a:endParaRPr lang="pt-BR" sz="1000" dirty="0"/>
-                    </a:p>
-                  </a:txBody>
-                  <a:tcPr/>
-                </a:tc>
-                <a:tc>
-                  <a:txBody>
-                    <a:bodyPr/>
-                    <a:lstStyle/>
-                    <a:p>
-                      <a:pPr algn="ctr"/>
-                      <a:r>
-                        <a:rPr lang="en-US" sz="1000" dirty="0"/>
-                        <a:t>53,6</a:t>
-                      </a:r>
-                      <a:endParaRPr lang="pt-BR" sz="1000" dirty="0"/>
-                    </a:p>
-                  </a:txBody>
-                  <a:tcPr/>
-                </a:tc>
-                <a:extLst>
-                  <a:ext uri="{0D108BD9-81ED-4DB2-BD59-A6C34878D82A}">
-                    <a16:rowId xmlns:a16="http://schemas.microsoft.com/office/drawing/2014/main" val="2884584074"/>
-                  </a:ext>
-                </a:extLst>
-              </a:tr>
-              <a:tr h="310909">
-                <a:tc>
-                  <a:txBody>
-                    <a:bodyPr/>
-                    <a:lstStyle/>
-                    <a:p>
-                      <a:pPr algn="ctr"/>
-                      <a:r>
-                        <a:rPr lang="en-US" sz="1000" dirty="0"/>
-                        <a:t>4</a:t>
-                      </a:r>
-                      <a:endParaRPr lang="pt-BR" sz="1000" dirty="0"/>
-                    </a:p>
-                  </a:txBody>
-                  <a:tcPr/>
-                </a:tc>
-                <a:tc>
-                  <a:txBody>
-                    <a:bodyPr/>
-                    <a:lstStyle/>
-                    <a:p>
-                      <a:pPr algn="ctr"/>
-                      <a:r>
-                        <a:rPr lang="en-US" sz="1000" dirty="0"/>
-                        <a:t>207</a:t>
-                      </a:r>
-                      <a:endParaRPr lang="pt-BR" sz="1000" dirty="0"/>
-                    </a:p>
-                  </a:txBody>
-                  <a:tcPr/>
-                </a:tc>
-                <a:tc>
-                  <a:txBody>
-                    <a:bodyPr/>
-                    <a:lstStyle/>
-                    <a:p>
-                      <a:pPr algn="ctr"/>
-                      <a:r>
-                        <a:rPr lang="en-US" sz="1000" dirty="0"/>
-                        <a:t>281</a:t>
-                      </a:r>
-                      <a:endParaRPr lang="pt-BR" sz="1000" dirty="0"/>
-                    </a:p>
-                  </a:txBody>
-                  <a:tcPr/>
-                </a:tc>
-                <a:tc>
-                  <a:txBody>
-                    <a:bodyPr/>
-                    <a:lstStyle/>
-                    <a:p>
-                      <a:pPr algn="ctr"/>
-                      <a:r>
-                        <a:rPr lang="en-US" sz="1000" dirty="0"/>
-                        <a:t>843</a:t>
-                      </a:r>
-                      <a:endParaRPr lang="pt-BR" sz="1000" dirty="0"/>
-                    </a:p>
-                  </a:txBody>
-                  <a:tcPr/>
-                </a:tc>
-                <a:tc>
-                  <a:txBody>
-                    <a:bodyPr/>
-                    <a:lstStyle/>
-                    <a:p>
-                      <a:pPr algn="ctr"/>
-                      <a:r>
-                        <a:rPr lang="en-US" sz="1000" dirty="0"/>
-                        <a:t>97</a:t>
-                      </a:r>
-                      <a:endParaRPr lang="pt-BR" sz="1000" dirty="0"/>
-                    </a:p>
-                  </a:txBody>
-                  <a:tcPr/>
-                </a:tc>
-                <a:tc>
-                  <a:txBody>
-                    <a:bodyPr/>
-                    <a:lstStyle/>
-                    <a:p>
-                      <a:pPr algn="ctr"/>
-                      <a:r>
-                        <a:rPr lang="en-US" sz="1000" dirty="0"/>
-                        <a:t>1067</a:t>
-                      </a:r>
-                      <a:endParaRPr lang="pt-BR" sz="1000" dirty="0"/>
-                    </a:p>
-                  </a:txBody>
-                  <a:tcPr/>
-                </a:tc>
-                <a:tc>
-                  <a:txBody>
-                    <a:bodyPr/>
-                    <a:lstStyle/>
-                    <a:p>
-                      <a:pPr algn="ctr"/>
-                      <a:r>
-                        <a:rPr lang="en-US" sz="1000" dirty="0"/>
-                        <a:t>105</a:t>
-                      </a:r>
-                      <a:endParaRPr lang="pt-BR" sz="1000" dirty="0"/>
-                    </a:p>
-                  </a:txBody>
-                  <a:tcPr/>
-                </a:tc>
-                <a:tc>
-                  <a:txBody>
-                    <a:bodyPr/>
-                    <a:lstStyle/>
-                    <a:p>
-                      <a:pPr algn="ctr"/>
-                      <a:r>
-                        <a:rPr lang="en-US" sz="1000" dirty="0"/>
-                        <a:t>224</a:t>
-                      </a:r>
-                      <a:endParaRPr lang="pt-BR" sz="1000" dirty="0"/>
-                    </a:p>
-                  </a:txBody>
-                  <a:tcPr/>
-                </a:tc>
-                <a:tc>
-                  <a:txBody>
-                    <a:bodyPr/>
-                    <a:lstStyle/>
-                    <a:p>
-                      <a:pPr algn="ctr"/>
-                      <a:r>
-                        <a:rPr lang="en-US" sz="1000" dirty="0"/>
-                        <a:t>26,57</a:t>
-                      </a:r>
-                      <a:endParaRPr lang="pt-BR" sz="1000" dirty="0"/>
-                    </a:p>
-                  </a:txBody>
-                  <a:tcPr/>
-                </a:tc>
-                <a:extLst>
-                  <a:ext uri="{0D108BD9-81ED-4DB2-BD59-A6C34878D82A}">
-                    <a16:rowId xmlns:a16="http://schemas.microsoft.com/office/drawing/2014/main" val="837419484"/>
-                  </a:ext>
-                </a:extLst>
-              </a:tr>
-              <a:tr h="310909">
-                <a:tc>
-                  <a:txBody>
-                    <a:bodyPr/>
-                    <a:lstStyle/>
-                    <a:p>
-                      <a:pPr algn="ctr"/>
-                      <a:r>
-                        <a:rPr lang="en-US" sz="1000" dirty="0"/>
-                        <a:t>5</a:t>
-                      </a:r>
-                      <a:endParaRPr lang="pt-BR" sz="1000" dirty="0"/>
-                    </a:p>
-                  </a:txBody>
-                  <a:tcPr/>
-                </a:tc>
-                <a:tc>
-                  <a:txBody>
-                    <a:bodyPr/>
-                    <a:lstStyle/>
-                    <a:p>
-                      <a:pPr algn="ctr"/>
-                      <a:r>
-                        <a:rPr lang="en-US" sz="1000" dirty="0"/>
-                        <a:t>257</a:t>
-                      </a:r>
-                      <a:endParaRPr lang="pt-BR" sz="1000" dirty="0"/>
-                    </a:p>
-                  </a:txBody>
-                  <a:tcPr/>
-                </a:tc>
-                <a:tc>
-                  <a:txBody>
-                    <a:bodyPr/>
-                    <a:lstStyle/>
-                    <a:p>
-                      <a:pPr algn="ctr"/>
-                      <a:r>
-                        <a:rPr lang="en-US" sz="1000" dirty="0"/>
-                        <a:t>538</a:t>
-                      </a:r>
-                      <a:endParaRPr lang="pt-BR" sz="1000" dirty="0"/>
-                    </a:p>
-                  </a:txBody>
-                  <a:tcPr/>
-                </a:tc>
-                <a:tc>
-                  <a:txBody>
-                    <a:bodyPr/>
-                    <a:lstStyle/>
-                    <a:p>
-                      <a:pPr algn="ctr"/>
-                      <a:r>
-                        <a:rPr lang="en-US" sz="1000" dirty="0"/>
-                        <a:t>1614</a:t>
-                      </a:r>
-                      <a:endParaRPr lang="pt-BR" sz="1000" dirty="0"/>
-                    </a:p>
-                  </a:txBody>
-                  <a:tcPr/>
-                </a:tc>
-                <a:tc>
-                  <a:txBody>
-                    <a:bodyPr/>
-                    <a:lstStyle/>
-                    <a:p>
-                      <a:pPr algn="ctr"/>
-                      <a:r>
-                        <a:rPr lang="en-US" sz="1000" dirty="0"/>
-                        <a:t>157</a:t>
-                      </a:r>
-                      <a:endParaRPr lang="pt-BR" sz="1000" dirty="0"/>
-                    </a:p>
-                  </a:txBody>
-                  <a:tcPr/>
-                </a:tc>
-                <a:tc>
-                  <a:txBody>
-                    <a:bodyPr/>
-                    <a:lstStyle/>
-                    <a:p>
-                      <a:pPr algn="ctr"/>
-                      <a:r>
-                        <a:rPr lang="en-US" sz="1000" dirty="0"/>
-                        <a:t>1727</a:t>
-                      </a:r>
-                      <a:endParaRPr lang="pt-BR" sz="1000" dirty="0"/>
-                    </a:p>
-                  </a:txBody>
-                  <a:tcPr/>
-                </a:tc>
-                <a:tc>
-                  <a:txBody>
-                    <a:bodyPr/>
-                    <a:lstStyle/>
-                    <a:p>
-                      <a:pPr algn="ctr"/>
-                      <a:r>
-                        <a:rPr lang="en-US" sz="1000" dirty="0">
-                          <a:solidFill>
-                            <a:srgbClr val="FF0000"/>
-                          </a:solidFill>
-                        </a:rPr>
-                        <a:t>-111</a:t>
-                      </a:r>
-                      <a:endParaRPr lang="pt-BR" sz="1000" dirty="0">
-                        <a:solidFill>
-                          <a:srgbClr val="FF0000"/>
-                        </a:solidFill>
-                      </a:endParaRPr>
-                    </a:p>
-                  </a:txBody>
-                  <a:tcPr/>
-                </a:tc>
-                <a:tc>
-                  <a:txBody>
-                    <a:bodyPr/>
-                    <a:lstStyle/>
-                    <a:p>
-                      <a:pPr algn="ctr"/>
-                      <a:r>
-                        <a:rPr lang="en-US" sz="1000" dirty="0"/>
-                        <a:t>113</a:t>
-                      </a:r>
-                      <a:endParaRPr lang="pt-BR" sz="1000" dirty="0"/>
-                    </a:p>
-                  </a:txBody>
-                  <a:tcPr/>
-                </a:tc>
-                <a:tc>
-                  <a:txBody>
-                    <a:bodyPr/>
-                    <a:lstStyle/>
-                    <a:p>
-                      <a:pPr algn="ctr"/>
-                      <a:r>
-                        <a:rPr lang="en-US" sz="1000" dirty="0"/>
-                        <a:t>7</a:t>
-                      </a:r>
-                      <a:endParaRPr lang="pt-BR" sz="1000" dirty="0"/>
-                    </a:p>
-                  </a:txBody>
-                  <a:tcPr/>
-                </a:tc>
-                <a:extLst>
-                  <a:ext uri="{0D108BD9-81ED-4DB2-BD59-A6C34878D82A}">
-                    <a16:rowId xmlns:a16="http://schemas.microsoft.com/office/drawing/2014/main" val="1206114342"/>
-                  </a:ext>
-                </a:extLst>
-              </a:tr>
-              <a:tr h="310909">
-                <a:tc>
-                  <a:txBody>
-                    <a:bodyPr/>
-                    <a:lstStyle/>
-                    <a:p>
-                      <a:pPr algn="ctr"/>
-                      <a:r>
-                        <a:rPr lang="en-US" sz="1000" dirty="0"/>
-                        <a:t>6</a:t>
-                      </a:r>
-                      <a:endParaRPr lang="pt-BR" sz="1000" dirty="0"/>
-                    </a:p>
-                  </a:txBody>
-                  <a:tcPr/>
-                </a:tc>
-                <a:tc>
-                  <a:txBody>
-                    <a:bodyPr/>
-                    <a:lstStyle/>
-                    <a:p>
-                      <a:pPr algn="ctr"/>
-                      <a:r>
-                        <a:rPr lang="en-US" sz="1000" dirty="0"/>
-                        <a:t>302</a:t>
-                      </a:r>
-                      <a:endParaRPr lang="pt-BR" sz="1000" dirty="0"/>
-                    </a:p>
-                  </a:txBody>
-                  <a:tcPr/>
-                </a:tc>
-                <a:tc>
-                  <a:txBody>
-                    <a:bodyPr/>
-                    <a:lstStyle/>
-                    <a:p>
-                      <a:pPr algn="ctr"/>
-                      <a:r>
-                        <a:rPr lang="en-US" sz="1000" dirty="0"/>
-                        <a:t>840</a:t>
-                      </a:r>
-                      <a:endParaRPr lang="pt-BR" sz="1000" dirty="0"/>
-                    </a:p>
-                  </a:txBody>
-                  <a:tcPr/>
-                </a:tc>
-                <a:tc>
-                  <a:txBody>
-                    <a:bodyPr/>
-                    <a:lstStyle/>
-                    <a:p>
-                      <a:pPr algn="ctr"/>
-                      <a:r>
-                        <a:rPr lang="en-US" sz="1000" dirty="0"/>
-                        <a:t>2520</a:t>
-                      </a:r>
-                      <a:endParaRPr lang="pt-BR" sz="1000" dirty="0"/>
-                    </a:p>
-                  </a:txBody>
-                  <a:tcPr/>
-                </a:tc>
-                <a:tc>
-                  <a:txBody>
-                    <a:bodyPr/>
-                    <a:lstStyle/>
-                    <a:p>
-                      <a:pPr algn="ctr"/>
-                      <a:r>
-                        <a:rPr lang="en-US" sz="1000" dirty="0"/>
-                        <a:t>207</a:t>
-                      </a:r>
-                      <a:endParaRPr lang="pt-BR" sz="1000" dirty="0"/>
-                    </a:p>
-                  </a:txBody>
-                  <a:tcPr/>
-                </a:tc>
-                <a:tc>
-                  <a:txBody>
-                    <a:bodyPr/>
-                    <a:lstStyle/>
-                    <a:p>
-                      <a:pPr algn="ctr"/>
-                      <a:r>
-                        <a:rPr lang="en-US" sz="1000" dirty="0"/>
-                        <a:t>2277</a:t>
-                      </a:r>
-                      <a:endParaRPr lang="pt-BR" sz="1000" dirty="0"/>
-                    </a:p>
-                  </a:txBody>
-                  <a:tcPr/>
-                </a:tc>
-                <a:tc>
-                  <a:txBody>
-                    <a:bodyPr/>
-                    <a:lstStyle/>
-                    <a:p>
-                      <a:pPr algn="ctr"/>
-                      <a:r>
-                        <a:rPr lang="en-US" sz="1000" dirty="0">
-                          <a:solidFill>
-                            <a:srgbClr val="FF0000"/>
-                          </a:solidFill>
-                        </a:rPr>
-                        <a:t>-356</a:t>
-                      </a:r>
-                      <a:endParaRPr lang="pt-BR" sz="1000" dirty="0">
-                        <a:solidFill>
-                          <a:srgbClr val="FF0000"/>
-                        </a:solidFill>
-                      </a:endParaRPr>
-                    </a:p>
-                  </a:txBody>
-                  <a:tcPr/>
-                </a:tc>
-                <a:tc>
-                  <a:txBody>
-                    <a:bodyPr/>
-                    <a:lstStyle/>
-                    <a:p>
-                      <a:pPr algn="ctr"/>
-                      <a:r>
-                        <a:rPr lang="en-US" sz="1000" dirty="0">
-                          <a:solidFill>
-                            <a:srgbClr val="FF0000"/>
-                          </a:solidFill>
-                        </a:rPr>
-                        <a:t>-243</a:t>
-                      </a:r>
-                      <a:endParaRPr lang="pt-BR" sz="1000" dirty="0">
-                        <a:solidFill>
-                          <a:srgbClr val="FF0000"/>
-                        </a:solidFill>
-                      </a:endParaRPr>
-                    </a:p>
-                  </a:txBody>
-                  <a:tcPr/>
-                </a:tc>
-                <a:tc>
-                  <a:txBody>
-                    <a:bodyPr/>
-                    <a:lstStyle/>
-                    <a:p>
-                      <a:pPr algn="ctr"/>
-                      <a:r>
-                        <a:rPr lang="en-US" sz="1000" dirty="0">
-                          <a:solidFill>
-                            <a:srgbClr val="FF0000"/>
-                          </a:solidFill>
-                        </a:rPr>
-                        <a:t>-9,64</a:t>
-                      </a:r>
-                      <a:endParaRPr lang="pt-BR" sz="1000" dirty="0">
-                        <a:solidFill>
-                          <a:srgbClr val="FF0000"/>
-                        </a:solidFill>
-                      </a:endParaRPr>
-                    </a:p>
-                  </a:txBody>
-                  <a:tcPr/>
-                </a:tc>
-                <a:extLst>
-                  <a:ext uri="{0D108BD9-81ED-4DB2-BD59-A6C34878D82A}">
-                    <a16:rowId xmlns:a16="http://schemas.microsoft.com/office/drawing/2014/main" val="2063114966"/>
-                  </a:ext>
-                </a:extLst>
-              </a:tr>
-              <a:tr h="310909">
-                <a:tc>
-                  <a:txBody>
-                    <a:bodyPr/>
-                    <a:lstStyle/>
-                    <a:p>
-                      <a:pPr algn="ctr"/>
-                      <a:r>
-                        <a:rPr lang="en-US" sz="1000" dirty="0"/>
-                        <a:t>7</a:t>
-                      </a:r>
-                      <a:endParaRPr lang="pt-BR" sz="1000" dirty="0"/>
-                    </a:p>
-                  </a:txBody>
-                  <a:tcPr/>
-                </a:tc>
-                <a:tc>
-                  <a:txBody>
-                    <a:bodyPr/>
-                    <a:lstStyle/>
-                    <a:p>
-                      <a:pPr algn="ctr"/>
-                      <a:r>
-                        <a:rPr lang="en-US" sz="1000" dirty="0"/>
-                        <a:t>305</a:t>
-                      </a:r>
-                      <a:endParaRPr lang="pt-BR" sz="1000" dirty="0"/>
-                    </a:p>
-                  </a:txBody>
-                  <a:tcPr/>
-                </a:tc>
-                <a:tc>
-                  <a:txBody>
-                    <a:bodyPr/>
-                    <a:lstStyle/>
-                    <a:p>
-                      <a:pPr algn="ctr"/>
-                      <a:r>
-                        <a:rPr lang="en-US" sz="1000" dirty="0"/>
-                        <a:t>1145</a:t>
-                      </a:r>
-                      <a:endParaRPr lang="pt-BR" sz="1000" dirty="0"/>
-                    </a:p>
-                  </a:txBody>
-                  <a:tcPr/>
-                </a:tc>
-                <a:tc>
-                  <a:txBody>
-                    <a:bodyPr/>
-                    <a:lstStyle/>
-                    <a:p>
-                      <a:pPr algn="ctr"/>
-                      <a:r>
-                        <a:rPr lang="en-US" sz="1000" dirty="0"/>
-                        <a:t>3435</a:t>
-                      </a:r>
-                      <a:endParaRPr lang="pt-BR" sz="1000" dirty="0"/>
-                    </a:p>
-                  </a:txBody>
-                  <a:tcPr/>
-                </a:tc>
-                <a:tc>
-                  <a:txBody>
-                    <a:bodyPr/>
-                    <a:lstStyle/>
-                    <a:p>
-                      <a:pPr algn="ctr"/>
-                      <a:r>
-                        <a:rPr lang="en-US" sz="1000" dirty="0"/>
-                        <a:t>252</a:t>
-                      </a:r>
-                      <a:endParaRPr lang="pt-BR" sz="1000" dirty="0"/>
-                    </a:p>
-                  </a:txBody>
-                  <a:tcPr/>
-                </a:tc>
-                <a:tc>
-                  <a:txBody>
-                    <a:bodyPr/>
-                    <a:lstStyle/>
-                    <a:p>
-                      <a:pPr algn="ctr"/>
-                      <a:r>
-                        <a:rPr lang="en-US" sz="1000" dirty="0"/>
-                        <a:t>2772</a:t>
-                      </a:r>
-                      <a:endParaRPr lang="pt-BR" sz="1000" dirty="0"/>
-                    </a:p>
-                  </a:txBody>
-                  <a:tcPr/>
-                </a:tc>
-                <a:tc>
-                  <a:txBody>
-                    <a:bodyPr/>
-                    <a:lstStyle/>
-                    <a:p>
-                      <a:pPr algn="ctr"/>
-                      <a:r>
-                        <a:rPr lang="en-US" sz="1000" dirty="0">
-                          <a:solidFill>
-                            <a:srgbClr val="FF0000"/>
-                          </a:solidFill>
-                        </a:rPr>
-                        <a:t>-420</a:t>
-                      </a:r>
-                      <a:endParaRPr lang="pt-BR" sz="1000" dirty="0">
-                        <a:solidFill>
-                          <a:srgbClr val="FF0000"/>
-                        </a:solidFill>
-                      </a:endParaRPr>
-                    </a:p>
-                  </a:txBody>
-                  <a:tcPr/>
-                </a:tc>
-                <a:tc>
-                  <a:txBody>
-                    <a:bodyPr/>
-                    <a:lstStyle/>
-                    <a:p>
-                      <a:pPr algn="ctr"/>
-                      <a:r>
-                        <a:rPr lang="en-US" sz="1000" dirty="0">
-                          <a:solidFill>
-                            <a:srgbClr val="FF0000"/>
-                          </a:solidFill>
-                        </a:rPr>
-                        <a:t>-663</a:t>
-                      </a:r>
-                      <a:endParaRPr lang="pt-BR" sz="1000" dirty="0">
-                        <a:solidFill>
-                          <a:srgbClr val="FF0000"/>
-                        </a:solidFill>
-                      </a:endParaRPr>
-                    </a:p>
-                  </a:txBody>
-                  <a:tcPr/>
-                </a:tc>
-                <a:tc>
-                  <a:txBody>
-                    <a:bodyPr/>
-                    <a:lstStyle/>
-                    <a:p>
-                      <a:pPr algn="ctr"/>
-                      <a:r>
-                        <a:rPr lang="en-US" sz="1000" dirty="0">
-                          <a:solidFill>
-                            <a:srgbClr val="FF0000"/>
-                          </a:solidFill>
-                        </a:rPr>
-                        <a:t>-19,3</a:t>
-                      </a:r>
-                      <a:endParaRPr lang="pt-BR" sz="1000" dirty="0">
-                        <a:solidFill>
-                          <a:srgbClr val="FF0000"/>
-                        </a:solidFill>
-                      </a:endParaRPr>
-                    </a:p>
-                  </a:txBody>
-                  <a:tcPr/>
-                </a:tc>
-                <a:extLst>
-                  <a:ext uri="{0D108BD9-81ED-4DB2-BD59-A6C34878D82A}">
-                    <a16:rowId xmlns:a16="http://schemas.microsoft.com/office/drawing/2014/main" val="2911582853"/>
-                  </a:ext>
-                </a:extLst>
-              </a:tr>
-              <a:tr h="310909">
-                <a:tc>
-                  <a:txBody>
-                    <a:bodyPr/>
-                    <a:lstStyle/>
-                    <a:p>
-                      <a:pPr algn="ctr"/>
-                      <a:r>
-                        <a:rPr lang="en-US" sz="1000" dirty="0"/>
-                        <a:t>8</a:t>
-                      </a:r>
-                      <a:endParaRPr lang="pt-BR" sz="1000" dirty="0"/>
-                    </a:p>
-                  </a:txBody>
-                  <a:tcPr/>
-                </a:tc>
-                <a:tc>
-                  <a:txBody>
-                    <a:bodyPr/>
-                    <a:lstStyle/>
-                    <a:p>
-                      <a:pPr algn="ctr"/>
-                      <a:r>
-                        <a:rPr lang="en-US" sz="1000" dirty="0"/>
-                        <a:t>223</a:t>
-                      </a:r>
-                      <a:endParaRPr lang="pt-BR" sz="1000" dirty="0"/>
-                    </a:p>
-                  </a:txBody>
-                  <a:tcPr/>
-                </a:tc>
-                <a:tc>
-                  <a:txBody>
-                    <a:bodyPr/>
-                    <a:lstStyle/>
-                    <a:p>
-                      <a:pPr algn="ctr"/>
-                      <a:r>
-                        <a:rPr lang="en-US" sz="1000" dirty="0"/>
-                        <a:t>1368</a:t>
-                      </a:r>
-                      <a:endParaRPr lang="pt-BR" sz="1000" dirty="0"/>
-                    </a:p>
-                  </a:txBody>
-                  <a:tcPr/>
-                </a:tc>
-                <a:tc>
-                  <a:txBody>
-                    <a:bodyPr/>
-                    <a:lstStyle/>
-                    <a:p>
-                      <a:pPr algn="ctr"/>
-                      <a:r>
-                        <a:rPr lang="en-US" sz="1000" dirty="0"/>
-                        <a:t>1404</a:t>
-                      </a:r>
-                      <a:endParaRPr lang="pt-BR" sz="1000" dirty="0"/>
-                    </a:p>
-                  </a:txBody>
-                  <a:tcPr/>
-                </a:tc>
-                <a:tc>
-                  <a:txBody>
-                    <a:bodyPr/>
-                    <a:lstStyle/>
-                    <a:p>
-                      <a:pPr algn="ctr"/>
-                      <a:r>
-                        <a:rPr lang="en-US" sz="1000" dirty="0"/>
-                        <a:t>285</a:t>
-                      </a:r>
-                      <a:endParaRPr lang="pt-BR" sz="1000" dirty="0"/>
-                    </a:p>
-                  </a:txBody>
-                  <a:tcPr/>
-                </a:tc>
-                <a:tc>
-                  <a:txBody>
-                    <a:bodyPr/>
-                    <a:lstStyle/>
-                    <a:p>
-                      <a:pPr algn="ctr"/>
-                      <a:r>
-                        <a:rPr lang="en-US" sz="1000" dirty="0"/>
-                        <a:t>3135</a:t>
-                      </a:r>
-                      <a:endParaRPr lang="pt-BR" sz="1000" dirty="0"/>
-                    </a:p>
-                  </a:txBody>
-                  <a:tcPr/>
-                </a:tc>
-                <a:tc>
-                  <a:txBody>
-                    <a:bodyPr/>
-                    <a:lstStyle/>
-                    <a:p>
-                      <a:pPr algn="ctr"/>
-                      <a:r>
-                        <a:rPr lang="en-US" sz="1000" dirty="0">
-                          <a:solidFill>
-                            <a:srgbClr val="FF0000"/>
-                          </a:solidFill>
-                        </a:rPr>
-                        <a:t>-306</a:t>
-                      </a:r>
-                      <a:endParaRPr lang="pt-BR" sz="1000" dirty="0">
-                        <a:solidFill>
-                          <a:srgbClr val="FF0000"/>
-                        </a:solidFill>
-                      </a:endParaRPr>
-                    </a:p>
-                  </a:txBody>
-                  <a:tcPr/>
-                </a:tc>
-                <a:tc>
-                  <a:txBody>
-                    <a:bodyPr/>
-                    <a:lstStyle/>
-                    <a:p>
-                      <a:pPr algn="ctr"/>
-                      <a:r>
-                        <a:rPr lang="en-US" sz="1000" dirty="0">
-                          <a:solidFill>
-                            <a:srgbClr val="FF0000"/>
-                          </a:solidFill>
-                        </a:rPr>
-                        <a:t>-969</a:t>
-                      </a:r>
-                      <a:endParaRPr lang="pt-BR" sz="1000" dirty="0">
-                        <a:solidFill>
-                          <a:srgbClr val="FF0000"/>
-                        </a:solidFill>
-                      </a:endParaRPr>
-                    </a:p>
-                  </a:txBody>
-                  <a:tcPr/>
-                </a:tc>
-                <a:tc>
-                  <a:txBody>
-                    <a:bodyPr/>
-                    <a:lstStyle/>
-                    <a:p>
-                      <a:pPr algn="ctr"/>
-                      <a:r>
-                        <a:rPr lang="en-US" sz="1000" dirty="0">
-                          <a:solidFill>
-                            <a:srgbClr val="FF0000"/>
-                          </a:solidFill>
-                        </a:rPr>
-                        <a:t>-23,61</a:t>
-                      </a:r>
-                      <a:endParaRPr lang="pt-BR" sz="1000" dirty="0">
-                        <a:solidFill>
-                          <a:srgbClr val="FF0000"/>
-                        </a:solidFill>
-                      </a:endParaRPr>
-                    </a:p>
-                  </a:txBody>
-                  <a:tcPr/>
-                </a:tc>
-                <a:extLst>
-                  <a:ext uri="{0D108BD9-81ED-4DB2-BD59-A6C34878D82A}">
-                    <a16:rowId xmlns:a16="http://schemas.microsoft.com/office/drawing/2014/main" val="141864928"/>
-                  </a:ext>
-                </a:extLst>
-              </a:tr>
-              <a:tr h="310909">
-                <a:tc>
-                  <a:txBody>
-                    <a:bodyPr/>
-                    <a:lstStyle/>
-                    <a:p>
-                      <a:pPr algn="ctr"/>
-                      <a:r>
-                        <a:rPr lang="en-US" sz="1000" dirty="0"/>
-                        <a:t>9</a:t>
-                      </a:r>
-                      <a:endParaRPr lang="pt-BR" sz="1000" dirty="0"/>
-                    </a:p>
-                  </a:txBody>
-                  <a:tcPr/>
-                </a:tc>
-                <a:tc>
-                  <a:txBody>
-                    <a:bodyPr/>
-                    <a:lstStyle/>
-                    <a:p>
-                      <a:pPr algn="ctr"/>
-                      <a:r>
-                        <a:rPr lang="en-US" sz="1000" dirty="0"/>
-                        <a:t>270</a:t>
-                      </a:r>
-                      <a:endParaRPr lang="pt-BR" sz="1000" dirty="0"/>
-                    </a:p>
-                  </a:txBody>
-                  <a:tcPr/>
-                </a:tc>
-                <a:tc>
-                  <a:txBody>
-                    <a:bodyPr/>
-                    <a:lstStyle/>
-                    <a:p>
-                      <a:pPr algn="ctr"/>
-                      <a:r>
-                        <a:rPr lang="en-US" sz="1000" dirty="0"/>
-                        <a:t>1638</a:t>
-                      </a:r>
-                      <a:endParaRPr lang="pt-BR" sz="1000" dirty="0"/>
-                    </a:p>
-                  </a:txBody>
-                  <a:tcPr/>
-                </a:tc>
-                <a:tc>
-                  <a:txBody>
-                    <a:bodyPr/>
-                    <a:lstStyle/>
-                    <a:p>
-                      <a:pPr algn="ctr"/>
-                      <a:r>
-                        <a:rPr lang="en-US" sz="1000" dirty="0"/>
-                        <a:t>4914</a:t>
-                      </a:r>
-                      <a:endParaRPr lang="pt-BR" sz="1000" dirty="0"/>
-                    </a:p>
-                  </a:txBody>
-                  <a:tcPr/>
-                </a:tc>
-                <a:tc>
-                  <a:txBody>
-                    <a:bodyPr/>
-                    <a:lstStyle/>
-                    <a:p>
-                      <a:pPr algn="ctr"/>
-                      <a:r>
-                        <a:rPr lang="en-US" sz="1000" dirty="0"/>
-                        <a:t>312</a:t>
-                      </a:r>
-                      <a:endParaRPr lang="pt-BR" sz="1000" dirty="0"/>
-                    </a:p>
-                  </a:txBody>
-                  <a:tcPr/>
-                </a:tc>
-                <a:tc>
-                  <a:txBody>
-                    <a:bodyPr/>
-                    <a:lstStyle/>
-                    <a:p>
-                      <a:pPr algn="ctr"/>
-                      <a:r>
-                        <a:rPr lang="en-US" sz="1000" dirty="0"/>
-                        <a:t>3432</a:t>
-                      </a:r>
-                      <a:endParaRPr lang="pt-BR" sz="1000" dirty="0"/>
-                    </a:p>
-                  </a:txBody>
-                  <a:tcPr/>
-                </a:tc>
-                <a:tc>
-                  <a:txBody>
-                    <a:bodyPr/>
-                    <a:lstStyle/>
-                    <a:p>
-                      <a:pPr algn="ctr"/>
-                      <a:r>
-                        <a:rPr lang="en-US" sz="1000" dirty="0">
-                          <a:solidFill>
-                            <a:srgbClr val="FF0000"/>
-                          </a:solidFill>
-                        </a:rPr>
-                        <a:t>-513</a:t>
-                      </a:r>
-                      <a:endParaRPr lang="pt-BR" sz="1000" dirty="0">
-                        <a:solidFill>
-                          <a:srgbClr val="FF0000"/>
-                        </a:solidFill>
-                      </a:endParaRPr>
-                    </a:p>
-                  </a:txBody>
-                  <a:tcPr/>
-                </a:tc>
-                <a:tc>
-                  <a:txBody>
-                    <a:bodyPr/>
-                    <a:lstStyle/>
-                    <a:p>
-                      <a:pPr algn="ctr"/>
-                      <a:r>
-                        <a:rPr lang="en-US" sz="1000" dirty="0">
-                          <a:solidFill>
-                            <a:srgbClr val="FF0000"/>
-                          </a:solidFill>
-                        </a:rPr>
-                        <a:t>-1482</a:t>
-                      </a:r>
-                      <a:endParaRPr lang="pt-BR" sz="1000" dirty="0">
-                        <a:solidFill>
-                          <a:srgbClr val="FF0000"/>
-                        </a:solidFill>
-                      </a:endParaRPr>
-                    </a:p>
-                  </a:txBody>
-                  <a:tcPr/>
-                </a:tc>
-                <a:tc>
-                  <a:txBody>
-                    <a:bodyPr/>
-                    <a:lstStyle/>
-                    <a:p>
-                      <a:pPr algn="ctr"/>
-                      <a:r>
-                        <a:rPr lang="en-US" sz="1000" dirty="0">
-                          <a:solidFill>
-                            <a:srgbClr val="FF0000"/>
-                          </a:solidFill>
-                        </a:rPr>
-                        <a:t>-30,16</a:t>
-                      </a:r>
-                      <a:endParaRPr lang="pt-BR" sz="1000" dirty="0">
-                        <a:solidFill>
-                          <a:srgbClr val="FF0000"/>
-                        </a:solidFill>
-                      </a:endParaRPr>
-                    </a:p>
-                  </a:txBody>
-                  <a:tcPr/>
-                </a:tc>
-                <a:extLst>
-                  <a:ext uri="{0D108BD9-81ED-4DB2-BD59-A6C34878D82A}">
-                    <a16:rowId xmlns:a16="http://schemas.microsoft.com/office/drawing/2014/main" val="2769838869"/>
-                  </a:ext>
-                </a:extLst>
-              </a:tr>
-              <a:tr h="310909">
-                <a:tc>
-                  <a:txBody>
-                    <a:bodyPr/>
-                    <a:lstStyle/>
-                    <a:p>
-                      <a:pPr algn="ctr"/>
-                      <a:r>
-                        <a:rPr lang="en-US" sz="1000" dirty="0"/>
-                        <a:t>10</a:t>
-                      </a:r>
-                      <a:endParaRPr lang="pt-BR" sz="1000" dirty="0"/>
-                    </a:p>
-                  </a:txBody>
-                  <a:tcPr/>
-                </a:tc>
-                <a:tc>
-                  <a:txBody>
-                    <a:bodyPr/>
-                    <a:lstStyle/>
-                    <a:p>
-                      <a:pPr algn="ctr"/>
-                      <a:r>
-                        <a:rPr lang="en-US" sz="1000" dirty="0"/>
-                        <a:t>294</a:t>
-                      </a:r>
-                      <a:endParaRPr lang="pt-BR" sz="1000" dirty="0"/>
-                    </a:p>
-                  </a:txBody>
-                  <a:tcPr/>
-                </a:tc>
-                <a:tc>
-                  <a:txBody>
-                    <a:bodyPr/>
-                    <a:lstStyle/>
-                    <a:p>
-                      <a:pPr algn="ctr"/>
-                      <a:r>
-                        <a:rPr lang="en-US" sz="1000" dirty="0"/>
-                        <a:t>1932</a:t>
-                      </a:r>
-                      <a:endParaRPr lang="pt-BR" sz="1000" dirty="0"/>
-                    </a:p>
-                  </a:txBody>
-                  <a:tcPr/>
-                </a:tc>
-                <a:tc>
-                  <a:txBody>
-                    <a:bodyPr/>
-                    <a:lstStyle/>
-                    <a:p>
-                      <a:pPr algn="ctr"/>
-                      <a:r>
-                        <a:rPr lang="en-US" sz="1000" dirty="0"/>
-                        <a:t>5796</a:t>
-                      </a:r>
-                      <a:endParaRPr lang="pt-BR" sz="1000" dirty="0"/>
-                    </a:p>
-                  </a:txBody>
-                  <a:tcPr/>
-                </a:tc>
-                <a:tc>
-                  <a:txBody>
-                    <a:bodyPr/>
-                    <a:lstStyle/>
-                    <a:p>
-                      <a:pPr algn="ctr"/>
-                      <a:r>
-                        <a:rPr lang="en-US" sz="1000" dirty="0"/>
-                        <a:t>327</a:t>
-                      </a:r>
-                      <a:endParaRPr lang="pt-BR" sz="1000" dirty="0"/>
-                    </a:p>
-                  </a:txBody>
-                  <a:tcPr/>
-                </a:tc>
-                <a:tc>
-                  <a:txBody>
-                    <a:bodyPr/>
-                    <a:lstStyle/>
-                    <a:p>
-                      <a:pPr algn="ctr"/>
-                      <a:r>
-                        <a:rPr lang="en-US" sz="1000" dirty="0"/>
-                        <a:t>3597</a:t>
-                      </a:r>
-                      <a:endParaRPr lang="pt-BR" sz="1000" dirty="0"/>
-                    </a:p>
-                  </a:txBody>
-                  <a:tcPr/>
-                </a:tc>
-                <a:tc>
-                  <a:txBody>
-                    <a:bodyPr/>
-                    <a:lstStyle/>
-                    <a:p>
-                      <a:pPr algn="ctr"/>
-                      <a:r>
-                        <a:rPr lang="en-US" sz="1000" dirty="0">
-                          <a:solidFill>
-                            <a:srgbClr val="FF0000"/>
-                          </a:solidFill>
-                        </a:rPr>
-                        <a:t>-717</a:t>
-                      </a:r>
-                      <a:endParaRPr lang="pt-BR" sz="1000" dirty="0">
-                        <a:solidFill>
-                          <a:srgbClr val="FF0000"/>
-                        </a:solidFill>
-                      </a:endParaRPr>
-                    </a:p>
-                  </a:txBody>
-                  <a:tcPr/>
-                </a:tc>
-                <a:tc>
-                  <a:txBody>
-                    <a:bodyPr/>
-                    <a:lstStyle/>
-                    <a:p>
-                      <a:pPr algn="ctr"/>
-                      <a:r>
-                        <a:rPr lang="en-US" sz="1000" dirty="0">
-                          <a:solidFill>
-                            <a:srgbClr val="FF0000"/>
-                          </a:solidFill>
-                        </a:rPr>
-                        <a:t>-2199</a:t>
-                      </a:r>
-                      <a:endParaRPr lang="pt-BR" sz="1000" dirty="0">
-                        <a:solidFill>
-                          <a:srgbClr val="FF0000"/>
-                        </a:solidFill>
-                      </a:endParaRPr>
-                    </a:p>
-                  </a:txBody>
-                  <a:tcPr/>
-                </a:tc>
-                <a:tc>
-                  <a:txBody>
-                    <a:bodyPr/>
-                    <a:lstStyle/>
-                    <a:p>
-                      <a:pPr algn="ctr"/>
-                      <a:r>
-                        <a:rPr lang="en-US" sz="1000" dirty="0">
-                          <a:solidFill>
-                            <a:srgbClr val="FF0000"/>
-                          </a:solidFill>
-                        </a:rPr>
-                        <a:t>-37,94</a:t>
-                      </a:r>
-                      <a:endParaRPr lang="pt-BR" sz="1000" dirty="0">
-                        <a:solidFill>
-                          <a:srgbClr val="FF0000"/>
-                        </a:solidFill>
-                      </a:endParaRPr>
-                    </a:p>
-                  </a:txBody>
-                  <a:tcPr/>
-                </a:tc>
-                <a:extLst>
-                  <a:ext uri="{0D108BD9-81ED-4DB2-BD59-A6C34878D82A}">
-                    <a16:rowId xmlns:a16="http://schemas.microsoft.com/office/drawing/2014/main" val="3148265735"/>
-                  </a:ext>
-                </a:extLst>
-              </a:tr>
-              <a:tr h="310909">
-                <a:tc>
-                  <a:txBody>
-                    <a:bodyPr/>
-                    <a:lstStyle/>
-                    <a:p>
-                      <a:pPr algn="ctr"/>
-                      <a:r>
-                        <a:rPr lang="en-US" sz="1000" dirty="0"/>
-                        <a:t>11</a:t>
-                      </a:r>
-                      <a:endParaRPr lang="pt-BR" sz="1000" dirty="0"/>
-                    </a:p>
-                  </a:txBody>
-                  <a:tcPr/>
-                </a:tc>
-                <a:tc>
-                  <a:txBody>
-                    <a:bodyPr/>
-                    <a:lstStyle/>
-                    <a:p>
-                      <a:pPr algn="ctr"/>
-                      <a:r>
-                        <a:rPr lang="en-US" sz="1000" dirty="0"/>
-                        <a:t>163</a:t>
-                      </a:r>
-                      <a:endParaRPr lang="pt-BR" sz="1000" dirty="0"/>
-                    </a:p>
-                  </a:txBody>
-                  <a:tcPr/>
-                </a:tc>
-                <a:tc>
-                  <a:txBody>
-                    <a:bodyPr/>
-                    <a:lstStyle/>
-                    <a:p>
-                      <a:pPr algn="ctr"/>
-                      <a:r>
-                        <a:rPr lang="en-US" sz="1000" dirty="0"/>
-                        <a:t>2095</a:t>
-                      </a:r>
-                      <a:endParaRPr lang="pt-BR" sz="1000" dirty="0"/>
-                    </a:p>
-                  </a:txBody>
-                  <a:tcPr/>
-                </a:tc>
-                <a:tc>
-                  <a:txBody>
-                    <a:bodyPr/>
-                    <a:lstStyle/>
-                    <a:p>
-                      <a:pPr algn="ctr"/>
-                      <a:r>
-                        <a:rPr lang="en-US" sz="1000" dirty="0"/>
-                        <a:t>6285</a:t>
-                      </a:r>
-                      <a:endParaRPr lang="pt-BR" sz="1000" dirty="0"/>
-                    </a:p>
-                  </a:txBody>
-                  <a:tcPr/>
-                </a:tc>
-                <a:tc>
-                  <a:txBody>
-                    <a:bodyPr/>
-                    <a:lstStyle/>
-                    <a:p>
-                      <a:pPr algn="ctr"/>
-                      <a:r>
-                        <a:rPr lang="en-US" sz="1000" dirty="0"/>
-                        <a:t>332</a:t>
-                      </a:r>
-                      <a:endParaRPr lang="pt-BR" sz="1000" dirty="0"/>
-                    </a:p>
-                  </a:txBody>
-                  <a:tcPr/>
-                </a:tc>
-                <a:tc>
-                  <a:txBody>
-                    <a:bodyPr/>
-                    <a:lstStyle/>
-                    <a:p>
-                      <a:pPr algn="ctr"/>
-                      <a:r>
-                        <a:rPr lang="en-US" sz="1000" dirty="0"/>
-                        <a:t>3652</a:t>
-                      </a:r>
-                      <a:endParaRPr lang="pt-BR" sz="1000" dirty="0"/>
-                    </a:p>
-                  </a:txBody>
-                  <a:tcPr/>
-                </a:tc>
-                <a:tc>
-                  <a:txBody>
-                    <a:bodyPr/>
-                    <a:lstStyle/>
-                    <a:p>
-                      <a:pPr algn="ctr"/>
-                      <a:r>
-                        <a:rPr lang="en-US" sz="1000" dirty="0">
-                          <a:solidFill>
-                            <a:srgbClr val="FF0000"/>
-                          </a:solidFill>
-                        </a:rPr>
-                        <a:t>-434</a:t>
-                      </a:r>
-                      <a:endParaRPr lang="pt-BR" sz="1000" dirty="0">
-                        <a:solidFill>
-                          <a:srgbClr val="FF0000"/>
-                        </a:solidFill>
-                      </a:endParaRPr>
-                    </a:p>
-                  </a:txBody>
-                  <a:tcPr/>
-                </a:tc>
-                <a:tc>
-                  <a:txBody>
-                    <a:bodyPr/>
-                    <a:lstStyle/>
-                    <a:p>
-                      <a:pPr algn="ctr"/>
-                      <a:r>
-                        <a:rPr lang="en-US" sz="1000" dirty="0">
-                          <a:solidFill>
-                            <a:srgbClr val="FF0000"/>
-                          </a:solidFill>
-                        </a:rPr>
-                        <a:t>-2633</a:t>
-                      </a:r>
-                      <a:endParaRPr lang="pt-BR" sz="1000" dirty="0">
-                        <a:solidFill>
-                          <a:srgbClr val="FF0000"/>
-                        </a:solidFill>
-                      </a:endParaRPr>
-                    </a:p>
-                  </a:txBody>
-                  <a:tcPr/>
-                </a:tc>
-                <a:tc>
-                  <a:txBody>
-                    <a:bodyPr/>
-                    <a:lstStyle/>
-                    <a:p>
-                      <a:pPr algn="ctr"/>
-                      <a:r>
-                        <a:rPr lang="en-US" sz="1000" dirty="0">
-                          <a:solidFill>
-                            <a:srgbClr val="FF0000"/>
-                          </a:solidFill>
-                        </a:rPr>
-                        <a:t>-41,89</a:t>
-                      </a:r>
-                      <a:endParaRPr lang="pt-BR" sz="1000" dirty="0">
-                        <a:solidFill>
-                          <a:srgbClr val="FF0000"/>
-                        </a:solidFill>
-                      </a:endParaRPr>
-                    </a:p>
-                  </a:txBody>
-                  <a:tcPr/>
-                </a:tc>
-                <a:extLst>
-                  <a:ext uri="{0D108BD9-81ED-4DB2-BD59-A6C34878D82A}">
-                    <a16:rowId xmlns:a16="http://schemas.microsoft.com/office/drawing/2014/main" val="1698868860"/>
-                  </a:ext>
-                </a:extLst>
-              </a:tr>
-              <a:tr h="310909">
-                <a:tc>
-                  <a:txBody>
-                    <a:bodyPr/>
-                    <a:lstStyle/>
-                    <a:p>
-                      <a:pPr algn="ctr"/>
-                      <a:r>
-                        <a:rPr lang="en-US" sz="1000" dirty="0"/>
-                        <a:t>12</a:t>
-                      </a:r>
-                      <a:endParaRPr lang="pt-BR" sz="1000" dirty="0"/>
-                    </a:p>
-                  </a:txBody>
-                  <a:tcPr/>
-                </a:tc>
-                <a:tc>
-                  <a:txBody>
-                    <a:bodyPr/>
-                    <a:lstStyle/>
-                    <a:p>
-                      <a:pPr algn="ctr"/>
-                      <a:r>
-                        <a:rPr lang="en-US" sz="1000" dirty="0"/>
-                        <a:t>144</a:t>
-                      </a:r>
-                      <a:endParaRPr lang="pt-BR" sz="1000" dirty="0"/>
-                    </a:p>
-                  </a:txBody>
-                  <a:tcPr/>
-                </a:tc>
-                <a:tc>
-                  <a:txBody>
-                    <a:bodyPr/>
-                    <a:lstStyle/>
-                    <a:p>
-                      <a:pPr algn="ctr"/>
-                      <a:r>
-                        <a:rPr lang="en-US" sz="1000" dirty="0"/>
-                        <a:t>2239</a:t>
-                      </a:r>
-                      <a:endParaRPr lang="pt-BR" sz="1000" dirty="0"/>
-                    </a:p>
-                  </a:txBody>
-                  <a:tcPr/>
-                </a:tc>
-                <a:tc>
-                  <a:txBody>
-                    <a:bodyPr/>
-                    <a:lstStyle/>
-                    <a:p>
-                      <a:pPr algn="ctr"/>
-                      <a:r>
-                        <a:rPr lang="en-US" sz="1000" dirty="0"/>
-                        <a:t>6717</a:t>
-                      </a:r>
-                      <a:endParaRPr lang="pt-BR" sz="1000" dirty="0"/>
-                    </a:p>
-                  </a:txBody>
-                  <a:tcPr/>
-                </a:tc>
-                <a:tc>
-                  <a:txBody>
-                    <a:bodyPr/>
-                    <a:lstStyle/>
-                    <a:p>
-                      <a:pPr algn="ctr"/>
-                      <a:r>
-                        <a:rPr lang="en-US" sz="1000" dirty="0"/>
-                        <a:t>334</a:t>
-                      </a:r>
-                      <a:endParaRPr lang="pt-BR" sz="1000" dirty="0"/>
-                    </a:p>
-                  </a:txBody>
-                  <a:tcPr/>
-                </a:tc>
-                <a:tc>
-                  <a:txBody>
-                    <a:bodyPr/>
-                    <a:lstStyle/>
-                    <a:p>
-                      <a:pPr algn="ctr"/>
-                      <a:r>
-                        <a:rPr lang="en-US" sz="1000" dirty="0"/>
-                        <a:t>3674</a:t>
-                      </a:r>
-                      <a:endParaRPr lang="pt-BR" sz="1000" dirty="0"/>
-                    </a:p>
-                  </a:txBody>
-                  <a:tcPr/>
-                </a:tc>
-                <a:tc>
-                  <a:txBody>
-                    <a:bodyPr/>
-                    <a:lstStyle/>
-                    <a:p>
-                      <a:pPr algn="ctr"/>
-                      <a:r>
-                        <a:rPr lang="en-US" sz="1000" dirty="0">
-                          <a:solidFill>
-                            <a:srgbClr val="FF0000"/>
-                          </a:solidFill>
-                        </a:rPr>
-                        <a:t>-410</a:t>
-                      </a:r>
-                      <a:endParaRPr lang="pt-BR" sz="1000" dirty="0">
-                        <a:solidFill>
-                          <a:srgbClr val="FF0000"/>
-                        </a:solidFill>
-                      </a:endParaRPr>
-                    </a:p>
-                  </a:txBody>
-                  <a:tcPr/>
-                </a:tc>
-                <a:tc>
-                  <a:txBody>
-                    <a:bodyPr/>
-                    <a:lstStyle/>
-                    <a:p>
-                      <a:pPr algn="ctr"/>
-                      <a:r>
-                        <a:rPr lang="en-US" sz="1000" dirty="0">
-                          <a:solidFill>
-                            <a:srgbClr val="FF0000"/>
-                          </a:solidFill>
-                        </a:rPr>
-                        <a:t>-3043</a:t>
-                      </a:r>
-                      <a:endParaRPr lang="pt-BR" sz="1000" dirty="0">
-                        <a:solidFill>
-                          <a:srgbClr val="FF0000"/>
-                        </a:solidFill>
-                      </a:endParaRPr>
-                    </a:p>
-                  </a:txBody>
-                  <a:tcPr/>
-                </a:tc>
-                <a:tc>
-                  <a:txBody>
-                    <a:bodyPr/>
-                    <a:lstStyle/>
-                    <a:p>
-                      <a:pPr algn="ctr"/>
-                      <a:r>
-                        <a:rPr lang="en-US" sz="1000" dirty="0">
-                          <a:solidFill>
-                            <a:srgbClr val="FF0000"/>
-                          </a:solidFill>
-                        </a:rPr>
-                        <a:t>-45,3</a:t>
-                      </a:r>
-                      <a:endParaRPr lang="pt-BR" sz="1000" dirty="0">
-                        <a:solidFill>
-                          <a:srgbClr val="FF0000"/>
-                        </a:solidFill>
-                      </a:endParaRPr>
-                    </a:p>
-                  </a:txBody>
-                  <a:tcPr/>
-                </a:tc>
-                <a:extLst>
-                  <a:ext uri="{0D108BD9-81ED-4DB2-BD59-A6C34878D82A}">
-                    <a16:rowId xmlns:a16="http://schemas.microsoft.com/office/drawing/2014/main" val="130179856"/>
-                  </a:ext>
-                </a:extLst>
-              </a:tr>
-            </a:tbl>
-          </a:graphicData>
-        </a:graphic>
-      </p:graphicFrame>
-    </p:spTree>
-    <p:extLst>
-      <p:ext uri="{BB962C8B-B14F-4D97-AF65-F5344CB8AC3E}">
-        <p14:creationId xmlns:p14="http://schemas.microsoft.com/office/powerpoint/2010/main" val="2494258912"/>
-      </p:ext>
-    </p:extLst>
-  </p:cSld>
-  <p:clrMapOvr>
-    <a:masterClrMapping/>
-  </p:clrMapOvr>
-</p:sld>
-</file>
-
-<file path=ppt/slides/slide9.xml><?xml version="1.0" encoding="utf-8"?>
-<p:sld xmlns:a="http://schemas.openxmlformats.org/drawingml/2006/main" xmlns:r="http://schemas.openxmlformats.org/officeDocument/2006/relationships" xmlns:p="http://schemas.openxmlformats.org/presentationml/2006/main">
-  <p:cSld>
-    <p:spTree>
-      <p:nvGrpSpPr>
-        <p:cNvPr id="1" name=""/>
-        <p:cNvGrpSpPr/>
-        <p:nvPr/>
-      </p:nvGrpSpPr>
-      <p:grpSpPr>
-        <a:xfrm>
-          <a:off x="0" y="0"/>
-          <a:ext cx="0" cy="0"/>
-          <a:chOff x="0" y="0"/>
-          <a:chExt cx="0" cy="0"/>
-        </a:xfrm>
-      </p:grpSpPr>
-      <p:sp>
-        <p:nvSpPr>
-          <p:cNvPr id="2" name="Título 1">
-            <a:extLst>
-              <a:ext uri="{FF2B5EF4-FFF2-40B4-BE49-F238E27FC236}">
-                <a16:creationId xmlns:a16="http://schemas.microsoft.com/office/drawing/2014/main" id="{F012136E-8FED-438A-8CCB-512AFF3ACFA6}"/>
-              </a:ext>
-            </a:extLst>
-          </p:cNvPr>
-          <p:cNvSpPr>
-            <a:spLocks noGrp="1"/>
-          </p:cNvSpPr>
-          <p:nvPr>
-            <p:ph type="title"/>
-          </p:nvPr>
-        </p:nvSpPr>
-        <p:spPr>
-          <a:xfrm>
-            <a:off x="581192" y="627276"/>
-            <a:ext cx="11029616" cy="574709"/>
-          </a:xfrm>
-        </p:spPr>
-        <p:txBody>
-          <a:bodyPr/>
-          <a:lstStyle/>
-          <a:p>
-            <a:r>
-              <a:rPr lang="en-US" dirty="0"/>
-              <a:t>CUSTOMER SEGMENTATION - KMEANS</a:t>
-            </a:r>
-            <a:endParaRPr lang="pt-BR" dirty="0"/>
-          </a:p>
-        </p:txBody>
-      </p:sp>
-      <p:sp>
-        <p:nvSpPr>
-          <p:cNvPr id="3" name="Espaço Reservado para Conteúdo 2">
-            <a:extLst>
-              <a:ext uri="{FF2B5EF4-FFF2-40B4-BE49-F238E27FC236}">
-                <a16:creationId xmlns:a16="http://schemas.microsoft.com/office/drawing/2014/main" id="{59DC1503-7258-49D9-8EED-3C1458E3B31B}"/>
-              </a:ext>
-            </a:extLst>
-          </p:cNvPr>
-          <p:cNvSpPr>
-            <a:spLocks noGrp="1"/>
-          </p:cNvSpPr>
-          <p:nvPr>
-            <p:ph idx="1"/>
-          </p:nvPr>
-        </p:nvSpPr>
-        <p:spPr>
-          <a:xfrm>
-            <a:off x="581192" y="1201985"/>
-            <a:ext cx="11029615" cy="993893"/>
-          </a:xfrm>
-        </p:spPr>
-        <p:txBody>
-          <a:bodyPr anchor="t"/>
-          <a:lstStyle/>
-          <a:p>
-            <a:pPr marL="0" indent="0" algn="just">
-              <a:lnSpc>
-                <a:spcPct val="100000"/>
-              </a:lnSpc>
-              <a:buNone/>
-            </a:pPr>
-            <a:r>
-              <a:rPr lang="en-US" dirty="0"/>
-              <a:t>	Another method we used to segment customers was Kmeans, which is able to separate samples in n groups of equal variance. According to the method used, the best number of groups to segment customers is four.</a:t>
-            </a:r>
-            <a:endParaRPr lang="pt-BR" dirty="0"/>
-          </a:p>
-        </p:txBody>
-      </p:sp>
-      <p:graphicFrame>
-        <p:nvGraphicFramePr>
-          <p:cNvPr id="9" name="Tabela 4">
-            <a:extLst>
-              <a:ext uri="{FF2B5EF4-FFF2-40B4-BE49-F238E27FC236}">
-                <a16:creationId xmlns:a16="http://schemas.microsoft.com/office/drawing/2014/main" id="{65BB3B53-4CC2-424E-A87F-4223BE509A38}"/>
-              </a:ext>
-            </a:extLst>
-          </p:cNvPr>
-          <p:cNvGraphicFramePr>
-            <a:graphicFrameLocks noGrp="1"/>
-          </p:cNvGraphicFramePr>
-          <p:nvPr>
-            <p:extLst>
-              <p:ext uri="{D42A27DB-BD31-4B8C-83A1-F6EECF244321}">
-                <p14:modId xmlns:p14="http://schemas.microsoft.com/office/powerpoint/2010/main" val="421009639"/>
-              </p:ext>
-            </p:extLst>
-          </p:nvPr>
-        </p:nvGraphicFramePr>
-        <p:xfrm>
-          <a:off x="581192" y="2828187"/>
-          <a:ext cx="6228270" cy="1639876"/>
-        </p:xfrm>
-        <a:graphic>
-          <a:graphicData uri="http://schemas.openxmlformats.org/drawingml/2006/table">
-            <a:tbl>
-              <a:tblPr firstRow="1" bandRow="1">
-                <a:tableStyleId>{5C22544A-7EE6-4342-B048-85BDC9FD1C3A}</a:tableStyleId>
-              </a:tblPr>
-              <a:tblGrid>
-                <a:gridCol w="955352">
-                  <a:extLst>
-                    <a:ext uri="{9D8B030D-6E8A-4147-A177-3AD203B41FA5}">
-                      <a16:colId xmlns:a16="http://schemas.microsoft.com/office/drawing/2014/main" val="114632110"/>
-                    </a:ext>
-                  </a:extLst>
-                </a:gridCol>
                 <a:gridCol w="882985">
                   <a:extLst>
                     <a:ext uri="{9D8B030D-6E8A-4147-A177-3AD203B41FA5}">
@@ -10422,22 +8658,7 @@
                       <a:pPr algn="ctr"/>
                       <a:r>
                         <a:rPr lang="en-US" sz="1000" dirty="0"/>
-                        <a:t>Group number</a:t>
-                      </a:r>
-                      <a:endParaRPr lang="pt-BR" sz="1000" dirty="0"/>
-                    </a:p>
-                  </a:txBody>
-                  <a:tcPr/>
-                </a:tc>
-                <a:tc>
-                  <a:txBody>
-                    <a:bodyPr/>
-                    <a:lstStyle/>
-                    <a:p>
-                      <a:pPr algn="ctr"/>
-                      <a:r>
-                        <a:rPr lang="en-US" sz="1000" dirty="0"/>
-                        <a:t>Customers in the group</a:t>
+                        <a:t>Customers contacted</a:t>
                       </a:r>
                       <a:endParaRPr lang="pt-BR" sz="1000" dirty="0"/>
                     </a:p>
@@ -10534,7 +8755,7 @@
                       <a:pPr algn="ctr"/>
                       <a:r>
                         <a:rPr lang="en-US" sz="1000" dirty="0"/>
-                        <a:t>0</a:t>
+                        <a:t>651</a:t>
                       </a:r>
                       <a:endParaRPr lang="pt-BR" sz="1000" dirty="0"/>
                     </a:p>
@@ -10549,7 +8770,7 @@
                       <a:pPr algn="ctr"/>
                       <a:r>
                         <a:rPr lang="en-US" sz="1000" dirty="0"/>
-                        <a:t>1038</a:t>
+                        <a:t>1953</a:t>
                       </a:r>
                       <a:endParaRPr lang="pt-BR" sz="1000" dirty="0"/>
                     </a:p>
@@ -10564,7 +8785,7 @@
                       <a:pPr algn="ctr"/>
                       <a:r>
                         <a:rPr lang="en-US" sz="1000" dirty="0"/>
-                        <a:t>3114</a:t>
+                        <a:t>275</a:t>
                       </a:r>
                       <a:endParaRPr lang="pt-BR" sz="1000" dirty="0"/>
                     </a:p>
@@ -10579,7 +8800,7 @@
                       <a:pPr algn="ctr"/>
                       <a:r>
                         <a:rPr lang="en-US" sz="1000" dirty="0"/>
-                        <a:t>91</a:t>
+                        <a:t>3025</a:t>
                       </a:r>
                       <a:endParaRPr lang="pt-BR" sz="1000" dirty="0"/>
                     </a:p>
@@ -10593,413 +8814,14 @@
                     <a:p>
                       <a:pPr algn="ctr"/>
                       <a:r>
-                        <a:rPr lang="en-US" sz="1000" dirty="0"/>
-                        <a:t>1001</a:t>
-                      </a:r>
-                      <a:endParaRPr lang="pt-BR" sz="1000" dirty="0"/>
-                    </a:p>
-                  </a:txBody>
-                  <a:tcPr/>
-                </a:tc>
-                <a:tc>
-                  <a:txBody>
-                    <a:bodyPr/>
-                    <a:lstStyle/>
-                    <a:p>
-                      <a:pPr algn="ctr"/>
-                      <a:r>
-                        <a:rPr lang="en-US" sz="1000" dirty="0">
-                          <a:solidFill>
-                            <a:srgbClr val="FF0000"/>
-                          </a:solidFill>
-                        </a:rPr>
-                        <a:t>-2113</a:t>
-                      </a:r>
-                      <a:endParaRPr lang="pt-BR" sz="1000" dirty="0">
-                        <a:solidFill>
-                          <a:srgbClr val="FF0000"/>
-                        </a:solidFill>
-                      </a:endParaRPr>
-                    </a:p>
-                  </a:txBody>
-                  <a:tcPr/>
-                </a:tc>
-                <a:tc>
-                  <a:txBody>
-                    <a:bodyPr/>
-                    <a:lstStyle/>
-                    <a:p>
-                      <a:pPr algn="ctr"/>
-                      <a:r>
-                        <a:rPr lang="en-US" sz="1000" dirty="0">
-                          <a:solidFill>
-                            <a:srgbClr val="FF0000"/>
-                          </a:solidFill>
-                        </a:rPr>
-                        <a:t>-67,85</a:t>
-                      </a:r>
-                      <a:endParaRPr lang="pt-BR" sz="1000" dirty="0">
-                        <a:solidFill>
-                          <a:srgbClr val="FF0000"/>
-                        </a:solidFill>
-                      </a:endParaRPr>
-                    </a:p>
-                  </a:txBody>
-                  <a:tcPr/>
-                </a:tc>
-                <a:extLst>
-                  <a:ext uri="{0D108BD9-81ED-4DB2-BD59-A6C34878D82A}">
-                    <a16:rowId xmlns:a16="http://schemas.microsoft.com/office/drawing/2014/main" val="2884584074"/>
-                  </a:ext>
-                </a:extLst>
-              </a:tr>
-              <a:tr h="310909">
-                <a:tc>
-                  <a:txBody>
-                    <a:bodyPr/>
-                    <a:lstStyle/>
-                    <a:p>
-                      <a:pPr algn="ctr"/>
-                      <a:r>
-                        <a:rPr lang="en-US" sz="1000" dirty="0"/>
-                        <a:t>1</a:t>
-                      </a:r>
-                      <a:endParaRPr lang="pt-BR" sz="1000" dirty="0"/>
-                    </a:p>
-                  </a:txBody>
-                  <a:tcPr/>
-                </a:tc>
-                <a:tc>
-                  <a:txBody>
-                    <a:bodyPr/>
-                    <a:lstStyle/>
-                    <a:p>
-                      <a:pPr algn="ctr"/>
-                      <a:r>
-                        <a:rPr lang="en-US" sz="1000" dirty="0"/>
-                        <a:t>579</a:t>
-                      </a:r>
-                      <a:endParaRPr lang="pt-BR" sz="1000" dirty="0"/>
-                    </a:p>
-                  </a:txBody>
-                  <a:tcPr/>
-                </a:tc>
-                <a:tc>
-                  <a:txBody>
-                    <a:bodyPr/>
-                    <a:lstStyle/>
-                    <a:p>
-                      <a:pPr algn="ctr"/>
-                      <a:r>
-                        <a:rPr lang="en-US" sz="1000" dirty="0"/>
-                        <a:t>1737</a:t>
-                      </a:r>
-                      <a:endParaRPr lang="pt-BR" sz="1000" dirty="0"/>
-                    </a:p>
-                  </a:txBody>
-                  <a:tcPr/>
-                </a:tc>
-                <a:tc>
-                  <a:txBody>
-                    <a:bodyPr/>
-                    <a:lstStyle/>
-                    <a:p>
-                      <a:pPr algn="ctr"/>
-                      <a:r>
-                        <a:rPr lang="en-US" sz="1000" dirty="0"/>
-                        <a:t>70</a:t>
-                      </a:r>
-                      <a:endParaRPr lang="pt-BR" sz="1000" dirty="0"/>
-                    </a:p>
-                  </a:txBody>
-                  <a:tcPr/>
-                </a:tc>
-                <a:tc>
-                  <a:txBody>
-                    <a:bodyPr/>
-                    <a:lstStyle/>
-                    <a:p>
-                      <a:pPr algn="ctr"/>
-                      <a:r>
-                        <a:rPr lang="en-US" sz="1000" dirty="0"/>
-                        <a:t>770</a:t>
-                      </a:r>
-                      <a:endParaRPr lang="pt-BR" sz="1000" dirty="0"/>
-                    </a:p>
-                  </a:txBody>
-                  <a:tcPr/>
-                </a:tc>
-                <a:tc>
-                  <a:txBody>
-                    <a:bodyPr/>
-                    <a:lstStyle/>
-                    <a:p>
-                      <a:pPr algn="ctr"/>
-                      <a:r>
-                        <a:rPr lang="en-US" sz="1000" dirty="0">
-                          <a:solidFill>
-                            <a:srgbClr val="FF0000"/>
-                          </a:solidFill>
-                        </a:rPr>
-                        <a:t>-967</a:t>
-                      </a:r>
-                      <a:endParaRPr lang="pt-BR" sz="1000" dirty="0">
-                        <a:solidFill>
-                          <a:srgbClr val="FF0000"/>
-                        </a:solidFill>
-                      </a:endParaRPr>
-                    </a:p>
-                  </a:txBody>
-                  <a:tcPr/>
-                </a:tc>
-                <a:tc>
-                  <a:txBody>
-                    <a:bodyPr/>
-                    <a:lstStyle/>
-                    <a:p>
-                      <a:pPr algn="ctr"/>
-                      <a:r>
-                        <a:rPr lang="en-US" sz="1000" dirty="0">
-                          <a:solidFill>
-                            <a:srgbClr val="FF0000"/>
-                          </a:solidFill>
-                        </a:rPr>
-                        <a:t>-55,67</a:t>
-                      </a:r>
-                      <a:endParaRPr lang="pt-BR" sz="1000" dirty="0">
-                        <a:solidFill>
-                          <a:srgbClr val="FF0000"/>
-                        </a:solidFill>
-                      </a:endParaRPr>
-                    </a:p>
-                  </a:txBody>
-                  <a:tcPr/>
-                </a:tc>
-                <a:extLst>
-                  <a:ext uri="{0D108BD9-81ED-4DB2-BD59-A6C34878D82A}">
-                    <a16:rowId xmlns:a16="http://schemas.microsoft.com/office/drawing/2014/main" val="837419484"/>
-                  </a:ext>
-                </a:extLst>
-              </a:tr>
-              <a:tr h="310909">
-                <a:tc>
-                  <a:txBody>
-                    <a:bodyPr/>
-                    <a:lstStyle/>
-                    <a:p>
-                      <a:pPr algn="ctr"/>
-                      <a:r>
-                        <a:rPr lang="en-US" sz="1000" dirty="0"/>
-                        <a:t>2</a:t>
-                      </a:r>
-                      <a:endParaRPr lang="pt-BR" sz="1000" dirty="0"/>
-                    </a:p>
-                  </a:txBody>
-                  <a:tcPr/>
-                </a:tc>
-                <a:tc>
-                  <a:txBody>
-                    <a:bodyPr/>
-                    <a:lstStyle/>
-                    <a:p>
-                      <a:pPr algn="ctr"/>
-                      <a:r>
-                        <a:rPr lang="en-US" sz="1000" dirty="0"/>
-                        <a:t>501</a:t>
-                      </a:r>
-                      <a:endParaRPr lang="pt-BR" sz="1000" dirty="0"/>
-                    </a:p>
-                  </a:txBody>
-                  <a:tcPr/>
-                </a:tc>
-                <a:tc>
-                  <a:txBody>
-                    <a:bodyPr/>
-                    <a:lstStyle/>
-                    <a:p>
-                      <a:pPr algn="ctr"/>
-                      <a:r>
-                        <a:rPr lang="en-US" sz="1000" dirty="0"/>
-                        <a:t>1503</a:t>
-                      </a:r>
-                      <a:endParaRPr lang="pt-BR" sz="1000" dirty="0"/>
-                    </a:p>
-                  </a:txBody>
-                  <a:tcPr/>
-                </a:tc>
-                <a:tc>
-                  <a:txBody>
-                    <a:bodyPr/>
-                    <a:lstStyle/>
-                    <a:p>
-                      <a:pPr algn="ctr"/>
-                      <a:r>
-                        <a:rPr lang="en-US" sz="1000" dirty="0"/>
-                        <a:t>94</a:t>
-                      </a:r>
-                      <a:endParaRPr lang="pt-BR" sz="1000" dirty="0"/>
-                    </a:p>
-                  </a:txBody>
-                  <a:tcPr/>
-                </a:tc>
-                <a:tc>
-                  <a:txBody>
-                    <a:bodyPr/>
-                    <a:lstStyle/>
-                    <a:p>
-                      <a:pPr algn="ctr"/>
-                      <a:r>
-                        <a:rPr lang="en-US" sz="1000" dirty="0"/>
-                        <a:t>1034</a:t>
-                      </a:r>
-                      <a:endParaRPr lang="pt-BR" sz="1000" dirty="0"/>
-                    </a:p>
-                  </a:txBody>
-                  <a:tcPr/>
-                </a:tc>
-                <a:tc>
-                  <a:txBody>
-                    <a:bodyPr/>
-                    <a:lstStyle/>
-                    <a:p>
-                      <a:pPr algn="ctr"/>
-                      <a:r>
-                        <a:rPr lang="en-US" sz="1000" dirty="0">
-                          <a:solidFill>
-                            <a:srgbClr val="FF0000"/>
-                          </a:solidFill>
-                        </a:rPr>
-                        <a:t>-469</a:t>
-                      </a:r>
-                      <a:endParaRPr lang="pt-BR" sz="1000" dirty="0">
-                        <a:solidFill>
-                          <a:srgbClr val="FF0000"/>
-                        </a:solidFill>
-                      </a:endParaRPr>
-                    </a:p>
-                  </a:txBody>
-                  <a:tcPr/>
-                </a:tc>
-                <a:tc>
-                  <a:txBody>
-                    <a:bodyPr/>
-                    <a:lstStyle/>
-                    <a:p>
-                      <a:pPr algn="ctr"/>
-                      <a:r>
-                        <a:rPr lang="en-US" sz="1000" dirty="0">
-                          <a:solidFill>
-                            <a:srgbClr val="FF0000"/>
-                          </a:solidFill>
-                        </a:rPr>
-                        <a:t>-31,20</a:t>
-                      </a:r>
-                      <a:endParaRPr lang="pt-BR" sz="1000" dirty="0">
-                        <a:solidFill>
-                          <a:srgbClr val="FF0000"/>
-                        </a:solidFill>
-                      </a:endParaRPr>
-                    </a:p>
-                  </a:txBody>
-                  <a:tcPr/>
-                </a:tc>
-                <a:extLst>
-                  <a:ext uri="{0D108BD9-81ED-4DB2-BD59-A6C34878D82A}">
-                    <a16:rowId xmlns:a16="http://schemas.microsoft.com/office/drawing/2014/main" val="1206114342"/>
-                  </a:ext>
-                </a:extLst>
-              </a:tr>
-              <a:tr h="310909">
-                <a:tc>
-                  <a:txBody>
-                    <a:bodyPr/>
-                    <a:lstStyle/>
-                    <a:p>
-                      <a:pPr algn="ctr"/>
-                      <a:r>
-                        <a:rPr lang="en-US" sz="1000" dirty="0"/>
-                        <a:t>3</a:t>
-                      </a:r>
-                      <a:endParaRPr lang="pt-BR" sz="1000" dirty="0"/>
-                    </a:p>
-                  </a:txBody>
-                  <a:tcPr/>
-                </a:tc>
-                <a:tc>
-                  <a:txBody>
-                    <a:bodyPr/>
-                    <a:lstStyle/>
-                    <a:p>
-                      <a:pPr algn="ctr"/>
-                      <a:r>
-                        <a:rPr lang="en-US" sz="1000" dirty="0"/>
-                        <a:t>121</a:t>
-                      </a:r>
-                      <a:endParaRPr lang="pt-BR" sz="1000" dirty="0"/>
-                    </a:p>
-                  </a:txBody>
-                  <a:tcPr/>
-                </a:tc>
-                <a:tc>
-                  <a:txBody>
-                    <a:bodyPr/>
-                    <a:lstStyle/>
-                    <a:p>
-                      <a:pPr algn="ctr"/>
-                      <a:r>
-                        <a:rPr lang="en-US" sz="1000" dirty="0"/>
-                        <a:t>363</a:t>
-                      </a:r>
-                      <a:endParaRPr lang="pt-BR" sz="1000" dirty="0"/>
-                    </a:p>
-                  </a:txBody>
-                  <a:tcPr/>
-                </a:tc>
-                <a:tc>
-                  <a:txBody>
-                    <a:bodyPr/>
-                    <a:lstStyle/>
-                    <a:p>
-                      <a:pPr algn="ctr"/>
-                      <a:r>
-                        <a:rPr lang="en-US" sz="1000" dirty="0"/>
-                        <a:t>79</a:t>
-                      </a:r>
-                      <a:endParaRPr lang="pt-BR" sz="1000" dirty="0"/>
-                    </a:p>
-                  </a:txBody>
-                  <a:tcPr/>
-                </a:tc>
-                <a:tc>
-                  <a:txBody>
-                    <a:bodyPr/>
-                    <a:lstStyle/>
-                    <a:p>
-                      <a:pPr algn="ctr"/>
-                      <a:r>
-                        <a:rPr lang="en-US" sz="1000" dirty="0"/>
-                        <a:t>869</a:t>
-                      </a:r>
-                      <a:endParaRPr lang="pt-BR" sz="1000" dirty="0"/>
-                    </a:p>
-                  </a:txBody>
-                  <a:tcPr/>
-                </a:tc>
-                <a:tc>
-                  <a:txBody>
-                    <a:bodyPr/>
-                    <a:lstStyle/>
-                    <a:p>
-                      <a:pPr algn="ctr"/>
-                      <a:r>
-                        <a:rPr lang="en-US" sz="1000" dirty="0">
+                        <a:rPr lang="en-US" sz="1000" b="1" dirty="0">
                           <a:solidFill>
                             <a:srgbClr val="00B050"/>
                           </a:solidFill>
                         </a:rPr>
-                        <a:t>506</a:t>
+                        <a:t>1072</a:t>
                       </a:r>
-                      <a:endParaRPr lang="pt-BR" sz="1000" dirty="0">
+                      <a:endParaRPr lang="pt-BR" sz="1000" b="1" dirty="0">
                         <a:solidFill>
                           <a:srgbClr val="00B050"/>
                         </a:solidFill>
@@ -11015,14 +8837,14 @@
                     <a:p>
                       <a:pPr algn="ctr"/>
                       <a:r>
-                        <a:rPr lang="en-US" sz="1000" dirty="0">
+                        <a:rPr lang="en-US" sz="1000" b="1" dirty="0">
                           <a:solidFill>
                             <a:srgbClr val="00B050"/>
                           </a:solidFill>
                         </a:rPr>
-                        <a:t>139,39</a:t>
+                        <a:t>54,88</a:t>
                       </a:r>
-                      <a:endParaRPr lang="pt-BR" sz="1000" dirty="0">
+                      <a:endParaRPr lang="pt-BR" sz="1000" b="1" dirty="0">
                         <a:solidFill>
                           <a:srgbClr val="00B050"/>
                         </a:solidFill>
@@ -11033,7 +8855,7 @@
                 </a:tc>
                 <a:extLst>
                   <a:ext uri="{0D108BD9-81ED-4DB2-BD59-A6C34878D82A}">
-                    <a16:rowId xmlns:a16="http://schemas.microsoft.com/office/drawing/2014/main" val="2063114966"/>
+                    <a16:rowId xmlns:a16="http://schemas.microsoft.com/office/drawing/2014/main" val="2884584074"/>
                   </a:ext>
                 </a:extLst>
               </a:tr>
@@ -11043,10 +8865,10 @@
       </p:graphicFrame>
       <p:sp>
         <p:nvSpPr>
-          <p:cNvPr id="11" name="Espaço Reservado para Conteúdo 2">
+          <p:cNvPr id="8" name="Espaço Reservado para Conteúdo 2">
             <a:extLst>
               <a:ext uri="{FF2B5EF4-FFF2-40B4-BE49-F238E27FC236}">
-                <a16:creationId xmlns:a16="http://schemas.microsoft.com/office/drawing/2014/main" id="{761735FC-1778-416D-AAC7-E02B9FA119DD}"/>
+                <a16:creationId xmlns:a16="http://schemas.microsoft.com/office/drawing/2014/main" id="{6F57859E-49D5-4577-A320-D8091DB9782C}"/>
               </a:ext>
             </a:extLst>
           </p:cNvPr>
@@ -11057,8 +8879,8 @@
         </p:nvSpPr>
         <p:spPr>
           <a:xfrm>
-            <a:off x="581192" y="5256438"/>
-            <a:ext cx="11029615" cy="1601562"/>
+            <a:off x="581190" y="3742622"/>
+            <a:ext cx="5856678" cy="4533728"/>
           </a:xfrm>
           <a:prstGeom prst="rect">
             <a:avLst/>
@@ -11287,111 +9109,1161 @@
             </a:lvl9pPr>
           </a:lstStyle>
           <a:p>
-            <a:pPr marL="0" indent="0" algn="just">
+            <a:pPr algn="just">
               <a:lnSpc>
                 <a:spcPct val="100000"/>
               </a:lnSpc>
-              <a:buFont typeface="Wingdings 2" panose="05020102010507070707" pitchFamily="18" charset="2"/>
-              <a:buNone/>
             </a:pPr>
             <a:r>
-              <a:rPr lang="en-US" dirty="0"/>
-              <a:t>	We can see that among the four groups, only one had a positive return of </a:t>
-            </a:r>
-            <a:r>
-              <a:rPr lang="en-US" b="1" dirty="0">
+              <a:rPr lang="pt-BR" dirty="0" err="1"/>
+              <a:t>Campaign</a:t>
+            </a:r>
+            <a:r>
+              <a:rPr lang="pt-BR" dirty="0"/>
+              <a:t> </a:t>
+            </a:r>
+            <a:r>
+              <a:rPr lang="pt-BR" dirty="0" err="1"/>
+              <a:t>succes</a:t>
+            </a:r>
+            <a:r>
+              <a:rPr lang="pt-BR" dirty="0"/>
+              <a:t> rate </a:t>
+            </a:r>
+            <a:r>
+              <a:rPr lang="pt-BR" dirty="0" err="1"/>
+              <a:t>increased</a:t>
+            </a:r>
+            <a:r>
+              <a:rPr lang="pt-BR" dirty="0"/>
+              <a:t> </a:t>
+            </a:r>
+            <a:r>
+              <a:rPr lang="pt-BR" dirty="0" err="1"/>
+              <a:t>from</a:t>
+            </a:r>
+            <a:r>
+              <a:rPr lang="pt-BR" dirty="0"/>
+              <a:t> 15%  </a:t>
+            </a:r>
+            <a:r>
+              <a:rPr lang="pt-BR" dirty="0" err="1"/>
+              <a:t>to</a:t>
+            </a:r>
+            <a:r>
+              <a:rPr lang="pt-BR" dirty="0"/>
+              <a:t> 42,24%;</a:t>
+            </a:r>
+          </a:p>
+          <a:p>
+            <a:pPr algn="just">
+              <a:lnSpc>
+                <a:spcPct val="100000"/>
+              </a:lnSpc>
+            </a:pPr>
+            <a:r>
+              <a:rPr lang="pt-BR" dirty="0"/>
+              <a:t>Profit </a:t>
+            </a:r>
+            <a:r>
+              <a:rPr lang="pt-BR" dirty="0" err="1"/>
+              <a:t>increased</a:t>
+            </a:r>
+            <a:r>
+              <a:rPr lang="pt-BR" dirty="0"/>
+              <a:t> </a:t>
+            </a:r>
+            <a:r>
+              <a:rPr lang="pt-BR" dirty="0" err="1"/>
+              <a:t>from</a:t>
+            </a:r>
+            <a:r>
+              <a:rPr lang="pt-BR" dirty="0"/>
+              <a:t> </a:t>
+            </a:r>
+            <a:r>
+              <a:rPr lang="pt-BR" b="1" dirty="0">
+                <a:solidFill>
+                  <a:srgbClr val="FF0000"/>
+                </a:solidFill>
+              </a:rPr>
+              <a:t>-3046MU </a:t>
+            </a:r>
+            <a:r>
+              <a:rPr lang="pt-BR" dirty="0" err="1"/>
+              <a:t>to</a:t>
+            </a:r>
+            <a:r>
+              <a:rPr lang="pt-BR" dirty="0"/>
+              <a:t> </a:t>
+            </a:r>
+            <a:r>
+              <a:rPr lang="pt-BR" b="1" dirty="0">
                 <a:solidFill>
                   <a:srgbClr val="00B050"/>
                 </a:solidFill>
               </a:rPr>
-              <a:t>506MU</a:t>
-            </a:r>
-            <a:r>
-              <a:rPr lang="en-US" dirty="0"/>
-              <a:t>, where </a:t>
-            </a:r>
-            <a:r>
-              <a:rPr lang="en-US" b="1" dirty="0">
-                <a:solidFill>
-                  <a:srgbClr val="00B050"/>
-                </a:solidFill>
-              </a:rPr>
-              <a:t>121</a:t>
-            </a:r>
-            <a:r>
-              <a:rPr lang="en-US" dirty="0"/>
-              <a:t> customers were contacted and </a:t>
-            </a:r>
-            <a:r>
-              <a:rPr lang="en-US" b="1" dirty="0">
-                <a:solidFill>
-                  <a:srgbClr val="00B050"/>
-                </a:solidFill>
-              </a:rPr>
-              <a:t>79</a:t>
-            </a:r>
-            <a:r>
-              <a:rPr lang="en-US" dirty="0"/>
-              <a:t> gadgets were sold. If the campaign was made only with users in this group, the ROI would be </a:t>
-            </a:r>
-            <a:r>
-              <a:rPr lang="en-US" b="1" dirty="0">
-                <a:solidFill>
-                  <a:srgbClr val="00B050"/>
-                </a:solidFill>
-              </a:rPr>
-              <a:t>139,39%</a:t>
-            </a:r>
-            <a:r>
-              <a:rPr lang="en-US" dirty="0">
-                <a:solidFill>
-                  <a:srgbClr val="00B050"/>
-                </a:solidFill>
-              </a:rPr>
-              <a:t>. </a:t>
-            </a:r>
-            <a:r>
-              <a:rPr lang="en-US" dirty="0"/>
-              <a:t>Analyzing the characteristics of this group we have an idea of what makes it different from the others this group has higher medians in income, total spend, number of purchases and positive responses in previous marketing campaigns. We noticed that most of the clients in the group don't have children or teenagers at home</a:t>
-            </a:r>
+              <a:t>1072MU</a:t>
+            </a:r>
+            <a:r>
+              <a:rPr lang="pt-BR" dirty="0"/>
+              <a:t>;</a:t>
+            </a:r>
+          </a:p>
+          <a:p>
+            <a:pPr algn="just">
+              <a:lnSpc>
+                <a:spcPct val="100000"/>
+              </a:lnSpc>
+            </a:pPr>
+            <a:r>
+              <a:rPr lang="pt-BR" dirty="0" err="1"/>
+              <a:t>Campaign</a:t>
+            </a:r>
+            <a:r>
+              <a:rPr lang="pt-BR" dirty="0"/>
+              <a:t> budget </a:t>
+            </a:r>
+            <a:r>
+              <a:rPr lang="pt-BR" dirty="0" err="1"/>
+              <a:t>decreased</a:t>
+            </a:r>
+            <a:r>
+              <a:rPr lang="pt-BR" dirty="0"/>
+              <a:t> </a:t>
+            </a:r>
+            <a:r>
+              <a:rPr lang="pt-BR" dirty="0" err="1"/>
+              <a:t>from</a:t>
+            </a:r>
+            <a:r>
+              <a:rPr lang="pt-BR" dirty="0"/>
+              <a:t> 6720MU </a:t>
+            </a:r>
+            <a:r>
+              <a:rPr lang="pt-BR" dirty="0" err="1"/>
+              <a:t>to</a:t>
+            </a:r>
+            <a:r>
+              <a:rPr lang="pt-BR" dirty="0"/>
+              <a:t> 1953MU;</a:t>
+            </a:r>
+          </a:p>
+          <a:p>
+            <a:pPr algn="just">
+              <a:lnSpc>
+                <a:spcPct val="100000"/>
+              </a:lnSpc>
+            </a:pPr>
+            <a:r>
+              <a:rPr lang="pt-BR" dirty="0"/>
+              <a:t>Gadgets </a:t>
+            </a:r>
+            <a:r>
+              <a:rPr lang="pt-BR" dirty="0" err="1"/>
+              <a:t>sold</a:t>
+            </a:r>
+            <a:r>
+              <a:rPr lang="pt-BR" dirty="0"/>
+              <a:t> </a:t>
+            </a:r>
+            <a:r>
+              <a:rPr lang="pt-BR" dirty="0" err="1"/>
+              <a:t>decreased</a:t>
+            </a:r>
+            <a:r>
+              <a:rPr lang="pt-BR" dirty="0"/>
+              <a:t> </a:t>
+            </a:r>
+            <a:r>
+              <a:rPr lang="pt-BR" dirty="0" err="1"/>
+              <a:t>from</a:t>
+            </a:r>
+            <a:r>
+              <a:rPr lang="pt-BR" dirty="0"/>
+              <a:t> 334 </a:t>
+            </a:r>
+            <a:r>
+              <a:rPr lang="pt-BR" dirty="0" err="1"/>
+              <a:t>to</a:t>
+            </a:r>
+            <a:r>
+              <a:rPr lang="pt-BR" dirty="0"/>
+              <a:t> 275 </a:t>
+            </a:r>
+            <a:r>
+              <a:rPr lang="pt-BR" dirty="0" err="1"/>
+              <a:t>units</a:t>
+            </a:r>
+            <a:r>
+              <a:rPr lang="pt-BR" dirty="0"/>
+              <a:t>.</a:t>
+            </a:r>
+          </a:p>
+          <a:p>
+            <a:pPr algn="just">
+              <a:lnSpc>
+                <a:spcPct val="100000"/>
+              </a:lnSpc>
+            </a:pPr>
+            <a:endParaRPr lang="pt-BR" dirty="0"/>
+          </a:p>
+          <a:p>
+            <a:pPr algn="just">
+              <a:lnSpc>
+                <a:spcPct val="100000"/>
+              </a:lnSpc>
+            </a:pPr>
             <a:endParaRPr lang="pt-BR" dirty="0"/>
           </a:p>
         </p:txBody>
       </p:sp>
-      <p:pic>
-        <p:nvPicPr>
-          <p:cNvPr id="5" name="Imagem 4">
+    </p:spTree>
+    <p:extLst>
+      <p:ext uri="{BB962C8B-B14F-4D97-AF65-F5344CB8AC3E}">
+        <p14:creationId xmlns:p14="http://schemas.microsoft.com/office/powerpoint/2010/main" val="2679820751"/>
+      </p:ext>
+    </p:extLst>
+  </p:cSld>
+  <p:clrMapOvr>
+    <a:masterClrMapping/>
+  </p:clrMapOvr>
+</p:sld>
+</file>
+
+<file path=ppt/slides/slide9.xml><?xml version="1.0" encoding="utf-8"?>
+<p:sld xmlns:a="http://schemas.openxmlformats.org/drawingml/2006/main" xmlns:r="http://schemas.openxmlformats.org/officeDocument/2006/relationships" xmlns:p="http://schemas.openxmlformats.org/presentationml/2006/main">
+  <p:cSld>
+    <p:spTree>
+      <p:nvGrpSpPr>
+        <p:cNvPr id="1" name=""/>
+        <p:cNvGrpSpPr/>
+        <p:nvPr/>
+      </p:nvGrpSpPr>
+      <p:grpSpPr>
+        <a:xfrm>
+          <a:off x="0" y="0"/>
+          <a:ext cx="0" cy="0"/>
+          <a:chOff x="0" y="0"/>
+          <a:chExt cx="0" cy="0"/>
+        </a:xfrm>
+      </p:grpSpPr>
+      <p:sp>
+        <p:nvSpPr>
+          <p:cNvPr id="2" name="Título 1">
             <a:extLst>
               <a:ext uri="{FF2B5EF4-FFF2-40B4-BE49-F238E27FC236}">
-                <a16:creationId xmlns:a16="http://schemas.microsoft.com/office/drawing/2014/main" id="{D9F539D6-1BAE-4957-B914-BB64FC802440}"/>
+                <a16:creationId xmlns:a16="http://schemas.microsoft.com/office/drawing/2014/main" id="{F012136E-8FED-438A-8CCB-512AFF3ACFA6}"/>
               </a:ext>
             </a:extLst>
           </p:cNvPr>
-          <p:cNvPicPr>
-            <a:picLocks noChangeAspect="1"/>
-          </p:cNvPicPr>
-          <p:nvPr/>
-        </p:nvPicPr>
-        <p:blipFill>
-          <a:blip r:embed="rId2"/>
-          <a:stretch>
-            <a:fillRect/>
-          </a:stretch>
-        </p:blipFill>
+          <p:cNvSpPr>
+            <a:spLocks noGrp="1"/>
+          </p:cNvSpPr>
+          <p:nvPr>
+            <p:ph type="title"/>
+          </p:nvPr>
+        </p:nvSpPr>
         <p:spPr>
           <a:xfrm>
-            <a:off x="7615879" y="1954226"/>
-            <a:ext cx="3994928" cy="3146147"/>
+            <a:off x="581192" y="627276"/>
+            <a:ext cx="11029616" cy="574709"/>
           </a:xfrm>
-          <a:prstGeom prst="rect">
-            <a:avLst/>
-          </a:prstGeom>
         </p:spPr>
-      </p:pic>
+        <p:txBody>
+          <a:bodyPr/>
+          <a:lstStyle/>
+          <a:p>
+            <a:r>
+              <a:rPr lang="en-US" dirty="0"/>
+              <a:t>CONCLUSIONS</a:t>
+            </a:r>
+            <a:endParaRPr lang="pt-BR" dirty="0"/>
+          </a:p>
+        </p:txBody>
+      </p:sp>
+      <p:sp>
+        <p:nvSpPr>
+          <p:cNvPr id="3" name="Espaço Reservado para Conteúdo 2">
+            <a:extLst>
+              <a:ext uri="{FF2B5EF4-FFF2-40B4-BE49-F238E27FC236}">
+                <a16:creationId xmlns:a16="http://schemas.microsoft.com/office/drawing/2014/main" id="{59DC1503-7258-49D9-8EED-3C1458E3B31B}"/>
+              </a:ext>
+            </a:extLst>
+          </p:cNvPr>
+          <p:cNvSpPr>
+            <a:spLocks noGrp="1"/>
+          </p:cNvSpPr>
+          <p:nvPr>
+            <p:ph idx="1"/>
+          </p:nvPr>
+        </p:nvSpPr>
+        <p:spPr>
+          <a:xfrm>
+            <a:off x="581192" y="1201985"/>
+            <a:ext cx="11029615" cy="5454188"/>
+          </a:xfrm>
+        </p:spPr>
+        <p:txBody>
+          <a:bodyPr anchor="t">
+            <a:normAutofit lnSpcReduction="10000"/>
+          </a:bodyPr>
+          <a:lstStyle/>
+          <a:p>
+            <a:pPr algn="just">
+              <a:lnSpc>
+                <a:spcPct val="100000"/>
+              </a:lnSpc>
+            </a:pPr>
+            <a:r>
+              <a:rPr lang="pt-BR" dirty="0" err="1"/>
+              <a:t>Customers</a:t>
+            </a:r>
+            <a:r>
+              <a:rPr lang="pt-BR" dirty="0"/>
+              <a:t> more </a:t>
+            </a:r>
+            <a:r>
+              <a:rPr lang="pt-BR" dirty="0" err="1"/>
+              <a:t>likely</a:t>
+            </a:r>
+            <a:r>
+              <a:rPr lang="pt-BR" dirty="0"/>
+              <a:t> </a:t>
+            </a:r>
+            <a:r>
+              <a:rPr lang="pt-BR" dirty="0" err="1"/>
+              <a:t>to</a:t>
+            </a:r>
+            <a:r>
+              <a:rPr lang="pt-BR" dirty="0"/>
+              <a:t> </a:t>
+            </a:r>
+            <a:r>
+              <a:rPr lang="pt-BR" dirty="0" err="1"/>
+              <a:t>accept</a:t>
+            </a:r>
+            <a:r>
+              <a:rPr lang="pt-BR" dirty="0"/>
+              <a:t> </a:t>
+            </a:r>
+            <a:r>
+              <a:rPr lang="pt-BR" dirty="0" err="1"/>
+              <a:t>the</a:t>
+            </a:r>
+            <a:r>
+              <a:rPr lang="pt-BR" dirty="0"/>
+              <a:t> </a:t>
+            </a:r>
+            <a:r>
+              <a:rPr lang="pt-BR" dirty="0" err="1"/>
+              <a:t>campaign</a:t>
+            </a:r>
+            <a:r>
+              <a:rPr lang="pt-BR" dirty="0"/>
+              <a:t> </a:t>
+            </a:r>
+            <a:r>
+              <a:rPr lang="pt-BR" dirty="0" err="1"/>
+              <a:t>offers</a:t>
+            </a:r>
+            <a:r>
+              <a:rPr lang="pt-BR" dirty="0"/>
+              <a:t> </a:t>
+            </a:r>
+            <a:r>
+              <a:rPr lang="pt-BR" dirty="0" err="1"/>
+              <a:t>have</a:t>
+            </a:r>
+            <a:r>
+              <a:rPr lang="pt-BR" dirty="0"/>
+              <a:t> </a:t>
+            </a:r>
+            <a:r>
+              <a:rPr lang="pt-BR" dirty="0" err="1"/>
+              <a:t>the</a:t>
+            </a:r>
+            <a:r>
+              <a:rPr lang="pt-BR" dirty="0"/>
+              <a:t> </a:t>
+            </a:r>
+            <a:r>
+              <a:rPr lang="pt-BR" dirty="0" err="1"/>
+              <a:t>key</a:t>
+            </a:r>
+            <a:r>
+              <a:rPr lang="pt-BR" dirty="0"/>
+              <a:t> </a:t>
+            </a:r>
+            <a:r>
+              <a:rPr lang="pt-BR" dirty="0" err="1"/>
+              <a:t>characteristics</a:t>
+            </a:r>
+            <a:r>
+              <a:rPr lang="pt-BR" dirty="0"/>
+              <a:t>:</a:t>
+            </a:r>
+          </a:p>
+          <a:p>
+            <a:pPr lvl="1" algn="just"/>
+            <a:r>
+              <a:rPr lang="pt-BR" dirty="0" err="1"/>
+              <a:t>Less</a:t>
+            </a:r>
+            <a:r>
+              <a:rPr lang="pt-BR" dirty="0"/>
+              <a:t> </a:t>
+            </a:r>
+            <a:r>
+              <a:rPr lang="pt-BR" dirty="0" err="1"/>
+              <a:t>children</a:t>
+            </a:r>
+            <a:r>
+              <a:rPr lang="pt-BR" dirty="0"/>
+              <a:t> </a:t>
+            </a:r>
+            <a:r>
+              <a:rPr lang="pt-BR" dirty="0" err="1"/>
+              <a:t>or</a:t>
+            </a:r>
+            <a:r>
+              <a:rPr lang="pt-BR" dirty="0"/>
+              <a:t> teenagers </a:t>
+            </a:r>
+            <a:r>
+              <a:rPr lang="pt-BR" dirty="0" err="1"/>
+              <a:t>at</a:t>
+            </a:r>
+            <a:r>
+              <a:rPr lang="pt-BR" dirty="0"/>
+              <a:t> home;</a:t>
+            </a:r>
+          </a:p>
+          <a:p>
+            <a:pPr lvl="1" algn="just"/>
+            <a:r>
+              <a:rPr lang="pt-BR" dirty="0" err="1"/>
+              <a:t>Higher</a:t>
+            </a:r>
+            <a:r>
+              <a:rPr lang="pt-BR" dirty="0"/>
+              <a:t> </a:t>
+            </a:r>
+            <a:r>
+              <a:rPr lang="pt-BR" dirty="0" err="1"/>
+              <a:t>education</a:t>
+            </a:r>
+            <a:r>
+              <a:rPr lang="pt-BR" dirty="0"/>
+              <a:t> </a:t>
+            </a:r>
+            <a:r>
+              <a:rPr lang="pt-BR" dirty="0" err="1"/>
+              <a:t>level</a:t>
+            </a:r>
+            <a:r>
+              <a:rPr lang="pt-BR" dirty="0"/>
+              <a:t>;</a:t>
+            </a:r>
+          </a:p>
+          <a:p>
+            <a:pPr lvl="1" algn="just"/>
+            <a:r>
+              <a:rPr lang="pt-BR" dirty="0" err="1"/>
+              <a:t>Buy</a:t>
+            </a:r>
+            <a:r>
+              <a:rPr lang="pt-BR" dirty="0"/>
+              <a:t> </a:t>
+            </a:r>
+            <a:r>
+              <a:rPr lang="pt-BR" dirty="0" err="1"/>
+              <a:t>with</a:t>
+            </a:r>
+            <a:r>
+              <a:rPr lang="pt-BR" dirty="0"/>
+              <a:t> a high </a:t>
+            </a:r>
+            <a:r>
+              <a:rPr lang="pt-BR" dirty="0" err="1"/>
+              <a:t>frequency</a:t>
+            </a:r>
+            <a:r>
+              <a:rPr lang="pt-BR" dirty="0"/>
+              <a:t>;</a:t>
+            </a:r>
+          </a:p>
+          <a:p>
+            <a:pPr lvl="1" algn="just"/>
+            <a:r>
+              <a:rPr lang="pt-BR" dirty="0" err="1"/>
+              <a:t>Spend</a:t>
+            </a:r>
+            <a:r>
+              <a:rPr lang="pt-BR" dirty="0"/>
+              <a:t> more </a:t>
+            </a:r>
+            <a:r>
+              <a:rPr lang="pt-BR" dirty="0" err="1"/>
+              <a:t>buying</a:t>
+            </a:r>
+            <a:r>
+              <a:rPr lang="pt-BR" dirty="0"/>
+              <a:t>;</a:t>
+            </a:r>
+          </a:p>
+          <a:p>
+            <a:pPr lvl="1" algn="just"/>
+            <a:r>
+              <a:rPr lang="pt-BR" dirty="0" err="1"/>
+              <a:t>Higher</a:t>
+            </a:r>
+            <a:r>
+              <a:rPr lang="pt-BR" dirty="0"/>
+              <a:t> incomes.</a:t>
+            </a:r>
+          </a:p>
+          <a:p>
+            <a:pPr lvl="1" algn="just"/>
+            <a:endParaRPr lang="pt-BR" dirty="0"/>
+          </a:p>
+          <a:p>
+            <a:pPr algn="just">
+              <a:lnSpc>
+                <a:spcPct val="100000"/>
+              </a:lnSpc>
+            </a:pPr>
+            <a:r>
+              <a:rPr lang="pt-BR" dirty="0" err="1"/>
+              <a:t>Segmentation</a:t>
+            </a:r>
+            <a:r>
+              <a:rPr lang="pt-BR" dirty="0"/>
+              <a:t> </a:t>
+            </a:r>
+            <a:r>
+              <a:rPr lang="pt-BR" dirty="0" err="1"/>
+              <a:t>showed</a:t>
+            </a:r>
+            <a:r>
+              <a:rPr lang="pt-BR" dirty="0"/>
+              <a:t> </a:t>
+            </a:r>
+            <a:r>
+              <a:rPr lang="pt-BR" dirty="0" err="1"/>
+              <a:t>to</a:t>
+            </a:r>
+            <a:r>
+              <a:rPr lang="pt-BR" dirty="0"/>
+              <a:t> </a:t>
+            </a:r>
+            <a:r>
+              <a:rPr lang="pt-BR" dirty="0" err="1"/>
+              <a:t>be</a:t>
+            </a:r>
+            <a:r>
+              <a:rPr lang="pt-BR" dirty="0"/>
+              <a:t> a </a:t>
+            </a:r>
+            <a:r>
+              <a:rPr lang="pt-BR" dirty="0" err="1"/>
+              <a:t>reasonable</a:t>
+            </a:r>
+            <a:r>
+              <a:rPr lang="pt-BR" dirty="0"/>
+              <a:t> </a:t>
+            </a:r>
+            <a:r>
+              <a:rPr lang="pt-BR" dirty="0" err="1"/>
+              <a:t>method</a:t>
+            </a:r>
+            <a:r>
+              <a:rPr lang="pt-BR" dirty="0"/>
+              <a:t>:</a:t>
+            </a:r>
+          </a:p>
+          <a:p>
+            <a:pPr lvl="1" algn="just"/>
+            <a:r>
+              <a:rPr lang="pt-BR" dirty="0"/>
+              <a:t>RFM </a:t>
+            </a:r>
+            <a:r>
+              <a:rPr lang="pt-BR" dirty="0" err="1"/>
+              <a:t>can</a:t>
+            </a:r>
+            <a:r>
+              <a:rPr lang="pt-BR" dirty="0"/>
+              <a:t> improve </a:t>
+            </a:r>
+            <a:r>
+              <a:rPr lang="pt-BR" dirty="0" err="1"/>
+              <a:t>the</a:t>
+            </a:r>
+            <a:r>
+              <a:rPr lang="pt-BR" dirty="0"/>
+              <a:t> </a:t>
+            </a:r>
+            <a:r>
+              <a:rPr lang="pt-BR" dirty="0" err="1"/>
+              <a:t>profits</a:t>
+            </a:r>
+            <a:r>
+              <a:rPr lang="pt-BR" dirty="0"/>
+              <a:t> </a:t>
+            </a:r>
+            <a:r>
+              <a:rPr lang="pt-BR" dirty="0" err="1"/>
+              <a:t>to</a:t>
+            </a:r>
+            <a:r>
+              <a:rPr lang="pt-BR" dirty="0"/>
+              <a:t> </a:t>
+            </a:r>
+            <a:r>
+              <a:rPr lang="pt-BR" b="1" dirty="0">
+                <a:solidFill>
+                  <a:srgbClr val="00B050"/>
+                </a:solidFill>
+              </a:rPr>
+              <a:t>224MU</a:t>
+            </a:r>
+            <a:r>
+              <a:rPr lang="pt-BR" dirty="0"/>
+              <a:t>;</a:t>
+            </a:r>
+          </a:p>
+          <a:p>
+            <a:pPr lvl="1" algn="just"/>
+            <a:r>
+              <a:rPr lang="pt-BR" dirty="0"/>
+              <a:t>Kmeans </a:t>
+            </a:r>
+            <a:r>
+              <a:rPr lang="pt-BR" dirty="0" err="1"/>
+              <a:t>was</a:t>
+            </a:r>
+            <a:r>
+              <a:rPr lang="pt-BR" dirty="0"/>
+              <a:t> </a:t>
+            </a:r>
+            <a:r>
+              <a:rPr lang="pt-BR" dirty="0" err="1"/>
+              <a:t>the</a:t>
+            </a:r>
+            <a:r>
+              <a:rPr lang="pt-BR" dirty="0"/>
+              <a:t> </a:t>
+            </a:r>
+            <a:r>
+              <a:rPr lang="pt-BR" dirty="0" err="1"/>
+              <a:t>best</a:t>
+            </a:r>
+            <a:r>
+              <a:rPr lang="pt-BR" dirty="0"/>
+              <a:t> </a:t>
+            </a:r>
+            <a:r>
+              <a:rPr lang="pt-BR" dirty="0" err="1"/>
+              <a:t>segmentation</a:t>
+            </a:r>
+            <a:r>
+              <a:rPr lang="pt-BR" dirty="0"/>
+              <a:t> </a:t>
+            </a:r>
+            <a:r>
+              <a:rPr lang="pt-BR" dirty="0" err="1"/>
+              <a:t>improving</a:t>
+            </a:r>
+            <a:r>
+              <a:rPr lang="pt-BR" dirty="0"/>
+              <a:t> </a:t>
+            </a:r>
+            <a:r>
+              <a:rPr lang="pt-BR" dirty="0" err="1"/>
+              <a:t>the</a:t>
+            </a:r>
+            <a:r>
+              <a:rPr lang="pt-BR" dirty="0"/>
+              <a:t> </a:t>
+            </a:r>
+            <a:r>
+              <a:rPr lang="pt-BR" dirty="0" err="1"/>
+              <a:t>profits</a:t>
+            </a:r>
+            <a:r>
+              <a:rPr lang="pt-BR" dirty="0"/>
+              <a:t> </a:t>
+            </a:r>
+            <a:r>
+              <a:rPr lang="pt-BR" dirty="0" err="1"/>
+              <a:t>to</a:t>
+            </a:r>
+            <a:r>
+              <a:rPr lang="pt-BR" dirty="0"/>
+              <a:t> </a:t>
+            </a:r>
+            <a:r>
+              <a:rPr lang="pt-BR" b="1" dirty="0">
+                <a:solidFill>
+                  <a:srgbClr val="00B050"/>
+                </a:solidFill>
+              </a:rPr>
+              <a:t>506MU</a:t>
+            </a:r>
+            <a:r>
+              <a:rPr lang="pt-BR" dirty="0"/>
+              <a:t>.</a:t>
+            </a:r>
+          </a:p>
+          <a:p>
+            <a:pPr lvl="1" algn="just"/>
+            <a:endParaRPr lang="pt-BR" dirty="0"/>
+          </a:p>
+          <a:p>
+            <a:pPr algn="just">
+              <a:lnSpc>
+                <a:spcPct val="100000"/>
+              </a:lnSpc>
+            </a:pPr>
+            <a:r>
+              <a:rPr lang="pt-BR" dirty="0" err="1"/>
+              <a:t>Classification</a:t>
+            </a:r>
+            <a:r>
+              <a:rPr lang="pt-BR" dirty="0"/>
+              <a:t> </a:t>
+            </a:r>
+            <a:r>
+              <a:rPr lang="pt-BR" dirty="0" err="1"/>
+              <a:t>using</a:t>
+            </a:r>
+            <a:r>
+              <a:rPr lang="pt-BR" dirty="0"/>
+              <a:t> </a:t>
+            </a:r>
+            <a:r>
+              <a:rPr lang="pt-BR" dirty="0" err="1"/>
+              <a:t>the</a:t>
+            </a:r>
+            <a:r>
+              <a:rPr lang="pt-BR" dirty="0"/>
+              <a:t> </a:t>
+            </a:r>
+            <a:r>
+              <a:rPr lang="pt-BR" dirty="0" err="1"/>
+              <a:t>Logistic</a:t>
+            </a:r>
+            <a:r>
+              <a:rPr lang="pt-BR" dirty="0"/>
+              <a:t> </a:t>
+            </a:r>
+            <a:r>
+              <a:rPr lang="pt-BR" dirty="0" err="1"/>
+              <a:t>Regression</a:t>
+            </a:r>
+            <a:r>
+              <a:rPr lang="pt-BR" dirty="0"/>
+              <a:t> model </a:t>
+            </a:r>
+            <a:r>
+              <a:rPr lang="pt-BR" dirty="0" err="1"/>
+              <a:t>increased</a:t>
+            </a:r>
+            <a:r>
+              <a:rPr lang="pt-BR" dirty="0"/>
+              <a:t> </a:t>
+            </a:r>
+            <a:r>
+              <a:rPr lang="pt-BR" dirty="0" err="1"/>
+              <a:t>the</a:t>
+            </a:r>
+            <a:r>
+              <a:rPr lang="pt-BR" dirty="0"/>
+              <a:t> </a:t>
+            </a:r>
+            <a:r>
+              <a:rPr lang="pt-BR" dirty="0" err="1"/>
+              <a:t>campaign</a:t>
+            </a:r>
+            <a:r>
+              <a:rPr lang="pt-BR" dirty="0"/>
+              <a:t> </a:t>
+            </a:r>
+            <a:r>
+              <a:rPr lang="pt-BR" dirty="0" err="1"/>
+              <a:t>succes</a:t>
+            </a:r>
+            <a:r>
+              <a:rPr lang="pt-BR" dirty="0"/>
+              <a:t> rate </a:t>
+            </a:r>
+            <a:r>
+              <a:rPr lang="pt-BR" dirty="0" err="1"/>
+              <a:t>to</a:t>
+            </a:r>
+            <a:r>
+              <a:rPr lang="pt-BR" dirty="0"/>
+              <a:t> 42,24% </a:t>
+            </a:r>
+            <a:r>
+              <a:rPr lang="pt-BR" dirty="0" err="1"/>
+              <a:t>and</a:t>
+            </a:r>
+            <a:r>
+              <a:rPr lang="pt-BR" dirty="0"/>
+              <a:t> </a:t>
+            </a:r>
+            <a:r>
+              <a:rPr lang="pt-BR" dirty="0" err="1"/>
+              <a:t>sold</a:t>
+            </a:r>
+            <a:r>
+              <a:rPr lang="pt-BR" dirty="0"/>
+              <a:t> 275 gadgets </a:t>
+            </a:r>
+            <a:r>
+              <a:rPr lang="pt-BR" dirty="0" err="1"/>
+              <a:t>improving</a:t>
+            </a:r>
+            <a:r>
+              <a:rPr lang="pt-BR" dirty="0"/>
+              <a:t> </a:t>
+            </a:r>
+            <a:r>
+              <a:rPr lang="pt-BR" dirty="0" err="1"/>
+              <a:t>the</a:t>
+            </a:r>
+            <a:r>
+              <a:rPr lang="pt-BR" dirty="0"/>
+              <a:t> </a:t>
+            </a:r>
+            <a:r>
+              <a:rPr lang="pt-BR" dirty="0" err="1"/>
+              <a:t>profit</a:t>
+            </a:r>
+            <a:r>
+              <a:rPr lang="pt-BR" dirty="0"/>
+              <a:t> </a:t>
+            </a:r>
+            <a:r>
+              <a:rPr lang="pt-BR" dirty="0" err="1"/>
+              <a:t>to</a:t>
+            </a:r>
+            <a:r>
+              <a:rPr lang="pt-BR" dirty="0"/>
+              <a:t> </a:t>
+            </a:r>
+            <a:r>
+              <a:rPr lang="pt-BR" b="1" dirty="0">
+                <a:solidFill>
+                  <a:srgbClr val="00B050"/>
+                </a:solidFill>
+              </a:rPr>
+              <a:t>1072MU</a:t>
+            </a:r>
+            <a:r>
+              <a:rPr lang="pt-BR" dirty="0"/>
+              <a:t>, </a:t>
+            </a:r>
+            <a:r>
+              <a:rPr lang="pt-BR" dirty="0" err="1"/>
+              <a:t>saving</a:t>
+            </a:r>
+            <a:r>
+              <a:rPr lang="pt-BR" dirty="0"/>
+              <a:t> a </a:t>
+            </a:r>
+            <a:r>
+              <a:rPr lang="pt-BR" dirty="0" err="1"/>
+              <a:t>lot</a:t>
+            </a:r>
+            <a:r>
+              <a:rPr lang="pt-BR" dirty="0"/>
+              <a:t> </a:t>
+            </a:r>
+            <a:r>
+              <a:rPr lang="pt-BR" dirty="0" err="1"/>
+              <a:t>of</a:t>
+            </a:r>
+            <a:r>
+              <a:rPr lang="pt-BR" dirty="0"/>
+              <a:t> </a:t>
+            </a:r>
+            <a:r>
+              <a:rPr lang="pt-BR" dirty="0" err="1"/>
+              <a:t>costs</a:t>
+            </a:r>
+            <a:r>
+              <a:rPr lang="pt-BR" dirty="0"/>
+              <a:t> </a:t>
+            </a:r>
+            <a:r>
+              <a:rPr lang="pt-BR" dirty="0" err="1"/>
+              <a:t>reducing</a:t>
+            </a:r>
+            <a:r>
+              <a:rPr lang="pt-BR" dirty="0"/>
+              <a:t> </a:t>
+            </a:r>
+            <a:r>
+              <a:rPr lang="pt-BR" dirty="0" err="1"/>
+              <a:t>the</a:t>
+            </a:r>
+            <a:r>
+              <a:rPr lang="pt-BR" dirty="0"/>
+              <a:t> time </a:t>
+            </a:r>
+            <a:r>
+              <a:rPr lang="pt-BR" dirty="0" err="1"/>
+              <a:t>spent</a:t>
+            </a:r>
+            <a:r>
+              <a:rPr lang="pt-BR" dirty="0"/>
+              <a:t> </a:t>
+            </a:r>
+            <a:r>
+              <a:rPr lang="pt-BR" dirty="0" err="1"/>
+              <a:t>contacting</a:t>
+            </a:r>
+            <a:r>
+              <a:rPr lang="pt-BR" dirty="0"/>
+              <a:t> </a:t>
+            </a:r>
+            <a:r>
+              <a:rPr lang="pt-BR" dirty="0" err="1"/>
+              <a:t>customers</a:t>
+            </a:r>
+            <a:r>
+              <a:rPr lang="pt-BR" dirty="0"/>
+              <a:t>.</a:t>
+            </a:r>
+          </a:p>
+          <a:p>
+            <a:pPr algn="just">
+              <a:lnSpc>
+                <a:spcPct val="100000"/>
+              </a:lnSpc>
+            </a:pPr>
+            <a:endParaRPr lang="pt-BR" dirty="0"/>
+          </a:p>
+          <a:p>
+            <a:pPr algn="just">
+              <a:lnSpc>
+                <a:spcPct val="100000"/>
+              </a:lnSpc>
+            </a:pPr>
+            <a:r>
+              <a:rPr lang="pt-BR" dirty="0"/>
+              <a:t>The data-</a:t>
+            </a:r>
+            <a:r>
+              <a:rPr lang="pt-BR" dirty="0" err="1"/>
+              <a:t>driven</a:t>
+            </a:r>
+            <a:r>
+              <a:rPr lang="pt-BR" dirty="0"/>
+              <a:t> approach </a:t>
+            </a:r>
+            <a:r>
+              <a:rPr lang="pt-BR" dirty="0" err="1"/>
+              <a:t>showed</a:t>
+            </a:r>
+            <a:r>
+              <a:rPr lang="pt-BR" dirty="0"/>
+              <a:t> a </a:t>
+            </a:r>
+            <a:r>
+              <a:rPr lang="pt-BR" dirty="0" err="1"/>
+              <a:t>lot</a:t>
+            </a:r>
+            <a:r>
+              <a:rPr lang="pt-BR" dirty="0"/>
+              <a:t> </a:t>
+            </a:r>
+            <a:r>
+              <a:rPr lang="pt-BR" dirty="0" err="1"/>
+              <a:t>of</a:t>
+            </a:r>
+            <a:r>
+              <a:rPr lang="pt-BR" dirty="0"/>
+              <a:t> </a:t>
+            </a:r>
+            <a:r>
+              <a:rPr lang="pt-BR" dirty="0" err="1"/>
+              <a:t>good</a:t>
+            </a:r>
+            <a:r>
+              <a:rPr lang="pt-BR" dirty="0"/>
+              <a:t> insights </a:t>
+            </a:r>
+            <a:r>
+              <a:rPr lang="pt-BR" dirty="0" err="1"/>
+              <a:t>about</a:t>
+            </a:r>
+            <a:r>
+              <a:rPr lang="pt-BR" dirty="0"/>
+              <a:t> </a:t>
+            </a:r>
+            <a:r>
+              <a:rPr lang="pt-BR" dirty="0" err="1"/>
+              <a:t>the</a:t>
+            </a:r>
+            <a:r>
+              <a:rPr lang="pt-BR" dirty="0"/>
+              <a:t> </a:t>
+            </a:r>
+            <a:r>
+              <a:rPr lang="pt-BR" dirty="0" err="1"/>
+              <a:t>customers</a:t>
+            </a:r>
+            <a:r>
+              <a:rPr lang="pt-BR" dirty="0"/>
+              <a:t> </a:t>
+            </a:r>
+            <a:r>
+              <a:rPr lang="pt-BR" dirty="0" err="1"/>
+              <a:t>and</a:t>
+            </a:r>
+            <a:r>
+              <a:rPr lang="pt-BR" dirty="0"/>
+              <a:t> </a:t>
+            </a:r>
+            <a:r>
+              <a:rPr lang="pt-BR" dirty="0" err="1"/>
+              <a:t>proved</a:t>
+            </a:r>
+            <a:r>
+              <a:rPr lang="pt-BR" dirty="0"/>
+              <a:t> </a:t>
+            </a:r>
+            <a:r>
+              <a:rPr lang="pt-BR" dirty="0" err="1"/>
+              <a:t>that</a:t>
+            </a:r>
+            <a:r>
+              <a:rPr lang="pt-BR" dirty="0"/>
+              <a:t> </a:t>
+            </a:r>
+            <a:r>
+              <a:rPr lang="pt-BR" dirty="0" err="1"/>
+              <a:t>analyzing</a:t>
+            </a:r>
+            <a:r>
+              <a:rPr lang="pt-BR" dirty="0"/>
+              <a:t> </a:t>
+            </a:r>
+            <a:r>
+              <a:rPr lang="pt-BR" dirty="0" err="1"/>
+              <a:t>the</a:t>
+            </a:r>
+            <a:r>
+              <a:rPr lang="pt-BR" dirty="0"/>
+              <a:t> data </a:t>
+            </a:r>
+            <a:r>
+              <a:rPr lang="pt-BR" dirty="0" err="1"/>
+              <a:t>we</a:t>
+            </a:r>
+            <a:r>
+              <a:rPr lang="pt-BR" dirty="0"/>
+              <a:t> </a:t>
+            </a:r>
+            <a:r>
+              <a:rPr lang="pt-BR" dirty="0" err="1"/>
+              <a:t>can</a:t>
+            </a:r>
+            <a:r>
+              <a:rPr lang="pt-BR" dirty="0"/>
+              <a:t> </a:t>
+            </a:r>
+            <a:r>
+              <a:rPr lang="pt-BR" dirty="0" err="1"/>
+              <a:t>find</a:t>
+            </a:r>
+            <a:r>
+              <a:rPr lang="pt-BR" dirty="0"/>
+              <a:t> </a:t>
+            </a:r>
+            <a:r>
+              <a:rPr lang="pt-BR" dirty="0" err="1"/>
+              <a:t>good</a:t>
+            </a:r>
+            <a:r>
+              <a:rPr lang="pt-BR" dirty="0"/>
+              <a:t> </a:t>
+            </a:r>
+            <a:r>
+              <a:rPr lang="pt-BR" dirty="0" err="1"/>
+              <a:t>ways</a:t>
+            </a:r>
+            <a:r>
+              <a:rPr lang="pt-BR" dirty="0"/>
+              <a:t> </a:t>
+            </a:r>
+            <a:r>
+              <a:rPr lang="pt-BR" dirty="0" err="1"/>
+              <a:t>to</a:t>
+            </a:r>
+            <a:r>
+              <a:rPr lang="pt-BR" dirty="0"/>
+              <a:t> </a:t>
+            </a:r>
+            <a:r>
+              <a:rPr lang="pt-BR" dirty="0" err="1"/>
+              <a:t>reduce</a:t>
+            </a:r>
+            <a:r>
+              <a:rPr lang="pt-BR" dirty="0"/>
+              <a:t> </a:t>
+            </a:r>
+            <a:r>
+              <a:rPr lang="pt-BR" dirty="0" err="1"/>
+              <a:t>costs</a:t>
+            </a:r>
+            <a:r>
+              <a:rPr lang="pt-BR" dirty="0"/>
+              <a:t> </a:t>
+            </a:r>
+            <a:r>
+              <a:rPr lang="pt-BR" dirty="0" err="1"/>
+              <a:t>and</a:t>
+            </a:r>
+            <a:r>
+              <a:rPr lang="pt-BR" dirty="0"/>
+              <a:t> improve </a:t>
+            </a:r>
+            <a:r>
+              <a:rPr lang="pt-BR" dirty="0" err="1"/>
+              <a:t>profits</a:t>
+            </a:r>
+            <a:r>
+              <a:rPr lang="pt-BR" dirty="0"/>
+              <a:t>.</a:t>
+            </a:r>
+          </a:p>
+          <a:p>
+            <a:pPr algn="just">
+              <a:lnSpc>
+                <a:spcPct val="100000"/>
+              </a:lnSpc>
+            </a:pPr>
+            <a:endParaRPr lang="pt-BR" dirty="0"/>
+          </a:p>
+          <a:p>
+            <a:pPr algn="just">
+              <a:lnSpc>
+                <a:spcPct val="100000"/>
+              </a:lnSpc>
+            </a:pPr>
+            <a:endParaRPr lang="pt-BR" dirty="0"/>
+          </a:p>
+        </p:txBody>
+      </p:sp>
     </p:spTree>
     <p:extLst>
       <p:ext uri="{BB962C8B-B14F-4D97-AF65-F5344CB8AC3E}">
-        <p14:creationId xmlns:p14="http://schemas.microsoft.com/office/powerpoint/2010/main" val="2000981065"/>
+        <p14:creationId xmlns:p14="http://schemas.microsoft.com/office/powerpoint/2010/main" val="2526862150"/>
       </p:ext>
     </p:extLst>
   </p:cSld>
@@ -12408,18 +11280,18 @@
 </file>
 
 <file path=customXml/item2.xml><?xml version="1.0" encoding="utf-8"?>
+<p:properties xmlns:p="http://schemas.microsoft.com/office/2006/metadata/properties" xmlns:xsi="http://www.w3.org/2001/XMLSchema-instance" xmlns:pc="http://schemas.microsoft.com/office/infopath/2007/PartnerControls">
+  <documentManagement/>
+</p:properties>
+</file>
+
+<file path=customXml/item3.xml><?xml version="1.0" encoding="utf-8"?>
 <?mso-contentType ?>
 <FormTemplates xmlns="http://schemas.microsoft.com/sharepoint/v3/contenttype/forms">
   <Display>DocumentLibraryForm</Display>
   <Edit>DocumentLibraryForm</Edit>
   <New>DocumentLibraryForm</New>
 </FormTemplates>
-</file>
-
-<file path=customXml/item3.xml><?xml version="1.0" encoding="utf-8"?>
-<p:properties xmlns:p="http://schemas.microsoft.com/office/2006/metadata/properties" xmlns:xsi="http://www.w3.org/2001/XMLSchema-instance" xmlns:pc="http://schemas.microsoft.com/office/infopath/2007/PartnerControls">
-  <documentManagement/>
-</p:properties>
 </file>
 
 <file path=customXml/itemProps1.xml><?xml version="1.0" encoding="utf-8"?>
@@ -12442,14 +11314,6 @@
 </file>
 
 <file path=customXml/itemProps2.xml><?xml version="1.0" encoding="utf-8"?>
-<ds:datastoreItem xmlns:ds="http://schemas.openxmlformats.org/officeDocument/2006/customXml" ds:itemID="{9E04A035-B2FE-454D-A9B6-E33AF76005FD}">
-  <ds:schemaRefs>
-    <ds:schemaRef ds:uri="http://schemas.microsoft.com/sharepoint/v3/contenttype/forms"/>
-  </ds:schemaRefs>
-</ds:datastoreItem>
-</file>
-
-<file path=customXml/itemProps3.xml><?xml version="1.0" encoding="utf-8"?>
 <ds:datastoreItem xmlns:ds="http://schemas.openxmlformats.org/officeDocument/2006/customXml" ds:itemID="{AA48C178-0C8C-4D4B-B38E-69BC14B01D0E}">
   <ds:schemaRefs>
     <ds:schemaRef ds:uri="http://purl.org/dc/elements/1.1/"/>
@@ -12464,4 +11328,12 @@
     <ds:schemaRef ds:uri="http://purl.org/dc/dcmitype/"/>
   </ds:schemaRefs>
 </ds:datastoreItem>
+</file>
+
+<file path=customXml/itemProps3.xml><?xml version="1.0" encoding="utf-8"?>
+<ds:datastoreItem xmlns:ds="http://schemas.openxmlformats.org/officeDocument/2006/customXml" ds:itemID="{9E04A035-B2FE-454D-A9B6-E33AF76005FD}">
+  <ds:schemaRefs>
+    <ds:schemaRef ds:uri="http://schemas.microsoft.com/sharepoint/v3/contenttype/forms"/>
+  </ds:schemaRefs>
+</ds:datastoreItem>
 </file>
--- a/iFood Data Business Analyst Case.pptx
+++ b/iFood Data Business Analyst Case.pptx
@@ -4541,7 +4541,7 @@
             </a:r>
             <a:r>
               <a:rPr lang="pt-br" dirty="0" err="1"/>
-              <a:t>campaing</a:t>
+              <a:t>campaign</a:t>
             </a:r>
             <a:r>
               <a:rPr lang="pt-br" dirty="0"/>
@@ -8590,7 +8590,7 @@
           <p:nvPr>
             <p:extLst>
               <p:ext uri="{D42A27DB-BD31-4B8C-83A1-F6EECF244321}">
-                <p14:modId xmlns:p14="http://schemas.microsoft.com/office/powerpoint/2010/main" val="647282741"/>
+                <p14:modId xmlns:p14="http://schemas.microsoft.com/office/powerpoint/2010/main" val="3493478334"/>
               </p:ext>
             </p:extLst>
           </p:nvPr>
@@ -8785,7 +8785,7 @@
                       <a:pPr algn="ctr"/>
                       <a:r>
                         <a:rPr lang="en-US" sz="1000" dirty="0"/>
-                        <a:t>275</a:t>
+                        <a:t>276</a:t>
                       </a:r>
                       <a:endParaRPr lang="pt-BR" sz="1000" dirty="0"/>
                     </a:p>
@@ -8800,7 +8800,7 @@
                       <a:pPr algn="ctr"/>
                       <a:r>
                         <a:rPr lang="en-US" sz="1000" dirty="0"/>
-                        <a:t>3025</a:t>
+                        <a:t>3031</a:t>
                       </a:r>
                       <a:endParaRPr lang="pt-BR" sz="1000" dirty="0"/>
                     </a:p>
@@ -8819,7 +8819,7 @@
                             <a:srgbClr val="00B050"/>
                           </a:solidFill>
                         </a:rPr>
-                        <a:t>1072</a:t>
+                        <a:t>1078</a:t>
                       </a:r>
                       <a:endParaRPr lang="pt-BR" sz="1000" b="1" dirty="0">
                         <a:solidFill>
@@ -9152,7 +9152,7 @@
             </a:r>
             <a:r>
               <a:rPr lang="pt-BR" dirty="0"/>
-              <a:t> 42,24%;</a:t>
+              <a:t> 42,34%;</a:t>
             </a:r>
           </a:p>
           <a:p>
@@ -9203,7 +9203,7 @@
                   <a:srgbClr val="00B050"/>
                 </a:solidFill>
               </a:rPr>
-              <a:t>1072MU</a:t>
+              <a:t>1078MU</a:t>
             </a:r>
             <a:r>
               <a:rPr lang="pt-BR" dirty="0"/>
@@ -9289,7 +9289,7 @@
             </a:r>
             <a:r>
               <a:rPr lang="pt-BR" dirty="0"/>
-              <a:t> 275 </a:t>
+              <a:t> 276 </a:t>
             </a:r>
             <a:r>
               <a:rPr lang="pt-BR" dirty="0" err="1"/>
@@ -9904,7 +9904,7 @@
             </a:r>
             <a:r>
               <a:rPr lang="pt-BR" dirty="0"/>
-              <a:t> 42,24% </a:t>
+              <a:t> 42,34% </a:t>
             </a:r>
             <a:r>
               <a:rPr lang="pt-BR" dirty="0" err="1"/>
@@ -9920,7 +9920,7 @@
             </a:r>
             <a:r>
               <a:rPr lang="pt-BR" dirty="0"/>
-              <a:t> 275 gadgets </a:t>
+              <a:t> 276 gadgets </a:t>
             </a:r>
             <a:r>
               <a:rPr lang="pt-BR" dirty="0" err="1"/>
@@ -9960,7 +9960,7 @@
                   <a:srgbClr val="00B050"/>
                 </a:solidFill>
               </a:rPr>
-              <a:t>1072MU</a:t>
+              <a:t>1078MU</a:t>
             </a:r>
             <a:r>
               <a:rPr lang="pt-BR" dirty="0"/>
@@ -11065,6 +11065,21 @@
 </file>
 
 <file path=customXml/item1.xml><?xml version="1.0" encoding="utf-8"?>
+<?mso-contentType ?>
+<FormTemplates xmlns="http://schemas.microsoft.com/sharepoint/v3/contenttype/forms">
+  <Display>DocumentLibraryForm</Display>
+  <Edit>DocumentLibraryForm</Edit>
+  <New>DocumentLibraryForm</New>
+</FormTemplates>
+</file>
+
+<file path=customXml/item2.xml><?xml version="1.0" encoding="utf-8"?>
+<p:properties xmlns:p="http://schemas.microsoft.com/office/2006/metadata/properties" xmlns:xsi="http://www.w3.org/2001/XMLSchema-instance" xmlns:pc="http://schemas.microsoft.com/office/infopath/2007/PartnerControls">
+  <documentManagement/>
+</p:properties>
+</file>
+
+<file path=customXml/item3.xml><?xml version="1.0" encoding="utf-8"?>
 <ct:contentTypeSchema xmlns:ct="http://schemas.microsoft.com/office/2006/metadata/contentType" xmlns:ma="http://schemas.microsoft.com/office/2006/metadata/properties/metaAttributes" ct:_="" ma:_="" ma:contentTypeName="Documento" ma:contentTypeID="0x0101003705642833BBA54B93B20B9FB13ACAD2" ma:contentTypeVersion="12" ma:contentTypeDescription="Crie um novo documento." ma:contentTypeScope="" ma:versionID="2fc20189d0649dce69e4d3cfaf0fe53f">
   <xsd:schema xmlns:xsd="http://www.w3.org/2001/XMLSchema" xmlns:xs="http://www.w3.org/2001/XMLSchema" xmlns:p="http://schemas.microsoft.com/office/2006/metadata/properties" xmlns:ns3="60f53fd5-2826-4ec0-b1b7-e5d662d21a63" xmlns:ns4="33b9004d-78d3-449b-a925-5a5d21e9380a" targetNamespace="http://schemas.microsoft.com/office/2006/metadata/properties" ma:root="true" ma:fieldsID="6d8afb4ffcf6800132ef2d423559f18c" ns3:_="" ns4:_="">
     <xsd:import namespace="60f53fd5-2826-4ec0-b1b7-e5d662d21a63"/>
@@ -11279,36 +11294,10 @@
 </ct:contentTypeSchema>
 </file>
 
-<file path=customXml/item2.xml><?xml version="1.0" encoding="utf-8"?>
-<p:properties xmlns:p="http://schemas.microsoft.com/office/2006/metadata/properties" xmlns:xsi="http://www.w3.org/2001/XMLSchema-instance" xmlns:pc="http://schemas.microsoft.com/office/infopath/2007/PartnerControls">
-  <documentManagement/>
-</p:properties>
-</file>
-
-<file path=customXml/item3.xml><?xml version="1.0" encoding="utf-8"?>
-<?mso-contentType ?>
-<FormTemplates xmlns="http://schemas.microsoft.com/sharepoint/v3/contenttype/forms">
-  <Display>DocumentLibraryForm</Display>
-  <Edit>DocumentLibraryForm</Edit>
-  <New>DocumentLibraryForm</New>
-</FormTemplates>
-</file>
-
 <file path=customXml/itemProps1.xml><?xml version="1.0" encoding="utf-8"?>
-<ds:datastoreItem xmlns:ds="http://schemas.openxmlformats.org/officeDocument/2006/customXml" ds:itemID="{E8C11CBB-A7E7-4D24-B141-C23317986DAC}">
+<ds:datastoreItem xmlns:ds="http://schemas.openxmlformats.org/officeDocument/2006/customXml" ds:itemID="{9E04A035-B2FE-454D-A9B6-E33AF76005FD}">
   <ds:schemaRefs>
-    <ds:schemaRef ds:uri="http://schemas.microsoft.com/office/2006/metadata/contentType"/>
-    <ds:schemaRef ds:uri="http://schemas.microsoft.com/office/2006/metadata/properties/metaAttributes"/>
-    <ds:schemaRef ds:uri="http://www.w3.org/2001/XMLSchema"/>
-    <ds:schemaRef ds:uri="http://schemas.microsoft.com/office/2006/metadata/properties"/>
-    <ds:schemaRef ds:uri="60f53fd5-2826-4ec0-b1b7-e5d662d21a63"/>
-    <ds:schemaRef ds:uri="33b9004d-78d3-449b-a925-5a5d21e9380a"/>
-    <ds:schemaRef ds:uri="http://schemas.microsoft.com/office/2006/documentManagement/types"/>
-    <ds:schemaRef ds:uri="http://schemas.microsoft.com/office/infopath/2007/PartnerControls"/>
-    <ds:schemaRef ds:uri="http://schemas.openxmlformats.org/package/2006/metadata/core-properties"/>
-    <ds:schemaRef ds:uri="http://purl.org/dc/elements/1.1/"/>
-    <ds:schemaRef ds:uri="http://purl.org/dc/terms/"/>
-    <ds:schemaRef ds:uri="http://schemas.microsoft.com/internal/obd"/>
+    <ds:schemaRef ds:uri="http://schemas.microsoft.com/sharepoint/v3/contenttype/forms"/>
   </ds:schemaRefs>
 </ds:datastoreItem>
 </file>
@@ -11331,9 +11320,20 @@
 </file>
 
 <file path=customXml/itemProps3.xml><?xml version="1.0" encoding="utf-8"?>
-<ds:datastoreItem xmlns:ds="http://schemas.openxmlformats.org/officeDocument/2006/customXml" ds:itemID="{9E04A035-B2FE-454D-A9B6-E33AF76005FD}">
+<ds:datastoreItem xmlns:ds="http://schemas.openxmlformats.org/officeDocument/2006/customXml" ds:itemID="{E8C11CBB-A7E7-4D24-B141-C23317986DAC}">
   <ds:schemaRefs>
-    <ds:schemaRef ds:uri="http://schemas.microsoft.com/sharepoint/v3/contenttype/forms"/>
+    <ds:schemaRef ds:uri="http://schemas.microsoft.com/office/2006/metadata/contentType"/>
+    <ds:schemaRef ds:uri="http://schemas.microsoft.com/office/2006/metadata/properties/metaAttributes"/>
+    <ds:schemaRef ds:uri="http://www.w3.org/2001/XMLSchema"/>
+    <ds:schemaRef ds:uri="http://schemas.microsoft.com/office/2006/metadata/properties"/>
+    <ds:schemaRef ds:uri="60f53fd5-2826-4ec0-b1b7-e5d662d21a63"/>
+    <ds:schemaRef ds:uri="33b9004d-78d3-449b-a925-5a5d21e9380a"/>
+    <ds:schemaRef ds:uri="http://schemas.microsoft.com/office/2006/documentManagement/types"/>
+    <ds:schemaRef ds:uri="http://schemas.microsoft.com/office/infopath/2007/PartnerControls"/>
+    <ds:schemaRef ds:uri="http://schemas.openxmlformats.org/package/2006/metadata/core-properties"/>
+    <ds:schemaRef ds:uri="http://purl.org/dc/elements/1.1/"/>
+    <ds:schemaRef ds:uri="http://purl.org/dc/terms/"/>
+    <ds:schemaRef ds:uri="http://schemas.microsoft.com/internal/obd"/>
   </ds:schemaRefs>
 </ds:datastoreItem>
 </file>